--- a/FOOF_RBG_Wiring.pptx
+++ b/FOOF_RBG_Wiring.pptx
@@ -9,8 +9,7 @@
     <p:sldId id="257" r:id="rId3"/>
     <p:sldId id="258" r:id="rId4"/>
     <p:sldId id="259" r:id="rId5"/>
-    <p:sldId id="260" r:id="rId6"/>
-    <p:sldId id="261" r:id="rId7"/>
+    <p:sldId id="261" r:id="rId6"/>
   </p:sldIdLst>
   <p:sldSz cx="12192000" cy="6858000"/>
   <p:notesSz cx="7315200" cy="9601200"/>
@@ -109,6 +108,11 @@
       </a:defRPr>
     </a:lvl9pPr>
   </p:defaultTextStyle>
+  <p:extLst>
+    <p:ext uri="{EFAFB233-063F-42B5-8137-9DF3F51BA10A}">
+      <p15:sldGuideLst xmlns:p15="http://schemas.microsoft.com/office/powerpoint/2012/main"/>
+    </p:ext>
+  </p:extLst>
 </p:presentation>
 </file>
 
@@ -268,7 +272,7 @@
           <a:p>
             <a:fld id="{02AC24A9-CCB6-4F8D-B8DB-C2F3692CFA5A}" type="datetimeFigureOut">
               <a:rPr lang="en-US" smtClean="0"/>
-              <a:t>3/20/2020</a:t>
+              <a:t>3/21/2020</a:t>
             </a:fld>
             <a:endParaRPr lang="en-US" dirty="0"/>
           </a:p>
@@ -638,7 +642,7 @@
           <a:p>
             <a:fld id="{02AC24A9-CCB6-4F8D-B8DB-C2F3692CFA5A}" type="datetimeFigureOut">
               <a:rPr lang="en-US" smtClean="0"/>
-              <a:t>3/20/2020</a:t>
+              <a:t>3/21/2020</a:t>
             </a:fld>
             <a:endParaRPr lang="en-US"/>
           </a:p>
@@ -847,7 +851,7 @@
           <a:p>
             <a:fld id="{02AC24A9-CCB6-4F8D-B8DB-C2F3692CFA5A}" type="datetimeFigureOut">
               <a:rPr lang="en-US" smtClean="0"/>
-              <a:t>3/20/2020</a:t>
+              <a:t>3/21/2020</a:t>
             </a:fld>
             <a:endParaRPr lang="en-US"/>
           </a:p>
@@ -1317,7 +1321,7 @@
           <a:p>
             <a:fld id="{02AC24A9-CCB6-4F8D-B8DB-C2F3692CFA5A}" type="datetimeFigureOut">
               <a:rPr lang="en-US" smtClean="0"/>
-              <a:t>3/20/2020</a:t>
+              <a:t>3/21/2020</a:t>
             </a:fld>
             <a:endParaRPr lang="en-US"/>
           </a:p>
@@ -1771,7 +1775,7 @@
           <a:p>
             <a:fld id="{02AC24A9-CCB6-4F8D-B8DB-C2F3692CFA5A}" type="datetimeFigureOut">
               <a:rPr lang="en-US" smtClean="0"/>
-              <a:t>3/20/2020</a:t>
+              <a:t>3/21/2020</a:t>
             </a:fld>
             <a:endParaRPr lang="en-US"/>
           </a:p>
@@ -2303,7 +2307,7 @@
           <a:p>
             <a:fld id="{02AC24A9-CCB6-4F8D-B8DB-C2F3692CFA5A}" type="datetimeFigureOut">
               <a:rPr lang="en-US" smtClean="0"/>
-              <a:t>3/20/2020</a:t>
+              <a:t>3/21/2020</a:t>
             </a:fld>
             <a:endParaRPr lang="en-US"/>
           </a:p>
@@ -3002,7 +3006,7 @@
           <a:p>
             <a:fld id="{02AC24A9-CCB6-4F8D-B8DB-C2F3692CFA5A}" type="datetimeFigureOut">
               <a:rPr lang="en-US" smtClean="0"/>
-              <a:t>3/20/2020</a:t>
+              <a:t>3/21/2020</a:t>
             </a:fld>
             <a:endParaRPr lang="en-US"/>
           </a:p>
@@ -3331,7 +3335,7 @@
           <a:p>
             <a:fld id="{02AC24A9-CCB6-4F8D-B8DB-C2F3692CFA5A}" type="datetimeFigureOut">
               <a:rPr lang="en-US" smtClean="0"/>
-              <a:t>3/20/2020</a:t>
+              <a:t>3/21/2020</a:t>
             </a:fld>
             <a:endParaRPr lang="en-US"/>
           </a:p>
@@ -3444,7 +3448,7 @@
           <a:p>
             <a:fld id="{02AC24A9-CCB6-4F8D-B8DB-C2F3692CFA5A}" type="datetimeFigureOut">
               <a:rPr lang="en-US" smtClean="0"/>
-              <a:t>3/20/2020</a:t>
+              <a:t>3/21/2020</a:t>
             </a:fld>
             <a:endParaRPr lang="en-US"/>
           </a:p>
@@ -3939,7 +3943,7 @@
           <a:p>
             <a:fld id="{02AC24A9-CCB6-4F8D-B8DB-C2F3692CFA5A}" type="datetimeFigureOut">
               <a:rPr lang="en-US" smtClean="0"/>
-              <a:t>3/20/2020</a:t>
+              <a:t>3/21/2020</a:t>
             </a:fld>
             <a:endParaRPr lang="en-US" dirty="0"/>
           </a:p>
@@ -4416,7 +4420,7 @@
           <a:p>
             <a:fld id="{02AC24A9-CCB6-4F8D-B8DB-C2F3692CFA5A}" type="datetimeFigureOut">
               <a:rPr lang="en-US" smtClean="0"/>
-              <a:t>3/20/2020</a:t>
+              <a:t>3/21/2020</a:t>
             </a:fld>
             <a:endParaRPr lang="en-US"/>
           </a:p>
@@ -4659,7 +4663,7 @@
           <a:p>
             <a:fld id="{02AC24A9-CCB6-4F8D-B8DB-C2F3692CFA5A}" type="datetimeFigureOut">
               <a:rPr lang="en-US" smtClean="0"/>
-              <a:t>3/20/2020</a:t>
+              <a:t>3/21/2020</a:t>
             </a:fld>
             <a:endParaRPr lang="en-US"/>
           </a:p>
@@ -5341,11 +5345,14 @@
           </a:bodyPr>
           <a:lstStyle/>
           <a:p>
-            <a:endParaRPr lang="en-US" sz="1700" dirty="0">
-              <a:solidFill>
-                <a:schemeClr val="bg1"/>
-              </a:solidFill>
-            </a:endParaRPr>
+            <a:r>
+              <a:rPr lang="en-US" sz="1700" dirty="0">
+                <a:solidFill>
+                  <a:schemeClr val="bg1"/>
+                </a:solidFill>
+              </a:rPr>
+              <a:t>… the AWESOME</a:t>
+            </a:r>
           </a:p>
         </p:txBody>
       </p:sp>
@@ -5602,6 +5609,58 @@
           <a:chExt cx="0" cy="0"/>
         </a:xfrm>
       </p:grpSpPr>
+      <p:sp>
+        <p:nvSpPr>
+          <p:cNvPr id="53" name="Rectangle 52">
+            <a:extLst>
+              <a:ext uri="{FF2B5EF4-FFF2-40B4-BE49-F238E27FC236}">
+                <a16:creationId xmlns:a16="http://schemas.microsoft.com/office/drawing/2014/main" id="{2676C4B8-A34E-4866-BD0C-383785529D90}"/>
+              </a:ext>
+            </a:extLst>
+          </p:cNvPr>
+          <p:cNvSpPr/>
+          <p:nvPr/>
+        </p:nvSpPr>
+        <p:spPr>
+          <a:xfrm>
+            <a:off x="7754351" y="2267953"/>
+            <a:ext cx="3459278" cy="4120813"/>
+          </a:xfrm>
+          <a:prstGeom prst="rect">
+            <a:avLst/>
+          </a:prstGeom>
+          <a:solidFill>
+            <a:schemeClr val="accent3">
+              <a:lumMod val="40000"/>
+              <a:lumOff val="60000"/>
+            </a:schemeClr>
+          </a:solidFill>
+        </p:spPr>
+        <p:style>
+          <a:lnRef idx="2">
+            <a:schemeClr val="accent1">
+              <a:shade val="50000"/>
+            </a:schemeClr>
+          </a:lnRef>
+          <a:fillRef idx="1">
+            <a:schemeClr val="accent1"/>
+          </a:fillRef>
+          <a:effectRef idx="0">
+            <a:schemeClr val="accent1"/>
+          </a:effectRef>
+          <a:fontRef idx="minor">
+            <a:schemeClr val="lt1"/>
+          </a:fontRef>
+        </p:style>
+        <p:txBody>
+          <a:bodyPr rtlCol="0" anchor="ctr"/>
+          <a:lstStyle/>
+          <a:p>
+            <a:pPr algn="ctr"/>
+            <a:endParaRPr lang="en-US"/>
+          </a:p>
+        </p:txBody>
+      </p:sp>
       <p:sp>
         <p:nvSpPr>
           <p:cNvPr id="2" name="Title 1">
@@ -7128,6 +7187,629 @@
           </p:sp>
         </p:grpSp>
       </p:grpSp>
+      <p:sp>
+        <p:nvSpPr>
+          <p:cNvPr id="45" name="Rectangle 44">
+            <a:extLst>
+              <a:ext uri="{FF2B5EF4-FFF2-40B4-BE49-F238E27FC236}">
+                <a16:creationId xmlns:a16="http://schemas.microsoft.com/office/drawing/2014/main" id="{C2D42E0B-6F1F-4787-97DF-8A37AA1A378E}"/>
+              </a:ext>
+            </a:extLst>
+          </p:cNvPr>
+          <p:cNvSpPr/>
+          <p:nvPr/>
+        </p:nvSpPr>
+        <p:spPr>
+          <a:xfrm rot="15064516">
+            <a:off x="9492362" y="3832303"/>
+            <a:ext cx="850988" cy="331313"/>
+          </a:xfrm>
+          <a:prstGeom prst="rect">
+            <a:avLst/>
+          </a:prstGeom>
+        </p:spPr>
+        <p:style>
+          <a:lnRef idx="2">
+            <a:schemeClr val="accent5">
+              <a:shade val="50000"/>
+            </a:schemeClr>
+          </a:lnRef>
+          <a:fillRef idx="1">
+            <a:schemeClr val="accent5"/>
+          </a:fillRef>
+          <a:effectRef idx="0">
+            <a:schemeClr val="accent5"/>
+          </a:effectRef>
+          <a:fontRef idx="minor">
+            <a:schemeClr val="lt1"/>
+          </a:fontRef>
+        </p:style>
+        <p:txBody>
+          <a:bodyPr rtlCol="0" anchor="ctr"/>
+          <a:lstStyle/>
+          <a:p>
+            <a:pPr algn="ctr"/>
+            <a:r>
+              <a:rPr lang="en-US" dirty="0"/>
+              <a:t> UBEC</a:t>
+            </a:r>
+          </a:p>
+        </p:txBody>
+      </p:sp>
+      <p:sp>
+        <p:nvSpPr>
+          <p:cNvPr id="46" name="Rectangle 45">
+            <a:extLst>
+              <a:ext uri="{FF2B5EF4-FFF2-40B4-BE49-F238E27FC236}">
+                <a16:creationId xmlns:a16="http://schemas.microsoft.com/office/drawing/2014/main" id="{E31FABF1-7932-4ED2-B131-69D21A2B65B9}"/>
+              </a:ext>
+            </a:extLst>
+          </p:cNvPr>
+          <p:cNvSpPr/>
+          <p:nvPr/>
+        </p:nvSpPr>
+        <p:spPr>
+          <a:xfrm rot="3355565">
+            <a:off x="9665928" y="3308220"/>
+            <a:ext cx="175572" cy="336594"/>
+          </a:xfrm>
+          <a:prstGeom prst="rect">
+            <a:avLst/>
+          </a:prstGeom>
+          <a:solidFill>
+            <a:schemeClr val="accent6">
+              <a:lumMod val="40000"/>
+              <a:lumOff val="60000"/>
+            </a:schemeClr>
+          </a:solidFill>
+        </p:spPr>
+        <p:style>
+          <a:lnRef idx="2">
+            <a:schemeClr val="accent1">
+              <a:shade val="50000"/>
+            </a:schemeClr>
+          </a:lnRef>
+          <a:fillRef idx="1">
+            <a:schemeClr val="accent1"/>
+          </a:fillRef>
+          <a:effectRef idx="0">
+            <a:schemeClr val="accent1"/>
+          </a:effectRef>
+          <a:fontRef idx="minor">
+            <a:schemeClr val="lt1"/>
+          </a:fontRef>
+        </p:style>
+        <p:txBody>
+          <a:bodyPr rtlCol="0" anchor="ctr"/>
+          <a:lstStyle/>
+          <a:p>
+            <a:pPr algn="ctr"/>
+            <a:endParaRPr lang="en-US"/>
+          </a:p>
+        </p:txBody>
+      </p:sp>
+      <p:sp>
+        <p:nvSpPr>
+          <p:cNvPr id="47" name="Rectangle 46">
+            <a:extLst>
+              <a:ext uri="{FF2B5EF4-FFF2-40B4-BE49-F238E27FC236}">
+                <a16:creationId xmlns:a16="http://schemas.microsoft.com/office/drawing/2014/main" id="{E196A17A-171A-424B-9B14-939BD957AA68}"/>
+              </a:ext>
+            </a:extLst>
+          </p:cNvPr>
+          <p:cNvSpPr/>
+          <p:nvPr/>
+        </p:nvSpPr>
+        <p:spPr>
+          <a:xfrm rot="4359892">
+            <a:off x="9600943" y="5090236"/>
+            <a:ext cx="1126941" cy="417140"/>
+          </a:xfrm>
+          <a:prstGeom prst="rect">
+            <a:avLst/>
+          </a:prstGeom>
+          <a:solidFill>
+            <a:schemeClr val="accent5"/>
+          </a:solidFill>
+          <a:ln>
+            <a:solidFill>
+              <a:schemeClr val="accent5"/>
+            </a:solidFill>
+          </a:ln>
+        </p:spPr>
+        <p:style>
+          <a:lnRef idx="2">
+            <a:schemeClr val="accent1">
+              <a:shade val="50000"/>
+            </a:schemeClr>
+          </a:lnRef>
+          <a:fillRef idx="1">
+            <a:schemeClr val="accent1"/>
+          </a:fillRef>
+          <a:effectRef idx="0">
+            <a:schemeClr val="accent1"/>
+          </a:effectRef>
+          <a:fontRef idx="minor">
+            <a:schemeClr val="lt1"/>
+          </a:fontRef>
+        </p:style>
+        <p:txBody>
+          <a:bodyPr rtlCol="0" anchor="ctr"/>
+          <a:lstStyle/>
+          <a:p>
+            <a:pPr algn="ctr"/>
+            <a:r>
+              <a:rPr lang="en-US" dirty="0" err="1"/>
+              <a:t>Ardu</a:t>
+            </a:r>
+            <a:endParaRPr lang="en-US" dirty="0"/>
+          </a:p>
+        </p:txBody>
+      </p:sp>
+      <p:sp>
+        <p:nvSpPr>
+          <p:cNvPr id="48" name="Rectangle 47">
+            <a:extLst>
+              <a:ext uri="{FF2B5EF4-FFF2-40B4-BE49-F238E27FC236}">
+                <a16:creationId xmlns:a16="http://schemas.microsoft.com/office/drawing/2014/main" id="{0841309E-6BAE-49C4-B771-6AA5EC1A745B}"/>
+              </a:ext>
+            </a:extLst>
+          </p:cNvPr>
+          <p:cNvSpPr/>
+          <p:nvPr/>
+        </p:nvSpPr>
+        <p:spPr>
+          <a:xfrm rot="20653546">
+            <a:off x="10693744" y="5042581"/>
+            <a:ext cx="64302" cy="784651"/>
+          </a:xfrm>
+          <a:prstGeom prst="rect">
+            <a:avLst/>
+          </a:prstGeom>
+          <a:solidFill>
+            <a:schemeClr val="accent4">
+              <a:lumMod val="60000"/>
+              <a:lumOff val="40000"/>
+            </a:schemeClr>
+          </a:solidFill>
+        </p:spPr>
+        <p:style>
+          <a:lnRef idx="2">
+            <a:schemeClr val="accent1">
+              <a:shade val="50000"/>
+            </a:schemeClr>
+          </a:lnRef>
+          <a:fillRef idx="1">
+            <a:schemeClr val="accent1"/>
+          </a:fillRef>
+          <a:effectRef idx="0">
+            <a:schemeClr val="accent1"/>
+          </a:effectRef>
+          <a:fontRef idx="minor">
+            <a:schemeClr val="lt1"/>
+          </a:fontRef>
+        </p:style>
+        <p:txBody>
+          <a:bodyPr rtlCol="0" anchor="ctr"/>
+          <a:lstStyle/>
+          <a:p>
+            <a:pPr algn="ctr"/>
+            <a:endParaRPr lang="en-US"/>
+          </a:p>
+        </p:txBody>
+      </p:sp>
+      <p:sp>
+        <p:nvSpPr>
+          <p:cNvPr id="50" name="Rectangle 49">
+            <a:extLst>
+              <a:ext uri="{FF2B5EF4-FFF2-40B4-BE49-F238E27FC236}">
+                <a16:creationId xmlns:a16="http://schemas.microsoft.com/office/drawing/2014/main" id="{175C32C4-9BC0-43B4-AE87-1C67270923C3}"/>
+              </a:ext>
+            </a:extLst>
+          </p:cNvPr>
+          <p:cNvSpPr/>
+          <p:nvPr/>
+        </p:nvSpPr>
+        <p:spPr>
+          <a:xfrm>
+            <a:off x="10024535" y="2508710"/>
+            <a:ext cx="248778" cy="98118"/>
+          </a:xfrm>
+          <a:prstGeom prst="rect">
+            <a:avLst/>
+          </a:prstGeom>
+          <a:solidFill>
+            <a:srgbClr val="36F856"/>
+          </a:solidFill>
+        </p:spPr>
+        <p:style>
+          <a:lnRef idx="2">
+            <a:schemeClr val="accent1">
+              <a:shade val="50000"/>
+            </a:schemeClr>
+          </a:lnRef>
+          <a:fillRef idx="1">
+            <a:schemeClr val="accent1"/>
+          </a:fillRef>
+          <a:effectRef idx="0">
+            <a:schemeClr val="accent1"/>
+          </a:effectRef>
+          <a:fontRef idx="minor">
+            <a:schemeClr val="lt1"/>
+          </a:fontRef>
+        </p:style>
+        <p:txBody>
+          <a:bodyPr rtlCol="0" anchor="ctr"/>
+          <a:lstStyle/>
+          <a:p>
+            <a:pPr algn="ctr"/>
+            <a:endParaRPr lang="en-US"/>
+          </a:p>
+        </p:txBody>
+      </p:sp>
+      <p:grpSp>
+        <p:nvGrpSpPr>
+          <p:cNvPr id="3" name="Group 2">
+            <a:extLst>
+              <a:ext uri="{FF2B5EF4-FFF2-40B4-BE49-F238E27FC236}">
+                <a16:creationId xmlns:a16="http://schemas.microsoft.com/office/drawing/2014/main" id="{A2A25935-442C-4967-9980-EB18A1A96CD4}"/>
+              </a:ext>
+            </a:extLst>
+          </p:cNvPr>
+          <p:cNvGrpSpPr/>
+          <p:nvPr/>
+        </p:nvGrpSpPr>
+        <p:grpSpPr>
+          <a:xfrm>
+            <a:off x="8599866" y="2592467"/>
+            <a:ext cx="549138" cy="600209"/>
+            <a:chOff x="8599866" y="2592467"/>
+            <a:chExt cx="549138" cy="600209"/>
+          </a:xfrm>
+        </p:grpSpPr>
+        <p:sp>
+          <p:nvSpPr>
+            <p:cNvPr id="51" name="Rectangle 50">
+              <a:extLst>
+                <a:ext uri="{FF2B5EF4-FFF2-40B4-BE49-F238E27FC236}">
+                  <a16:creationId xmlns:a16="http://schemas.microsoft.com/office/drawing/2014/main" id="{D3E57ED4-A359-4F6F-9E26-33A0A1BE49EE}"/>
+                </a:ext>
+              </a:extLst>
+            </p:cNvPr>
+            <p:cNvSpPr/>
+            <p:nvPr/>
+          </p:nvSpPr>
+          <p:spPr>
+            <a:xfrm>
+              <a:off x="8599866" y="2620374"/>
+              <a:ext cx="549138" cy="572302"/>
+            </a:xfrm>
+            <a:prstGeom prst="rect">
+              <a:avLst/>
+            </a:prstGeom>
+            <a:solidFill>
+              <a:schemeClr val="accent5"/>
+            </a:solidFill>
+            <a:ln>
+              <a:solidFill>
+                <a:srgbClr val="0070C0"/>
+              </a:solidFill>
+            </a:ln>
+          </p:spPr>
+          <p:style>
+            <a:lnRef idx="2">
+              <a:schemeClr val="accent1">
+                <a:shade val="50000"/>
+              </a:schemeClr>
+            </a:lnRef>
+            <a:fillRef idx="1">
+              <a:schemeClr val="accent1"/>
+            </a:fillRef>
+            <a:effectRef idx="0">
+              <a:schemeClr val="accent1"/>
+            </a:effectRef>
+            <a:fontRef idx="minor">
+              <a:schemeClr val="lt1"/>
+            </a:fontRef>
+          </p:style>
+          <p:txBody>
+            <a:bodyPr rtlCol="0" anchor="ctr"/>
+            <a:lstStyle/>
+            <a:p>
+              <a:pPr algn="ctr"/>
+              <a:r>
+                <a:rPr lang="en-US" sz="1200" dirty="0"/>
+                <a:t>YX</a:t>
+              </a:r>
+            </a:p>
+            <a:p>
+              <a:pPr algn="ctr"/>
+              <a:r>
+                <a:rPr lang="en-US" sz="1200" dirty="0"/>
+                <a:t>5200</a:t>
+              </a:r>
+            </a:p>
+          </p:txBody>
+        </p:sp>
+        <p:sp>
+          <p:nvSpPr>
+            <p:cNvPr id="54" name="Oval 53">
+              <a:extLst>
+                <a:ext uri="{FF2B5EF4-FFF2-40B4-BE49-F238E27FC236}">
+                  <a16:creationId xmlns:a16="http://schemas.microsoft.com/office/drawing/2014/main" id="{B1C226CC-A7F7-4CB5-99FF-669919FA6828}"/>
+                </a:ext>
+              </a:extLst>
+            </p:cNvPr>
+            <p:cNvSpPr/>
+            <p:nvPr/>
+          </p:nvSpPr>
+          <p:spPr>
+            <a:xfrm>
+              <a:off x="8838064" y="2592467"/>
+              <a:ext cx="54186" cy="46399"/>
+            </a:xfrm>
+            <a:prstGeom prst="ellipse">
+              <a:avLst/>
+            </a:prstGeom>
+            <a:solidFill>
+              <a:schemeClr val="accent3">
+                <a:lumMod val="40000"/>
+                <a:lumOff val="60000"/>
+              </a:schemeClr>
+            </a:solidFill>
+            <a:ln>
+              <a:solidFill>
+                <a:schemeClr val="accent3">
+                  <a:lumMod val="40000"/>
+                  <a:lumOff val="60000"/>
+                </a:schemeClr>
+              </a:solidFill>
+            </a:ln>
+          </p:spPr>
+          <p:style>
+            <a:lnRef idx="2">
+              <a:schemeClr val="accent1">
+                <a:shade val="50000"/>
+              </a:schemeClr>
+            </a:lnRef>
+            <a:fillRef idx="1">
+              <a:schemeClr val="accent1"/>
+            </a:fillRef>
+            <a:effectRef idx="0">
+              <a:schemeClr val="accent1"/>
+            </a:effectRef>
+            <a:fontRef idx="minor">
+              <a:schemeClr val="lt1"/>
+            </a:fontRef>
+          </p:style>
+          <p:txBody>
+            <a:bodyPr rtlCol="0" anchor="ctr"/>
+            <a:lstStyle/>
+            <a:p>
+              <a:pPr algn="ctr"/>
+              <a:endParaRPr lang="en-US"/>
+            </a:p>
+          </p:txBody>
+        </p:sp>
+      </p:grpSp>
+      <p:grpSp>
+        <p:nvGrpSpPr>
+          <p:cNvPr id="4" name="Group 3">
+            <a:extLst>
+              <a:ext uri="{FF2B5EF4-FFF2-40B4-BE49-F238E27FC236}">
+                <a16:creationId xmlns:a16="http://schemas.microsoft.com/office/drawing/2014/main" id="{CBDBB551-5861-46A6-B8A6-FCC2E117A75F}"/>
+              </a:ext>
+            </a:extLst>
+          </p:cNvPr>
+          <p:cNvGrpSpPr/>
+          <p:nvPr/>
+        </p:nvGrpSpPr>
+        <p:grpSpPr>
+          <a:xfrm>
+            <a:off x="9382567" y="3220117"/>
+            <a:ext cx="534377" cy="189534"/>
+            <a:chOff x="9382567" y="3220117"/>
+            <a:chExt cx="534377" cy="189534"/>
+          </a:xfrm>
+        </p:grpSpPr>
+        <p:sp>
+          <p:nvSpPr>
+            <p:cNvPr id="44" name="Rectangle 43">
+              <a:extLst>
+                <a:ext uri="{FF2B5EF4-FFF2-40B4-BE49-F238E27FC236}">
+                  <a16:creationId xmlns:a16="http://schemas.microsoft.com/office/drawing/2014/main" id="{C1528BA4-BD45-4A51-829E-55B07D3A29FD}"/>
+                </a:ext>
+              </a:extLst>
+            </p:cNvPr>
+            <p:cNvSpPr/>
+            <p:nvPr/>
+          </p:nvSpPr>
+          <p:spPr>
+            <a:xfrm rot="20675816">
+              <a:off x="9382567" y="3230531"/>
+              <a:ext cx="517241" cy="179120"/>
+            </a:xfrm>
+            <a:prstGeom prst="rect">
+              <a:avLst/>
+            </a:prstGeom>
+          </p:spPr>
+          <p:style>
+            <a:lnRef idx="2">
+              <a:schemeClr val="accent1">
+                <a:shade val="50000"/>
+              </a:schemeClr>
+            </a:lnRef>
+            <a:fillRef idx="1">
+              <a:schemeClr val="accent1"/>
+            </a:fillRef>
+            <a:effectRef idx="0">
+              <a:schemeClr val="accent1"/>
+            </a:effectRef>
+            <a:fontRef idx="minor">
+              <a:schemeClr val="lt1"/>
+            </a:fontRef>
+          </p:style>
+          <p:txBody>
+            <a:bodyPr rtlCol="0" anchor="ctr"/>
+            <a:lstStyle/>
+            <a:p>
+              <a:pPr algn="ctr"/>
+              <a:r>
+                <a:rPr lang="en-US" sz="1400" dirty="0"/>
+                <a:t>125</a:t>
+              </a:r>
+            </a:p>
+          </p:txBody>
+        </p:sp>
+        <p:sp>
+          <p:nvSpPr>
+            <p:cNvPr id="55" name="Oval 54">
+              <a:extLst>
+                <a:ext uri="{FF2B5EF4-FFF2-40B4-BE49-F238E27FC236}">
+                  <a16:creationId xmlns:a16="http://schemas.microsoft.com/office/drawing/2014/main" id="{1661AF7E-0E7E-490C-8F69-FF5445D43E40}"/>
+                </a:ext>
+              </a:extLst>
+            </p:cNvPr>
+            <p:cNvSpPr/>
+            <p:nvPr/>
+          </p:nvSpPr>
+          <p:spPr>
+            <a:xfrm>
+              <a:off x="9862758" y="3220117"/>
+              <a:ext cx="54186" cy="46399"/>
+            </a:xfrm>
+            <a:prstGeom prst="ellipse">
+              <a:avLst/>
+            </a:prstGeom>
+            <a:solidFill>
+              <a:schemeClr val="accent3">
+                <a:lumMod val="40000"/>
+                <a:lumOff val="60000"/>
+              </a:schemeClr>
+            </a:solidFill>
+            <a:ln>
+              <a:solidFill>
+                <a:schemeClr val="accent3">
+                  <a:lumMod val="40000"/>
+                  <a:lumOff val="60000"/>
+                </a:schemeClr>
+              </a:solidFill>
+            </a:ln>
+          </p:spPr>
+          <p:style>
+            <a:lnRef idx="2">
+              <a:schemeClr val="accent1">
+                <a:shade val="50000"/>
+              </a:schemeClr>
+            </a:lnRef>
+            <a:fillRef idx="1">
+              <a:schemeClr val="accent1"/>
+            </a:fillRef>
+            <a:effectRef idx="0">
+              <a:schemeClr val="accent1"/>
+            </a:effectRef>
+            <a:fontRef idx="minor">
+              <a:schemeClr val="lt1"/>
+            </a:fontRef>
+          </p:style>
+          <p:txBody>
+            <a:bodyPr rtlCol="0" anchor="ctr"/>
+            <a:lstStyle/>
+            <a:p>
+              <a:pPr algn="ctr"/>
+              <a:endParaRPr lang="en-US"/>
+            </a:p>
+          </p:txBody>
+        </p:sp>
+      </p:grpSp>
+      <p:sp>
+        <p:nvSpPr>
+          <p:cNvPr id="56" name="Rectangle: Rounded Corners 55">
+            <a:extLst>
+              <a:ext uri="{FF2B5EF4-FFF2-40B4-BE49-F238E27FC236}">
+                <a16:creationId xmlns:a16="http://schemas.microsoft.com/office/drawing/2014/main" id="{794119D7-01A3-44C0-B1B8-516F6D71B776}"/>
+              </a:ext>
+            </a:extLst>
+          </p:cNvPr>
+          <p:cNvSpPr/>
+          <p:nvPr/>
+        </p:nvSpPr>
+        <p:spPr>
+          <a:xfrm rot="20513597">
+            <a:off x="9943038" y="4757349"/>
+            <a:ext cx="134315" cy="180926"/>
+          </a:xfrm>
+          <a:prstGeom prst="roundRect">
+            <a:avLst/>
+          </a:prstGeom>
+          <a:solidFill>
+            <a:schemeClr val="bg1"/>
+          </a:solidFill>
+        </p:spPr>
+        <p:style>
+          <a:lnRef idx="2">
+            <a:schemeClr val="accent1">
+              <a:shade val="50000"/>
+            </a:schemeClr>
+          </a:lnRef>
+          <a:fillRef idx="1">
+            <a:schemeClr val="accent1"/>
+          </a:fillRef>
+          <a:effectRef idx="0">
+            <a:schemeClr val="accent1"/>
+          </a:effectRef>
+          <a:fontRef idx="minor">
+            <a:schemeClr val="lt1"/>
+          </a:fontRef>
+        </p:style>
+        <p:txBody>
+          <a:bodyPr rtlCol="0" anchor="ctr"/>
+          <a:lstStyle/>
+          <a:p>
+            <a:pPr algn="ctr"/>
+            <a:endParaRPr lang="en-US"/>
+          </a:p>
+        </p:txBody>
+      </p:sp>
+      <p:sp>
+        <p:nvSpPr>
+          <p:cNvPr id="57" name="TextBox 56">
+            <a:extLst>
+              <a:ext uri="{FF2B5EF4-FFF2-40B4-BE49-F238E27FC236}">
+                <a16:creationId xmlns:a16="http://schemas.microsoft.com/office/drawing/2014/main" id="{F95AF559-6783-4E71-8FA3-5E92BB244784}"/>
+              </a:ext>
+            </a:extLst>
+          </p:cNvPr>
+          <p:cNvSpPr txBox="1"/>
+          <p:nvPr/>
+        </p:nvSpPr>
+        <p:spPr>
+          <a:xfrm rot="20266484">
+            <a:off x="9895418" y="4241706"/>
+            <a:ext cx="290464" cy="215444"/>
+          </a:xfrm>
+          <a:prstGeom prst="rect">
+            <a:avLst/>
+          </a:prstGeom>
+          <a:noFill/>
+        </p:spPr>
+        <p:txBody>
+          <a:bodyPr wrap="none" rtlCol="0">
+            <a:spAutoFit/>
+          </a:bodyPr>
+          <a:lstStyle/>
+          <a:p>
+            <a:r>
+              <a:rPr lang="en-US" sz="800" dirty="0">
+                <a:solidFill>
+                  <a:schemeClr val="bg1"/>
+                </a:solidFill>
+              </a:rPr>
+              <a:t>IN</a:t>
+            </a:r>
+          </a:p>
+        </p:txBody>
+      </p:sp>
     </p:spTree>
     <p:extLst>
       <p:ext uri="{BB962C8B-B14F-4D97-AF65-F5344CB8AC3E}">
@@ -7158,6 +7840,112 @@
           <a:chExt cx="0" cy="0"/>
         </a:xfrm>
       </p:grpSpPr>
+      <p:sp>
+        <p:nvSpPr>
+          <p:cNvPr id="42" name="Rectangle 41">
+            <a:extLst>
+              <a:ext uri="{FF2B5EF4-FFF2-40B4-BE49-F238E27FC236}">
+                <a16:creationId xmlns:a16="http://schemas.microsoft.com/office/drawing/2014/main" id="{C631FD33-438A-4B2A-97F1-E6B5778292A1}"/>
+              </a:ext>
+            </a:extLst>
+          </p:cNvPr>
+          <p:cNvSpPr/>
+          <p:nvPr/>
+        </p:nvSpPr>
+        <p:spPr>
+          <a:xfrm>
+            <a:off x="7754351" y="2267953"/>
+            <a:ext cx="3459278" cy="4120813"/>
+          </a:xfrm>
+          <a:prstGeom prst="rect">
+            <a:avLst/>
+          </a:prstGeom>
+          <a:solidFill>
+            <a:schemeClr val="accent3">
+              <a:lumMod val="40000"/>
+              <a:lumOff val="60000"/>
+            </a:schemeClr>
+          </a:solidFill>
+        </p:spPr>
+        <p:style>
+          <a:lnRef idx="2">
+            <a:schemeClr val="accent1">
+              <a:shade val="50000"/>
+            </a:schemeClr>
+          </a:lnRef>
+          <a:fillRef idx="1">
+            <a:schemeClr val="accent1"/>
+          </a:fillRef>
+          <a:effectRef idx="0">
+            <a:schemeClr val="accent1"/>
+          </a:effectRef>
+          <a:fontRef idx="minor">
+            <a:schemeClr val="lt1"/>
+          </a:fontRef>
+        </p:style>
+        <p:txBody>
+          <a:bodyPr rtlCol="0" anchor="ctr"/>
+          <a:lstStyle/>
+          <a:p>
+            <a:pPr algn="ctr"/>
+            <a:endParaRPr lang="en-US"/>
+          </a:p>
+        </p:txBody>
+      </p:sp>
+      <p:sp>
+        <p:nvSpPr>
+          <p:cNvPr id="40" name="Rectangle 39">
+            <a:extLst>
+              <a:ext uri="{FF2B5EF4-FFF2-40B4-BE49-F238E27FC236}">
+                <a16:creationId xmlns:a16="http://schemas.microsoft.com/office/drawing/2014/main" id="{9B6D5E21-D9E7-40C9-9AB7-3BC2D7320217}"/>
+              </a:ext>
+            </a:extLst>
+          </p:cNvPr>
+          <p:cNvSpPr/>
+          <p:nvPr/>
+        </p:nvSpPr>
+        <p:spPr>
+          <a:xfrm>
+            <a:off x="9727283" y="2539384"/>
+            <a:ext cx="288758" cy="27432"/>
+          </a:xfrm>
+          <a:prstGeom prst="rect">
+            <a:avLst/>
+          </a:prstGeom>
+          <a:solidFill>
+            <a:schemeClr val="bg1"/>
+          </a:solidFill>
+          <a:ln>
+            <a:solidFill>
+              <a:schemeClr val="tx1"/>
+            </a:solidFill>
+          </a:ln>
+        </p:spPr>
+        <p:style>
+          <a:lnRef idx="2">
+            <a:schemeClr val="accent1">
+              <a:shade val="50000"/>
+            </a:schemeClr>
+          </a:lnRef>
+          <a:fillRef idx="1">
+            <a:schemeClr val="accent1"/>
+          </a:fillRef>
+          <a:effectRef idx="0">
+            <a:schemeClr val="accent1"/>
+          </a:effectRef>
+          <a:fontRef idx="minor">
+            <a:schemeClr val="lt1"/>
+          </a:fontRef>
+        </p:style>
+        <p:txBody>
+          <a:bodyPr rtlCol="0" anchor="ctr"/>
+          <a:lstStyle/>
+          <a:p>
+            <a:pPr algn="ctr"/>
+            <a:endParaRPr lang="en-US"/>
+          </a:p>
+        </p:txBody>
+      </p:sp>
       <p:sp>
         <p:nvSpPr>
           <p:cNvPr id="2" name="Title 1">
@@ -7900,6 +8688,1851 @@
           </p:sp>
         </p:grpSp>
       </p:grpSp>
+      <p:cxnSp>
+        <p:nvCxnSpPr>
+          <p:cNvPr id="23" name="Straight Connector 22">
+            <a:extLst>
+              <a:ext uri="{FF2B5EF4-FFF2-40B4-BE49-F238E27FC236}">
+                <a16:creationId xmlns:a16="http://schemas.microsoft.com/office/drawing/2014/main" id="{137094B8-4EE2-40ED-AFA0-4048A32658CE}"/>
+              </a:ext>
+            </a:extLst>
+          </p:cNvPr>
+          <p:cNvCxnSpPr>
+            <a:cxnSpLocks/>
+          </p:cNvCxnSpPr>
+          <p:nvPr/>
+        </p:nvCxnSpPr>
+        <p:spPr>
+          <a:xfrm>
+            <a:off x="6972297" y="2628902"/>
+            <a:ext cx="1590174" cy="0"/>
+          </a:xfrm>
+          <a:prstGeom prst="line">
+            <a:avLst/>
+          </a:prstGeom>
+          <a:ln w="28575">
+            <a:solidFill>
+              <a:srgbClr val="FF0000"/>
+            </a:solidFill>
+          </a:ln>
+        </p:spPr>
+        <p:style>
+          <a:lnRef idx="3">
+            <a:schemeClr val="accent2"/>
+          </a:lnRef>
+          <a:fillRef idx="0">
+            <a:schemeClr val="accent2"/>
+          </a:fillRef>
+          <a:effectRef idx="2">
+            <a:schemeClr val="accent2"/>
+          </a:effectRef>
+          <a:fontRef idx="minor">
+            <a:schemeClr val="tx1"/>
+          </a:fontRef>
+        </p:style>
+      </p:cxnSp>
+      <p:cxnSp>
+        <p:nvCxnSpPr>
+          <p:cNvPr id="29" name="Straight Connector 28">
+            <a:extLst>
+              <a:ext uri="{FF2B5EF4-FFF2-40B4-BE49-F238E27FC236}">
+                <a16:creationId xmlns:a16="http://schemas.microsoft.com/office/drawing/2014/main" id="{9C7E575B-E276-4CDC-A359-5541FE4F484F}"/>
+              </a:ext>
+            </a:extLst>
+          </p:cNvPr>
+          <p:cNvCxnSpPr>
+            <a:cxnSpLocks/>
+          </p:cNvCxnSpPr>
+          <p:nvPr/>
+        </p:nvCxnSpPr>
+        <p:spPr>
+          <a:xfrm>
+            <a:off x="9718242" y="2544678"/>
+            <a:ext cx="620400" cy="1982074"/>
+          </a:xfrm>
+          <a:prstGeom prst="line">
+            <a:avLst/>
+          </a:prstGeom>
+          <a:ln w="28575">
+            <a:solidFill>
+              <a:srgbClr val="FF0000"/>
+            </a:solidFill>
+          </a:ln>
+        </p:spPr>
+        <p:style>
+          <a:lnRef idx="3">
+            <a:schemeClr val="accent2"/>
+          </a:lnRef>
+          <a:fillRef idx="0">
+            <a:schemeClr val="accent2"/>
+          </a:fillRef>
+          <a:effectRef idx="2">
+            <a:schemeClr val="accent2"/>
+          </a:effectRef>
+          <a:fontRef idx="minor">
+            <a:schemeClr val="tx1"/>
+          </a:fontRef>
+        </p:style>
+      </p:cxnSp>
+      <p:cxnSp>
+        <p:nvCxnSpPr>
+          <p:cNvPr id="30" name="Straight Connector 29">
+            <a:extLst>
+              <a:ext uri="{FF2B5EF4-FFF2-40B4-BE49-F238E27FC236}">
+                <a16:creationId xmlns:a16="http://schemas.microsoft.com/office/drawing/2014/main" id="{27D5BD53-79A2-402C-B28E-C8DC0AB58417}"/>
+              </a:ext>
+            </a:extLst>
+          </p:cNvPr>
+          <p:cNvCxnSpPr>
+            <a:cxnSpLocks/>
+            <a:stCxn id="46" idx="1"/>
+          </p:cNvCxnSpPr>
+          <p:nvPr/>
+        </p:nvCxnSpPr>
+        <p:spPr>
+          <a:xfrm>
+            <a:off x="10055855" y="4400453"/>
+            <a:ext cx="282787" cy="122919"/>
+          </a:xfrm>
+          <a:prstGeom prst="line">
+            <a:avLst/>
+          </a:prstGeom>
+          <a:ln w="15875">
+            <a:solidFill>
+              <a:srgbClr val="FF0000"/>
+            </a:solidFill>
+          </a:ln>
+        </p:spPr>
+        <p:style>
+          <a:lnRef idx="3">
+            <a:schemeClr val="accent2"/>
+          </a:lnRef>
+          <a:fillRef idx="0">
+            <a:schemeClr val="accent2"/>
+          </a:fillRef>
+          <a:effectRef idx="2">
+            <a:schemeClr val="accent2"/>
+          </a:effectRef>
+          <a:fontRef idx="minor">
+            <a:schemeClr val="tx1"/>
+          </a:fontRef>
+        </p:style>
+      </p:cxnSp>
+      <p:sp>
+        <p:nvSpPr>
+          <p:cNvPr id="46" name="Rectangle 45">
+            <a:extLst>
+              <a:ext uri="{FF2B5EF4-FFF2-40B4-BE49-F238E27FC236}">
+                <a16:creationId xmlns:a16="http://schemas.microsoft.com/office/drawing/2014/main" id="{99D416FB-2CB8-4B95-B9E6-4427565AA6E0}"/>
+              </a:ext>
+            </a:extLst>
+          </p:cNvPr>
+          <p:cNvSpPr/>
+          <p:nvPr/>
+        </p:nvSpPr>
+        <p:spPr>
+          <a:xfrm rot="15064516">
+            <a:off x="9492362" y="3832303"/>
+            <a:ext cx="850988" cy="331313"/>
+          </a:xfrm>
+          <a:prstGeom prst="rect">
+            <a:avLst/>
+          </a:prstGeom>
+        </p:spPr>
+        <p:style>
+          <a:lnRef idx="2">
+            <a:schemeClr val="accent5">
+              <a:shade val="50000"/>
+            </a:schemeClr>
+          </a:lnRef>
+          <a:fillRef idx="1">
+            <a:schemeClr val="accent5"/>
+          </a:fillRef>
+          <a:effectRef idx="0">
+            <a:schemeClr val="accent5"/>
+          </a:effectRef>
+          <a:fontRef idx="minor">
+            <a:schemeClr val="lt1"/>
+          </a:fontRef>
+        </p:style>
+        <p:txBody>
+          <a:bodyPr rtlCol="0" anchor="ctr"/>
+          <a:lstStyle/>
+          <a:p>
+            <a:pPr algn="ctr"/>
+            <a:r>
+              <a:rPr lang="en-US" dirty="0"/>
+              <a:t> UBEC</a:t>
+            </a:r>
+          </a:p>
+        </p:txBody>
+      </p:sp>
+      <p:sp>
+        <p:nvSpPr>
+          <p:cNvPr id="74" name="Rectangle 73">
+            <a:extLst>
+              <a:ext uri="{FF2B5EF4-FFF2-40B4-BE49-F238E27FC236}">
+                <a16:creationId xmlns:a16="http://schemas.microsoft.com/office/drawing/2014/main" id="{C20AF5E7-922B-4F8E-90B8-386A27C7748C}"/>
+              </a:ext>
+            </a:extLst>
+          </p:cNvPr>
+          <p:cNvSpPr/>
+          <p:nvPr/>
+        </p:nvSpPr>
+        <p:spPr>
+          <a:xfrm>
+            <a:off x="10214817" y="2404872"/>
+            <a:ext cx="1207263" cy="542095"/>
+          </a:xfrm>
+          <a:prstGeom prst="rect">
+            <a:avLst/>
+          </a:prstGeom>
+        </p:spPr>
+        <p:txBody>
+          <a:bodyPr/>
+          <a:lstStyle/>
+          <a:p>
+            <a:pPr lvl="0"/>
+            <a:r>
+              <a:rPr lang="en-US" sz="1400" dirty="0"/>
+              <a:t>USB 7.4V</a:t>
+            </a:r>
+          </a:p>
+          <a:p>
+            <a:pPr lvl="0"/>
+            <a:r>
+              <a:rPr lang="en-US" sz="1400" dirty="0"/>
+              <a:t>White Wire</a:t>
+            </a:r>
+          </a:p>
+        </p:txBody>
+      </p:sp>
+      <p:cxnSp>
+        <p:nvCxnSpPr>
+          <p:cNvPr id="82" name="Straight Connector 81">
+            <a:extLst>
+              <a:ext uri="{FF2B5EF4-FFF2-40B4-BE49-F238E27FC236}">
+                <a16:creationId xmlns:a16="http://schemas.microsoft.com/office/drawing/2014/main" id="{545E720F-F97D-4F7D-B333-BDF0CF85E85D}"/>
+              </a:ext>
+            </a:extLst>
+          </p:cNvPr>
+          <p:cNvCxnSpPr>
+            <a:cxnSpLocks/>
+          </p:cNvCxnSpPr>
+          <p:nvPr/>
+        </p:nvCxnSpPr>
+        <p:spPr>
+          <a:xfrm>
+            <a:off x="7050026" y="2498546"/>
+            <a:ext cx="2378537" cy="0"/>
+          </a:xfrm>
+          <a:prstGeom prst="line">
+            <a:avLst/>
+          </a:prstGeom>
+          <a:ln w="15875">
+            <a:solidFill>
+              <a:srgbClr val="FF0000"/>
+            </a:solidFill>
+          </a:ln>
+        </p:spPr>
+        <p:style>
+          <a:lnRef idx="3">
+            <a:schemeClr val="accent2"/>
+          </a:lnRef>
+          <a:fillRef idx="0">
+            <a:schemeClr val="accent2"/>
+          </a:fillRef>
+          <a:effectRef idx="2">
+            <a:schemeClr val="accent2"/>
+          </a:effectRef>
+          <a:fontRef idx="minor">
+            <a:schemeClr val="tx1"/>
+          </a:fontRef>
+        </p:style>
+      </p:cxnSp>
+      <p:cxnSp>
+        <p:nvCxnSpPr>
+          <p:cNvPr id="84" name="Straight Connector 83">
+            <a:extLst>
+              <a:ext uri="{FF2B5EF4-FFF2-40B4-BE49-F238E27FC236}">
+                <a16:creationId xmlns:a16="http://schemas.microsoft.com/office/drawing/2014/main" id="{E10EFA9F-CDC3-4C64-B6BB-BF039847D9F3}"/>
+              </a:ext>
+            </a:extLst>
+          </p:cNvPr>
+          <p:cNvCxnSpPr>
+            <a:cxnSpLocks/>
+          </p:cNvCxnSpPr>
+          <p:nvPr/>
+        </p:nvCxnSpPr>
+        <p:spPr>
+          <a:xfrm>
+            <a:off x="9949825" y="5513445"/>
+            <a:ext cx="123052" cy="149413"/>
+          </a:xfrm>
+          <a:prstGeom prst="line">
+            <a:avLst/>
+          </a:prstGeom>
+          <a:ln w="15875">
+            <a:solidFill>
+              <a:srgbClr val="FF0000"/>
+            </a:solidFill>
+          </a:ln>
+        </p:spPr>
+        <p:style>
+          <a:lnRef idx="3">
+            <a:schemeClr val="accent2"/>
+          </a:lnRef>
+          <a:fillRef idx="0">
+            <a:schemeClr val="accent2"/>
+          </a:fillRef>
+          <a:effectRef idx="2">
+            <a:schemeClr val="accent2"/>
+          </a:effectRef>
+          <a:fontRef idx="minor">
+            <a:schemeClr val="tx1"/>
+          </a:fontRef>
+        </p:style>
+      </p:cxnSp>
+      <p:sp>
+        <p:nvSpPr>
+          <p:cNvPr id="86" name="Rectangle 85">
+            <a:extLst>
+              <a:ext uri="{FF2B5EF4-FFF2-40B4-BE49-F238E27FC236}">
+                <a16:creationId xmlns:a16="http://schemas.microsoft.com/office/drawing/2014/main" id="{0B6F227F-B7E7-4894-A658-55B0C621BC11}"/>
+              </a:ext>
+            </a:extLst>
+          </p:cNvPr>
+          <p:cNvSpPr/>
+          <p:nvPr/>
+        </p:nvSpPr>
+        <p:spPr>
+          <a:xfrm rot="4359892">
+            <a:off x="9600943" y="5090236"/>
+            <a:ext cx="1126941" cy="417140"/>
+          </a:xfrm>
+          <a:prstGeom prst="rect">
+            <a:avLst/>
+          </a:prstGeom>
+          <a:solidFill>
+            <a:schemeClr val="accent5"/>
+          </a:solidFill>
+          <a:ln>
+            <a:solidFill>
+              <a:schemeClr val="accent5"/>
+            </a:solidFill>
+          </a:ln>
+        </p:spPr>
+        <p:style>
+          <a:lnRef idx="2">
+            <a:schemeClr val="accent1">
+              <a:shade val="50000"/>
+            </a:schemeClr>
+          </a:lnRef>
+          <a:fillRef idx="1">
+            <a:schemeClr val="accent1"/>
+          </a:fillRef>
+          <a:effectRef idx="0">
+            <a:schemeClr val="accent1"/>
+          </a:effectRef>
+          <a:fontRef idx="minor">
+            <a:schemeClr val="lt1"/>
+          </a:fontRef>
+        </p:style>
+        <p:txBody>
+          <a:bodyPr rtlCol="0" anchor="ctr"/>
+          <a:lstStyle/>
+          <a:p>
+            <a:pPr algn="ctr"/>
+            <a:r>
+              <a:rPr lang="en-US" dirty="0" err="1"/>
+              <a:t>Ardu</a:t>
+            </a:r>
+            <a:endParaRPr lang="en-US" dirty="0"/>
+          </a:p>
+        </p:txBody>
+      </p:sp>
+      <p:cxnSp>
+        <p:nvCxnSpPr>
+          <p:cNvPr id="90" name="Straight Connector 89">
+            <a:extLst>
+              <a:ext uri="{FF2B5EF4-FFF2-40B4-BE49-F238E27FC236}">
+                <a16:creationId xmlns:a16="http://schemas.microsoft.com/office/drawing/2014/main" id="{A562CFD8-9935-4EF6-8EA0-02686166653A}"/>
+              </a:ext>
+            </a:extLst>
+          </p:cNvPr>
+          <p:cNvCxnSpPr>
+            <a:cxnSpLocks/>
+            <a:endCxn id="106" idx="0"/>
+          </p:cNvCxnSpPr>
+          <p:nvPr/>
+        </p:nvCxnSpPr>
+        <p:spPr>
+          <a:xfrm>
+            <a:off x="9966364" y="2872040"/>
+            <a:ext cx="652878" cy="2185316"/>
+          </a:xfrm>
+          <a:prstGeom prst="line">
+            <a:avLst/>
+          </a:prstGeom>
+          <a:ln w="15875">
+            <a:solidFill>
+              <a:srgbClr val="FF0000"/>
+            </a:solidFill>
+          </a:ln>
+        </p:spPr>
+        <p:style>
+          <a:lnRef idx="3">
+            <a:schemeClr val="accent2"/>
+          </a:lnRef>
+          <a:fillRef idx="0">
+            <a:schemeClr val="accent2"/>
+          </a:fillRef>
+          <a:effectRef idx="2">
+            <a:schemeClr val="accent2"/>
+          </a:effectRef>
+          <a:fontRef idx="minor">
+            <a:schemeClr val="tx1"/>
+          </a:fontRef>
+        </p:style>
+      </p:cxnSp>
+      <p:sp>
+        <p:nvSpPr>
+          <p:cNvPr id="106" name="Rectangle 105">
+            <a:extLst>
+              <a:ext uri="{FF2B5EF4-FFF2-40B4-BE49-F238E27FC236}">
+                <a16:creationId xmlns:a16="http://schemas.microsoft.com/office/drawing/2014/main" id="{F882245D-EF0F-4C59-893C-59C991739F32}"/>
+              </a:ext>
+            </a:extLst>
+          </p:cNvPr>
+          <p:cNvSpPr/>
+          <p:nvPr/>
+        </p:nvSpPr>
+        <p:spPr>
+          <a:xfrm rot="20653546">
+            <a:off x="10693744" y="5042581"/>
+            <a:ext cx="64302" cy="784651"/>
+          </a:xfrm>
+          <a:prstGeom prst="rect">
+            <a:avLst/>
+          </a:prstGeom>
+          <a:solidFill>
+            <a:schemeClr val="accent4">
+              <a:lumMod val="60000"/>
+              <a:lumOff val="40000"/>
+            </a:schemeClr>
+          </a:solidFill>
+        </p:spPr>
+        <p:style>
+          <a:lnRef idx="2">
+            <a:schemeClr val="accent1">
+              <a:shade val="50000"/>
+            </a:schemeClr>
+          </a:lnRef>
+          <a:fillRef idx="1">
+            <a:schemeClr val="accent1"/>
+          </a:fillRef>
+          <a:effectRef idx="0">
+            <a:schemeClr val="accent1"/>
+          </a:effectRef>
+          <a:fontRef idx="minor">
+            <a:schemeClr val="lt1"/>
+          </a:fontRef>
+        </p:style>
+        <p:txBody>
+          <a:bodyPr rtlCol="0" anchor="ctr"/>
+          <a:lstStyle/>
+          <a:p>
+            <a:pPr algn="ctr"/>
+            <a:endParaRPr lang="en-US"/>
+          </a:p>
+        </p:txBody>
+      </p:sp>
+      <p:sp>
+        <p:nvSpPr>
+          <p:cNvPr id="116" name="Oval 115">
+            <a:extLst>
+              <a:ext uri="{FF2B5EF4-FFF2-40B4-BE49-F238E27FC236}">
+                <a16:creationId xmlns:a16="http://schemas.microsoft.com/office/drawing/2014/main" id="{98A69B00-4BF8-45AD-A4BE-880AE7A04DC1}"/>
+              </a:ext>
+            </a:extLst>
+          </p:cNvPr>
+          <p:cNvSpPr/>
+          <p:nvPr/>
+        </p:nvSpPr>
+        <p:spPr>
+          <a:xfrm>
+            <a:off x="10295719" y="4476521"/>
+            <a:ext cx="54186" cy="46399"/>
+          </a:xfrm>
+          <a:prstGeom prst="ellipse">
+            <a:avLst/>
+          </a:prstGeom>
+          <a:solidFill>
+            <a:srgbClr val="FF0000"/>
+          </a:solidFill>
+          <a:ln>
+            <a:solidFill>
+              <a:srgbClr val="FF0000"/>
+            </a:solidFill>
+          </a:ln>
+        </p:spPr>
+        <p:style>
+          <a:lnRef idx="2">
+            <a:schemeClr val="accent1">
+              <a:shade val="50000"/>
+            </a:schemeClr>
+          </a:lnRef>
+          <a:fillRef idx="1">
+            <a:schemeClr val="accent1"/>
+          </a:fillRef>
+          <a:effectRef idx="0">
+            <a:schemeClr val="accent1"/>
+          </a:effectRef>
+          <a:fontRef idx="minor">
+            <a:schemeClr val="lt1"/>
+          </a:fontRef>
+        </p:style>
+        <p:txBody>
+          <a:bodyPr rtlCol="0" anchor="ctr"/>
+          <a:lstStyle/>
+          <a:p>
+            <a:pPr algn="ctr"/>
+            <a:endParaRPr lang="en-US"/>
+          </a:p>
+        </p:txBody>
+      </p:sp>
+      <p:sp>
+        <p:nvSpPr>
+          <p:cNvPr id="117" name="Oval 116">
+            <a:extLst>
+              <a:ext uri="{FF2B5EF4-FFF2-40B4-BE49-F238E27FC236}">
+                <a16:creationId xmlns:a16="http://schemas.microsoft.com/office/drawing/2014/main" id="{665472BC-AD7A-43E7-A9E2-1969908D7CB5}"/>
+              </a:ext>
+            </a:extLst>
+          </p:cNvPr>
+          <p:cNvSpPr/>
+          <p:nvPr/>
+        </p:nvSpPr>
+        <p:spPr>
+          <a:xfrm>
+            <a:off x="10596865" y="5035855"/>
+            <a:ext cx="54186" cy="46399"/>
+          </a:xfrm>
+          <a:prstGeom prst="ellipse">
+            <a:avLst/>
+          </a:prstGeom>
+          <a:solidFill>
+            <a:srgbClr val="FF0000"/>
+          </a:solidFill>
+          <a:ln>
+            <a:solidFill>
+              <a:srgbClr val="FF0000"/>
+            </a:solidFill>
+          </a:ln>
+        </p:spPr>
+        <p:style>
+          <a:lnRef idx="2">
+            <a:schemeClr val="accent1">
+              <a:shade val="50000"/>
+            </a:schemeClr>
+          </a:lnRef>
+          <a:fillRef idx="1">
+            <a:schemeClr val="accent1"/>
+          </a:fillRef>
+          <a:effectRef idx="0">
+            <a:schemeClr val="accent1"/>
+          </a:effectRef>
+          <a:fontRef idx="minor">
+            <a:schemeClr val="lt1"/>
+          </a:fontRef>
+        </p:style>
+        <p:txBody>
+          <a:bodyPr rtlCol="0" anchor="ctr"/>
+          <a:lstStyle/>
+          <a:p>
+            <a:pPr algn="ctr"/>
+            <a:endParaRPr lang="en-US"/>
+          </a:p>
+        </p:txBody>
+      </p:sp>
+      <p:sp>
+        <p:nvSpPr>
+          <p:cNvPr id="123" name="Oval 122">
+            <a:extLst>
+              <a:ext uri="{FF2B5EF4-FFF2-40B4-BE49-F238E27FC236}">
+                <a16:creationId xmlns:a16="http://schemas.microsoft.com/office/drawing/2014/main" id="{D5BFE58D-FB63-49A4-A4B2-57EB51AC37FD}"/>
+              </a:ext>
+            </a:extLst>
+          </p:cNvPr>
+          <p:cNvSpPr/>
+          <p:nvPr/>
+        </p:nvSpPr>
+        <p:spPr>
+          <a:xfrm>
+            <a:off x="10021139" y="5577727"/>
+            <a:ext cx="54186" cy="46399"/>
+          </a:xfrm>
+          <a:prstGeom prst="ellipse">
+            <a:avLst/>
+          </a:prstGeom>
+          <a:solidFill>
+            <a:srgbClr val="FF0000"/>
+          </a:solidFill>
+          <a:ln>
+            <a:solidFill>
+              <a:srgbClr val="FF0000"/>
+            </a:solidFill>
+          </a:ln>
+        </p:spPr>
+        <p:style>
+          <a:lnRef idx="2">
+            <a:schemeClr val="accent1">
+              <a:shade val="50000"/>
+            </a:schemeClr>
+          </a:lnRef>
+          <a:fillRef idx="1">
+            <a:schemeClr val="accent1"/>
+          </a:fillRef>
+          <a:effectRef idx="0">
+            <a:schemeClr val="accent1"/>
+          </a:effectRef>
+          <a:fontRef idx="minor">
+            <a:schemeClr val="lt1"/>
+          </a:fontRef>
+        </p:style>
+        <p:txBody>
+          <a:bodyPr rtlCol="0" anchor="ctr"/>
+          <a:lstStyle/>
+          <a:p>
+            <a:pPr algn="ctr"/>
+            <a:endParaRPr lang="en-US"/>
+          </a:p>
+        </p:txBody>
+      </p:sp>
+      <p:sp>
+        <p:nvSpPr>
+          <p:cNvPr id="124" name="Rectangle 123">
+            <a:extLst>
+              <a:ext uri="{FF2B5EF4-FFF2-40B4-BE49-F238E27FC236}">
+                <a16:creationId xmlns:a16="http://schemas.microsoft.com/office/drawing/2014/main" id="{924CB03A-319F-46AC-8308-3D81C6B32A90}"/>
+              </a:ext>
+            </a:extLst>
+          </p:cNvPr>
+          <p:cNvSpPr/>
+          <p:nvPr/>
+        </p:nvSpPr>
+        <p:spPr>
+          <a:xfrm>
+            <a:off x="10024535" y="2508710"/>
+            <a:ext cx="248778" cy="98118"/>
+          </a:xfrm>
+          <a:prstGeom prst="rect">
+            <a:avLst/>
+          </a:prstGeom>
+          <a:solidFill>
+            <a:srgbClr val="36F856"/>
+          </a:solidFill>
+        </p:spPr>
+        <p:style>
+          <a:lnRef idx="2">
+            <a:schemeClr val="accent1">
+              <a:shade val="50000"/>
+            </a:schemeClr>
+          </a:lnRef>
+          <a:fillRef idx="1">
+            <a:schemeClr val="accent1"/>
+          </a:fillRef>
+          <a:effectRef idx="0">
+            <a:schemeClr val="accent1"/>
+          </a:effectRef>
+          <a:fontRef idx="minor">
+            <a:schemeClr val="lt1"/>
+          </a:fontRef>
+        </p:style>
+        <p:txBody>
+          <a:bodyPr rtlCol="0" anchor="ctr"/>
+          <a:lstStyle/>
+          <a:p>
+            <a:pPr algn="ctr"/>
+            <a:endParaRPr lang="en-US"/>
+          </a:p>
+        </p:txBody>
+      </p:sp>
+      <p:sp>
+        <p:nvSpPr>
+          <p:cNvPr id="93" name="Rectangle 92">
+            <a:extLst>
+              <a:ext uri="{FF2B5EF4-FFF2-40B4-BE49-F238E27FC236}">
+                <a16:creationId xmlns:a16="http://schemas.microsoft.com/office/drawing/2014/main" id="{471547F4-2381-4E68-98A9-94ECE9F99582}"/>
+              </a:ext>
+            </a:extLst>
+          </p:cNvPr>
+          <p:cNvSpPr/>
+          <p:nvPr/>
+        </p:nvSpPr>
+        <p:spPr>
+          <a:xfrm>
+            <a:off x="6630850" y="2626987"/>
+            <a:ext cx="1199525" cy="308754"/>
+          </a:xfrm>
+          <a:prstGeom prst="rect">
+            <a:avLst/>
+          </a:prstGeom>
+          <a:ln>
+            <a:noFill/>
+          </a:ln>
+        </p:spPr>
+        <p:txBody>
+          <a:bodyPr/>
+          <a:lstStyle/>
+          <a:p>
+            <a:pPr lvl="0" algn="r"/>
+            <a:r>
+              <a:rPr lang="en-US" sz="1400" dirty="0"/>
+              <a:t>Battery 7.4V</a:t>
+            </a:r>
+          </a:p>
+        </p:txBody>
+      </p:sp>
+      <p:sp>
+        <p:nvSpPr>
+          <p:cNvPr id="94" name="Rectangle 93">
+            <a:extLst>
+              <a:ext uri="{FF2B5EF4-FFF2-40B4-BE49-F238E27FC236}">
+                <a16:creationId xmlns:a16="http://schemas.microsoft.com/office/drawing/2014/main" id="{C13F8060-7234-4762-97CF-DCE254258FD5}"/>
+              </a:ext>
+            </a:extLst>
+          </p:cNvPr>
+          <p:cNvSpPr/>
+          <p:nvPr/>
+        </p:nvSpPr>
+        <p:spPr>
+          <a:xfrm>
+            <a:off x="6208959" y="2247957"/>
+            <a:ext cx="1621416" cy="308753"/>
+          </a:xfrm>
+          <a:prstGeom prst="rect">
+            <a:avLst/>
+          </a:prstGeom>
+          <a:ln>
+            <a:noFill/>
+          </a:ln>
+        </p:spPr>
+        <p:txBody>
+          <a:bodyPr/>
+          <a:lstStyle/>
+          <a:p>
+            <a:pPr lvl="0" algn="r"/>
+            <a:r>
+              <a:rPr lang="en-US" sz="1400" dirty="0"/>
+              <a:t>LEDs 5V 20 AWG</a:t>
+            </a:r>
+          </a:p>
+        </p:txBody>
+      </p:sp>
+      <p:sp>
+        <p:nvSpPr>
+          <p:cNvPr id="44" name="TextBox 43">
+            <a:extLst>
+              <a:ext uri="{FF2B5EF4-FFF2-40B4-BE49-F238E27FC236}">
+                <a16:creationId xmlns:a16="http://schemas.microsoft.com/office/drawing/2014/main" id="{1A7E3B9D-D6FF-4428-8BD3-5AF924E5F717}"/>
+              </a:ext>
+            </a:extLst>
+          </p:cNvPr>
+          <p:cNvSpPr txBox="1"/>
+          <p:nvPr/>
+        </p:nvSpPr>
+        <p:spPr>
+          <a:xfrm>
+            <a:off x="737854" y="2077059"/>
+            <a:ext cx="5328361" cy="4524315"/>
+          </a:xfrm>
+          <a:prstGeom prst="rect">
+            <a:avLst/>
+          </a:prstGeom>
+          <a:noFill/>
+        </p:spPr>
+        <p:txBody>
+          <a:bodyPr wrap="square" rtlCol="0">
+            <a:spAutoFit/>
+          </a:bodyPr>
+          <a:lstStyle/>
+          <a:p>
+            <a:r>
+              <a:rPr lang="en-US" sz="2400" dirty="0"/>
+              <a:t>Battery 7.4V: 1 connection:</a:t>
+            </a:r>
+          </a:p>
+          <a:p>
+            <a:r>
+              <a:rPr lang="en-US" sz="2400" dirty="0"/>
+              <a:t>   - on/off switch</a:t>
+            </a:r>
+          </a:p>
+          <a:p>
+            <a:r>
+              <a:rPr lang="en-US" sz="2400" dirty="0"/>
+              <a:t>USB 7.4V: 3 connections:</a:t>
+            </a:r>
+          </a:p>
+          <a:p>
+            <a:r>
+              <a:rPr lang="en-US" sz="2400" dirty="0"/>
+              <a:t>   - on/off switch</a:t>
+            </a:r>
+          </a:p>
+          <a:p>
+            <a:r>
+              <a:rPr lang="en-US" sz="2400" dirty="0"/>
+              <a:t>   - USB White Wire</a:t>
+            </a:r>
+          </a:p>
+          <a:p>
+            <a:r>
+              <a:rPr lang="en-US" sz="2400" dirty="0"/>
+              <a:t>   - UBEC +V Input</a:t>
+            </a:r>
+          </a:p>
+          <a:p>
+            <a:r>
+              <a:rPr lang="en-US" sz="2400" dirty="0"/>
+              <a:t>LEDs 5V 20 AWG:  5 connections:</a:t>
+            </a:r>
+          </a:p>
+          <a:p>
+            <a:r>
+              <a:rPr lang="en-US" sz="2400" dirty="0"/>
+              <a:t>   - YX5200 pin “01”</a:t>
+            </a:r>
+          </a:p>
+          <a:p>
+            <a:r>
+              <a:rPr lang="en-US" sz="2400" dirty="0"/>
+              <a:t>   - Arduino pin “5V”</a:t>
+            </a:r>
+          </a:p>
+          <a:p>
+            <a:r>
+              <a:rPr lang="en-US" sz="2400" dirty="0"/>
+              <a:t>   - UBEC 5V output</a:t>
+            </a:r>
+          </a:p>
+          <a:p>
+            <a:r>
+              <a:rPr lang="en-US" sz="2400" dirty="0"/>
+              <a:t>   - SN74HCT125N pin “14”</a:t>
+            </a:r>
+          </a:p>
+          <a:p>
+            <a:r>
+              <a:rPr lang="en-US" sz="2400" dirty="0"/>
+              <a:t>   - 10K Ohm SIP pin “??”</a:t>
+            </a:r>
+          </a:p>
+        </p:txBody>
+      </p:sp>
+      <p:grpSp>
+        <p:nvGrpSpPr>
+          <p:cNvPr id="69" name="Group 68">
+            <a:extLst>
+              <a:ext uri="{FF2B5EF4-FFF2-40B4-BE49-F238E27FC236}">
+                <a16:creationId xmlns:a16="http://schemas.microsoft.com/office/drawing/2014/main" id="{872F1456-23BB-4C87-9D17-8CE6FBCCE8A2}"/>
+              </a:ext>
+            </a:extLst>
+          </p:cNvPr>
+          <p:cNvGrpSpPr/>
+          <p:nvPr/>
+        </p:nvGrpSpPr>
+        <p:grpSpPr>
+          <a:xfrm>
+            <a:off x="8599866" y="2592467"/>
+            <a:ext cx="549138" cy="600209"/>
+            <a:chOff x="8599866" y="2592467"/>
+            <a:chExt cx="549138" cy="600209"/>
+          </a:xfrm>
+        </p:grpSpPr>
+        <p:sp>
+          <p:nvSpPr>
+            <p:cNvPr id="98" name="Rectangle 97">
+              <a:extLst>
+                <a:ext uri="{FF2B5EF4-FFF2-40B4-BE49-F238E27FC236}">
+                  <a16:creationId xmlns:a16="http://schemas.microsoft.com/office/drawing/2014/main" id="{7B213DA5-A69C-4706-AD69-45B8889D9ED9}"/>
+                </a:ext>
+              </a:extLst>
+            </p:cNvPr>
+            <p:cNvSpPr/>
+            <p:nvPr/>
+          </p:nvSpPr>
+          <p:spPr>
+            <a:xfrm>
+              <a:off x="8599866" y="2620374"/>
+              <a:ext cx="549138" cy="572302"/>
+            </a:xfrm>
+            <a:prstGeom prst="rect">
+              <a:avLst/>
+            </a:prstGeom>
+            <a:solidFill>
+              <a:schemeClr val="accent5"/>
+            </a:solidFill>
+            <a:ln>
+              <a:solidFill>
+                <a:srgbClr val="0070C0"/>
+              </a:solidFill>
+            </a:ln>
+          </p:spPr>
+          <p:style>
+            <a:lnRef idx="2">
+              <a:schemeClr val="accent1">
+                <a:shade val="50000"/>
+              </a:schemeClr>
+            </a:lnRef>
+            <a:fillRef idx="1">
+              <a:schemeClr val="accent1"/>
+            </a:fillRef>
+            <a:effectRef idx="0">
+              <a:schemeClr val="accent1"/>
+            </a:effectRef>
+            <a:fontRef idx="minor">
+              <a:schemeClr val="lt1"/>
+            </a:fontRef>
+          </p:style>
+          <p:txBody>
+            <a:bodyPr rtlCol="0" anchor="ctr"/>
+            <a:lstStyle/>
+            <a:p>
+              <a:pPr algn="ctr"/>
+              <a:r>
+                <a:rPr lang="en-US" sz="1200" dirty="0"/>
+                <a:t>YX</a:t>
+              </a:r>
+            </a:p>
+            <a:p>
+              <a:pPr algn="ctr"/>
+              <a:r>
+                <a:rPr lang="en-US" sz="1200" dirty="0"/>
+                <a:t>5200</a:t>
+              </a:r>
+            </a:p>
+          </p:txBody>
+        </p:sp>
+        <p:sp>
+          <p:nvSpPr>
+            <p:cNvPr id="99" name="Oval 98">
+              <a:extLst>
+                <a:ext uri="{FF2B5EF4-FFF2-40B4-BE49-F238E27FC236}">
+                  <a16:creationId xmlns:a16="http://schemas.microsoft.com/office/drawing/2014/main" id="{60855B52-5876-4914-854A-35CF1F3E4C3D}"/>
+                </a:ext>
+              </a:extLst>
+            </p:cNvPr>
+            <p:cNvSpPr/>
+            <p:nvPr/>
+          </p:nvSpPr>
+          <p:spPr>
+            <a:xfrm>
+              <a:off x="8838064" y="2592467"/>
+              <a:ext cx="54186" cy="46399"/>
+            </a:xfrm>
+            <a:prstGeom prst="ellipse">
+              <a:avLst/>
+            </a:prstGeom>
+            <a:solidFill>
+              <a:schemeClr val="accent3">
+                <a:lumMod val="40000"/>
+                <a:lumOff val="60000"/>
+              </a:schemeClr>
+            </a:solidFill>
+            <a:ln>
+              <a:solidFill>
+                <a:schemeClr val="accent3">
+                  <a:lumMod val="40000"/>
+                  <a:lumOff val="60000"/>
+                </a:schemeClr>
+              </a:solidFill>
+            </a:ln>
+          </p:spPr>
+          <p:style>
+            <a:lnRef idx="2">
+              <a:schemeClr val="accent1">
+                <a:shade val="50000"/>
+              </a:schemeClr>
+            </a:lnRef>
+            <a:fillRef idx="1">
+              <a:schemeClr val="accent1"/>
+            </a:fillRef>
+            <a:effectRef idx="0">
+              <a:schemeClr val="accent1"/>
+            </a:effectRef>
+            <a:fontRef idx="minor">
+              <a:schemeClr val="lt1"/>
+            </a:fontRef>
+          </p:style>
+          <p:txBody>
+            <a:bodyPr rtlCol="0" anchor="ctr"/>
+            <a:lstStyle/>
+            <a:p>
+              <a:pPr algn="ctr"/>
+              <a:endParaRPr lang="en-US"/>
+            </a:p>
+          </p:txBody>
+        </p:sp>
+      </p:grpSp>
+      <p:sp>
+        <p:nvSpPr>
+          <p:cNvPr id="67" name="Rectangle 66">
+            <a:extLst>
+              <a:ext uri="{FF2B5EF4-FFF2-40B4-BE49-F238E27FC236}">
+                <a16:creationId xmlns:a16="http://schemas.microsoft.com/office/drawing/2014/main" id="{F460F334-6412-4F1C-BFB5-B59747141B97}"/>
+              </a:ext>
+            </a:extLst>
+          </p:cNvPr>
+          <p:cNvSpPr/>
+          <p:nvPr/>
+        </p:nvSpPr>
+        <p:spPr>
+          <a:xfrm rot="3355565">
+            <a:off x="9647882" y="3344316"/>
+            <a:ext cx="175572" cy="336594"/>
+          </a:xfrm>
+          <a:prstGeom prst="rect">
+            <a:avLst/>
+          </a:prstGeom>
+          <a:solidFill>
+            <a:schemeClr val="accent6">
+              <a:lumMod val="40000"/>
+              <a:lumOff val="60000"/>
+            </a:schemeClr>
+          </a:solidFill>
+        </p:spPr>
+        <p:style>
+          <a:lnRef idx="2">
+            <a:schemeClr val="accent1">
+              <a:shade val="50000"/>
+            </a:schemeClr>
+          </a:lnRef>
+          <a:fillRef idx="1">
+            <a:schemeClr val="accent1"/>
+          </a:fillRef>
+          <a:effectRef idx="0">
+            <a:schemeClr val="accent1"/>
+          </a:effectRef>
+          <a:fontRef idx="minor">
+            <a:schemeClr val="lt1"/>
+          </a:fontRef>
+        </p:style>
+        <p:txBody>
+          <a:bodyPr rtlCol="0" anchor="ctr"/>
+          <a:lstStyle/>
+          <a:p>
+            <a:pPr algn="ctr"/>
+            <a:endParaRPr lang="en-US"/>
+          </a:p>
+        </p:txBody>
+      </p:sp>
+      <p:cxnSp>
+        <p:nvCxnSpPr>
+          <p:cNvPr id="28" name="Straight Connector 27">
+            <a:extLst>
+              <a:ext uri="{FF2B5EF4-FFF2-40B4-BE49-F238E27FC236}">
+                <a16:creationId xmlns:a16="http://schemas.microsoft.com/office/drawing/2014/main" id="{87DB0BD3-8455-469D-B375-0DD7F8D295C6}"/>
+              </a:ext>
+            </a:extLst>
+          </p:cNvPr>
+          <p:cNvCxnSpPr>
+            <a:cxnSpLocks/>
+          </p:cNvCxnSpPr>
+          <p:nvPr/>
+        </p:nvCxnSpPr>
+        <p:spPr>
+          <a:xfrm flipV="1">
+            <a:off x="8755188" y="2556710"/>
+            <a:ext cx="989492" cy="4011"/>
+          </a:xfrm>
+          <a:prstGeom prst="line">
+            <a:avLst/>
+          </a:prstGeom>
+          <a:ln w="28575">
+            <a:solidFill>
+              <a:srgbClr val="FF0000"/>
+            </a:solidFill>
+          </a:ln>
+        </p:spPr>
+        <p:style>
+          <a:lnRef idx="3">
+            <a:schemeClr val="accent2"/>
+          </a:lnRef>
+          <a:fillRef idx="0">
+            <a:schemeClr val="accent2"/>
+          </a:fillRef>
+          <a:effectRef idx="2">
+            <a:schemeClr val="accent2"/>
+          </a:effectRef>
+          <a:fontRef idx="minor">
+            <a:schemeClr val="tx1"/>
+          </a:fontRef>
+        </p:style>
+      </p:cxnSp>
+      <p:cxnSp>
+        <p:nvCxnSpPr>
+          <p:cNvPr id="91" name="Straight Connector 90">
+            <a:extLst>
+              <a:ext uri="{FF2B5EF4-FFF2-40B4-BE49-F238E27FC236}">
+                <a16:creationId xmlns:a16="http://schemas.microsoft.com/office/drawing/2014/main" id="{A3A14800-A604-4ED0-8759-DEAB3CF987A0}"/>
+              </a:ext>
+            </a:extLst>
+          </p:cNvPr>
+          <p:cNvCxnSpPr>
+            <a:cxnSpLocks/>
+          </p:cNvCxnSpPr>
+          <p:nvPr/>
+        </p:nvCxnSpPr>
+        <p:spPr>
+          <a:xfrm>
+            <a:off x="9424651" y="2494384"/>
+            <a:ext cx="546657" cy="376182"/>
+          </a:xfrm>
+          <a:prstGeom prst="line">
+            <a:avLst/>
+          </a:prstGeom>
+          <a:ln w="15875">
+            <a:solidFill>
+              <a:srgbClr val="FF0000"/>
+            </a:solidFill>
+          </a:ln>
+        </p:spPr>
+        <p:style>
+          <a:lnRef idx="3">
+            <a:schemeClr val="accent2"/>
+          </a:lnRef>
+          <a:fillRef idx="0">
+            <a:schemeClr val="accent2"/>
+          </a:fillRef>
+          <a:effectRef idx="2">
+            <a:schemeClr val="accent2"/>
+          </a:effectRef>
+          <a:fontRef idx="minor">
+            <a:schemeClr val="tx1"/>
+          </a:fontRef>
+        </p:style>
+      </p:cxnSp>
+      <p:sp>
+        <p:nvSpPr>
+          <p:cNvPr id="118" name="Oval 117">
+            <a:extLst>
+              <a:ext uri="{FF2B5EF4-FFF2-40B4-BE49-F238E27FC236}">
+                <a16:creationId xmlns:a16="http://schemas.microsoft.com/office/drawing/2014/main" id="{F1E1E898-D224-449A-8D2A-B49A5AE5BD4C}"/>
+              </a:ext>
+            </a:extLst>
+          </p:cNvPr>
+          <p:cNvSpPr/>
+          <p:nvPr/>
+        </p:nvSpPr>
+        <p:spPr>
+          <a:xfrm>
+            <a:off x="9708215" y="2536731"/>
+            <a:ext cx="54186" cy="46399"/>
+          </a:xfrm>
+          <a:prstGeom prst="ellipse">
+            <a:avLst/>
+          </a:prstGeom>
+          <a:solidFill>
+            <a:srgbClr val="FF0000"/>
+          </a:solidFill>
+          <a:ln>
+            <a:solidFill>
+              <a:srgbClr val="FF0000"/>
+            </a:solidFill>
+          </a:ln>
+        </p:spPr>
+        <p:style>
+          <a:lnRef idx="2">
+            <a:schemeClr val="accent1">
+              <a:shade val="50000"/>
+            </a:schemeClr>
+          </a:lnRef>
+          <a:fillRef idx="1">
+            <a:schemeClr val="accent1"/>
+          </a:fillRef>
+          <a:effectRef idx="0">
+            <a:schemeClr val="accent1"/>
+          </a:effectRef>
+          <a:fontRef idx="minor">
+            <a:schemeClr val="lt1"/>
+          </a:fontRef>
+        </p:style>
+        <p:txBody>
+          <a:bodyPr rtlCol="0" anchor="ctr"/>
+          <a:lstStyle/>
+          <a:p>
+            <a:pPr algn="ctr"/>
+            <a:endParaRPr lang="en-US"/>
+          </a:p>
+        </p:txBody>
+      </p:sp>
+      <p:cxnSp>
+        <p:nvCxnSpPr>
+          <p:cNvPr id="26" name="Straight Connector 25">
+            <a:extLst>
+              <a:ext uri="{FF2B5EF4-FFF2-40B4-BE49-F238E27FC236}">
+                <a16:creationId xmlns:a16="http://schemas.microsoft.com/office/drawing/2014/main" id="{DC809D24-E086-416D-8F11-FDD29A7BC340}"/>
+              </a:ext>
+            </a:extLst>
+          </p:cNvPr>
+          <p:cNvCxnSpPr>
+            <a:cxnSpLocks/>
+          </p:cNvCxnSpPr>
+          <p:nvPr/>
+        </p:nvCxnSpPr>
+        <p:spPr>
+          <a:xfrm flipH="1">
+            <a:off x="8500219" y="2626987"/>
+            <a:ext cx="59665" cy="89205"/>
+          </a:xfrm>
+          <a:prstGeom prst="line">
+            <a:avLst/>
+          </a:prstGeom>
+          <a:ln w="28575">
+            <a:solidFill>
+              <a:srgbClr val="FF0000"/>
+            </a:solidFill>
+          </a:ln>
+        </p:spPr>
+        <p:style>
+          <a:lnRef idx="3">
+            <a:schemeClr val="accent2"/>
+          </a:lnRef>
+          <a:fillRef idx="0">
+            <a:schemeClr val="accent2"/>
+          </a:fillRef>
+          <a:effectRef idx="2">
+            <a:schemeClr val="accent2"/>
+          </a:effectRef>
+          <a:fontRef idx="minor">
+            <a:schemeClr val="tx1"/>
+          </a:fontRef>
+        </p:style>
+      </p:cxnSp>
+      <p:cxnSp>
+        <p:nvCxnSpPr>
+          <p:cNvPr id="27" name="Straight Connector 26">
+            <a:extLst>
+              <a:ext uri="{FF2B5EF4-FFF2-40B4-BE49-F238E27FC236}">
+                <a16:creationId xmlns:a16="http://schemas.microsoft.com/office/drawing/2014/main" id="{D41CF3EA-4AB5-4032-8237-DF00E1C85CEE}"/>
+              </a:ext>
+            </a:extLst>
+          </p:cNvPr>
+          <p:cNvCxnSpPr>
+            <a:cxnSpLocks/>
+          </p:cNvCxnSpPr>
+          <p:nvPr/>
+        </p:nvCxnSpPr>
+        <p:spPr>
+          <a:xfrm flipV="1">
+            <a:off x="8580519" y="2567055"/>
+            <a:ext cx="182017" cy="262373"/>
+          </a:xfrm>
+          <a:prstGeom prst="line">
+            <a:avLst/>
+          </a:prstGeom>
+          <a:ln w="28575">
+            <a:solidFill>
+              <a:srgbClr val="FF0000"/>
+            </a:solidFill>
+          </a:ln>
+        </p:spPr>
+        <p:style>
+          <a:lnRef idx="3">
+            <a:schemeClr val="accent2"/>
+          </a:lnRef>
+          <a:fillRef idx="0">
+            <a:schemeClr val="accent2"/>
+          </a:fillRef>
+          <a:effectRef idx="2">
+            <a:schemeClr val="accent2"/>
+          </a:effectRef>
+          <a:fontRef idx="minor">
+            <a:schemeClr val="tx1"/>
+          </a:fontRef>
+        </p:style>
+      </p:cxnSp>
+      <p:cxnSp>
+        <p:nvCxnSpPr>
+          <p:cNvPr id="83" name="Straight Connector 82">
+            <a:extLst>
+              <a:ext uri="{FF2B5EF4-FFF2-40B4-BE49-F238E27FC236}">
+                <a16:creationId xmlns:a16="http://schemas.microsoft.com/office/drawing/2014/main" id="{6729767B-DE3D-46EC-97EF-0BF9B9C85530}"/>
+              </a:ext>
+            </a:extLst>
+          </p:cNvPr>
+          <p:cNvCxnSpPr>
+            <a:cxnSpLocks/>
+          </p:cNvCxnSpPr>
+          <p:nvPr/>
+        </p:nvCxnSpPr>
+        <p:spPr>
+          <a:xfrm>
+            <a:off x="9126272" y="2499939"/>
+            <a:ext cx="821069" cy="3013506"/>
+          </a:xfrm>
+          <a:prstGeom prst="line">
+            <a:avLst/>
+          </a:prstGeom>
+          <a:ln w="15875">
+            <a:solidFill>
+              <a:srgbClr val="FF0000"/>
+            </a:solidFill>
+          </a:ln>
+        </p:spPr>
+        <p:style>
+          <a:lnRef idx="3">
+            <a:schemeClr val="accent2"/>
+          </a:lnRef>
+          <a:fillRef idx="0">
+            <a:schemeClr val="accent2"/>
+          </a:fillRef>
+          <a:effectRef idx="2">
+            <a:schemeClr val="accent2"/>
+          </a:effectRef>
+          <a:fontRef idx="minor">
+            <a:schemeClr val="tx1"/>
+          </a:fontRef>
+        </p:style>
+      </p:cxnSp>
+      <p:cxnSp>
+        <p:nvCxnSpPr>
+          <p:cNvPr id="81" name="Straight Connector 80">
+            <a:extLst>
+              <a:ext uri="{FF2B5EF4-FFF2-40B4-BE49-F238E27FC236}">
+                <a16:creationId xmlns:a16="http://schemas.microsoft.com/office/drawing/2014/main" id="{1690B366-0CBE-4FE8-8FF2-5DC4A29C708E}"/>
+              </a:ext>
+            </a:extLst>
+          </p:cNvPr>
+          <p:cNvCxnSpPr>
+            <a:cxnSpLocks/>
+          </p:cNvCxnSpPr>
+          <p:nvPr/>
+        </p:nvCxnSpPr>
+        <p:spPr>
+          <a:xfrm flipV="1">
+            <a:off x="8594229" y="2494384"/>
+            <a:ext cx="72125" cy="186138"/>
+          </a:xfrm>
+          <a:prstGeom prst="line">
+            <a:avLst/>
+          </a:prstGeom>
+          <a:ln w="15875">
+            <a:solidFill>
+              <a:srgbClr val="FF0000"/>
+            </a:solidFill>
+          </a:ln>
+        </p:spPr>
+        <p:style>
+          <a:lnRef idx="3">
+            <a:schemeClr val="accent2"/>
+          </a:lnRef>
+          <a:fillRef idx="0">
+            <a:schemeClr val="accent2"/>
+          </a:fillRef>
+          <a:effectRef idx="2">
+            <a:schemeClr val="accent2"/>
+          </a:effectRef>
+          <a:fontRef idx="minor">
+            <a:schemeClr val="tx1"/>
+          </a:fontRef>
+        </p:style>
+      </p:cxnSp>
+      <p:sp>
+        <p:nvSpPr>
+          <p:cNvPr id="115" name="Oval 114">
+            <a:extLst>
+              <a:ext uri="{FF2B5EF4-FFF2-40B4-BE49-F238E27FC236}">
+                <a16:creationId xmlns:a16="http://schemas.microsoft.com/office/drawing/2014/main" id="{CCFB876E-D9FC-4B72-B21D-0282ED196A06}"/>
+              </a:ext>
+            </a:extLst>
+          </p:cNvPr>
+          <p:cNvSpPr/>
+          <p:nvPr/>
+        </p:nvSpPr>
+        <p:spPr>
+          <a:xfrm>
+            <a:off x="8580734" y="2663726"/>
+            <a:ext cx="54186" cy="46399"/>
+          </a:xfrm>
+          <a:prstGeom prst="ellipse">
+            <a:avLst/>
+          </a:prstGeom>
+          <a:solidFill>
+            <a:srgbClr val="FF0000"/>
+          </a:solidFill>
+          <a:ln>
+            <a:solidFill>
+              <a:srgbClr val="FF0000"/>
+            </a:solidFill>
+          </a:ln>
+        </p:spPr>
+        <p:style>
+          <a:lnRef idx="2">
+            <a:schemeClr val="accent1">
+              <a:shade val="50000"/>
+            </a:schemeClr>
+          </a:lnRef>
+          <a:fillRef idx="1">
+            <a:schemeClr val="accent1"/>
+          </a:fillRef>
+          <a:effectRef idx="0">
+            <a:schemeClr val="accent1"/>
+          </a:effectRef>
+          <a:fontRef idx="minor">
+            <a:schemeClr val="lt1"/>
+          </a:fontRef>
+        </p:style>
+        <p:txBody>
+          <a:bodyPr rtlCol="0" anchor="ctr"/>
+          <a:lstStyle/>
+          <a:p>
+            <a:pPr algn="ctr"/>
+            <a:endParaRPr lang="en-US"/>
+          </a:p>
+        </p:txBody>
+      </p:sp>
+      <p:sp>
+        <p:nvSpPr>
+          <p:cNvPr id="125" name="Rectangle: Rounded Corners 124">
+            <a:extLst>
+              <a:ext uri="{FF2B5EF4-FFF2-40B4-BE49-F238E27FC236}">
+                <a16:creationId xmlns:a16="http://schemas.microsoft.com/office/drawing/2014/main" id="{ACB6ED0C-57FC-43EA-9755-52A072FC4462}"/>
+              </a:ext>
+            </a:extLst>
+          </p:cNvPr>
+          <p:cNvSpPr/>
+          <p:nvPr/>
+        </p:nvSpPr>
+        <p:spPr>
+          <a:xfrm rot="20538065">
+            <a:off x="9943038" y="4757349"/>
+            <a:ext cx="134315" cy="180926"/>
+          </a:xfrm>
+          <a:prstGeom prst="roundRect">
+            <a:avLst/>
+          </a:prstGeom>
+          <a:solidFill>
+            <a:schemeClr val="bg1"/>
+          </a:solidFill>
+        </p:spPr>
+        <p:style>
+          <a:lnRef idx="2">
+            <a:schemeClr val="accent1">
+              <a:shade val="50000"/>
+            </a:schemeClr>
+          </a:lnRef>
+          <a:fillRef idx="1">
+            <a:schemeClr val="accent1"/>
+          </a:fillRef>
+          <a:effectRef idx="0">
+            <a:schemeClr val="accent1"/>
+          </a:effectRef>
+          <a:fontRef idx="minor">
+            <a:schemeClr val="lt1"/>
+          </a:fontRef>
+        </p:style>
+        <p:txBody>
+          <a:bodyPr rtlCol="0" anchor="ctr"/>
+          <a:lstStyle/>
+          <a:p>
+            <a:pPr algn="ctr"/>
+            <a:endParaRPr lang="en-US"/>
+          </a:p>
+        </p:txBody>
+      </p:sp>
+      <p:sp>
+        <p:nvSpPr>
+          <p:cNvPr id="126" name="TextBox 125">
+            <a:extLst>
+              <a:ext uri="{FF2B5EF4-FFF2-40B4-BE49-F238E27FC236}">
+                <a16:creationId xmlns:a16="http://schemas.microsoft.com/office/drawing/2014/main" id="{D9B22C5F-EBEF-4619-A8A1-BE6320185800}"/>
+              </a:ext>
+            </a:extLst>
+          </p:cNvPr>
+          <p:cNvSpPr txBox="1"/>
+          <p:nvPr/>
+        </p:nvSpPr>
+        <p:spPr>
+          <a:xfrm rot="20266484">
+            <a:off x="9895418" y="4241706"/>
+            <a:ext cx="290464" cy="215444"/>
+          </a:xfrm>
+          <a:prstGeom prst="rect">
+            <a:avLst/>
+          </a:prstGeom>
+          <a:noFill/>
+        </p:spPr>
+        <p:txBody>
+          <a:bodyPr wrap="none" rtlCol="0">
+            <a:spAutoFit/>
+          </a:bodyPr>
+          <a:lstStyle/>
+          <a:p>
+            <a:r>
+              <a:rPr lang="en-US" sz="800" dirty="0">
+                <a:solidFill>
+                  <a:schemeClr val="bg1"/>
+                </a:solidFill>
+              </a:rPr>
+              <a:t>IN</a:t>
+            </a:r>
+          </a:p>
+        </p:txBody>
+      </p:sp>
+      <p:grpSp>
+        <p:nvGrpSpPr>
+          <p:cNvPr id="128" name="Group 127">
+            <a:extLst>
+              <a:ext uri="{FF2B5EF4-FFF2-40B4-BE49-F238E27FC236}">
+                <a16:creationId xmlns:a16="http://schemas.microsoft.com/office/drawing/2014/main" id="{36181D37-5C45-4365-9AF2-9489B11AB44A}"/>
+              </a:ext>
+            </a:extLst>
+          </p:cNvPr>
+          <p:cNvGrpSpPr/>
+          <p:nvPr/>
+        </p:nvGrpSpPr>
+        <p:grpSpPr>
+          <a:xfrm>
+            <a:off x="9382567" y="3220117"/>
+            <a:ext cx="534377" cy="189534"/>
+            <a:chOff x="9382567" y="3220117"/>
+            <a:chExt cx="534377" cy="189534"/>
+          </a:xfrm>
+        </p:grpSpPr>
+        <p:grpSp>
+          <p:nvGrpSpPr>
+            <p:cNvPr id="70" name="Group 69">
+              <a:extLst>
+                <a:ext uri="{FF2B5EF4-FFF2-40B4-BE49-F238E27FC236}">
+                  <a16:creationId xmlns:a16="http://schemas.microsoft.com/office/drawing/2014/main" id="{F06CD937-02EB-48E9-87C0-5F60B4EBC174}"/>
+                </a:ext>
+              </a:extLst>
+            </p:cNvPr>
+            <p:cNvGrpSpPr/>
+            <p:nvPr/>
+          </p:nvGrpSpPr>
+          <p:grpSpPr>
+            <a:xfrm>
+              <a:off x="9382567" y="3220117"/>
+              <a:ext cx="534377" cy="189534"/>
+              <a:chOff x="9382567" y="3220117"/>
+              <a:chExt cx="534377" cy="189534"/>
+            </a:xfrm>
+          </p:grpSpPr>
+          <p:sp>
+            <p:nvSpPr>
+              <p:cNvPr id="101" name="Oval 100">
+                <a:extLst>
+                  <a:ext uri="{FF2B5EF4-FFF2-40B4-BE49-F238E27FC236}">
+                    <a16:creationId xmlns:a16="http://schemas.microsoft.com/office/drawing/2014/main" id="{15243F06-F997-4BEC-A390-C78D967A43C5}"/>
+                  </a:ext>
+                </a:extLst>
+              </p:cNvPr>
+              <p:cNvSpPr/>
+              <p:nvPr/>
+            </p:nvSpPr>
+            <p:spPr>
+              <a:xfrm>
+                <a:off x="9862758" y="3220117"/>
+                <a:ext cx="54186" cy="46399"/>
+              </a:xfrm>
+              <a:prstGeom prst="ellipse">
+                <a:avLst/>
+              </a:prstGeom>
+              <a:solidFill>
+                <a:schemeClr val="accent3">
+                  <a:lumMod val="40000"/>
+                  <a:lumOff val="60000"/>
+                </a:schemeClr>
+              </a:solidFill>
+              <a:ln>
+                <a:solidFill>
+                  <a:schemeClr val="accent3">
+                    <a:lumMod val="40000"/>
+                    <a:lumOff val="60000"/>
+                  </a:schemeClr>
+                </a:solidFill>
+              </a:ln>
+            </p:spPr>
+            <p:style>
+              <a:lnRef idx="2">
+                <a:schemeClr val="accent1">
+                  <a:shade val="50000"/>
+                </a:schemeClr>
+              </a:lnRef>
+              <a:fillRef idx="1">
+                <a:schemeClr val="accent1"/>
+              </a:fillRef>
+              <a:effectRef idx="0">
+                <a:schemeClr val="accent1"/>
+              </a:effectRef>
+              <a:fontRef idx="minor">
+                <a:schemeClr val="lt1"/>
+              </a:fontRef>
+            </p:style>
+            <p:txBody>
+              <a:bodyPr rtlCol="0" anchor="ctr"/>
+              <a:lstStyle/>
+              <a:p>
+                <a:pPr algn="ctr"/>
+                <a:endParaRPr lang="en-US"/>
+              </a:p>
+            </p:txBody>
+          </p:sp>
+          <p:sp>
+            <p:nvSpPr>
+              <p:cNvPr id="113" name="Rectangle 112">
+                <a:extLst>
+                  <a:ext uri="{FF2B5EF4-FFF2-40B4-BE49-F238E27FC236}">
+                    <a16:creationId xmlns:a16="http://schemas.microsoft.com/office/drawing/2014/main" id="{E3A07422-CD46-43FD-947E-45B14D31CB7F}"/>
+                  </a:ext>
+                </a:extLst>
+              </p:cNvPr>
+              <p:cNvSpPr/>
+              <p:nvPr/>
+            </p:nvSpPr>
+            <p:spPr>
+              <a:xfrm rot="20675816">
+                <a:off x="9382567" y="3230531"/>
+                <a:ext cx="517241" cy="179120"/>
+              </a:xfrm>
+              <a:prstGeom prst="rect">
+                <a:avLst/>
+              </a:prstGeom>
+            </p:spPr>
+            <p:style>
+              <a:lnRef idx="2">
+                <a:schemeClr val="accent1">
+                  <a:shade val="50000"/>
+                </a:schemeClr>
+              </a:lnRef>
+              <a:fillRef idx="1">
+                <a:schemeClr val="accent1"/>
+              </a:fillRef>
+              <a:effectRef idx="0">
+                <a:schemeClr val="accent1"/>
+              </a:effectRef>
+              <a:fontRef idx="minor">
+                <a:schemeClr val="lt1"/>
+              </a:fontRef>
+            </p:style>
+            <p:txBody>
+              <a:bodyPr rtlCol="0" anchor="ctr"/>
+              <a:lstStyle/>
+              <a:p>
+                <a:pPr algn="ctr"/>
+                <a:r>
+                  <a:rPr lang="en-US" sz="1400" dirty="0"/>
+                  <a:t>125</a:t>
+                </a:r>
+              </a:p>
+            </p:txBody>
+          </p:sp>
+        </p:grpSp>
+        <p:sp>
+          <p:nvSpPr>
+            <p:cNvPr id="127" name="Oval 126">
+              <a:extLst>
+                <a:ext uri="{FF2B5EF4-FFF2-40B4-BE49-F238E27FC236}">
+                  <a16:creationId xmlns:a16="http://schemas.microsoft.com/office/drawing/2014/main" id="{A87618F0-2CE6-4276-B28E-D070D75B0E40}"/>
+                </a:ext>
+              </a:extLst>
+            </p:cNvPr>
+            <p:cNvSpPr/>
+            <p:nvPr/>
+          </p:nvSpPr>
+          <p:spPr>
+            <a:xfrm>
+              <a:off x="9858747" y="3222118"/>
+              <a:ext cx="54186" cy="46399"/>
+            </a:xfrm>
+            <a:prstGeom prst="ellipse">
+              <a:avLst/>
+            </a:prstGeom>
+            <a:solidFill>
+              <a:schemeClr val="accent3">
+                <a:lumMod val="40000"/>
+                <a:lumOff val="60000"/>
+              </a:schemeClr>
+            </a:solidFill>
+            <a:ln>
+              <a:solidFill>
+                <a:schemeClr val="accent3">
+                  <a:lumMod val="40000"/>
+                  <a:lumOff val="60000"/>
+                </a:schemeClr>
+              </a:solidFill>
+            </a:ln>
+          </p:spPr>
+          <p:style>
+            <a:lnRef idx="2">
+              <a:schemeClr val="accent1">
+                <a:shade val="50000"/>
+              </a:schemeClr>
+            </a:lnRef>
+            <a:fillRef idx="1">
+              <a:schemeClr val="accent1"/>
+            </a:fillRef>
+            <a:effectRef idx="0">
+              <a:schemeClr val="accent1"/>
+            </a:effectRef>
+            <a:fontRef idx="minor">
+              <a:schemeClr val="lt1"/>
+            </a:fontRef>
+          </p:style>
+          <p:txBody>
+            <a:bodyPr rtlCol="0" anchor="ctr"/>
+            <a:lstStyle/>
+            <a:p>
+              <a:pPr algn="ctr"/>
+              <a:endParaRPr lang="en-US"/>
+            </a:p>
+          </p:txBody>
+        </p:sp>
+      </p:grpSp>
+      <p:cxnSp>
+        <p:nvCxnSpPr>
+          <p:cNvPr id="96" name="Straight Connector 95">
+            <a:extLst>
+              <a:ext uri="{FF2B5EF4-FFF2-40B4-BE49-F238E27FC236}">
+                <a16:creationId xmlns:a16="http://schemas.microsoft.com/office/drawing/2014/main" id="{BC3B30C3-E321-4E79-983E-D3564C586F46}"/>
+              </a:ext>
+            </a:extLst>
+          </p:cNvPr>
+          <p:cNvCxnSpPr>
+            <a:cxnSpLocks/>
+          </p:cNvCxnSpPr>
+          <p:nvPr/>
+        </p:nvCxnSpPr>
+        <p:spPr>
+          <a:xfrm flipH="1" flipV="1">
+            <a:off x="9267871" y="2490081"/>
+            <a:ext cx="596096" cy="850201"/>
+          </a:xfrm>
+          <a:prstGeom prst="line">
+            <a:avLst/>
+          </a:prstGeom>
+          <a:ln w="15875">
+            <a:solidFill>
+              <a:srgbClr val="FF0000"/>
+            </a:solidFill>
+          </a:ln>
+        </p:spPr>
+        <p:style>
+          <a:lnRef idx="3">
+            <a:schemeClr val="accent2"/>
+          </a:lnRef>
+          <a:fillRef idx="0">
+            <a:schemeClr val="accent2"/>
+          </a:fillRef>
+          <a:effectRef idx="2">
+            <a:schemeClr val="accent2"/>
+          </a:effectRef>
+          <a:fontRef idx="minor">
+            <a:schemeClr val="tx1"/>
+          </a:fontRef>
+        </p:style>
+      </p:cxnSp>
+      <p:cxnSp>
+        <p:nvCxnSpPr>
+          <p:cNvPr id="79" name="Straight Connector 78">
+            <a:extLst>
+              <a:ext uri="{FF2B5EF4-FFF2-40B4-BE49-F238E27FC236}">
+                <a16:creationId xmlns:a16="http://schemas.microsoft.com/office/drawing/2014/main" id="{BE73EA01-D2F6-4D19-80C3-42354585A6BC}"/>
+              </a:ext>
+            </a:extLst>
+          </p:cNvPr>
+          <p:cNvCxnSpPr>
+            <a:cxnSpLocks/>
+          </p:cNvCxnSpPr>
+          <p:nvPr/>
+        </p:nvCxnSpPr>
+        <p:spPr>
+          <a:xfrm>
+            <a:off x="9188726" y="2488824"/>
+            <a:ext cx="646616" cy="1096134"/>
+          </a:xfrm>
+          <a:prstGeom prst="line">
+            <a:avLst/>
+          </a:prstGeom>
+          <a:ln w="15875">
+            <a:solidFill>
+              <a:srgbClr val="FF0000"/>
+            </a:solidFill>
+          </a:ln>
+        </p:spPr>
+        <p:style>
+          <a:lnRef idx="3">
+            <a:schemeClr val="accent2"/>
+          </a:lnRef>
+          <a:fillRef idx="0">
+            <a:schemeClr val="accent2"/>
+          </a:fillRef>
+          <a:effectRef idx="2">
+            <a:schemeClr val="accent2"/>
+          </a:effectRef>
+          <a:fontRef idx="minor">
+            <a:schemeClr val="tx1"/>
+          </a:fontRef>
+        </p:style>
+      </p:cxnSp>
+      <p:sp>
+        <p:nvSpPr>
+          <p:cNvPr id="104" name="Oval 103">
+            <a:extLst>
+              <a:ext uri="{FF2B5EF4-FFF2-40B4-BE49-F238E27FC236}">
+                <a16:creationId xmlns:a16="http://schemas.microsoft.com/office/drawing/2014/main" id="{FCE2FBDE-8F34-43F8-AB66-6F35940061CF}"/>
+              </a:ext>
+            </a:extLst>
+          </p:cNvPr>
+          <p:cNvSpPr/>
+          <p:nvPr/>
+        </p:nvSpPr>
+        <p:spPr>
+          <a:xfrm>
+            <a:off x="9840520" y="3317475"/>
+            <a:ext cx="54186" cy="46399"/>
+          </a:xfrm>
+          <a:prstGeom prst="ellipse">
+            <a:avLst/>
+          </a:prstGeom>
+          <a:solidFill>
+            <a:srgbClr val="FF0000"/>
+          </a:solidFill>
+          <a:ln>
+            <a:solidFill>
+              <a:srgbClr val="FF0000"/>
+            </a:solidFill>
+          </a:ln>
+        </p:spPr>
+        <p:style>
+          <a:lnRef idx="2">
+            <a:schemeClr val="accent1">
+              <a:shade val="50000"/>
+            </a:schemeClr>
+          </a:lnRef>
+          <a:fillRef idx="1">
+            <a:schemeClr val="accent1"/>
+          </a:fillRef>
+          <a:effectRef idx="0">
+            <a:schemeClr val="accent1"/>
+          </a:effectRef>
+          <a:fontRef idx="minor">
+            <a:schemeClr val="lt1"/>
+          </a:fontRef>
+        </p:style>
+        <p:txBody>
+          <a:bodyPr rtlCol="0" anchor="ctr"/>
+          <a:lstStyle/>
+          <a:p>
+            <a:pPr algn="ctr"/>
+            <a:endParaRPr lang="en-US"/>
+          </a:p>
+        </p:txBody>
+      </p:sp>
     </p:spTree>
     <p:extLst>
       <p:ext uri="{BB962C8B-B14F-4D97-AF65-F5344CB8AC3E}">
@@ -7932,6 +10565,58 @@
       </p:grpSpPr>
       <p:sp>
         <p:nvSpPr>
+          <p:cNvPr id="55" name="Rectangle 54">
+            <a:extLst>
+              <a:ext uri="{FF2B5EF4-FFF2-40B4-BE49-F238E27FC236}">
+                <a16:creationId xmlns:a16="http://schemas.microsoft.com/office/drawing/2014/main" id="{0AA9E2A4-0DA3-48C7-A72A-C86183175048}"/>
+              </a:ext>
+            </a:extLst>
+          </p:cNvPr>
+          <p:cNvSpPr/>
+          <p:nvPr/>
+        </p:nvSpPr>
+        <p:spPr>
+          <a:xfrm>
+            <a:off x="7754351" y="2267953"/>
+            <a:ext cx="3459278" cy="4120813"/>
+          </a:xfrm>
+          <a:prstGeom prst="rect">
+            <a:avLst/>
+          </a:prstGeom>
+          <a:solidFill>
+            <a:schemeClr val="accent3">
+              <a:lumMod val="40000"/>
+              <a:lumOff val="60000"/>
+            </a:schemeClr>
+          </a:solidFill>
+        </p:spPr>
+        <p:style>
+          <a:lnRef idx="2">
+            <a:schemeClr val="accent1">
+              <a:shade val="50000"/>
+            </a:schemeClr>
+          </a:lnRef>
+          <a:fillRef idx="1">
+            <a:schemeClr val="accent1"/>
+          </a:fillRef>
+          <a:effectRef idx="0">
+            <a:schemeClr val="accent1"/>
+          </a:effectRef>
+          <a:fontRef idx="minor">
+            <a:schemeClr val="lt1"/>
+          </a:fontRef>
+        </p:style>
+        <p:txBody>
+          <a:bodyPr rtlCol="0" anchor="ctr"/>
+          <a:lstStyle/>
+          <a:p>
+            <a:pPr algn="ctr"/>
+            <a:endParaRPr lang="en-US"/>
+          </a:p>
+        </p:txBody>
+      </p:sp>
+      <p:sp>
+        <p:nvSpPr>
           <p:cNvPr id="2" name="Title 1">
             <a:extLst>
               <a:ext uri="{FF2B5EF4-FFF2-40B4-BE49-F238E27FC236}">
@@ -7960,10 +10645,10 @@
       </p:sp>
       <p:grpSp>
         <p:nvGrpSpPr>
-          <p:cNvPr id="3" name="Group 2">
-            <a:extLst>
-              <a:ext uri="{FF2B5EF4-FFF2-40B4-BE49-F238E27FC236}">
-                <a16:creationId xmlns:a16="http://schemas.microsoft.com/office/drawing/2014/main" id="{F02D621B-3FB5-4654-BDDE-8835E5923ADE}"/>
+          <p:cNvPr id="23" name="Group 22">
+            <a:extLst>
+              <a:ext uri="{FF2B5EF4-FFF2-40B4-BE49-F238E27FC236}">
+                <a16:creationId xmlns:a16="http://schemas.microsoft.com/office/drawing/2014/main" id="{64A100DD-ED43-4057-9A54-B3C8ECD54CED}"/>
               </a:ext>
             </a:extLst>
           </p:cNvPr>
@@ -7980,10 +10665,10 @@
         </p:grpSpPr>
         <p:grpSp>
           <p:nvGrpSpPr>
-            <p:cNvPr id="4" name="Group 3">
+            <p:cNvPr id="24" name="Group 23">
               <a:extLst>
                 <a:ext uri="{FF2B5EF4-FFF2-40B4-BE49-F238E27FC236}">
-                  <a16:creationId xmlns:a16="http://schemas.microsoft.com/office/drawing/2014/main" id="{F75AB254-050D-4C61-80DF-A4C873407919}"/>
+                  <a16:creationId xmlns:a16="http://schemas.microsoft.com/office/drawing/2014/main" id="{083C5ADC-AE85-4160-BD0C-74BBE5CC23B8}"/>
                 </a:ext>
               </a:extLst>
             </p:cNvPr>
@@ -8000,10 +10685,10 @@
           </p:grpSpPr>
           <p:cxnSp>
             <p:nvCxnSpPr>
-              <p:cNvPr id="13" name="Straight Connector 12">
+              <p:cNvPr id="33" name="Straight Connector 32">
                 <a:extLst>
                   <a:ext uri="{FF2B5EF4-FFF2-40B4-BE49-F238E27FC236}">
-                    <a16:creationId xmlns:a16="http://schemas.microsoft.com/office/drawing/2014/main" id="{658094EE-9530-43D3-A384-C014C814FCDD}"/>
+                    <a16:creationId xmlns:a16="http://schemas.microsoft.com/office/drawing/2014/main" id="{1ED19340-064D-4D47-B744-837ED1A3534C}"/>
                   </a:ext>
                 </a:extLst>
               </p:cNvPr>
@@ -8037,10 +10722,10 @@
           </p:cxnSp>
           <p:cxnSp>
             <p:nvCxnSpPr>
-              <p:cNvPr id="14" name="Straight Connector 13">
+              <p:cNvPr id="34" name="Straight Connector 33">
                 <a:extLst>
                   <a:ext uri="{FF2B5EF4-FFF2-40B4-BE49-F238E27FC236}">
-                    <a16:creationId xmlns:a16="http://schemas.microsoft.com/office/drawing/2014/main" id="{CCA6AB5F-58B0-4EAC-B8F0-EBF685581A1D}"/>
+                    <a16:creationId xmlns:a16="http://schemas.microsoft.com/office/drawing/2014/main" id="{6EFD872A-B8BA-4BF2-B1AA-77F29C5F7BD1}"/>
                   </a:ext>
                 </a:extLst>
               </p:cNvPr>
@@ -8074,10 +10759,10 @@
           </p:cxnSp>
           <p:cxnSp>
             <p:nvCxnSpPr>
-              <p:cNvPr id="15" name="Straight Connector 14">
+              <p:cNvPr id="35" name="Straight Connector 34">
                 <a:extLst>
                   <a:ext uri="{FF2B5EF4-FFF2-40B4-BE49-F238E27FC236}">
-                    <a16:creationId xmlns:a16="http://schemas.microsoft.com/office/drawing/2014/main" id="{59ED894F-F920-4CB1-A1D5-1A5A19E49480}"/>
+                    <a16:creationId xmlns:a16="http://schemas.microsoft.com/office/drawing/2014/main" id="{43A57B0E-82E1-4AF5-AE1D-48C19F557520}"/>
                   </a:ext>
                 </a:extLst>
               </p:cNvPr>
@@ -8111,10 +10796,10 @@
           </p:cxnSp>
           <p:cxnSp>
             <p:nvCxnSpPr>
-              <p:cNvPr id="16" name="Straight Connector 15">
+              <p:cNvPr id="36" name="Straight Connector 35">
                 <a:extLst>
                   <a:ext uri="{FF2B5EF4-FFF2-40B4-BE49-F238E27FC236}">
-                    <a16:creationId xmlns:a16="http://schemas.microsoft.com/office/drawing/2014/main" id="{2580A8BB-4469-4009-A7A3-8FED895C514A}"/>
+                    <a16:creationId xmlns:a16="http://schemas.microsoft.com/office/drawing/2014/main" id="{8588C64A-F0A9-49FB-9436-0C54F510DC42}"/>
                   </a:ext>
                 </a:extLst>
               </p:cNvPr>
@@ -8148,10 +10833,10 @@
           </p:cxnSp>
           <p:cxnSp>
             <p:nvCxnSpPr>
-              <p:cNvPr id="17" name="Straight Connector 16">
+              <p:cNvPr id="37" name="Straight Connector 36">
                 <a:extLst>
                   <a:ext uri="{FF2B5EF4-FFF2-40B4-BE49-F238E27FC236}">
-                    <a16:creationId xmlns:a16="http://schemas.microsoft.com/office/drawing/2014/main" id="{6059DB7F-FCD2-479C-9F05-87214943F290}"/>
+                    <a16:creationId xmlns:a16="http://schemas.microsoft.com/office/drawing/2014/main" id="{DD77CEAD-303E-4FE6-B6EF-A1AAE8E48287}"/>
                   </a:ext>
                 </a:extLst>
               </p:cNvPr>
@@ -8185,10 +10870,10 @@
           </p:cxnSp>
           <p:cxnSp>
             <p:nvCxnSpPr>
-              <p:cNvPr id="18" name="Straight Connector 17">
+              <p:cNvPr id="38" name="Straight Connector 37">
                 <a:extLst>
                   <a:ext uri="{FF2B5EF4-FFF2-40B4-BE49-F238E27FC236}">
-                    <a16:creationId xmlns:a16="http://schemas.microsoft.com/office/drawing/2014/main" id="{0265711F-9143-44FF-9F4C-E87AFCBA528F}"/>
+                    <a16:creationId xmlns:a16="http://schemas.microsoft.com/office/drawing/2014/main" id="{3E27E508-8BAA-4E63-AEA6-92C2BB59081F}"/>
                   </a:ext>
                 </a:extLst>
               </p:cNvPr>
@@ -8222,10 +10907,10 @@
           </p:cxnSp>
           <p:cxnSp>
             <p:nvCxnSpPr>
-              <p:cNvPr id="19" name="Straight Connector 18">
+              <p:cNvPr id="39" name="Straight Connector 38">
                 <a:extLst>
                   <a:ext uri="{FF2B5EF4-FFF2-40B4-BE49-F238E27FC236}">
-                    <a16:creationId xmlns:a16="http://schemas.microsoft.com/office/drawing/2014/main" id="{B52E0358-D0A8-49C2-A50C-E6336C2AB7CF}"/>
+                    <a16:creationId xmlns:a16="http://schemas.microsoft.com/office/drawing/2014/main" id="{9DF6A946-74FE-4E3B-971B-4A606C9BAABD}"/>
                   </a:ext>
                 </a:extLst>
               </p:cNvPr>
@@ -8259,10 +10944,10 @@
           </p:cxnSp>
           <p:cxnSp>
             <p:nvCxnSpPr>
-              <p:cNvPr id="20" name="Straight Connector 19">
+              <p:cNvPr id="40" name="Straight Connector 39">
                 <a:extLst>
                   <a:ext uri="{FF2B5EF4-FFF2-40B4-BE49-F238E27FC236}">
-                    <a16:creationId xmlns:a16="http://schemas.microsoft.com/office/drawing/2014/main" id="{2989CBD0-9E2A-440E-9996-D30AF672E1A1}"/>
+                    <a16:creationId xmlns:a16="http://schemas.microsoft.com/office/drawing/2014/main" id="{A2C9167C-39EF-4AAD-8F0D-C027081DC571}"/>
                   </a:ext>
                 </a:extLst>
               </p:cNvPr>
@@ -8296,10 +10981,10 @@
           </p:cxnSp>
           <p:cxnSp>
             <p:nvCxnSpPr>
-              <p:cNvPr id="21" name="Straight Connector 20">
+              <p:cNvPr id="41" name="Straight Connector 40">
                 <a:extLst>
                   <a:ext uri="{FF2B5EF4-FFF2-40B4-BE49-F238E27FC236}">
-                    <a16:creationId xmlns:a16="http://schemas.microsoft.com/office/drawing/2014/main" id="{C3B2B4EA-DEA5-4E7C-96DC-1DB3CFE32156}"/>
+                    <a16:creationId xmlns:a16="http://schemas.microsoft.com/office/drawing/2014/main" id="{B33F0650-0BE2-4430-B02A-E5C957C707FB}"/>
                   </a:ext>
                 </a:extLst>
               </p:cNvPr>
@@ -8334,10 +11019,10 @@
         </p:grpSp>
         <p:grpSp>
           <p:nvGrpSpPr>
-            <p:cNvPr id="5" name="Group 4">
+            <p:cNvPr id="25" name="Group 24">
               <a:extLst>
                 <a:ext uri="{FF2B5EF4-FFF2-40B4-BE49-F238E27FC236}">
-                  <a16:creationId xmlns:a16="http://schemas.microsoft.com/office/drawing/2014/main" id="{EB3175DD-9BB2-4157-BB52-716C728AA2C3}"/>
+                  <a16:creationId xmlns:a16="http://schemas.microsoft.com/office/drawing/2014/main" id="{CECB007F-4D63-4ED6-9DF5-F17B70C9F927}"/>
                 </a:ext>
               </a:extLst>
             </p:cNvPr>
@@ -8354,10 +11039,10 @@
           </p:grpSpPr>
           <p:sp>
             <p:nvSpPr>
-              <p:cNvPr id="10" name="Rectangle 9">
+              <p:cNvPr id="30" name="Rectangle 29">
                 <a:extLst>
                   <a:ext uri="{FF2B5EF4-FFF2-40B4-BE49-F238E27FC236}">
-                    <a16:creationId xmlns:a16="http://schemas.microsoft.com/office/drawing/2014/main" id="{862C32A7-86AD-4FAE-9ABF-D022ECEA8D29}"/>
+                    <a16:creationId xmlns:a16="http://schemas.microsoft.com/office/drawing/2014/main" id="{187B1C06-A305-4A62-BE0E-98D341F028DC}"/>
                   </a:ext>
                 </a:extLst>
               </p:cNvPr>
@@ -8403,10 +11088,10 @@
           </p:sp>
           <p:sp>
             <p:nvSpPr>
-              <p:cNvPr id="11" name="Rectangle 10">
+              <p:cNvPr id="31" name="Rectangle 30">
                 <a:extLst>
                   <a:ext uri="{FF2B5EF4-FFF2-40B4-BE49-F238E27FC236}">
-                    <a16:creationId xmlns:a16="http://schemas.microsoft.com/office/drawing/2014/main" id="{B5EAF497-DA66-46C8-A56D-462925D6E07D}"/>
+                    <a16:creationId xmlns:a16="http://schemas.microsoft.com/office/drawing/2014/main" id="{67F2C131-0C94-4004-BF3A-B92E973E8873}"/>
                   </a:ext>
                 </a:extLst>
               </p:cNvPr>
@@ -8452,10 +11137,10 @@
           </p:sp>
           <p:sp>
             <p:nvSpPr>
-              <p:cNvPr id="12" name="Rectangle 11">
+              <p:cNvPr id="32" name="Rectangle 31">
                 <a:extLst>
                   <a:ext uri="{FF2B5EF4-FFF2-40B4-BE49-F238E27FC236}">
-                    <a16:creationId xmlns:a16="http://schemas.microsoft.com/office/drawing/2014/main" id="{B79B34C6-9ABC-441A-8F4C-C1395F4703AF}"/>
+                    <a16:creationId xmlns:a16="http://schemas.microsoft.com/office/drawing/2014/main" id="{67358589-73F8-4578-A87B-9BB1AD52C32C}"/>
                   </a:ext>
                 </a:extLst>
               </p:cNvPr>
@@ -8502,10 +11187,10 @@
         </p:grpSp>
         <p:grpSp>
           <p:nvGrpSpPr>
-            <p:cNvPr id="6" name="Group 5">
+            <p:cNvPr id="26" name="Group 25">
               <a:extLst>
                 <a:ext uri="{FF2B5EF4-FFF2-40B4-BE49-F238E27FC236}">
-                  <a16:creationId xmlns:a16="http://schemas.microsoft.com/office/drawing/2014/main" id="{95AEBB35-1D44-43EC-B119-788177549DC4}"/>
+                  <a16:creationId xmlns:a16="http://schemas.microsoft.com/office/drawing/2014/main" id="{1A1523DD-E144-4632-B867-94A483AC9BF4}"/>
                 </a:ext>
               </a:extLst>
             </p:cNvPr>
@@ -8522,10 +11207,10 @@
           </p:grpSpPr>
           <p:sp>
             <p:nvSpPr>
-              <p:cNvPr id="7" name="Rectangle 6">
+              <p:cNvPr id="27" name="Rectangle 26">
                 <a:extLst>
                   <a:ext uri="{FF2B5EF4-FFF2-40B4-BE49-F238E27FC236}">
-                    <a16:creationId xmlns:a16="http://schemas.microsoft.com/office/drawing/2014/main" id="{FD79CE77-7FD4-40E4-9B25-6B4D1DFCAFB7}"/>
+                    <a16:creationId xmlns:a16="http://schemas.microsoft.com/office/drawing/2014/main" id="{DEAEEC82-776B-4A8B-95A5-FA34CA156F75}"/>
                   </a:ext>
                 </a:extLst>
               </p:cNvPr>
@@ -8574,10 +11259,10 @@
           </p:sp>
           <p:sp>
             <p:nvSpPr>
-              <p:cNvPr id="8" name="Rectangle 7">
+              <p:cNvPr id="28" name="Rectangle 27">
                 <a:extLst>
                   <a:ext uri="{FF2B5EF4-FFF2-40B4-BE49-F238E27FC236}">
-                    <a16:creationId xmlns:a16="http://schemas.microsoft.com/office/drawing/2014/main" id="{C17103B5-1A5B-4D4A-872D-0FCC2339AA06}"/>
+                    <a16:creationId xmlns:a16="http://schemas.microsoft.com/office/drawing/2014/main" id="{E61B6906-EFD5-4EFF-B9A3-6321DE2AE7C0}"/>
                   </a:ext>
                 </a:extLst>
               </p:cNvPr>
@@ -8623,10 +11308,10 @@
           </p:sp>
           <p:sp>
             <p:nvSpPr>
-              <p:cNvPr id="9" name="Rectangle 8">
+              <p:cNvPr id="29" name="Rectangle 28">
                 <a:extLst>
                   <a:ext uri="{FF2B5EF4-FFF2-40B4-BE49-F238E27FC236}">
-                    <a16:creationId xmlns:a16="http://schemas.microsoft.com/office/drawing/2014/main" id="{3C3F7D15-0645-4C60-B1BA-977853859F28}"/>
+                    <a16:creationId xmlns:a16="http://schemas.microsoft.com/office/drawing/2014/main" id="{6CFD4057-66D9-4B06-A38E-5C3A0BAF9E5C}"/>
                   </a:ext>
                 </a:extLst>
               </p:cNvPr>
@@ -8672,6 +11357,1454 @@
           </p:sp>
         </p:grpSp>
       </p:grpSp>
+      <p:sp>
+        <p:nvSpPr>
+          <p:cNvPr id="43" name="Rectangle 42">
+            <a:extLst>
+              <a:ext uri="{FF2B5EF4-FFF2-40B4-BE49-F238E27FC236}">
+                <a16:creationId xmlns:a16="http://schemas.microsoft.com/office/drawing/2014/main" id="{448CC4C6-AAB1-4EFF-AE93-F871700B74A9}"/>
+              </a:ext>
+            </a:extLst>
+          </p:cNvPr>
+          <p:cNvSpPr/>
+          <p:nvPr/>
+        </p:nvSpPr>
+        <p:spPr>
+          <a:xfrm rot="15064516">
+            <a:off x="9492362" y="3832303"/>
+            <a:ext cx="850988" cy="331313"/>
+          </a:xfrm>
+          <a:prstGeom prst="rect">
+            <a:avLst/>
+          </a:prstGeom>
+        </p:spPr>
+        <p:style>
+          <a:lnRef idx="2">
+            <a:schemeClr val="accent5">
+              <a:shade val="50000"/>
+            </a:schemeClr>
+          </a:lnRef>
+          <a:fillRef idx="1">
+            <a:schemeClr val="accent5"/>
+          </a:fillRef>
+          <a:effectRef idx="0">
+            <a:schemeClr val="accent5"/>
+          </a:effectRef>
+          <a:fontRef idx="minor">
+            <a:schemeClr val="lt1"/>
+          </a:fontRef>
+        </p:style>
+        <p:txBody>
+          <a:bodyPr rtlCol="0" anchor="ctr"/>
+          <a:lstStyle/>
+          <a:p>
+            <a:pPr algn="ctr"/>
+            <a:r>
+              <a:rPr lang="en-US" dirty="0"/>
+              <a:t> UBEC</a:t>
+            </a:r>
+          </a:p>
+        </p:txBody>
+      </p:sp>
+      <p:sp>
+        <p:nvSpPr>
+          <p:cNvPr id="44" name="Rectangle 43">
+            <a:extLst>
+              <a:ext uri="{FF2B5EF4-FFF2-40B4-BE49-F238E27FC236}">
+                <a16:creationId xmlns:a16="http://schemas.microsoft.com/office/drawing/2014/main" id="{70BAA490-1205-4F0F-8D68-253EC9A9ABA6}"/>
+              </a:ext>
+            </a:extLst>
+          </p:cNvPr>
+          <p:cNvSpPr/>
+          <p:nvPr/>
+        </p:nvSpPr>
+        <p:spPr>
+          <a:xfrm rot="3355565">
+            <a:off x="9665928" y="3308220"/>
+            <a:ext cx="175572" cy="336594"/>
+          </a:xfrm>
+          <a:prstGeom prst="rect">
+            <a:avLst/>
+          </a:prstGeom>
+          <a:solidFill>
+            <a:schemeClr val="accent6">
+              <a:lumMod val="40000"/>
+              <a:lumOff val="60000"/>
+            </a:schemeClr>
+          </a:solidFill>
+        </p:spPr>
+        <p:style>
+          <a:lnRef idx="2">
+            <a:schemeClr val="accent1">
+              <a:shade val="50000"/>
+            </a:schemeClr>
+          </a:lnRef>
+          <a:fillRef idx="1">
+            <a:schemeClr val="accent1"/>
+          </a:fillRef>
+          <a:effectRef idx="0">
+            <a:schemeClr val="accent1"/>
+          </a:effectRef>
+          <a:fontRef idx="minor">
+            <a:schemeClr val="lt1"/>
+          </a:fontRef>
+        </p:style>
+        <p:txBody>
+          <a:bodyPr rtlCol="0" anchor="ctr"/>
+          <a:lstStyle/>
+          <a:p>
+            <a:pPr algn="ctr"/>
+            <a:endParaRPr lang="en-US"/>
+          </a:p>
+        </p:txBody>
+      </p:sp>
+      <p:sp>
+        <p:nvSpPr>
+          <p:cNvPr id="45" name="Rectangle 44">
+            <a:extLst>
+              <a:ext uri="{FF2B5EF4-FFF2-40B4-BE49-F238E27FC236}">
+                <a16:creationId xmlns:a16="http://schemas.microsoft.com/office/drawing/2014/main" id="{723FD868-027C-485B-A932-07E4681EA413}"/>
+              </a:ext>
+            </a:extLst>
+          </p:cNvPr>
+          <p:cNvSpPr/>
+          <p:nvPr/>
+        </p:nvSpPr>
+        <p:spPr>
+          <a:xfrm rot="4359892">
+            <a:off x="9600943" y="5090236"/>
+            <a:ext cx="1126941" cy="417140"/>
+          </a:xfrm>
+          <a:prstGeom prst="rect">
+            <a:avLst/>
+          </a:prstGeom>
+          <a:solidFill>
+            <a:schemeClr val="accent5"/>
+          </a:solidFill>
+          <a:ln>
+            <a:solidFill>
+              <a:schemeClr val="accent5"/>
+            </a:solidFill>
+          </a:ln>
+        </p:spPr>
+        <p:style>
+          <a:lnRef idx="2">
+            <a:schemeClr val="accent1">
+              <a:shade val="50000"/>
+            </a:schemeClr>
+          </a:lnRef>
+          <a:fillRef idx="1">
+            <a:schemeClr val="accent1"/>
+          </a:fillRef>
+          <a:effectRef idx="0">
+            <a:schemeClr val="accent1"/>
+          </a:effectRef>
+          <a:fontRef idx="minor">
+            <a:schemeClr val="lt1"/>
+          </a:fontRef>
+        </p:style>
+        <p:txBody>
+          <a:bodyPr rtlCol="0" anchor="ctr"/>
+          <a:lstStyle/>
+          <a:p>
+            <a:pPr algn="ctr"/>
+            <a:r>
+              <a:rPr lang="en-US" dirty="0" err="1"/>
+              <a:t>Ardu</a:t>
+            </a:r>
+            <a:endParaRPr lang="en-US" dirty="0"/>
+          </a:p>
+        </p:txBody>
+      </p:sp>
+      <p:sp>
+        <p:nvSpPr>
+          <p:cNvPr id="46" name="Rectangle 45">
+            <a:extLst>
+              <a:ext uri="{FF2B5EF4-FFF2-40B4-BE49-F238E27FC236}">
+                <a16:creationId xmlns:a16="http://schemas.microsoft.com/office/drawing/2014/main" id="{2B242EED-D2A0-49C8-BAD4-A1DEE108270A}"/>
+              </a:ext>
+            </a:extLst>
+          </p:cNvPr>
+          <p:cNvSpPr/>
+          <p:nvPr/>
+        </p:nvSpPr>
+        <p:spPr>
+          <a:xfrm rot="20653546">
+            <a:off x="10693744" y="5042581"/>
+            <a:ext cx="64302" cy="784651"/>
+          </a:xfrm>
+          <a:prstGeom prst="rect">
+            <a:avLst/>
+          </a:prstGeom>
+          <a:solidFill>
+            <a:schemeClr val="accent4">
+              <a:lumMod val="60000"/>
+              <a:lumOff val="40000"/>
+            </a:schemeClr>
+          </a:solidFill>
+        </p:spPr>
+        <p:style>
+          <a:lnRef idx="2">
+            <a:schemeClr val="accent1">
+              <a:shade val="50000"/>
+            </a:schemeClr>
+          </a:lnRef>
+          <a:fillRef idx="1">
+            <a:schemeClr val="accent1"/>
+          </a:fillRef>
+          <a:effectRef idx="0">
+            <a:schemeClr val="accent1"/>
+          </a:effectRef>
+          <a:fontRef idx="minor">
+            <a:schemeClr val="lt1"/>
+          </a:fontRef>
+        </p:style>
+        <p:txBody>
+          <a:bodyPr rtlCol="0" anchor="ctr"/>
+          <a:lstStyle/>
+          <a:p>
+            <a:pPr algn="ctr"/>
+            <a:endParaRPr lang="en-US"/>
+          </a:p>
+        </p:txBody>
+      </p:sp>
+      <p:sp>
+        <p:nvSpPr>
+          <p:cNvPr id="47" name="Rectangle 46">
+            <a:extLst>
+              <a:ext uri="{FF2B5EF4-FFF2-40B4-BE49-F238E27FC236}">
+                <a16:creationId xmlns:a16="http://schemas.microsoft.com/office/drawing/2014/main" id="{E71275E2-C615-401C-ABC5-16DDE055C4AC}"/>
+              </a:ext>
+            </a:extLst>
+          </p:cNvPr>
+          <p:cNvSpPr/>
+          <p:nvPr/>
+        </p:nvSpPr>
+        <p:spPr>
+          <a:xfrm>
+            <a:off x="10024535" y="2508710"/>
+            <a:ext cx="248778" cy="98118"/>
+          </a:xfrm>
+          <a:prstGeom prst="rect">
+            <a:avLst/>
+          </a:prstGeom>
+          <a:solidFill>
+            <a:srgbClr val="36F856"/>
+          </a:solidFill>
+        </p:spPr>
+        <p:style>
+          <a:lnRef idx="2">
+            <a:schemeClr val="accent1">
+              <a:shade val="50000"/>
+            </a:schemeClr>
+          </a:lnRef>
+          <a:fillRef idx="1">
+            <a:schemeClr val="accent1"/>
+          </a:fillRef>
+          <a:effectRef idx="0">
+            <a:schemeClr val="accent1"/>
+          </a:effectRef>
+          <a:fontRef idx="minor">
+            <a:schemeClr val="lt1"/>
+          </a:fontRef>
+        </p:style>
+        <p:txBody>
+          <a:bodyPr rtlCol="0" anchor="ctr"/>
+          <a:lstStyle/>
+          <a:p>
+            <a:pPr algn="ctr"/>
+            <a:endParaRPr lang="en-US"/>
+          </a:p>
+        </p:txBody>
+      </p:sp>
+      <p:sp>
+        <p:nvSpPr>
+          <p:cNvPr id="52" name="Oval 51">
+            <a:extLst>
+              <a:ext uri="{FF2B5EF4-FFF2-40B4-BE49-F238E27FC236}">
+                <a16:creationId xmlns:a16="http://schemas.microsoft.com/office/drawing/2014/main" id="{3EB3301A-A780-44C1-BCB7-3D464A28CB84}"/>
+              </a:ext>
+            </a:extLst>
+          </p:cNvPr>
+          <p:cNvSpPr/>
+          <p:nvPr/>
+        </p:nvSpPr>
+        <p:spPr>
+          <a:xfrm>
+            <a:off x="9817476" y="2791714"/>
+            <a:ext cx="54186" cy="46399"/>
+          </a:xfrm>
+          <a:prstGeom prst="ellipse">
+            <a:avLst/>
+          </a:prstGeom>
+          <a:solidFill>
+            <a:schemeClr val="tx1"/>
+          </a:solidFill>
+          <a:ln>
+            <a:solidFill>
+              <a:schemeClr val="tx1"/>
+            </a:solidFill>
+          </a:ln>
+        </p:spPr>
+        <p:style>
+          <a:lnRef idx="2">
+            <a:schemeClr val="accent1">
+              <a:shade val="50000"/>
+            </a:schemeClr>
+          </a:lnRef>
+          <a:fillRef idx="1">
+            <a:schemeClr val="accent1"/>
+          </a:fillRef>
+          <a:effectRef idx="0">
+            <a:schemeClr val="accent1"/>
+          </a:effectRef>
+          <a:fontRef idx="minor">
+            <a:schemeClr val="lt1"/>
+          </a:fontRef>
+        </p:style>
+        <p:txBody>
+          <a:bodyPr rtlCol="0" anchor="ctr"/>
+          <a:lstStyle/>
+          <a:p>
+            <a:pPr algn="ctr"/>
+            <a:endParaRPr lang="en-US"/>
+          </a:p>
+        </p:txBody>
+      </p:sp>
+      <p:sp>
+        <p:nvSpPr>
+          <p:cNvPr id="57" name="Rectangle 56">
+            <a:extLst>
+              <a:ext uri="{FF2B5EF4-FFF2-40B4-BE49-F238E27FC236}">
+                <a16:creationId xmlns:a16="http://schemas.microsoft.com/office/drawing/2014/main" id="{20F883D3-285F-4D91-A478-EC5C56C9B244}"/>
+              </a:ext>
+            </a:extLst>
+          </p:cNvPr>
+          <p:cNvSpPr/>
+          <p:nvPr/>
+        </p:nvSpPr>
+        <p:spPr>
+          <a:xfrm>
+            <a:off x="9727283" y="2527352"/>
+            <a:ext cx="288758" cy="27432"/>
+          </a:xfrm>
+          <a:prstGeom prst="rect">
+            <a:avLst/>
+          </a:prstGeom>
+          <a:solidFill>
+            <a:schemeClr val="tx1"/>
+          </a:solidFill>
+          <a:ln>
+            <a:solidFill>
+              <a:schemeClr val="tx1"/>
+            </a:solidFill>
+          </a:ln>
+        </p:spPr>
+        <p:style>
+          <a:lnRef idx="2">
+            <a:schemeClr val="accent1">
+              <a:shade val="50000"/>
+            </a:schemeClr>
+          </a:lnRef>
+          <a:fillRef idx="1">
+            <a:schemeClr val="accent1"/>
+          </a:fillRef>
+          <a:effectRef idx="0">
+            <a:schemeClr val="accent1"/>
+          </a:effectRef>
+          <a:fontRef idx="minor">
+            <a:schemeClr val="lt1"/>
+          </a:fontRef>
+        </p:style>
+        <p:txBody>
+          <a:bodyPr rtlCol="0" anchor="ctr"/>
+          <a:lstStyle/>
+          <a:p>
+            <a:pPr algn="ctr"/>
+            <a:endParaRPr lang="en-US"/>
+          </a:p>
+        </p:txBody>
+      </p:sp>
+      <p:cxnSp>
+        <p:nvCxnSpPr>
+          <p:cNvPr id="58" name="Straight Connector 57">
+            <a:extLst>
+              <a:ext uri="{FF2B5EF4-FFF2-40B4-BE49-F238E27FC236}">
+                <a16:creationId xmlns:a16="http://schemas.microsoft.com/office/drawing/2014/main" id="{00BE0990-F157-4943-BA81-05DFCF4FBFFE}"/>
+              </a:ext>
+            </a:extLst>
+          </p:cNvPr>
+          <p:cNvCxnSpPr>
+            <a:cxnSpLocks/>
+          </p:cNvCxnSpPr>
+          <p:nvPr/>
+        </p:nvCxnSpPr>
+        <p:spPr>
+          <a:xfrm>
+            <a:off x="7089519" y="2538662"/>
+            <a:ext cx="2655161" cy="1"/>
+          </a:xfrm>
+          <a:prstGeom prst="line">
+            <a:avLst/>
+          </a:prstGeom>
+          <a:ln w="28575">
+            <a:solidFill>
+              <a:schemeClr val="tx1"/>
+            </a:solidFill>
+          </a:ln>
+        </p:spPr>
+        <p:style>
+          <a:lnRef idx="3">
+            <a:schemeClr val="accent2"/>
+          </a:lnRef>
+          <a:fillRef idx="0">
+            <a:schemeClr val="accent2"/>
+          </a:fillRef>
+          <a:effectRef idx="2">
+            <a:schemeClr val="accent2"/>
+          </a:effectRef>
+          <a:fontRef idx="minor">
+            <a:schemeClr val="tx1"/>
+          </a:fontRef>
+        </p:style>
+      </p:cxnSp>
+      <p:cxnSp>
+        <p:nvCxnSpPr>
+          <p:cNvPr id="59" name="Straight Connector 58">
+            <a:extLst>
+              <a:ext uri="{FF2B5EF4-FFF2-40B4-BE49-F238E27FC236}">
+                <a16:creationId xmlns:a16="http://schemas.microsoft.com/office/drawing/2014/main" id="{CBD53C61-3023-41CE-9F61-70F9B6FD5CE8}"/>
+              </a:ext>
+            </a:extLst>
+          </p:cNvPr>
+          <p:cNvCxnSpPr>
+            <a:cxnSpLocks/>
+            <a:endCxn id="65" idx="5"/>
+          </p:cNvCxnSpPr>
+          <p:nvPr/>
+        </p:nvCxnSpPr>
+        <p:spPr>
+          <a:xfrm>
+            <a:off x="9760354" y="2544678"/>
+            <a:ext cx="633927" cy="1982376"/>
+          </a:xfrm>
+          <a:prstGeom prst="line">
+            <a:avLst/>
+          </a:prstGeom>
+          <a:ln w="28575">
+            <a:solidFill>
+              <a:schemeClr val="tx1"/>
+            </a:solidFill>
+          </a:ln>
+        </p:spPr>
+        <p:style>
+          <a:lnRef idx="3">
+            <a:schemeClr val="accent2"/>
+          </a:lnRef>
+          <a:fillRef idx="0">
+            <a:schemeClr val="accent2"/>
+          </a:fillRef>
+          <a:effectRef idx="2">
+            <a:schemeClr val="accent2"/>
+          </a:effectRef>
+          <a:fontRef idx="minor">
+            <a:schemeClr val="tx1"/>
+          </a:fontRef>
+        </p:style>
+      </p:cxnSp>
+      <p:cxnSp>
+        <p:nvCxnSpPr>
+          <p:cNvPr id="60" name="Straight Connector 59">
+            <a:extLst>
+              <a:ext uri="{FF2B5EF4-FFF2-40B4-BE49-F238E27FC236}">
+                <a16:creationId xmlns:a16="http://schemas.microsoft.com/office/drawing/2014/main" id="{1A03C94A-EAE0-43D2-B300-E7E806612E1F}"/>
+              </a:ext>
+            </a:extLst>
+          </p:cNvPr>
+          <p:cNvCxnSpPr>
+            <a:cxnSpLocks/>
+          </p:cNvCxnSpPr>
+          <p:nvPr/>
+        </p:nvCxnSpPr>
+        <p:spPr>
+          <a:xfrm>
+            <a:off x="10055855" y="4400453"/>
+            <a:ext cx="325938" cy="121614"/>
+          </a:xfrm>
+          <a:prstGeom prst="line">
+            <a:avLst/>
+          </a:prstGeom>
+          <a:ln w="15875">
+            <a:solidFill>
+              <a:schemeClr val="tx1"/>
+            </a:solidFill>
+          </a:ln>
+        </p:spPr>
+        <p:style>
+          <a:lnRef idx="3">
+            <a:schemeClr val="accent2"/>
+          </a:lnRef>
+          <a:fillRef idx="0">
+            <a:schemeClr val="accent2"/>
+          </a:fillRef>
+          <a:effectRef idx="2">
+            <a:schemeClr val="accent2"/>
+          </a:effectRef>
+          <a:fontRef idx="minor">
+            <a:schemeClr val="tx1"/>
+          </a:fontRef>
+        </p:style>
+      </p:cxnSp>
+      <p:sp>
+        <p:nvSpPr>
+          <p:cNvPr id="65" name="Oval 64">
+            <a:extLst>
+              <a:ext uri="{FF2B5EF4-FFF2-40B4-BE49-F238E27FC236}">
+                <a16:creationId xmlns:a16="http://schemas.microsoft.com/office/drawing/2014/main" id="{3278241F-75C8-4715-9FAE-F75017825AA2}"/>
+              </a:ext>
+            </a:extLst>
+          </p:cNvPr>
+          <p:cNvSpPr/>
+          <p:nvPr/>
+        </p:nvSpPr>
+        <p:spPr>
+          <a:xfrm>
+            <a:off x="10348030" y="4487450"/>
+            <a:ext cx="54186" cy="46399"/>
+          </a:xfrm>
+          <a:prstGeom prst="ellipse">
+            <a:avLst/>
+          </a:prstGeom>
+          <a:solidFill>
+            <a:schemeClr val="tx1"/>
+          </a:solidFill>
+          <a:ln>
+            <a:solidFill>
+              <a:schemeClr val="tx1"/>
+            </a:solidFill>
+          </a:ln>
+        </p:spPr>
+        <p:style>
+          <a:lnRef idx="2">
+            <a:schemeClr val="accent1">
+              <a:shade val="50000"/>
+            </a:schemeClr>
+          </a:lnRef>
+          <a:fillRef idx="1">
+            <a:schemeClr val="accent1"/>
+          </a:fillRef>
+          <a:effectRef idx="0">
+            <a:schemeClr val="accent1"/>
+          </a:effectRef>
+          <a:fontRef idx="minor">
+            <a:schemeClr val="lt1"/>
+          </a:fontRef>
+        </p:style>
+        <p:txBody>
+          <a:bodyPr rtlCol="0" anchor="ctr"/>
+          <a:lstStyle/>
+          <a:p>
+            <a:pPr algn="ctr"/>
+            <a:endParaRPr lang="en-US"/>
+          </a:p>
+        </p:txBody>
+      </p:sp>
+      <p:sp>
+        <p:nvSpPr>
+          <p:cNvPr id="66" name="Oval 65">
+            <a:extLst>
+              <a:ext uri="{FF2B5EF4-FFF2-40B4-BE49-F238E27FC236}">
+                <a16:creationId xmlns:a16="http://schemas.microsoft.com/office/drawing/2014/main" id="{5DE90D40-5C74-40DE-AE47-F2885D14C17F}"/>
+              </a:ext>
+            </a:extLst>
+          </p:cNvPr>
+          <p:cNvSpPr/>
+          <p:nvPr/>
+        </p:nvSpPr>
+        <p:spPr>
+          <a:xfrm>
+            <a:off x="10453513" y="5584330"/>
+            <a:ext cx="54186" cy="46399"/>
+          </a:xfrm>
+          <a:prstGeom prst="ellipse">
+            <a:avLst/>
+          </a:prstGeom>
+          <a:solidFill>
+            <a:schemeClr val="tx1"/>
+          </a:solidFill>
+          <a:ln>
+            <a:solidFill>
+              <a:schemeClr val="tx1"/>
+            </a:solidFill>
+          </a:ln>
+        </p:spPr>
+        <p:style>
+          <a:lnRef idx="2">
+            <a:schemeClr val="accent1">
+              <a:shade val="50000"/>
+            </a:schemeClr>
+          </a:lnRef>
+          <a:fillRef idx="1">
+            <a:schemeClr val="accent1"/>
+          </a:fillRef>
+          <a:effectRef idx="0">
+            <a:schemeClr val="accent1"/>
+          </a:effectRef>
+          <a:fontRef idx="minor">
+            <a:schemeClr val="lt1"/>
+          </a:fontRef>
+        </p:style>
+        <p:txBody>
+          <a:bodyPr rtlCol="0" anchor="ctr"/>
+          <a:lstStyle/>
+          <a:p>
+            <a:pPr algn="ctr"/>
+            <a:endParaRPr lang="en-US"/>
+          </a:p>
+        </p:txBody>
+      </p:sp>
+      <p:sp>
+        <p:nvSpPr>
+          <p:cNvPr id="72" name="TextBox 71">
+            <a:extLst>
+              <a:ext uri="{FF2B5EF4-FFF2-40B4-BE49-F238E27FC236}">
+                <a16:creationId xmlns:a16="http://schemas.microsoft.com/office/drawing/2014/main" id="{AA4EC96D-95EE-4713-BD34-A87FDC48CFA0}"/>
+              </a:ext>
+            </a:extLst>
+          </p:cNvPr>
+          <p:cNvSpPr txBox="1"/>
+          <p:nvPr/>
+        </p:nvSpPr>
+        <p:spPr>
+          <a:xfrm>
+            <a:off x="737854" y="2077059"/>
+            <a:ext cx="5328361" cy="3416320"/>
+          </a:xfrm>
+          <a:prstGeom prst="rect">
+            <a:avLst/>
+          </a:prstGeom>
+          <a:noFill/>
+        </p:spPr>
+        <p:txBody>
+          <a:bodyPr wrap="square" rtlCol="0">
+            <a:spAutoFit/>
+          </a:bodyPr>
+          <a:lstStyle/>
+          <a:p>
+            <a:r>
+              <a:rPr lang="en-US" sz="2400" dirty="0"/>
+              <a:t>Note: UBEC grounds CONNECTED</a:t>
+            </a:r>
+          </a:p>
+          <a:p>
+            <a:r>
+              <a:rPr lang="en-US" sz="2400" dirty="0"/>
+              <a:t>LED GND 20 AWG :  7 connections:</a:t>
+            </a:r>
+          </a:p>
+          <a:p>
+            <a:r>
+              <a:rPr lang="en-US" sz="2400" dirty="0"/>
+              <a:t>   - YX5200 pin “10”</a:t>
+            </a:r>
+          </a:p>
+          <a:p>
+            <a:r>
+              <a:rPr lang="en-US" sz="2400" dirty="0"/>
+              <a:t>   - Arduino pin “GND”</a:t>
+            </a:r>
+          </a:p>
+          <a:p>
+            <a:r>
+              <a:rPr lang="en-US" sz="2400" dirty="0"/>
+              <a:t>   - UBEC GND input</a:t>
+            </a:r>
+          </a:p>
+          <a:p>
+            <a:r>
+              <a:rPr lang="en-US" sz="2400" dirty="0"/>
+              <a:t>   - UBEC GND output</a:t>
+            </a:r>
+          </a:p>
+          <a:p>
+            <a:r>
+              <a:rPr lang="en-US" sz="2400" dirty="0"/>
+              <a:t>   - SN74HCT125N pin “07”</a:t>
+            </a:r>
+          </a:p>
+          <a:p>
+            <a:r>
+              <a:rPr lang="en-US" sz="2400" dirty="0"/>
+              <a:t>   - SN74HCT125N pin “10”</a:t>
+            </a:r>
+          </a:p>
+          <a:p>
+            <a:r>
+              <a:rPr lang="en-US" sz="2400" dirty="0"/>
+              <a:t>   - USB Black Wire</a:t>
+            </a:r>
+          </a:p>
+        </p:txBody>
+      </p:sp>
+      <p:grpSp>
+        <p:nvGrpSpPr>
+          <p:cNvPr id="6" name="Group 5">
+            <a:extLst>
+              <a:ext uri="{FF2B5EF4-FFF2-40B4-BE49-F238E27FC236}">
+                <a16:creationId xmlns:a16="http://schemas.microsoft.com/office/drawing/2014/main" id="{658796B3-FC63-4062-8474-A923FC7C5D33}"/>
+              </a:ext>
+            </a:extLst>
+          </p:cNvPr>
+          <p:cNvGrpSpPr/>
+          <p:nvPr/>
+        </p:nvGrpSpPr>
+        <p:grpSpPr>
+          <a:xfrm>
+            <a:off x="8599866" y="2592467"/>
+            <a:ext cx="549138" cy="600209"/>
+            <a:chOff x="8599866" y="2592467"/>
+            <a:chExt cx="549138" cy="600209"/>
+          </a:xfrm>
+        </p:grpSpPr>
+        <p:sp>
+          <p:nvSpPr>
+            <p:cNvPr id="73" name="Rectangle 72">
+              <a:extLst>
+                <a:ext uri="{FF2B5EF4-FFF2-40B4-BE49-F238E27FC236}">
+                  <a16:creationId xmlns:a16="http://schemas.microsoft.com/office/drawing/2014/main" id="{81A02AF2-72D9-48A3-BFC8-51E0F0CA5BF0}"/>
+                </a:ext>
+              </a:extLst>
+            </p:cNvPr>
+            <p:cNvSpPr/>
+            <p:nvPr/>
+          </p:nvSpPr>
+          <p:spPr>
+            <a:xfrm>
+              <a:off x="8599866" y="2620374"/>
+              <a:ext cx="549138" cy="572302"/>
+            </a:xfrm>
+            <a:prstGeom prst="rect">
+              <a:avLst/>
+            </a:prstGeom>
+            <a:solidFill>
+              <a:schemeClr val="accent5"/>
+            </a:solidFill>
+            <a:ln>
+              <a:solidFill>
+                <a:srgbClr val="0070C0"/>
+              </a:solidFill>
+            </a:ln>
+          </p:spPr>
+          <p:style>
+            <a:lnRef idx="2">
+              <a:schemeClr val="accent1">
+                <a:shade val="50000"/>
+              </a:schemeClr>
+            </a:lnRef>
+            <a:fillRef idx="1">
+              <a:schemeClr val="accent1"/>
+            </a:fillRef>
+            <a:effectRef idx="0">
+              <a:schemeClr val="accent1"/>
+            </a:effectRef>
+            <a:fontRef idx="minor">
+              <a:schemeClr val="lt1"/>
+            </a:fontRef>
+          </p:style>
+          <p:txBody>
+            <a:bodyPr rtlCol="0" anchor="ctr"/>
+            <a:lstStyle/>
+            <a:p>
+              <a:pPr algn="ctr"/>
+              <a:r>
+                <a:rPr lang="en-US" sz="1200" dirty="0"/>
+                <a:t>YX</a:t>
+              </a:r>
+            </a:p>
+            <a:p>
+              <a:pPr algn="ctr"/>
+              <a:r>
+                <a:rPr lang="en-US" sz="1200" dirty="0"/>
+                <a:t>5200</a:t>
+              </a:r>
+            </a:p>
+          </p:txBody>
+        </p:sp>
+        <p:sp>
+          <p:nvSpPr>
+            <p:cNvPr id="74" name="Oval 73">
+              <a:extLst>
+                <a:ext uri="{FF2B5EF4-FFF2-40B4-BE49-F238E27FC236}">
+                  <a16:creationId xmlns:a16="http://schemas.microsoft.com/office/drawing/2014/main" id="{2FA4D09F-67C9-4E1D-9DD5-5907B49F8067}"/>
+                </a:ext>
+              </a:extLst>
+            </p:cNvPr>
+            <p:cNvSpPr/>
+            <p:nvPr/>
+          </p:nvSpPr>
+          <p:spPr>
+            <a:xfrm>
+              <a:off x="8838064" y="2592467"/>
+              <a:ext cx="54186" cy="46399"/>
+            </a:xfrm>
+            <a:prstGeom prst="ellipse">
+              <a:avLst/>
+            </a:prstGeom>
+            <a:solidFill>
+              <a:schemeClr val="accent3">
+                <a:lumMod val="40000"/>
+                <a:lumOff val="60000"/>
+              </a:schemeClr>
+            </a:solidFill>
+            <a:ln>
+              <a:solidFill>
+                <a:schemeClr val="accent3">
+                  <a:lumMod val="40000"/>
+                  <a:lumOff val="60000"/>
+                </a:schemeClr>
+              </a:solidFill>
+            </a:ln>
+          </p:spPr>
+          <p:style>
+            <a:lnRef idx="2">
+              <a:schemeClr val="accent1">
+                <a:shade val="50000"/>
+              </a:schemeClr>
+            </a:lnRef>
+            <a:fillRef idx="1">
+              <a:schemeClr val="accent1"/>
+            </a:fillRef>
+            <a:effectRef idx="0">
+              <a:schemeClr val="accent1"/>
+            </a:effectRef>
+            <a:fontRef idx="minor">
+              <a:schemeClr val="lt1"/>
+            </a:fontRef>
+          </p:style>
+          <p:txBody>
+            <a:bodyPr rtlCol="0" anchor="ctr"/>
+            <a:lstStyle/>
+            <a:p>
+              <a:pPr algn="ctr"/>
+              <a:endParaRPr lang="en-US"/>
+            </a:p>
+          </p:txBody>
+        </p:sp>
+      </p:grpSp>
+      <p:sp>
+        <p:nvSpPr>
+          <p:cNvPr id="42" name="Rectangle 41">
+            <a:extLst>
+              <a:ext uri="{FF2B5EF4-FFF2-40B4-BE49-F238E27FC236}">
+                <a16:creationId xmlns:a16="http://schemas.microsoft.com/office/drawing/2014/main" id="{95B1F208-D013-42DF-AE24-1631720140E9}"/>
+              </a:ext>
+            </a:extLst>
+          </p:cNvPr>
+          <p:cNvSpPr/>
+          <p:nvPr/>
+        </p:nvSpPr>
+        <p:spPr>
+          <a:xfrm rot="20675816">
+            <a:off x="9382567" y="3230531"/>
+            <a:ext cx="517241" cy="179120"/>
+          </a:xfrm>
+          <a:prstGeom prst="rect">
+            <a:avLst/>
+          </a:prstGeom>
+        </p:spPr>
+        <p:style>
+          <a:lnRef idx="2">
+            <a:schemeClr val="accent1">
+              <a:shade val="50000"/>
+            </a:schemeClr>
+          </a:lnRef>
+          <a:fillRef idx="1">
+            <a:schemeClr val="accent1"/>
+          </a:fillRef>
+          <a:effectRef idx="0">
+            <a:schemeClr val="accent1"/>
+          </a:effectRef>
+          <a:fontRef idx="minor">
+            <a:schemeClr val="lt1"/>
+          </a:fontRef>
+        </p:style>
+        <p:txBody>
+          <a:bodyPr rtlCol="0" anchor="ctr"/>
+          <a:lstStyle/>
+          <a:p>
+            <a:pPr algn="ctr"/>
+            <a:r>
+              <a:rPr lang="en-US" sz="1400" dirty="0"/>
+              <a:t>125</a:t>
+            </a:r>
+          </a:p>
+        </p:txBody>
+      </p:sp>
+      <p:sp>
+        <p:nvSpPr>
+          <p:cNvPr id="75" name="Oval 74">
+            <a:extLst>
+              <a:ext uri="{FF2B5EF4-FFF2-40B4-BE49-F238E27FC236}">
+                <a16:creationId xmlns:a16="http://schemas.microsoft.com/office/drawing/2014/main" id="{303AEDC5-5293-4FA1-8418-0BF5383B8891}"/>
+              </a:ext>
+            </a:extLst>
+          </p:cNvPr>
+          <p:cNvSpPr/>
+          <p:nvPr/>
+        </p:nvSpPr>
+        <p:spPr>
+          <a:xfrm>
+            <a:off x="9862758" y="3220117"/>
+            <a:ext cx="54186" cy="46399"/>
+          </a:xfrm>
+          <a:prstGeom prst="ellipse">
+            <a:avLst/>
+          </a:prstGeom>
+          <a:solidFill>
+            <a:schemeClr val="accent3">
+              <a:lumMod val="40000"/>
+              <a:lumOff val="60000"/>
+            </a:schemeClr>
+          </a:solidFill>
+          <a:ln>
+            <a:solidFill>
+              <a:schemeClr val="accent3">
+                <a:lumMod val="40000"/>
+                <a:lumOff val="60000"/>
+              </a:schemeClr>
+            </a:solidFill>
+          </a:ln>
+        </p:spPr>
+        <p:style>
+          <a:lnRef idx="2">
+            <a:schemeClr val="accent1">
+              <a:shade val="50000"/>
+            </a:schemeClr>
+          </a:lnRef>
+          <a:fillRef idx="1">
+            <a:schemeClr val="accent1"/>
+          </a:fillRef>
+          <a:effectRef idx="0">
+            <a:schemeClr val="accent1"/>
+          </a:effectRef>
+          <a:fontRef idx="minor">
+            <a:schemeClr val="lt1"/>
+          </a:fontRef>
+        </p:style>
+        <p:txBody>
+          <a:bodyPr rtlCol="0" anchor="ctr"/>
+          <a:lstStyle/>
+          <a:p>
+            <a:pPr algn="ctr"/>
+            <a:endParaRPr lang="en-US"/>
+          </a:p>
+        </p:txBody>
+      </p:sp>
+      <p:sp>
+        <p:nvSpPr>
+          <p:cNvPr id="77" name="Rectangle: Rounded Corners 76">
+            <a:extLst>
+              <a:ext uri="{FF2B5EF4-FFF2-40B4-BE49-F238E27FC236}">
+                <a16:creationId xmlns:a16="http://schemas.microsoft.com/office/drawing/2014/main" id="{C01F3D3B-FFE8-4631-8610-E51098AF22A9}"/>
+              </a:ext>
+            </a:extLst>
+          </p:cNvPr>
+          <p:cNvSpPr/>
+          <p:nvPr/>
+        </p:nvSpPr>
+        <p:spPr>
+          <a:xfrm rot="20538065">
+            <a:off x="9943038" y="4757349"/>
+            <a:ext cx="134315" cy="180926"/>
+          </a:xfrm>
+          <a:prstGeom prst="roundRect">
+            <a:avLst/>
+          </a:prstGeom>
+          <a:solidFill>
+            <a:schemeClr val="bg1"/>
+          </a:solidFill>
+        </p:spPr>
+        <p:style>
+          <a:lnRef idx="2">
+            <a:schemeClr val="accent1">
+              <a:shade val="50000"/>
+            </a:schemeClr>
+          </a:lnRef>
+          <a:fillRef idx="1">
+            <a:schemeClr val="accent1"/>
+          </a:fillRef>
+          <a:effectRef idx="0">
+            <a:schemeClr val="accent1"/>
+          </a:effectRef>
+          <a:fontRef idx="minor">
+            <a:schemeClr val="lt1"/>
+          </a:fontRef>
+        </p:style>
+        <p:txBody>
+          <a:bodyPr rtlCol="0" anchor="ctr"/>
+          <a:lstStyle/>
+          <a:p>
+            <a:pPr algn="ctr"/>
+            <a:endParaRPr lang="en-US"/>
+          </a:p>
+        </p:txBody>
+      </p:sp>
+      <p:sp>
+        <p:nvSpPr>
+          <p:cNvPr id="9" name="Rectangle 8">
+            <a:extLst>
+              <a:ext uri="{FF2B5EF4-FFF2-40B4-BE49-F238E27FC236}">
+                <a16:creationId xmlns:a16="http://schemas.microsoft.com/office/drawing/2014/main" id="{641E2B33-05FA-4E74-A1D5-650A0311CDF4}"/>
+              </a:ext>
+            </a:extLst>
+          </p:cNvPr>
+          <p:cNvSpPr/>
+          <p:nvPr/>
+        </p:nvSpPr>
+        <p:spPr>
+          <a:xfrm>
+            <a:off x="6288878" y="2314266"/>
+            <a:ext cx="1492909" cy="276999"/>
+          </a:xfrm>
+          <a:prstGeom prst="rect">
+            <a:avLst/>
+          </a:prstGeom>
+        </p:spPr>
+        <p:txBody>
+          <a:bodyPr wrap="none">
+            <a:spAutoFit/>
+          </a:bodyPr>
+          <a:lstStyle/>
+          <a:p>
+            <a:pPr algn="r"/>
+            <a:r>
+              <a:rPr lang="en-US" sz="1200" dirty="0"/>
+              <a:t>LED GND 20 AWG</a:t>
+            </a:r>
+          </a:p>
+        </p:txBody>
+      </p:sp>
+      <p:sp>
+        <p:nvSpPr>
+          <p:cNvPr id="64" name="Oval 63">
+            <a:extLst>
+              <a:ext uri="{FF2B5EF4-FFF2-40B4-BE49-F238E27FC236}">
+                <a16:creationId xmlns:a16="http://schemas.microsoft.com/office/drawing/2014/main" id="{28912A5E-6BE5-46D0-BEF4-33ED2D36CECC}"/>
+              </a:ext>
+            </a:extLst>
+          </p:cNvPr>
+          <p:cNvSpPr/>
+          <p:nvPr/>
+        </p:nvSpPr>
+        <p:spPr>
+          <a:xfrm>
+            <a:off x="9124898" y="3100088"/>
+            <a:ext cx="54186" cy="46399"/>
+          </a:xfrm>
+          <a:prstGeom prst="ellipse">
+            <a:avLst/>
+          </a:prstGeom>
+          <a:solidFill>
+            <a:schemeClr val="tx1"/>
+          </a:solidFill>
+          <a:ln>
+            <a:solidFill>
+              <a:schemeClr val="tx1"/>
+            </a:solidFill>
+          </a:ln>
+        </p:spPr>
+        <p:style>
+          <a:lnRef idx="2">
+            <a:schemeClr val="accent1">
+              <a:shade val="50000"/>
+            </a:schemeClr>
+          </a:lnRef>
+          <a:fillRef idx="1">
+            <a:schemeClr val="accent1"/>
+          </a:fillRef>
+          <a:effectRef idx="0">
+            <a:schemeClr val="accent1"/>
+          </a:effectRef>
+          <a:fontRef idx="minor">
+            <a:schemeClr val="lt1"/>
+          </a:fontRef>
+        </p:style>
+        <p:txBody>
+          <a:bodyPr rtlCol="0" anchor="ctr"/>
+          <a:lstStyle/>
+          <a:p>
+            <a:pPr algn="ctr"/>
+            <a:endParaRPr lang="en-US"/>
+          </a:p>
+        </p:txBody>
+      </p:sp>
+      <p:cxnSp>
+        <p:nvCxnSpPr>
+          <p:cNvPr id="51" name="Straight Connector 50">
+            <a:extLst>
+              <a:ext uri="{FF2B5EF4-FFF2-40B4-BE49-F238E27FC236}">
+                <a16:creationId xmlns:a16="http://schemas.microsoft.com/office/drawing/2014/main" id="{B6E43431-C1F2-4B75-9CEE-6EF8E0E28812}"/>
+              </a:ext>
+            </a:extLst>
+          </p:cNvPr>
+          <p:cNvCxnSpPr>
+            <a:cxnSpLocks/>
+            <a:endCxn id="52" idx="7"/>
+          </p:cNvCxnSpPr>
+          <p:nvPr/>
+        </p:nvCxnSpPr>
+        <p:spPr>
+          <a:xfrm flipV="1">
+            <a:off x="9151991" y="2798509"/>
+            <a:ext cx="711736" cy="313612"/>
+          </a:xfrm>
+          <a:prstGeom prst="line">
+            <a:avLst/>
+          </a:prstGeom>
+          <a:ln w="15875">
+            <a:solidFill>
+              <a:schemeClr val="tx1"/>
+            </a:solidFill>
+          </a:ln>
+        </p:spPr>
+        <p:style>
+          <a:lnRef idx="3">
+            <a:schemeClr val="accent2"/>
+          </a:lnRef>
+          <a:fillRef idx="0">
+            <a:schemeClr val="accent2"/>
+          </a:fillRef>
+          <a:effectRef idx="2">
+            <a:schemeClr val="accent2"/>
+          </a:effectRef>
+          <a:fontRef idx="minor">
+            <a:schemeClr val="tx1"/>
+          </a:fontRef>
+        </p:style>
+      </p:cxnSp>
+      <p:cxnSp>
+        <p:nvCxnSpPr>
+          <p:cNvPr id="78" name="Straight Connector 77">
+            <a:extLst>
+              <a:ext uri="{FF2B5EF4-FFF2-40B4-BE49-F238E27FC236}">
+                <a16:creationId xmlns:a16="http://schemas.microsoft.com/office/drawing/2014/main" id="{6ACE6EB3-368E-42A8-B023-00F248D6794D}"/>
+              </a:ext>
+            </a:extLst>
+          </p:cNvPr>
+          <p:cNvCxnSpPr>
+            <a:cxnSpLocks/>
+            <a:endCxn id="65" idx="0"/>
+          </p:cNvCxnSpPr>
+          <p:nvPr/>
+        </p:nvCxnSpPr>
+        <p:spPr>
+          <a:xfrm flipH="1" flipV="1">
+            <a:off x="10375123" y="4487450"/>
+            <a:ext cx="105484" cy="1114928"/>
+          </a:xfrm>
+          <a:prstGeom prst="line">
+            <a:avLst/>
+          </a:prstGeom>
+          <a:ln w="15875">
+            <a:solidFill>
+              <a:schemeClr val="tx1"/>
+            </a:solidFill>
+          </a:ln>
+        </p:spPr>
+        <p:style>
+          <a:lnRef idx="3">
+            <a:schemeClr val="accent2"/>
+          </a:lnRef>
+          <a:fillRef idx="0">
+            <a:schemeClr val="accent2"/>
+          </a:fillRef>
+          <a:effectRef idx="2">
+            <a:schemeClr val="accent2"/>
+          </a:effectRef>
+          <a:fontRef idx="minor">
+            <a:schemeClr val="tx1"/>
+          </a:fontRef>
+        </p:style>
+      </p:cxnSp>
+      <p:sp>
+        <p:nvSpPr>
+          <p:cNvPr id="63" name="Oval 62">
+            <a:extLst>
+              <a:ext uri="{FF2B5EF4-FFF2-40B4-BE49-F238E27FC236}">
+                <a16:creationId xmlns:a16="http://schemas.microsoft.com/office/drawing/2014/main" id="{39581FCE-5137-425F-98EC-4D6F7A9F14BC}"/>
+              </a:ext>
+            </a:extLst>
+          </p:cNvPr>
+          <p:cNvSpPr/>
+          <p:nvPr/>
+        </p:nvSpPr>
+        <p:spPr>
+          <a:xfrm>
+            <a:off x="9381056" y="3261660"/>
+            <a:ext cx="54186" cy="46399"/>
+          </a:xfrm>
+          <a:prstGeom prst="ellipse">
+            <a:avLst/>
+          </a:prstGeom>
+          <a:solidFill>
+            <a:schemeClr val="tx1"/>
+          </a:solidFill>
+          <a:ln>
+            <a:solidFill>
+              <a:schemeClr val="tx1"/>
+            </a:solidFill>
+          </a:ln>
+        </p:spPr>
+        <p:style>
+          <a:lnRef idx="2">
+            <a:schemeClr val="accent1">
+              <a:shade val="50000"/>
+            </a:schemeClr>
+          </a:lnRef>
+          <a:fillRef idx="1">
+            <a:schemeClr val="accent1"/>
+          </a:fillRef>
+          <a:effectRef idx="0">
+            <a:schemeClr val="accent1"/>
+          </a:effectRef>
+          <a:fontRef idx="minor">
+            <a:schemeClr val="lt1"/>
+          </a:fontRef>
+        </p:style>
+        <p:txBody>
+          <a:bodyPr rtlCol="0" anchor="ctr"/>
+          <a:lstStyle/>
+          <a:p>
+            <a:pPr algn="ctr"/>
+            <a:endParaRPr lang="en-US"/>
+          </a:p>
+        </p:txBody>
+      </p:sp>
+      <p:cxnSp>
+        <p:nvCxnSpPr>
+          <p:cNvPr id="79" name="Straight Connector 78">
+            <a:extLst>
+              <a:ext uri="{FF2B5EF4-FFF2-40B4-BE49-F238E27FC236}">
+                <a16:creationId xmlns:a16="http://schemas.microsoft.com/office/drawing/2014/main" id="{5DE1C93A-278B-4DA8-9DC9-FAD33D8F1F5B}"/>
+              </a:ext>
+            </a:extLst>
+          </p:cNvPr>
+          <p:cNvCxnSpPr>
+            <a:cxnSpLocks/>
+            <a:endCxn id="52" idx="3"/>
+          </p:cNvCxnSpPr>
+          <p:nvPr/>
+        </p:nvCxnSpPr>
+        <p:spPr>
+          <a:xfrm flipV="1">
+            <a:off x="9401023" y="2831318"/>
+            <a:ext cx="424388" cy="449170"/>
+          </a:xfrm>
+          <a:prstGeom prst="line">
+            <a:avLst/>
+          </a:prstGeom>
+          <a:ln w="15875">
+            <a:solidFill>
+              <a:schemeClr val="tx1"/>
+            </a:solidFill>
+          </a:ln>
+        </p:spPr>
+        <p:style>
+          <a:lnRef idx="3">
+            <a:schemeClr val="accent2"/>
+          </a:lnRef>
+          <a:fillRef idx="0">
+            <a:schemeClr val="accent2"/>
+          </a:fillRef>
+          <a:effectRef idx="2">
+            <a:schemeClr val="accent2"/>
+          </a:effectRef>
+          <a:fontRef idx="minor">
+            <a:schemeClr val="tx1"/>
+          </a:fontRef>
+        </p:style>
+      </p:cxnSp>
+      <p:cxnSp>
+        <p:nvCxnSpPr>
+          <p:cNvPr id="80" name="Straight Connector 79">
+            <a:extLst>
+              <a:ext uri="{FF2B5EF4-FFF2-40B4-BE49-F238E27FC236}">
+                <a16:creationId xmlns:a16="http://schemas.microsoft.com/office/drawing/2014/main" id="{2238BA98-F9FA-45E8-89B2-1D1A5EF2AF6C}"/>
+              </a:ext>
+            </a:extLst>
+          </p:cNvPr>
+          <p:cNvCxnSpPr>
+            <a:cxnSpLocks/>
+            <a:endCxn id="52" idx="0"/>
+          </p:cNvCxnSpPr>
+          <p:nvPr/>
+        </p:nvCxnSpPr>
+        <p:spPr>
+          <a:xfrm flipV="1">
+            <a:off x="9544937" y="2791714"/>
+            <a:ext cx="299632" cy="635732"/>
+          </a:xfrm>
+          <a:prstGeom prst="line">
+            <a:avLst/>
+          </a:prstGeom>
+          <a:ln w="15875">
+            <a:solidFill>
+              <a:schemeClr val="tx1"/>
+            </a:solidFill>
+          </a:ln>
+        </p:spPr>
+        <p:style>
+          <a:lnRef idx="3">
+            <a:schemeClr val="accent2"/>
+          </a:lnRef>
+          <a:fillRef idx="0">
+            <a:schemeClr val="accent2"/>
+          </a:fillRef>
+          <a:effectRef idx="2">
+            <a:schemeClr val="accent2"/>
+          </a:effectRef>
+          <a:fontRef idx="minor">
+            <a:schemeClr val="tx1"/>
+          </a:fontRef>
+        </p:style>
+      </p:cxnSp>
+      <p:sp>
+        <p:nvSpPr>
+          <p:cNvPr id="67" name="Oval 66">
+            <a:extLst>
+              <a:ext uri="{FF2B5EF4-FFF2-40B4-BE49-F238E27FC236}">
+                <a16:creationId xmlns:a16="http://schemas.microsoft.com/office/drawing/2014/main" id="{6D26B1B9-CD57-4FAE-81FC-69AAFC20F132}"/>
+              </a:ext>
+            </a:extLst>
+          </p:cNvPr>
+          <p:cNvSpPr/>
+          <p:nvPr/>
+        </p:nvSpPr>
+        <p:spPr>
+          <a:xfrm>
+            <a:off x="9524970" y="3414635"/>
+            <a:ext cx="54186" cy="46399"/>
+          </a:xfrm>
+          <a:prstGeom prst="ellipse">
+            <a:avLst/>
+          </a:prstGeom>
+          <a:solidFill>
+            <a:schemeClr val="tx1"/>
+          </a:solidFill>
+          <a:ln>
+            <a:solidFill>
+              <a:schemeClr val="tx1"/>
+            </a:solidFill>
+          </a:ln>
+        </p:spPr>
+        <p:style>
+          <a:lnRef idx="2">
+            <a:schemeClr val="accent1">
+              <a:shade val="50000"/>
+            </a:schemeClr>
+          </a:lnRef>
+          <a:fillRef idx="1">
+            <a:schemeClr val="accent1"/>
+          </a:fillRef>
+          <a:effectRef idx="0">
+            <a:schemeClr val="accent1"/>
+          </a:effectRef>
+          <a:fontRef idx="minor">
+            <a:schemeClr val="lt1"/>
+          </a:fontRef>
+        </p:style>
+        <p:txBody>
+          <a:bodyPr rtlCol="0" anchor="ctr"/>
+          <a:lstStyle/>
+          <a:p>
+            <a:pPr algn="ctr"/>
+            <a:endParaRPr lang="en-US"/>
+          </a:p>
+        </p:txBody>
+      </p:sp>
+      <p:sp>
+        <p:nvSpPr>
+          <p:cNvPr id="85" name="TextBox 84">
+            <a:extLst>
+              <a:ext uri="{FF2B5EF4-FFF2-40B4-BE49-F238E27FC236}">
+                <a16:creationId xmlns:a16="http://schemas.microsoft.com/office/drawing/2014/main" id="{E22FDDAD-66DB-4CA5-B408-2E8FE4209527}"/>
+              </a:ext>
+            </a:extLst>
+          </p:cNvPr>
+          <p:cNvSpPr txBox="1"/>
+          <p:nvPr/>
+        </p:nvSpPr>
+        <p:spPr>
+          <a:xfrm rot="20266484">
+            <a:off x="9895418" y="4241706"/>
+            <a:ext cx="290464" cy="215444"/>
+          </a:xfrm>
+          <a:prstGeom prst="rect">
+            <a:avLst/>
+          </a:prstGeom>
+          <a:noFill/>
+        </p:spPr>
+        <p:txBody>
+          <a:bodyPr wrap="none" rtlCol="0">
+            <a:spAutoFit/>
+          </a:bodyPr>
+          <a:lstStyle/>
+          <a:p>
+            <a:r>
+              <a:rPr lang="en-US" sz="800" dirty="0">
+                <a:solidFill>
+                  <a:schemeClr val="bg1"/>
+                </a:solidFill>
+              </a:rPr>
+              <a:t>IN</a:t>
+            </a:r>
+          </a:p>
+        </p:txBody>
+      </p:sp>
+      <p:cxnSp>
+        <p:nvCxnSpPr>
+          <p:cNvPr id="61" name="Straight Connector 60">
+            <a:extLst>
+              <a:ext uri="{FF2B5EF4-FFF2-40B4-BE49-F238E27FC236}">
+                <a16:creationId xmlns:a16="http://schemas.microsoft.com/office/drawing/2014/main" id="{160D98D7-C1E4-4821-A7A3-12364E2D472D}"/>
+              </a:ext>
+            </a:extLst>
+          </p:cNvPr>
+          <p:cNvCxnSpPr>
+            <a:cxnSpLocks/>
+            <a:endCxn id="43" idx="3"/>
+          </p:cNvCxnSpPr>
+          <p:nvPr/>
+        </p:nvCxnSpPr>
+        <p:spPr>
+          <a:xfrm flipH="1">
+            <a:off x="9779858" y="2794049"/>
+            <a:ext cx="55484" cy="801416"/>
+          </a:xfrm>
+          <a:prstGeom prst="line">
+            <a:avLst/>
+          </a:prstGeom>
+          <a:ln w="15875">
+            <a:solidFill>
+              <a:schemeClr val="tx1"/>
+            </a:solidFill>
+          </a:ln>
+        </p:spPr>
+        <p:style>
+          <a:lnRef idx="3">
+            <a:schemeClr val="accent2"/>
+          </a:lnRef>
+          <a:fillRef idx="0">
+            <a:schemeClr val="accent2"/>
+          </a:fillRef>
+          <a:effectRef idx="2">
+            <a:schemeClr val="accent2"/>
+          </a:effectRef>
+          <a:fontRef idx="minor">
+            <a:schemeClr val="tx1"/>
+          </a:fontRef>
+        </p:style>
+      </p:cxnSp>
     </p:spTree>
     <p:extLst>
       <p:ext uri="{BB962C8B-B14F-4D97-AF65-F5344CB8AC3E}">
@@ -8704,6 +12837,58 @@
       </p:grpSpPr>
       <p:sp>
         <p:nvSpPr>
+          <p:cNvPr id="48" name="Rectangle 47">
+            <a:extLst>
+              <a:ext uri="{FF2B5EF4-FFF2-40B4-BE49-F238E27FC236}">
+                <a16:creationId xmlns:a16="http://schemas.microsoft.com/office/drawing/2014/main" id="{0FF80582-E33B-45EF-8617-EB2E579552FF}"/>
+              </a:ext>
+            </a:extLst>
+          </p:cNvPr>
+          <p:cNvSpPr/>
+          <p:nvPr/>
+        </p:nvSpPr>
+        <p:spPr>
+          <a:xfrm>
+            <a:off x="7754351" y="2267953"/>
+            <a:ext cx="3459278" cy="4120813"/>
+          </a:xfrm>
+          <a:prstGeom prst="rect">
+            <a:avLst/>
+          </a:prstGeom>
+          <a:solidFill>
+            <a:schemeClr val="accent3">
+              <a:lumMod val="40000"/>
+              <a:lumOff val="60000"/>
+            </a:schemeClr>
+          </a:solidFill>
+        </p:spPr>
+        <p:style>
+          <a:lnRef idx="2">
+            <a:schemeClr val="accent1">
+              <a:shade val="50000"/>
+            </a:schemeClr>
+          </a:lnRef>
+          <a:fillRef idx="1">
+            <a:schemeClr val="accent1"/>
+          </a:fillRef>
+          <a:effectRef idx="0">
+            <a:schemeClr val="accent1"/>
+          </a:effectRef>
+          <a:fontRef idx="minor">
+            <a:schemeClr val="lt1"/>
+          </a:fontRef>
+        </p:style>
+        <p:txBody>
+          <a:bodyPr rtlCol="0" anchor="ctr"/>
+          <a:lstStyle/>
+          <a:p>
+            <a:pPr algn="ctr"/>
+            <a:endParaRPr lang="en-US"/>
+          </a:p>
+        </p:txBody>
+      </p:sp>
+      <p:sp>
+        <p:nvSpPr>
           <p:cNvPr id="2" name="Title 1">
             <a:extLst>
               <a:ext uri="{FF2B5EF4-FFF2-40B4-BE49-F238E27FC236}">
@@ -8725,17 +12910,17 @@
           <a:p>
             <a:r>
               <a:rPr lang="en-US" dirty="0"/>
-              <a:t>FOOF RBG Pullups</a:t>
+              <a:t>FOOF RBG USB Connector Other</a:t>
             </a:r>
           </a:p>
         </p:txBody>
       </p:sp>
       <p:grpSp>
         <p:nvGrpSpPr>
-          <p:cNvPr id="3" name="Group 2">
-            <a:extLst>
-              <a:ext uri="{FF2B5EF4-FFF2-40B4-BE49-F238E27FC236}">
-                <a16:creationId xmlns:a16="http://schemas.microsoft.com/office/drawing/2014/main" id="{573D0B09-87FD-410D-8807-C3AADA73172F}"/>
+          <p:cNvPr id="23" name="Group 22">
+            <a:extLst>
+              <a:ext uri="{FF2B5EF4-FFF2-40B4-BE49-F238E27FC236}">
+                <a16:creationId xmlns:a16="http://schemas.microsoft.com/office/drawing/2014/main" id="{59C47804-A3BB-4A46-A3EC-B4C5420ADD0D}"/>
               </a:ext>
             </a:extLst>
           </p:cNvPr>
@@ -8752,10 +12937,10 @@
         </p:grpSpPr>
         <p:grpSp>
           <p:nvGrpSpPr>
-            <p:cNvPr id="4" name="Group 3">
+            <p:cNvPr id="24" name="Group 23">
               <a:extLst>
                 <a:ext uri="{FF2B5EF4-FFF2-40B4-BE49-F238E27FC236}">
-                  <a16:creationId xmlns:a16="http://schemas.microsoft.com/office/drawing/2014/main" id="{599E9C19-5AC8-4818-B5EB-DB1020B876C0}"/>
+                  <a16:creationId xmlns:a16="http://schemas.microsoft.com/office/drawing/2014/main" id="{3F35AFE6-0AF7-4D41-A423-78C48702C484}"/>
                 </a:ext>
               </a:extLst>
             </p:cNvPr>
@@ -8772,10 +12957,10 @@
           </p:grpSpPr>
           <p:cxnSp>
             <p:nvCxnSpPr>
-              <p:cNvPr id="13" name="Straight Connector 12">
+              <p:cNvPr id="33" name="Straight Connector 32">
                 <a:extLst>
                   <a:ext uri="{FF2B5EF4-FFF2-40B4-BE49-F238E27FC236}">
-                    <a16:creationId xmlns:a16="http://schemas.microsoft.com/office/drawing/2014/main" id="{F229D717-F24E-46F7-B91B-CF4DC3FC91D2}"/>
+                    <a16:creationId xmlns:a16="http://schemas.microsoft.com/office/drawing/2014/main" id="{EC670326-0807-4998-99AD-BD0A58828D1F}"/>
                   </a:ext>
                 </a:extLst>
               </p:cNvPr>
@@ -8809,10 +12994,10 @@
           </p:cxnSp>
           <p:cxnSp>
             <p:nvCxnSpPr>
-              <p:cNvPr id="14" name="Straight Connector 13">
+              <p:cNvPr id="34" name="Straight Connector 33">
                 <a:extLst>
                   <a:ext uri="{FF2B5EF4-FFF2-40B4-BE49-F238E27FC236}">
-                    <a16:creationId xmlns:a16="http://schemas.microsoft.com/office/drawing/2014/main" id="{960B7C89-0D45-4B32-9DAD-1DB8F803B94F}"/>
+                    <a16:creationId xmlns:a16="http://schemas.microsoft.com/office/drawing/2014/main" id="{46E5CCEB-2685-4B6B-80F8-61A1B111FB28}"/>
                   </a:ext>
                 </a:extLst>
               </p:cNvPr>
@@ -8846,10 +13031,10 @@
           </p:cxnSp>
           <p:cxnSp>
             <p:nvCxnSpPr>
-              <p:cNvPr id="15" name="Straight Connector 14">
+              <p:cNvPr id="35" name="Straight Connector 34">
                 <a:extLst>
                   <a:ext uri="{FF2B5EF4-FFF2-40B4-BE49-F238E27FC236}">
-                    <a16:creationId xmlns:a16="http://schemas.microsoft.com/office/drawing/2014/main" id="{037D51CB-119F-4E0D-A150-E16C8C73843A}"/>
+                    <a16:creationId xmlns:a16="http://schemas.microsoft.com/office/drawing/2014/main" id="{FBBC2ADB-119F-42FE-A050-8D998DC7589A}"/>
                   </a:ext>
                 </a:extLst>
               </p:cNvPr>
@@ -8883,10 +13068,10 @@
           </p:cxnSp>
           <p:cxnSp>
             <p:nvCxnSpPr>
-              <p:cNvPr id="16" name="Straight Connector 15">
+              <p:cNvPr id="36" name="Straight Connector 35">
                 <a:extLst>
                   <a:ext uri="{FF2B5EF4-FFF2-40B4-BE49-F238E27FC236}">
-                    <a16:creationId xmlns:a16="http://schemas.microsoft.com/office/drawing/2014/main" id="{2824456E-D99B-461B-B438-CE22CA8F6CC1}"/>
+                    <a16:creationId xmlns:a16="http://schemas.microsoft.com/office/drawing/2014/main" id="{E5B6B0D0-0FD4-46BD-BB6D-E4482036B5A0}"/>
                   </a:ext>
                 </a:extLst>
               </p:cNvPr>
@@ -8920,10 +13105,10 @@
           </p:cxnSp>
           <p:cxnSp>
             <p:nvCxnSpPr>
-              <p:cNvPr id="17" name="Straight Connector 16">
+              <p:cNvPr id="37" name="Straight Connector 36">
                 <a:extLst>
                   <a:ext uri="{FF2B5EF4-FFF2-40B4-BE49-F238E27FC236}">
-                    <a16:creationId xmlns:a16="http://schemas.microsoft.com/office/drawing/2014/main" id="{573DF57A-C283-45DB-865C-F0048FB7DBEF}"/>
+                    <a16:creationId xmlns:a16="http://schemas.microsoft.com/office/drawing/2014/main" id="{61E51A98-8482-43EC-8D7D-C5548E305B8F}"/>
                   </a:ext>
                 </a:extLst>
               </p:cNvPr>
@@ -8957,10 +13142,10 @@
           </p:cxnSp>
           <p:cxnSp>
             <p:nvCxnSpPr>
-              <p:cNvPr id="18" name="Straight Connector 17">
+              <p:cNvPr id="38" name="Straight Connector 37">
                 <a:extLst>
                   <a:ext uri="{FF2B5EF4-FFF2-40B4-BE49-F238E27FC236}">
-                    <a16:creationId xmlns:a16="http://schemas.microsoft.com/office/drawing/2014/main" id="{A0F5F83C-AD4F-4568-AFAD-6795A439ABF4}"/>
+                    <a16:creationId xmlns:a16="http://schemas.microsoft.com/office/drawing/2014/main" id="{0FE44343-E6C6-40AF-8ACA-8767616431B2}"/>
                   </a:ext>
                 </a:extLst>
               </p:cNvPr>
@@ -8994,10 +13179,10 @@
           </p:cxnSp>
           <p:cxnSp>
             <p:nvCxnSpPr>
-              <p:cNvPr id="19" name="Straight Connector 18">
+              <p:cNvPr id="39" name="Straight Connector 38">
                 <a:extLst>
                   <a:ext uri="{FF2B5EF4-FFF2-40B4-BE49-F238E27FC236}">
-                    <a16:creationId xmlns:a16="http://schemas.microsoft.com/office/drawing/2014/main" id="{67289FC8-4A25-491A-A455-591CB61A7A84}"/>
+                    <a16:creationId xmlns:a16="http://schemas.microsoft.com/office/drawing/2014/main" id="{39DF1EF0-1A79-4D6D-B271-9E6F0328A804}"/>
                   </a:ext>
                 </a:extLst>
               </p:cNvPr>
@@ -9031,10 +13216,10 @@
           </p:cxnSp>
           <p:cxnSp>
             <p:nvCxnSpPr>
-              <p:cNvPr id="20" name="Straight Connector 19">
+              <p:cNvPr id="40" name="Straight Connector 39">
                 <a:extLst>
                   <a:ext uri="{FF2B5EF4-FFF2-40B4-BE49-F238E27FC236}">
-                    <a16:creationId xmlns:a16="http://schemas.microsoft.com/office/drawing/2014/main" id="{E64700BB-A1B0-4F9C-8CC7-DF3BD1008FBB}"/>
+                    <a16:creationId xmlns:a16="http://schemas.microsoft.com/office/drawing/2014/main" id="{CA251B51-1913-4369-BD46-CC55B357F056}"/>
                   </a:ext>
                 </a:extLst>
               </p:cNvPr>
@@ -9068,10 +13253,10 @@
           </p:cxnSp>
           <p:cxnSp>
             <p:nvCxnSpPr>
-              <p:cNvPr id="21" name="Straight Connector 20">
+              <p:cNvPr id="41" name="Straight Connector 40">
                 <a:extLst>
                   <a:ext uri="{FF2B5EF4-FFF2-40B4-BE49-F238E27FC236}">
-                    <a16:creationId xmlns:a16="http://schemas.microsoft.com/office/drawing/2014/main" id="{7853CE06-58A4-40E8-B641-F0886B673DC7}"/>
+                    <a16:creationId xmlns:a16="http://schemas.microsoft.com/office/drawing/2014/main" id="{0C29B41B-CB90-42D5-9617-4C90E3489E7E}"/>
                   </a:ext>
                 </a:extLst>
               </p:cNvPr>
@@ -9106,10 +13291,10 @@
         </p:grpSp>
         <p:grpSp>
           <p:nvGrpSpPr>
-            <p:cNvPr id="5" name="Group 4">
+            <p:cNvPr id="25" name="Group 24">
               <a:extLst>
                 <a:ext uri="{FF2B5EF4-FFF2-40B4-BE49-F238E27FC236}">
-                  <a16:creationId xmlns:a16="http://schemas.microsoft.com/office/drawing/2014/main" id="{CCF67960-F533-41F0-B33F-CD83F81C0C8C}"/>
+                  <a16:creationId xmlns:a16="http://schemas.microsoft.com/office/drawing/2014/main" id="{E0E5361F-50B6-4A1F-9F68-FA1E187ADF6F}"/>
                 </a:ext>
               </a:extLst>
             </p:cNvPr>
@@ -9126,10 +13311,10 @@
           </p:grpSpPr>
           <p:sp>
             <p:nvSpPr>
-              <p:cNvPr id="10" name="Rectangle 9">
+              <p:cNvPr id="30" name="Rectangle 29">
                 <a:extLst>
                   <a:ext uri="{FF2B5EF4-FFF2-40B4-BE49-F238E27FC236}">
-                    <a16:creationId xmlns:a16="http://schemas.microsoft.com/office/drawing/2014/main" id="{3593E7B1-A9C8-4F11-9094-1EC56096B31B}"/>
+                    <a16:creationId xmlns:a16="http://schemas.microsoft.com/office/drawing/2014/main" id="{52B78445-5D34-4885-93AE-2B390C6A834B}"/>
                   </a:ext>
                 </a:extLst>
               </p:cNvPr>
@@ -9175,10 +13360,10 @@
           </p:sp>
           <p:sp>
             <p:nvSpPr>
-              <p:cNvPr id="11" name="Rectangle 10">
+              <p:cNvPr id="31" name="Rectangle 30">
                 <a:extLst>
                   <a:ext uri="{FF2B5EF4-FFF2-40B4-BE49-F238E27FC236}">
-                    <a16:creationId xmlns:a16="http://schemas.microsoft.com/office/drawing/2014/main" id="{88057D7F-04D7-4FCD-B694-9605BBDC5A6A}"/>
+                    <a16:creationId xmlns:a16="http://schemas.microsoft.com/office/drawing/2014/main" id="{3EA5CA0F-0AA5-41C9-8A4B-C6F1A6C6DBD3}"/>
                   </a:ext>
                 </a:extLst>
               </p:cNvPr>
@@ -9224,10 +13409,10 @@
           </p:sp>
           <p:sp>
             <p:nvSpPr>
-              <p:cNvPr id="12" name="Rectangle 11">
+              <p:cNvPr id="32" name="Rectangle 31">
                 <a:extLst>
                   <a:ext uri="{FF2B5EF4-FFF2-40B4-BE49-F238E27FC236}">
-                    <a16:creationId xmlns:a16="http://schemas.microsoft.com/office/drawing/2014/main" id="{9ABE265F-17E0-47C9-96D4-BCB6F1F283F9}"/>
+                    <a16:creationId xmlns:a16="http://schemas.microsoft.com/office/drawing/2014/main" id="{B4453A16-15A1-4CC6-A2F5-A4A6EF22A36F}"/>
                   </a:ext>
                 </a:extLst>
               </p:cNvPr>
@@ -9274,10 +13459,10 @@
         </p:grpSp>
         <p:grpSp>
           <p:nvGrpSpPr>
-            <p:cNvPr id="6" name="Group 5">
+            <p:cNvPr id="26" name="Group 25">
               <a:extLst>
                 <a:ext uri="{FF2B5EF4-FFF2-40B4-BE49-F238E27FC236}">
-                  <a16:creationId xmlns:a16="http://schemas.microsoft.com/office/drawing/2014/main" id="{9CEEE2D3-F735-4C4A-B8CE-98C28F2981D0}"/>
+                  <a16:creationId xmlns:a16="http://schemas.microsoft.com/office/drawing/2014/main" id="{28F234A4-C0B9-4046-941E-5EBD71DAE269}"/>
                 </a:ext>
               </a:extLst>
             </p:cNvPr>
@@ -9294,10 +13479,10 @@
           </p:grpSpPr>
           <p:sp>
             <p:nvSpPr>
-              <p:cNvPr id="7" name="Rectangle 6">
+              <p:cNvPr id="27" name="Rectangle 26">
                 <a:extLst>
                   <a:ext uri="{FF2B5EF4-FFF2-40B4-BE49-F238E27FC236}">
-                    <a16:creationId xmlns:a16="http://schemas.microsoft.com/office/drawing/2014/main" id="{F6584730-88C4-4BF8-BB29-09A245992937}"/>
+                    <a16:creationId xmlns:a16="http://schemas.microsoft.com/office/drawing/2014/main" id="{9C979044-B7A0-47E4-8ED0-C344445760D2}"/>
                   </a:ext>
                 </a:extLst>
               </p:cNvPr>
@@ -9346,10 +13531,10 @@
           </p:sp>
           <p:sp>
             <p:nvSpPr>
-              <p:cNvPr id="8" name="Rectangle 7">
+              <p:cNvPr id="28" name="Rectangle 27">
                 <a:extLst>
                   <a:ext uri="{FF2B5EF4-FFF2-40B4-BE49-F238E27FC236}">
-                    <a16:creationId xmlns:a16="http://schemas.microsoft.com/office/drawing/2014/main" id="{44485C72-98EA-47D9-BF36-C25EE82DF142}"/>
+                    <a16:creationId xmlns:a16="http://schemas.microsoft.com/office/drawing/2014/main" id="{DF6AD465-DA63-4792-BE11-CEB1B3DEC9FF}"/>
                   </a:ext>
                 </a:extLst>
               </p:cNvPr>
@@ -9395,10 +13580,10 @@
           </p:sp>
           <p:sp>
             <p:nvSpPr>
-              <p:cNvPr id="9" name="Rectangle 8">
+              <p:cNvPr id="29" name="Rectangle 28">
                 <a:extLst>
                   <a:ext uri="{FF2B5EF4-FFF2-40B4-BE49-F238E27FC236}">
-                    <a16:creationId xmlns:a16="http://schemas.microsoft.com/office/drawing/2014/main" id="{280254EB-2BE2-4236-A0FE-AD158495750C}"/>
+                    <a16:creationId xmlns:a16="http://schemas.microsoft.com/office/drawing/2014/main" id="{5E076968-DD17-4B1C-AA9E-4975C623DCC0}"/>
                   </a:ext>
                 </a:extLst>
               </p:cNvPr>
@@ -9444,61 +13629,263 @@
           </p:sp>
         </p:grpSp>
       </p:grpSp>
-    </p:spTree>
-    <p:extLst>
-      <p:ext uri="{BB962C8B-B14F-4D97-AF65-F5344CB8AC3E}">
-        <p14:creationId xmlns:p14="http://schemas.microsoft.com/office/powerpoint/2010/main" val="3363989273"/>
-      </p:ext>
-    </p:extLst>
-  </p:cSld>
-  <p:clrMapOvr>
-    <a:masterClrMapping/>
-  </p:clrMapOvr>
-</p:sld>
-</file>
-
-<file path=ppt/slides/slide6.xml><?xml version="1.0" encoding="utf-8"?>
-<p:sld xmlns:a="http://schemas.openxmlformats.org/drawingml/2006/main" xmlns:r="http://schemas.openxmlformats.org/officeDocument/2006/relationships" xmlns:p="http://schemas.openxmlformats.org/presentationml/2006/main">
-  <p:cSld>
-    <p:spTree>
-      <p:nvGrpSpPr>
-        <p:cNvPr id="1" name=""/>
-        <p:cNvGrpSpPr/>
-        <p:nvPr/>
-      </p:nvGrpSpPr>
-      <p:grpSpPr>
-        <a:xfrm>
-          <a:off x="0" y="0"/>
-          <a:ext cx="0" cy="0"/>
-          <a:chOff x="0" y="0"/>
-          <a:chExt cx="0" cy="0"/>
-        </a:xfrm>
-      </p:grpSpPr>
       <p:sp>
         <p:nvSpPr>
-          <p:cNvPr id="2" name="Title 1">
-            <a:extLst>
-              <a:ext uri="{FF2B5EF4-FFF2-40B4-BE49-F238E27FC236}">
-                <a16:creationId xmlns:a16="http://schemas.microsoft.com/office/drawing/2014/main" id="{1043C755-2679-494E-B0D3-FF4F970268D3}"/>
-              </a:ext>
-            </a:extLst>
-          </p:cNvPr>
-          <p:cNvSpPr>
-            <a:spLocks noGrp="1"/>
-          </p:cNvSpPr>
-          <p:nvPr>
-            <p:ph type="title"/>
-          </p:nvPr>
-        </p:nvSpPr>
-        <p:spPr/>
-        <p:txBody>
-          <a:bodyPr/>
+          <p:cNvPr id="43" name="Rectangle 42">
+            <a:extLst>
+              <a:ext uri="{FF2B5EF4-FFF2-40B4-BE49-F238E27FC236}">
+                <a16:creationId xmlns:a16="http://schemas.microsoft.com/office/drawing/2014/main" id="{B8038A73-A314-45C4-B41A-5197A947684C}"/>
+              </a:ext>
+            </a:extLst>
+          </p:cNvPr>
+          <p:cNvSpPr/>
+          <p:nvPr/>
+        </p:nvSpPr>
+        <p:spPr>
+          <a:xfrm rot="15064516">
+            <a:off x="9492362" y="3832303"/>
+            <a:ext cx="850988" cy="331313"/>
+          </a:xfrm>
+          <a:prstGeom prst="rect">
+            <a:avLst/>
+          </a:prstGeom>
+        </p:spPr>
+        <p:style>
+          <a:lnRef idx="2">
+            <a:schemeClr val="accent5">
+              <a:shade val="50000"/>
+            </a:schemeClr>
+          </a:lnRef>
+          <a:fillRef idx="1">
+            <a:schemeClr val="accent5"/>
+          </a:fillRef>
+          <a:effectRef idx="0">
+            <a:schemeClr val="accent5"/>
+          </a:effectRef>
+          <a:fontRef idx="minor">
+            <a:schemeClr val="lt1"/>
+          </a:fontRef>
+        </p:style>
+        <p:txBody>
+          <a:bodyPr rtlCol="0" anchor="ctr"/>
           <a:lstStyle/>
           <a:p>
+            <a:pPr algn="ctr"/>
             <a:r>
               <a:rPr lang="en-US" dirty="0"/>
-              <a:t>FOOF RBG USB Connector</a:t>
+              <a:t> UBEC</a:t>
             </a:r>
+          </a:p>
+        </p:txBody>
+      </p:sp>
+      <p:sp>
+        <p:nvSpPr>
+          <p:cNvPr id="44" name="Rectangle 43">
+            <a:extLst>
+              <a:ext uri="{FF2B5EF4-FFF2-40B4-BE49-F238E27FC236}">
+                <a16:creationId xmlns:a16="http://schemas.microsoft.com/office/drawing/2014/main" id="{822B1D7B-2DA9-4751-9EFF-EB91A1BA6EFB}"/>
+              </a:ext>
+            </a:extLst>
+          </p:cNvPr>
+          <p:cNvSpPr/>
+          <p:nvPr/>
+        </p:nvSpPr>
+        <p:spPr>
+          <a:xfrm rot="3355565">
+            <a:off x="9665928" y="3308220"/>
+            <a:ext cx="175572" cy="336594"/>
+          </a:xfrm>
+          <a:prstGeom prst="rect">
+            <a:avLst/>
+          </a:prstGeom>
+          <a:solidFill>
+            <a:schemeClr val="accent6">
+              <a:lumMod val="40000"/>
+              <a:lumOff val="60000"/>
+            </a:schemeClr>
+          </a:solidFill>
+        </p:spPr>
+        <p:style>
+          <a:lnRef idx="2">
+            <a:schemeClr val="accent1">
+              <a:shade val="50000"/>
+            </a:schemeClr>
+          </a:lnRef>
+          <a:fillRef idx="1">
+            <a:schemeClr val="accent1"/>
+          </a:fillRef>
+          <a:effectRef idx="0">
+            <a:schemeClr val="accent1"/>
+          </a:effectRef>
+          <a:fontRef idx="minor">
+            <a:schemeClr val="lt1"/>
+          </a:fontRef>
+        </p:style>
+        <p:txBody>
+          <a:bodyPr rtlCol="0" anchor="ctr"/>
+          <a:lstStyle/>
+          <a:p>
+            <a:pPr algn="ctr"/>
+            <a:endParaRPr lang="en-US"/>
+          </a:p>
+        </p:txBody>
+      </p:sp>
+      <p:sp>
+        <p:nvSpPr>
+          <p:cNvPr id="45" name="Rectangle 44">
+            <a:extLst>
+              <a:ext uri="{FF2B5EF4-FFF2-40B4-BE49-F238E27FC236}">
+                <a16:creationId xmlns:a16="http://schemas.microsoft.com/office/drawing/2014/main" id="{F3A1DE1C-78D8-4515-85B4-9B45FC3AA790}"/>
+              </a:ext>
+            </a:extLst>
+          </p:cNvPr>
+          <p:cNvSpPr/>
+          <p:nvPr/>
+        </p:nvSpPr>
+        <p:spPr>
+          <a:xfrm rot="4359892">
+            <a:off x="9600943" y="5090236"/>
+            <a:ext cx="1126941" cy="417140"/>
+          </a:xfrm>
+          <a:prstGeom prst="rect">
+            <a:avLst/>
+          </a:prstGeom>
+          <a:solidFill>
+            <a:schemeClr val="accent5"/>
+          </a:solidFill>
+          <a:ln>
+            <a:solidFill>
+              <a:schemeClr val="accent5"/>
+            </a:solidFill>
+          </a:ln>
+        </p:spPr>
+        <p:style>
+          <a:lnRef idx="2">
+            <a:schemeClr val="accent1">
+              <a:shade val="50000"/>
+            </a:schemeClr>
+          </a:lnRef>
+          <a:fillRef idx="1">
+            <a:schemeClr val="accent1"/>
+          </a:fillRef>
+          <a:effectRef idx="0">
+            <a:schemeClr val="accent1"/>
+          </a:effectRef>
+          <a:fontRef idx="minor">
+            <a:schemeClr val="lt1"/>
+          </a:fontRef>
+        </p:style>
+        <p:txBody>
+          <a:bodyPr rtlCol="0" anchor="ctr"/>
+          <a:lstStyle/>
+          <a:p>
+            <a:pPr algn="ctr"/>
+            <a:r>
+              <a:rPr lang="en-US" dirty="0" err="1"/>
+              <a:t>Ardu</a:t>
+            </a:r>
+            <a:endParaRPr lang="en-US" dirty="0"/>
+          </a:p>
+        </p:txBody>
+      </p:sp>
+      <p:sp>
+        <p:nvSpPr>
+          <p:cNvPr id="46" name="Rectangle 45">
+            <a:extLst>
+              <a:ext uri="{FF2B5EF4-FFF2-40B4-BE49-F238E27FC236}">
+                <a16:creationId xmlns:a16="http://schemas.microsoft.com/office/drawing/2014/main" id="{3675B5B7-A3C8-41EC-946C-26C850C5464A}"/>
+              </a:ext>
+            </a:extLst>
+          </p:cNvPr>
+          <p:cNvSpPr/>
+          <p:nvPr/>
+        </p:nvSpPr>
+        <p:spPr>
+          <a:xfrm rot="20653546">
+            <a:off x="10693744" y="5042581"/>
+            <a:ext cx="64302" cy="784651"/>
+          </a:xfrm>
+          <a:prstGeom prst="rect">
+            <a:avLst/>
+          </a:prstGeom>
+          <a:solidFill>
+            <a:schemeClr val="accent4">
+              <a:lumMod val="60000"/>
+              <a:lumOff val="40000"/>
+            </a:schemeClr>
+          </a:solidFill>
+        </p:spPr>
+        <p:style>
+          <a:lnRef idx="2">
+            <a:schemeClr val="accent1">
+              <a:shade val="50000"/>
+            </a:schemeClr>
+          </a:lnRef>
+          <a:fillRef idx="1">
+            <a:schemeClr val="accent1"/>
+          </a:fillRef>
+          <a:effectRef idx="0">
+            <a:schemeClr val="accent1"/>
+          </a:effectRef>
+          <a:fontRef idx="minor">
+            <a:schemeClr val="lt1"/>
+          </a:fontRef>
+        </p:style>
+        <p:txBody>
+          <a:bodyPr rtlCol="0" anchor="ctr"/>
+          <a:lstStyle/>
+          <a:p>
+            <a:pPr algn="ctr"/>
+            <a:endParaRPr lang="en-US"/>
+          </a:p>
+        </p:txBody>
+      </p:sp>
+      <p:sp>
+        <p:nvSpPr>
+          <p:cNvPr id="47" name="Rectangle 46">
+            <a:extLst>
+              <a:ext uri="{FF2B5EF4-FFF2-40B4-BE49-F238E27FC236}">
+                <a16:creationId xmlns:a16="http://schemas.microsoft.com/office/drawing/2014/main" id="{533539F6-10A9-4E0A-9BF9-29F54DF09FF7}"/>
+              </a:ext>
+            </a:extLst>
+          </p:cNvPr>
+          <p:cNvSpPr/>
+          <p:nvPr/>
+        </p:nvSpPr>
+        <p:spPr>
+          <a:xfrm>
+            <a:off x="10024535" y="2508710"/>
+            <a:ext cx="248778" cy="98118"/>
+          </a:xfrm>
+          <a:prstGeom prst="rect">
+            <a:avLst/>
+          </a:prstGeom>
+          <a:solidFill>
+            <a:srgbClr val="36F856"/>
+          </a:solidFill>
+        </p:spPr>
+        <p:style>
+          <a:lnRef idx="2">
+            <a:schemeClr val="accent1">
+              <a:shade val="50000"/>
+            </a:schemeClr>
+          </a:lnRef>
+          <a:fillRef idx="1">
+            <a:schemeClr val="accent1"/>
+          </a:fillRef>
+          <a:effectRef idx="0">
+            <a:schemeClr val="accent1"/>
+          </a:effectRef>
+          <a:fontRef idx="minor">
+            <a:schemeClr val="lt1"/>
+          </a:fontRef>
+        </p:style>
+        <p:txBody>
+          <a:bodyPr rtlCol="0" anchor="ctr"/>
+          <a:lstStyle/>
+          <a:p>
+            <a:pPr algn="ctr"/>
+            <a:endParaRPr lang="en-US"/>
           </a:p>
         </p:txBody>
       </p:sp>
@@ -9507,7 +13894,7 @@
           <p:cNvPr id="3" name="Group 2">
             <a:extLst>
               <a:ext uri="{FF2B5EF4-FFF2-40B4-BE49-F238E27FC236}">
-                <a16:creationId xmlns:a16="http://schemas.microsoft.com/office/drawing/2014/main" id="{BA2CA484-907A-40CB-80D0-C331E13A2FF2}"/>
+                <a16:creationId xmlns:a16="http://schemas.microsoft.com/office/drawing/2014/main" id="{B929C081-CD20-4C83-8C66-3220424F3BDD}"/>
               </a:ext>
             </a:extLst>
           </p:cNvPr>
@@ -9516,706 +13903,954 @@
         </p:nvGrpSpPr>
         <p:grpSpPr>
           <a:xfrm>
-            <a:off x="7956975" y="2447340"/>
-            <a:ext cx="3054773" cy="3799838"/>
-            <a:chOff x="1009227" y="2409240"/>
-            <a:chExt cx="3054773" cy="3799838"/>
+            <a:off x="8599866" y="2592467"/>
+            <a:ext cx="549138" cy="600209"/>
+            <a:chOff x="8599866" y="2592467"/>
+            <a:chExt cx="549138" cy="600209"/>
           </a:xfrm>
         </p:grpSpPr>
-        <p:grpSp>
-          <p:nvGrpSpPr>
-            <p:cNvPr id="4" name="Group 3">
+        <p:sp>
+          <p:nvSpPr>
+            <p:cNvPr id="50" name="Rectangle 49">
               <a:extLst>
                 <a:ext uri="{FF2B5EF4-FFF2-40B4-BE49-F238E27FC236}">
-                  <a16:creationId xmlns:a16="http://schemas.microsoft.com/office/drawing/2014/main" id="{86C0F0FB-17C8-4A4F-A57C-51010B45C3DB}"/>
+                  <a16:creationId xmlns:a16="http://schemas.microsoft.com/office/drawing/2014/main" id="{603CEEDE-BF67-44D1-B667-C29773C14F19}"/>
                 </a:ext>
               </a:extLst>
             </p:cNvPr>
-            <p:cNvGrpSpPr/>
+            <p:cNvSpPr/>
             <p:nvPr/>
-          </p:nvGrpSpPr>
-          <p:grpSpPr>
+          </p:nvSpPr>
+          <p:spPr>
             <a:xfrm>
-              <a:off x="1009227" y="2409240"/>
-              <a:ext cx="3054773" cy="3799838"/>
-              <a:chOff x="1009227" y="2404535"/>
-              <a:chExt cx="3054773" cy="3799838"/>
+              <a:off x="8599866" y="2620374"/>
+              <a:ext cx="549138" cy="572302"/>
             </a:xfrm>
-          </p:grpSpPr>
-          <p:cxnSp>
-            <p:nvCxnSpPr>
-              <p:cNvPr id="13" name="Straight Connector 12">
-                <a:extLst>
-                  <a:ext uri="{FF2B5EF4-FFF2-40B4-BE49-F238E27FC236}">
-                    <a16:creationId xmlns:a16="http://schemas.microsoft.com/office/drawing/2014/main" id="{2C3FB076-19CC-4792-B596-BCDCD2D853A5}"/>
-                  </a:ext>
-                </a:extLst>
-              </p:cNvPr>
-              <p:cNvCxnSpPr/>
-              <p:nvPr/>
-            </p:nvCxnSpPr>
-            <p:spPr>
-              <a:xfrm>
-                <a:off x="1009227" y="2411307"/>
-                <a:ext cx="2160693" cy="0"/>
-              </a:xfrm>
-              <a:prstGeom prst="line">
-                <a:avLst/>
-              </a:prstGeom>
-              <a:ln/>
-            </p:spPr>
-            <p:style>
-              <a:lnRef idx="3">
-                <a:schemeClr val="dk1"/>
-              </a:lnRef>
-              <a:fillRef idx="0">
-                <a:schemeClr val="dk1"/>
-              </a:fillRef>
-              <a:effectRef idx="2">
-                <a:schemeClr val="dk1"/>
-              </a:effectRef>
-              <a:fontRef idx="minor">
-                <a:schemeClr val="tx1"/>
-              </a:fontRef>
-            </p:style>
-          </p:cxnSp>
-          <p:cxnSp>
-            <p:nvCxnSpPr>
-              <p:cNvPr id="14" name="Straight Connector 13">
-                <a:extLst>
-                  <a:ext uri="{FF2B5EF4-FFF2-40B4-BE49-F238E27FC236}">
-                    <a16:creationId xmlns:a16="http://schemas.microsoft.com/office/drawing/2014/main" id="{AD6D6B72-9F92-4CBB-9EE9-97F509462FD5}"/>
-                  </a:ext>
-                </a:extLst>
-              </p:cNvPr>
-              <p:cNvCxnSpPr/>
-              <p:nvPr/>
-            </p:nvCxnSpPr>
-            <p:spPr>
-              <a:xfrm>
-                <a:off x="3156373" y="2418080"/>
-                <a:ext cx="0" cy="765387"/>
-              </a:xfrm>
-              <a:prstGeom prst="line">
-                <a:avLst/>
-              </a:prstGeom>
-              <a:ln/>
-            </p:spPr>
-            <p:style>
-              <a:lnRef idx="3">
-                <a:schemeClr val="dk1"/>
-              </a:lnRef>
-              <a:fillRef idx="0">
-                <a:schemeClr val="dk1"/>
-              </a:fillRef>
-              <a:effectRef idx="2">
-                <a:schemeClr val="dk1"/>
-              </a:effectRef>
-              <a:fontRef idx="minor">
-                <a:schemeClr val="tx1"/>
-              </a:fontRef>
-            </p:style>
-          </p:cxnSp>
-          <p:cxnSp>
-            <p:nvCxnSpPr>
-              <p:cNvPr id="15" name="Straight Connector 14">
-                <a:extLst>
-                  <a:ext uri="{FF2B5EF4-FFF2-40B4-BE49-F238E27FC236}">
-                    <a16:creationId xmlns:a16="http://schemas.microsoft.com/office/drawing/2014/main" id="{285C330B-66FF-4E24-BD3B-A0C23A097963}"/>
-                  </a:ext>
-                </a:extLst>
-              </p:cNvPr>
-              <p:cNvCxnSpPr/>
-              <p:nvPr/>
-            </p:nvCxnSpPr>
-            <p:spPr>
-              <a:xfrm>
-                <a:off x="3169920" y="3183467"/>
-                <a:ext cx="894080" cy="3020906"/>
-              </a:xfrm>
-              <a:prstGeom prst="line">
-                <a:avLst/>
-              </a:prstGeom>
-              <a:ln/>
-            </p:spPr>
-            <p:style>
-              <a:lnRef idx="3">
-                <a:schemeClr val="dk1"/>
-              </a:lnRef>
-              <a:fillRef idx="0">
-                <a:schemeClr val="dk1"/>
-              </a:fillRef>
-              <a:effectRef idx="2">
-                <a:schemeClr val="dk1"/>
-              </a:effectRef>
-              <a:fontRef idx="minor">
-                <a:schemeClr val="tx1"/>
-              </a:fontRef>
-            </p:style>
-          </p:cxnSp>
-          <p:cxnSp>
-            <p:nvCxnSpPr>
-              <p:cNvPr id="16" name="Straight Connector 15">
-                <a:extLst>
-                  <a:ext uri="{FF2B5EF4-FFF2-40B4-BE49-F238E27FC236}">
-                    <a16:creationId xmlns:a16="http://schemas.microsoft.com/office/drawing/2014/main" id="{3F9E6C57-0BFF-4A3C-B9D5-E549753EE716}"/>
-                  </a:ext>
-                </a:extLst>
-              </p:cNvPr>
-              <p:cNvCxnSpPr/>
-              <p:nvPr/>
-            </p:nvCxnSpPr>
-            <p:spPr>
-              <a:xfrm flipH="1">
-                <a:off x="2465493" y="6204372"/>
-                <a:ext cx="1598506" cy="0"/>
-              </a:xfrm>
-              <a:prstGeom prst="line">
-                <a:avLst/>
-              </a:prstGeom>
-              <a:ln/>
-            </p:spPr>
-            <p:style>
-              <a:lnRef idx="3">
-                <a:schemeClr val="dk1"/>
-              </a:lnRef>
-              <a:fillRef idx="0">
-                <a:schemeClr val="dk1"/>
-              </a:fillRef>
-              <a:effectRef idx="2">
-                <a:schemeClr val="dk1"/>
-              </a:effectRef>
-              <a:fontRef idx="minor">
-                <a:schemeClr val="tx1"/>
-              </a:fontRef>
-            </p:style>
-          </p:cxnSp>
-          <p:cxnSp>
-            <p:nvCxnSpPr>
-              <p:cNvPr id="17" name="Straight Connector 16">
-                <a:extLst>
-                  <a:ext uri="{FF2B5EF4-FFF2-40B4-BE49-F238E27FC236}">
-                    <a16:creationId xmlns:a16="http://schemas.microsoft.com/office/drawing/2014/main" id="{52600BEC-AB0B-4AC2-88FF-84EE08420D2E}"/>
-                  </a:ext>
-                </a:extLst>
-              </p:cNvPr>
-              <p:cNvCxnSpPr/>
-              <p:nvPr/>
-            </p:nvCxnSpPr>
-            <p:spPr>
-              <a:xfrm flipV="1">
-                <a:off x="2458720" y="5784427"/>
-                <a:ext cx="358987" cy="419946"/>
-              </a:xfrm>
-              <a:prstGeom prst="line">
-                <a:avLst/>
-              </a:prstGeom>
-              <a:ln/>
-            </p:spPr>
-            <p:style>
-              <a:lnRef idx="3">
-                <a:schemeClr val="dk1"/>
-              </a:lnRef>
-              <a:fillRef idx="0">
-                <a:schemeClr val="dk1"/>
-              </a:fillRef>
-              <a:effectRef idx="2">
-                <a:schemeClr val="dk1"/>
-              </a:effectRef>
-              <a:fontRef idx="minor">
-                <a:schemeClr val="tx1"/>
-              </a:fontRef>
-            </p:style>
-          </p:cxnSp>
-          <p:cxnSp>
-            <p:nvCxnSpPr>
-              <p:cNvPr id="18" name="Straight Connector 17">
-                <a:extLst>
-                  <a:ext uri="{FF2B5EF4-FFF2-40B4-BE49-F238E27FC236}">
-                    <a16:creationId xmlns:a16="http://schemas.microsoft.com/office/drawing/2014/main" id="{F6AAB088-D964-4F4D-A087-72CF131A296B}"/>
-                  </a:ext>
-                </a:extLst>
-              </p:cNvPr>
-              <p:cNvCxnSpPr/>
-              <p:nvPr/>
-            </p:nvCxnSpPr>
-            <p:spPr>
-              <a:xfrm flipH="1" flipV="1">
-                <a:off x="2025227" y="3183467"/>
-                <a:ext cx="792480" cy="2600961"/>
-              </a:xfrm>
-              <a:prstGeom prst="line">
-                <a:avLst/>
-              </a:prstGeom>
-              <a:ln/>
-            </p:spPr>
-            <p:style>
-              <a:lnRef idx="3">
-                <a:schemeClr val="dk1"/>
-              </a:lnRef>
-              <a:fillRef idx="0">
-                <a:schemeClr val="dk1"/>
-              </a:fillRef>
-              <a:effectRef idx="2">
-                <a:schemeClr val="dk1"/>
-              </a:effectRef>
-              <a:fontRef idx="minor">
-                <a:schemeClr val="tx1"/>
-              </a:fontRef>
-            </p:style>
-          </p:cxnSp>
-          <p:cxnSp>
-            <p:nvCxnSpPr>
-              <p:cNvPr id="19" name="Straight Connector 18">
-                <a:extLst>
-                  <a:ext uri="{FF2B5EF4-FFF2-40B4-BE49-F238E27FC236}">
-                    <a16:creationId xmlns:a16="http://schemas.microsoft.com/office/drawing/2014/main" id="{BFE81932-FB26-4A86-A806-574F6F290CAC}"/>
-                  </a:ext>
-                </a:extLst>
-              </p:cNvPr>
-              <p:cNvCxnSpPr/>
-              <p:nvPr/>
-            </p:nvCxnSpPr>
-            <p:spPr>
-              <a:xfrm flipH="1">
-                <a:off x="1456267" y="3183467"/>
-                <a:ext cx="568961" cy="0"/>
-              </a:xfrm>
-              <a:prstGeom prst="line">
-                <a:avLst/>
-              </a:prstGeom>
-              <a:ln/>
-            </p:spPr>
-            <p:style>
-              <a:lnRef idx="3">
-                <a:schemeClr val="dk1"/>
-              </a:lnRef>
-              <a:fillRef idx="0">
-                <a:schemeClr val="dk1"/>
-              </a:fillRef>
-              <a:effectRef idx="2">
-                <a:schemeClr val="dk1"/>
-              </a:effectRef>
-              <a:fontRef idx="minor">
-                <a:schemeClr val="tx1"/>
-              </a:fontRef>
-            </p:style>
-          </p:cxnSp>
-          <p:cxnSp>
-            <p:nvCxnSpPr>
-              <p:cNvPr id="20" name="Straight Connector 19">
-                <a:extLst>
-                  <a:ext uri="{FF2B5EF4-FFF2-40B4-BE49-F238E27FC236}">
-                    <a16:creationId xmlns:a16="http://schemas.microsoft.com/office/drawing/2014/main" id="{9B5AFCDC-1CB0-4288-8120-2B5983C143D9}"/>
-                  </a:ext>
-                </a:extLst>
-              </p:cNvPr>
-              <p:cNvCxnSpPr/>
-              <p:nvPr/>
-            </p:nvCxnSpPr>
-            <p:spPr>
-              <a:xfrm flipH="1" flipV="1">
-                <a:off x="1009227" y="2871893"/>
-                <a:ext cx="440266" cy="311574"/>
-              </a:xfrm>
-              <a:prstGeom prst="line">
-                <a:avLst/>
-              </a:prstGeom>
-              <a:ln/>
-            </p:spPr>
-            <p:style>
-              <a:lnRef idx="3">
-                <a:schemeClr val="dk1"/>
-              </a:lnRef>
-              <a:fillRef idx="0">
-                <a:schemeClr val="dk1"/>
-              </a:fillRef>
-              <a:effectRef idx="2">
-                <a:schemeClr val="dk1"/>
-              </a:effectRef>
-              <a:fontRef idx="minor">
-                <a:schemeClr val="tx1"/>
-              </a:fontRef>
-            </p:style>
-          </p:cxnSp>
-          <p:cxnSp>
-            <p:nvCxnSpPr>
-              <p:cNvPr id="21" name="Straight Connector 20">
-                <a:extLst>
-                  <a:ext uri="{FF2B5EF4-FFF2-40B4-BE49-F238E27FC236}">
-                    <a16:creationId xmlns:a16="http://schemas.microsoft.com/office/drawing/2014/main" id="{518E3734-FCBE-40BE-9E13-5E93E9CC0E32}"/>
-                  </a:ext>
-                </a:extLst>
-              </p:cNvPr>
-              <p:cNvCxnSpPr/>
-              <p:nvPr/>
-            </p:nvCxnSpPr>
-            <p:spPr>
-              <a:xfrm flipV="1">
-                <a:off x="1009227" y="2404535"/>
-                <a:ext cx="0" cy="467359"/>
-              </a:xfrm>
-              <a:prstGeom prst="line">
-                <a:avLst/>
-              </a:prstGeom>
-              <a:ln/>
-            </p:spPr>
-            <p:style>
-              <a:lnRef idx="3">
-                <a:schemeClr val="dk1"/>
-              </a:lnRef>
-              <a:fillRef idx="0">
-                <a:schemeClr val="dk1"/>
-              </a:fillRef>
-              <a:effectRef idx="2">
-                <a:schemeClr val="dk1"/>
-              </a:effectRef>
-              <a:fontRef idx="minor">
-                <a:schemeClr val="tx1"/>
-              </a:fontRef>
-            </p:style>
-          </p:cxnSp>
-        </p:grpSp>
-        <p:grpSp>
-          <p:nvGrpSpPr>
-            <p:cNvPr id="5" name="Group 4">
+            <a:prstGeom prst="rect">
+              <a:avLst/>
+            </a:prstGeom>
+            <a:solidFill>
+              <a:schemeClr val="accent5"/>
+            </a:solidFill>
+            <a:ln>
+              <a:solidFill>
+                <a:srgbClr val="0070C0"/>
+              </a:solidFill>
+            </a:ln>
+          </p:spPr>
+          <p:style>
+            <a:lnRef idx="2">
+              <a:schemeClr val="accent1">
+                <a:shade val="50000"/>
+              </a:schemeClr>
+            </a:lnRef>
+            <a:fillRef idx="1">
+              <a:schemeClr val="accent1"/>
+            </a:fillRef>
+            <a:effectRef idx="0">
+              <a:schemeClr val="accent1"/>
+            </a:effectRef>
+            <a:fontRef idx="minor">
+              <a:schemeClr val="lt1"/>
+            </a:fontRef>
+          </p:style>
+          <p:txBody>
+            <a:bodyPr rtlCol="0" anchor="ctr"/>
+            <a:lstStyle/>
+            <a:p>
+              <a:pPr algn="ctr"/>
+              <a:r>
+                <a:rPr lang="en-US" sz="1200" dirty="0"/>
+                <a:t>YX</a:t>
+              </a:r>
+            </a:p>
+            <a:p>
+              <a:pPr algn="ctr"/>
+              <a:r>
+                <a:rPr lang="en-US" sz="1200" dirty="0"/>
+                <a:t>5200</a:t>
+              </a:r>
+            </a:p>
+          </p:txBody>
+        </p:sp>
+        <p:sp>
+          <p:nvSpPr>
+            <p:cNvPr id="51" name="Oval 50">
               <a:extLst>
                 <a:ext uri="{FF2B5EF4-FFF2-40B4-BE49-F238E27FC236}">
-                  <a16:creationId xmlns:a16="http://schemas.microsoft.com/office/drawing/2014/main" id="{9D1D96FF-FFD3-4276-9C18-C020F48BA388}"/>
+                  <a16:creationId xmlns:a16="http://schemas.microsoft.com/office/drawing/2014/main" id="{F2D9F8A5-5550-4B9A-A1BE-7EBB9FFD3158}"/>
                 </a:ext>
               </a:extLst>
             </p:cNvPr>
-            <p:cNvGrpSpPr/>
+            <p:cNvSpPr/>
             <p:nvPr/>
-          </p:nvGrpSpPr>
-          <p:grpSpPr>
+          </p:nvSpPr>
+          <p:spPr>
             <a:xfrm>
-              <a:off x="2083406" y="3824273"/>
-              <a:ext cx="393094" cy="317492"/>
-              <a:chOff x="2083406" y="3819568"/>
-              <a:chExt cx="393094" cy="317492"/>
+              <a:off x="8838064" y="2592467"/>
+              <a:ext cx="54186" cy="46399"/>
             </a:xfrm>
-          </p:grpSpPr>
-          <p:sp>
-            <p:nvSpPr>
-              <p:cNvPr id="10" name="Rectangle 9">
-                <a:extLst>
-                  <a:ext uri="{FF2B5EF4-FFF2-40B4-BE49-F238E27FC236}">
-                    <a16:creationId xmlns:a16="http://schemas.microsoft.com/office/drawing/2014/main" id="{DE5FE36A-5F9C-4E9A-8AB0-F8DEBE2AC67F}"/>
-                  </a:ext>
-                </a:extLst>
-              </p:cNvPr>
-              <p:cNvSpPr/>
-              <p:nvPr/>
-            </p:nvSpPr>
-            <p:spPr>
-              <a:xfrm rot="20597776">
-                <a:off x="2083406" y="3819568"/>
-                <a:ext cx="304800" cy="317492"/>
-              </a:xfrm>
-              <a:prstGeom prst="rect">
-                <a:avLst/>
-              </a:prstGeom>
+            <a:prstGeom prst="ellipse">
+              <a:avLst/>
+            </a:prstGeom>
+            <a:solidFill>
+              <a:schemeClr val="accent3">
+                <a:lumMod val="40000"/>
+                <a:lumOff val="60000"/>
+              </a:schemeClr>
+            </a:solidFill>
+            <a:ln>
               <a:solidFill>
-                <a:schemeClr val="tx1"/>
+                <a:schemeClr val="accent3">
+                  <a:lumMod val="40000"/>
+                  <a:lumOff val="60000"/>
+                </a:schemeClr>
               </a:solidFill>
-            </p:spPr>
-            <p:style>
-              <a:lnRef idx="2">
-                <a:schemeClr val="accent1">
-                  <a:shade val="50000"/>
-                </a:schemeClr>
-              </a:lnRef>
-              <a:fillRef idx="1">
-                <a:schemeClr val="accent1"/>
-              </a:fillRef>
-              <a:effectRef idx="0">
-                <a:schemeClr val="accent1"/>
-              </a:effectRef>
-              <a:fontRef idx="minor">
-                <a:schemeClr val="lt1"/>
-              </a:fontRef>
-            </p:style>
-            <p:txBody>
-              <a:bodyPr rtlCol="0" anchor="ctr"/>
-              <a:lstStyle/>
-              <a:p>
-                <a:pPr algn="ctr"/>
-                <a:endParaRPr lang="en-US"/>
-              </a:p>
-            </p:txBody>
-          </p:sp>
-          <p:sp>
-            <p:nvSpPr>
-              <p:cNvPr id="11" name="Rectangle 10">
-                <a:extLst>
-                  <a:ext uri="{FF2B5EF4-FFF2-40B4-BE49-F238E27FC236}">
-                    <a16:creationId xmlns:a16="http://schemas.microsoft.com/office/drawing/2014/main" id="{137F25F5-AF6F-4833-B320-6C39CDCAF435}"/>
-                  </a:ext>
-                </a:extLst>
-              </p:cNvPr>
-              <p:cNvSpPr/>
-              <p:nvPr/>
-            </p:nvSpPr>
-            <p:spPr>
-              <a:xfrm rot="20475956">
-                <a:off x="2336800" y="3860800"/>
-                <a:ext cx="114300" cy="45719"/>
-              </a:xfrm>
-              <a:prstGeom prst="rect">
-                <a:avLst/>
-              </a:prstGeom>
-              <a:solidFill>
-                <a:schemeClr val="tx1"/>
-              </a:solidFill>
-            </p:spPr>
-            <p:style>
-              <a:lnRef idx="2">
-                <a:schemeClr val="accent1">
-                  <a:shade val="50000"/>
-                </a:schemeClr>
-              </a:lnRef>
-              <a:fillRef idx="1">
-                <a:schemeClr val="accent1"/>
-              </a:fillRef>
-              <a:effectRef idx="0">
-                <a:schemeClr val="accent1"/>
-              </a:effectRef>
-              <a:fontRef idx="minor">
-                <a:schemeClr val="lt1"/>
-              </a:fontRef>
-            </p:style>
-            <p:txBody>
-              <a:bodyPr rtlCol="0" anchor="ctr"/>
-              <a:lstStyle/>
-              <a:p>
-                <a:pPr algn="ctr"/>
-                <a:endParaRPr lang="en-US"/>
-              </a:p>
-            </p:txBody>
-          </p:sp>
-          <p:sp>
-            <p:nvSpPr>
-              <p:cNvPr id="12" name="Rectangle 11">
-                <a:extLst>
-                  <a:ext uri="{FF2B5EF4-FFF2-40B4-BE49-F238E27FC236}">
-                    <a16:creationId xmlns:a16="http://schemas.microsoft.com/office/drawing/2014/main" id="{D1E91B96-2808-498D-B905-6DA3ECD4715E}"/>
-                  </a:ext>
-                </a:extLst>
-              </p:cNvPr>
-              <p:cNvSpPr/>
-              <p:nvPr/>
-            </p:nvSpPr>
-            <p:spPr>
-              <a:xfrm rot="20475956">
-                <a:off x="2362200" y="3930650"/>
-                <a:ext cx="114300" cy="45719"/>
-              </a:xfrm>
-              <a:prstGeom prst="rect">
-                <a:avLst/>
-              </a:prstGeom>
-              <a:solidFill>
-                <a:schemeClr val="tx1"/>
-              </a:solidFill>
-            </p:spPr>
-            <p:style>
-              <a:lnRef idx="2">
-                <a:schemeClr val="accent1">
-                  <a:shade val="50000"/>
-                </a:schemeClr>
-              </a:lnRef>
-              <a:fillRef idx="1">
-                <a:schemeClr val="accent1"/>
-              </a:fillRef>
-              <a:effectRef idx="0">
-                <a:schemeClr val="accent1"/>
-              </a:effectRef>
-              <a:fontRef idx="minor">
-                <a:schemeClr val="lt1"/>
-              </a:fontRef>
-            </p:style>
-            <p:txBody>
-              <a:bodyPr rtlCol="0" anchor="ctr"/>
-              <a:lstStyle/>
-              <a:p>
-                <a:pPr algn="ctr"/>
-                <a:endParaRPr lang="en-US"/>
-              </a:p>
-            </p:txBody>
-          </p:sp>
-        </p:grpSp>
-        <p:grpSp>
-          <p:nvGrpSpPr>
-            <p:cNvPr id="6" name="Group 5">
+            </a:ln>
+          </p:spPr>
+          <p:style>
+            <a:lnRef idx="2">
+              <a:schemeClr val="accent1">
+                <a:shade val="50000"/>
+              </a:schemeClr>
+            </a:lnRef>
+            <a:fillRef idx="1">
+              <a:schemeClr val="accent1"/>
+            </a:fillRef>
+            <a:effectRef idx="0">
+              <a:schemeClr val="accent1"/>
+            </a:effectRef>
+            <a:fontRef idx="minor">
+              <a:schemeClr val="lt1"/>
+            </a:fontRef>
+          </p:style>
+          <p:txBody>
+            <a:bodyPr rtlCol="0" anchor="ctr"/>
+            <a:lstStyle/>
+            <a:p>
+              <a:pPr algn="ctr"/>
+              <a:endParaRPr lang="en-US"/>
+            </a:p>
+          </p:txBody>
+        </p:sp>
+      </p:grpSp>
+      <p:grpSp>
+        <p:nvGrpSpPr>
+          <p:cNvPr id="5" name="Group 4">
+            <a:extLst>
+              <a:ext uri="{FF2B5EF4-FFF2-40B4-BE49-F238E27FC236}">
+                <a16:creationId xmlns:a16="http://schemas.microsoft.com/office/drawing/2014/main" id="{5FB56CF7-699C-453D-9F45-FAD74CB8B4A5}"/>
+              </a:ext>
+            </a:extLst>
+          </p:cNvPr>
+          <p:cNvGrpSpPr/>
+          <p:nvPr/>
+        </p:nvGrpSpPr>
+        <p:grpSpPr>
+          <a:xfrm>
+            <a:off x="9382567" y="3220117"/>
+            <a:ext cx="534377" cy="189534"/>
+            <a:chOff x="9382567" y="3220117"/>
+            <a:chExt cx="534377" cy="189534"/>
+          </a:xfrm>
+        </p:grpSpPr>
+        <p:sp>
+          <p:nvSpPr>
+            <p:cNvPr id="42" name="Rectangle 41">
               <a:extLst>
                 <a:ext uri="{FF2B5EF4-FFF2-40B4-BE49-F238E27FC236}">
-                  <a16:creationId xmlns:a16="http://schemas.microsoft.com/office/drawing/2014/main" id="{430098C0-9BF2-420D-979C-478D3CBAD5B6}"/>
+                  <a16:creationId xmlns:a16="http://schemas.microsoft.com/office/drawing/2014/main" id="{3E6C5A6E-736E-42A4-B5CE-F447F5C45F51}"/>
                 </a:ext>
               </a:extLst>
             </p:cNvPr>
-            <p:cNvGrpSpPr/>
+            <p:cNvSpPr/>
             <p:nvPr/>
-          </p:nvGrpSpPr>
-          <p:grpSpPr>
+          </p:nvSpPr>
+          <p:spPr>
+            <a:xfrm rot="20675816">
+              <a:off x="9382567" y="3230531"/>
+              <a:ext cx="517241" cy="179120"/>
+            </a:xfrm>
+            <a:prstGeom prst="rect">
+              <a:avLst/>
+            </a:prstGeom>
+          </p:spPr>
+          <p:style>
+            <a:lnRef idx="2">
+              <a:schemeClr val="accent1">
+                <a:shade val="50000"/>
+              </a:schemeClr>
+            </a:lnRef>
+            <a:fillRef idx="1">
+              <a:schemeClr val="accent1"/>
+            </a:fillRef>
+            <a:effectRef idx="0">
+              <a:schemeClr val="accent1"/>
+            </a:effectRef>
+            <a:fontRef idx="minor">
+              <a:schemeClr val="lt1"/>
+            </a:fontRef>
+          </p:style>
+          <p:txBody>
+            <a:bodyPr rtlCol="0" anchor="ctr"/>
+            <a:lstStyle/>
+            <a:p>
+              <a:pPr algn="ctr"/>
+              <a:r>
+                <a:rPr lang="en-US" sz="1400" dirty="0"/>
+                <a:t>125</a:t>
+              </a:r>
+            </a:p>
+          </p:txBody>
+        </p:sp>
+        <p:sp>
+          <p:nvSpPr>
+            <p:cNvPr id="52" name="Oval 51">
+              <a:extLst>
+                <a:ext uri="{FF2B5EF4-FFF2-40B4-BE49-F238E27FC236}">
+                  <a16:creationId xmlns:a16="http://schemas.microsoft.com/office/drawing/2014/main" id="{89D51F2C-7C36-4F60-9EC5-A788FAC285F7}"/>
+                </a:ext>
+              </a:extLst>
+            </p:cNvPr>
+            <p:cNvSpPr/>
+            <p:nvPr/>
+          </p:nvSpPr>
+          <p:spPr>
             <a:xfrm>
-              <a:off x="1070531" y="2628142"/>
-              <a:ext cx="577816" cy="636933"/>
-              <a:chOff x="1070531" y="2628142"/>
-              <a:chExt cx="577816" cy="636933"/>
+              <a:off x="9862758" y="3220117"/>
+              <a:ext cx="54186" cy="46399"/>
             </a:xfrm>
-          </p:grpSpPr>
-          <p:sp>
-            <p:nvSpPr>
-              <p:cNvPr id="7" name="Rectangle 6">
-                <a:extLst>
-                  <a:ext uri="{FF2B5EF4-FFF2-40B4-BE49-F238E27FC236}">
-                    <a16:creationId xmlns:a16="http://schemas.microsoft.com/office/drawing/2014/main" id="{BA90595C-2784-474E-999B-EB1CEF680A3E}"/>
-                  </a:ext>
-                </a:extLst>
-              </p:cNvPr>
-              <p:cNvSpPr/>
-              <p:nvPr/>
-            </p:nvSpPr>
-            <p:spPr>
-              <a:xfrm rot="18054809">
-                <a:off x="1047905" y="2809102"/>
-                <a:ext cx="478599" cy="433348"/>
-              </a:xfrm>
-              <a:prstGeom prst="rect">
-                <a:avLst/>
-              </a:prstGeom>
+            <a:prstGeom prst="ellipse">
+              <a:avLst/>
+            </a:prstGeom>
+            <a:solidFill>
+              <a:schemeClr val="accent3">
+                <a:lumMod val="40000"/>
+                <a:lumOff val="60000"/>
+              </a:schemeClr>
+            </a:solidFill>
+            <a:ln>
               <a:solidFill>
-                <a:schemeClr val="tx1">
-                  <a:lumMod val="95000"/>
-                  <a:lumOff val="5000"/>
+                <a:schemeClr val="accent3">
+                  <a:lumMod val="40000"/>
+                  <a:lumOff val="60000"/>
                 </a:schemeClr>
               </a:solidFill>
-            </p:spPr>
-            <p:style>
-              <a:lnRef idx="2">
-                <a:schemeClr val="accent1">
-                  <a:shade val="50000"/>
-                </a:schemeClr>
-              </a:lnRef>
-              <a:fillRef idx="1">
-                <a:schemeClr val="accent1"/>
-              </a:fillRef>
-              <a:effectRef idx="0">
-                <a:schemeClr val="accent1"/>
-              </a:effectRef>
-              <a:fontRef idx="minor">
-                <a:schemeClr val="lt1"/>
-              </a:fontRef>
-            </p:style>
-            <p:txBody>
-              <a:bodyPr rtlCol="0" anchor="ctr"/>
-              <a:lstStyle/>
-              <a:p>
-                <a:pPr algn="ctr"/>
-                <a:endParaRPr lang="en-US"/>
-              </a:p>
-            </p:txBody>
-          </p:sp>
-          <p:sp>
-            <p:nvSpPr>
-              <p:cNvPr id="8" name="Rectangle 7">
-                <a:extLst>
-                  <a:ext uri="{FF2B5EF4-FFF2-40B4-BE49-F238E27FC236}">
-                    <a16:creationId xmlns:a16="http://schemas.microsoft.com/office/drawing/2014/main" id="{ABCC8706-FCAB-41DC-941A-7B6EC7D33D7C}"/>
-                  </a:ext>
-                </a:extLst>
-              </p:cNvPr>
-              <p:cNvSpPr/>
-              <p:nvPr/>
-            </p:nvSpPr>
-            <p:spPr>
-              <a:xfrm rot="18213472">
-                <a:off x="1412677" y="2715997"/>
-                <a:ext cx="221429" cy="45719"/>
-              </a:xfrm>
-              <a:prstGeom prst="rect">
-                <a:avLst/>
-              </a:prstGeom>
-              <a:solidFill>
-                <a:schemeClr val="tx1"/>
-              </a:solidFill>
-            </p:spPr>
-            <p:style>
-              <a:lnRef idx="2">
-                <a:schemeClr val="accent1">
-                  <a:shade val="50000"/>
-                </a:schemeClr>
-              </a:lnRef>
-              <a:fillRef idx="1">
-                <a:schemeClr val="accent1"/>
-              </a:fillRef>
-              <a:effectRef idx="0">
-                <a:schemeClr val="accent1"/>
-              </a:effectRef>
-              <a:fontRef idx="minor">
-                <a:schemeClr val="lt1"/>
-              </a:fontRef>
-            </p:style>
-            <p:txBody>
-              <a:bodyPr rtlCol="0" anchor="ctr"/>
-              <a:lstStyle/>
-              <a:p>
-                <a:pPr algn="ctr"/>
-                <a:endParaRPr lang="en-US"/>
-              </a:p>
-            </p:txBody>
-          </p:sp>
-          <p:sp>
-            <p:nvSpPr>
-              <p:cNvPr id="9" name="Rectangle 8">
-                <a:extLst>
-                  <a:ext uri="{FF2B5EF4-FFF2-40B4-BE49-F238E27FC236}">
-                    <a16:creationId xmlns:a16="http://schemas.microsoft.com/office/drawing/2014/main" id="{805B22B8-4B48-4C9A-B221-D67D53C69CB6}"/>
-                  </a:ext>
-                </a:extLst>
-              </p:cNvPr>
-              <p:cNvSpPr/>
-              <p:nvPr/>
-            </p:nvSpPr>
-            <p:spPr>
-              <a:xfrm rot="18213472">
-                <a:off x="1514773" y="2779497"/>
-                <a:ext cx="221429" cy="45719"/>
-              </a:xfrm>
-              <a:prstGeom prst="rect">
-                <a:avLst/>
-              </a:prstGeom>
-              <a:solidFill>
-                <a:schemeClr val="tx1"/>
-              </a:solidFill>
-            </p:spPr>
-            <p:style>
-              <a:lnRef idx="2">
-                <a:schemeClr val="accent1">
-                  <a:shade val="50000"/>
-                </a:schemeClr>
-              </a:lnRef>
-              <a:fillRef idx="1">
-                <a:schemeClr val="accent1"/>
-              </a:fillRef>
-              <a:effectRef idx="0">
-                <a:schemeClr val="accent1"/>
-              </a:effectRef>
-              <a:fontRef idx="minor">
-                <a:schemeClr val="lt1"/>
-              </a:fontRef>
-            </p:style>
-            <p:txBody>
-              <a:bodyPr rtlCol="0" anchor="ctr"/>
-              <a:lstStyle/>
-              <a:p>
-                <a:pPr algn="ctr"/>
-                <a:endParaRPr lang="en-US"/>
-              </a:p>
-            </p:txBody>
-          </p:sp>
-        </p:grpSp>
+            </a:ln>
+          </p:spPr>
+          <p:style>
+            <a:lnRef idx="2">
+              <a:schemeClr val="accent1">
+                <a:shade val="50000"/>
+              </a:schemeClr>
+            </a:lnRef>
+            <a:fillRef idx="1">
+              <a:schemeClr val="accent1"/>
+            </a:fillRef>
+            <a:effectRef idx="0">
+              <a:schemeClr val="accent1"/>
+            </a:effectRef>
+            <a:fontRef idx="minor">
+              <a:schemeClr val="lt1"/>
+            </a:fontRef>
+          </p:style>
+          <p:txBody>
+            <a:bodyPr rtlCol="0" anchor="ctr"/>
+            <a:lstStyle/>
+            <a:p>
+              <a:pPr algn="ctr"/>
+              <a:endParaRPr lang="en-US"/>
+            </a:p>
+          </p:txBody>
+        </p:sp>
       </p:grpSp>
+      <p:sp>
+        <p:nvSpPr>
+          <p:cNvPr id="55" name="Rectangle: Rounded Corners 54">
+            <a:extLst>
+              <a:ext uri="{FF2B5EF4-FFF2-40B4-BE49-F238E27FC236}">
+                <a16:creationId xmlns:a16="http://schemas.microsoft.com/office/drawing/2014/main" id="{B306E072-EBFC-4FBC-9F87-8608F41518B1}"/>
+              </a:ext>
+            </a:extLst>
+          </p:cNvPr>
+          <p:cNvSpPr/>
+          <p:nvPr/>
+        </p:nvSpPr>
+        <p:spPr>
+          <a:xfrm rot="20538065">
+            <a:off x="9943038" y="4757349"/>
+            <a:ext cx="134315" cy="180926"/>
+          </a:xfrm>
+          <a:prstGeom prst="roundRect">
+            <a:avLst/>
+          </a:prstGeom>
+          <a:solidFill>
+            <a:schemeClr val="bg1"/>
+          </a:solidFill>
+        </p:spPr>
+        <p:style>
+          <a:lnRef idx="2">
+            <a:schemeClr val="accent1">
+              <a:shade val="50000"/>
+            </a:schemeClr>
+          </a:lnRef>
+          <a:fillRef idx="1">
+            <a:schemeClr val="accent1"/>
+          </a:fillRef>
+          <a:effectRef idx="0">
+            <a:schemeClr val="accent1"/>
+          </a:effectRef>
+          <a:fontRef idx="minor">
+            <a:schemeClr val="lt1"/>
+          </a:fontRef>
+        </p:style>
+        <p:txBody>
+          <a:bodyPr rtlCol="0" anchor="ctr"/>
+          <a:lstStyle/>
+          <a:p>
+            <a:pPr algn="ctr"/>
+            <a:endParaRPr lang="en-US"/>
+          </a:p>
+        </p:txBody>
+      </p:sp>
+      <p:sp>
+        <p:nvSpPr>
+          <p:cNvPr id="56" name="TextBox 55">
+            <a:extLst>
+              <a:ext uri="{FF2B5EF4-FFF2-40B4-BE49-F238E27FC236}">
+                <a16:creationId xmlns:a16="http://schemas.microsoft.com/office/drawing/2014/main" id="{B53D8B39-2588-4EA9-93AD-6404F13A465A}"/>
+              </a:ext>
+            </a:extLst>
+          </p:cNvPr>
+          <p:cNvSpPr txBox="1"/>
+          <p:nvPr/>
+        </p:nvSpPr>
+        <p:spPr>
+          <a:xfrm rot="20266484">
+            <a:off x="9895418" y="4241706"/>
+            <a:ext cx="290464" cy="215444"/>
+          </a:xfrm>
+          <a:prstGeom prst="rect">
+            <a:avLst/>
+          </a:prstGeom>
+          <a:noFill/>
+        </p:spPr>
+        <p:txBody>
+          <a:bodyPr wrap="none" rtlCol="0">
+            <a:spAutoFit/>
+          </a:bodyPr>
+          <a:lstStyle/>
+          <a:p>
+            <a:r>
+              <a:rPr lang="en-US" sz="800" dirty="0">
+                <a:solidFill>
+                  <a:schemeClr val="bg1"/>
+                </a:solidFill>
+              </a:rPr>
+              <a:t>IN</a:t>
+            </a:r>
+          </a:p>
+        </p:txBody>
+      </p:sp>
+      <p:cxnSp>
+        <p:nvCxnSpPr>
+          <p:cNvPr id="62" name="Straight Connector 61">
+            <a:extLst>
+              <a:ext uri="{FF2B5EF4-FFF2-40B4-BE49-F238E27FC236}">
+                <a16:creationId xmlns:a16="http://schemas.microsoft.com/office/drawing/2014/main" id="{1F631310-DCD5-417A-9847-541A5181DE6A}"/>
+              </a:ext>
+            </a:extLst>
+          </p:cNvPr>
+          <p:cNvCxnSpPr>
+            <a:cxnSpLocks/>
+            <a:stCxn id="58" idx="7"/>
+          </p:cNvCxnSpPr>
+          <p:nvPr/>
+        </p:nvCxnSpPr>
+        <p:spPr>
+          <a:xfrm flipV="1">
+            <a:off x="10528620" y="5201324"/>
+            <a:ext cx="132607" cy="500380"/>
+          </a:xfrm>
+          <a:prstGeom prst="line">
+            <a:avLst/>
+          </a:prstGeom>
+          <a:ln w="15875">
+            <a:solidFill>
+              <a:schemeClr val="tx1"/>
+            </a:solidFill>
+          </a:ln>
+        </p:spPr>
+        <p:style>
+          <a:lnRef idx="3">
+            <a:schemeClr val="accent2"/>
+          </a:lnRef>
+          <a:fillRef idx="0">
+            <a:schemeClr val="accent2"/>
+          </a:fillRef>
+          <a:effectRef idx="2">
+            <a:schemeClr val="accent2"/>
+          </a:effectRef>
+          <a:fontRef idx="minor">
+            <a:schemeClr val="tx1"/>
+          </a:fontRef>
+        </p:style>
+      </p:cxnSp>
+      <p:sp>
+        <p:nvSpPr>
+          <p:cNvPr id="69" name="Rectangle 68">
+            <a:extLst>
+              <a:ext uri="{FF2B5EF4-FFF2-40B4-BE49-F238E27FC236}">
+                <a16:creationId xmlns:a16="http://schemas.microsoft.com/office/drawing/2014/main" id="{51135268-9437-4242-A479-B27805A6C787}"/>
+              </a:ext>
+            </a:extLst>
+          </p:cNvPr>
+          <p:cNvSpPr/>
+          <p:nvPr/>
+        </p:nvSpPr>
+        <p:spPr>
+          <a:xfrm>
+            <a:off x="9922269" y="2576357"/>
+            <a:ext cx="91440" cy="27432"/>
+          </a:xfrm>
+          <a:prstGeom prst="rect">
+            <a:avLst/>
+          </a:prstGeom>
+          <a:solidFill>
+            <a:srgbClr val="00B0F0"/>
+          </a:solidFill>
+          <a:ln>
+            <a:solidFill>
+              <a:schemeClr val="tx1"/>
+            </a:solidFill>
+          </a:ln>
+        </p:spPr>
+        <p:style>
+          <a:lnRef idx="2">
+            <a:schemeClr val="accent1">
+              <a:shade val="50000"/>
+            </a:schemeClr>
+          </a:lnRef>
+          <a:fillRef idx="1">
+            <a:schemeClr val="accent1"/>
+          </a:fillRef>
+          <a:effectRef idx="0">
+            <a:schemeClr val="accent1"/>
+          </a:effectRef>
+          <a:fontRef idx="minor">
+            <a:schemeClr val="lt1"/>
+          </a:fontRef>
+        </p:style>
+        <p:txBody>
+          <a:bodyPr rtlCol="0" anchor="ctr"/>
+          <a:lstStyle/>
+          <a:p>
+            <a:pPr algn="ctr"/>
+            <a:endParaRPr lang="en-US"/>
+          </a:p>
+        </p:txBody>
+      </p:sp>
+      <p:sp>
+        <p:nvSpPr>
+          <p:cNvPr id="70" name="Rectangle 69">
+            <a:extLst>
+              <a:ext uri="{FF2B5EF4-FFF2-40B4-BE49-F238E27FC236}">
+                <a16:creationId xmlns:a16="http://schemas.microsoft.com/office/drawing/2014/main" id="{AF569026-DEE6-43BD-875A-BFDA0E292F15}"/>
+              </a:ext>
+            </a:extLst>
+          </p:cNvPr>
+          <p:cNvSpPr/>
+          <p:nvPr/>
+        </p:nvSpPr>
+        <p:spPr>
+          <a:xfrm rot="20609329">
+            <a:off x="9591949" y="4537359"/>
+            <a:ext cx="731520" cy="27432"/>
+          </a:xfrm>
+          <a:prstGeom prst="rect">
+            <a:avLst/>
+          </a:prstGeom>
+          <a:solidFill>
+            <a:schemeClr val="accent4">
+              <a:lumMod val="60000"/>
+              <a:lumOff val="40000"/>
+            </a:schemeClr>
+          </a:solidFill>
+          <a:ln>
+            <a:solidFill>
+              <a:schemeClr val="tx1"/>
+            </a:solidFill>
+          </a:ln>
+        </p:spPr>
+        <p:style>
+          <a:lnRef idx="2">
+            <a:schemeClr val="accent1">
+              <a:shade val="50000"/>
+            </a:schemeClr>
+          </a:lnRef>
+          <a:fillRef idx="1">
+            <a:schemeClr val="accent1"/>
+          </a:fillRef>
+          <a:effectRef idx="0">
+            <a:schemeClr val="accent1"/>
+          </a:effectRef>
+          <a:fontRef idx="minor">
+            <a:schemeClr val="lt1"/>
+          </a:fontRef>
+        </p:style>
+        <p:txBody>
+          <a:bodyPr rtlCol="0" anchor="ctr"/>
+          <a:lstStyle/>
+          <a:p>
+            <a:pPr algn="ctr"/>
+            <a:endParaRPr lang="en-US"/>
+          </a:p>
+        </p:txBody>
+      </p:sp>
+      <p:sp>
+        <p:nvSpPr>
+          <p:cNvPr id="71" name="Rectangle 70">
+            <a:extLst>
+              <a:ext uri="{FF2B5EF4-FFF2-40B4-BE49-F238E27FC236}">
+                <a16:creationId xmlns:a16="http://schemas.microsoft.com/office/drawing/2014/main" id="{8BCBB731-20A8-4AE9-BF61-F32467863BCA}"/>
+              </a:ext>
+            </a:extLst>
+          </p:cNvPr>
+          <p:cNvSpPr/>
+          <p:nvPr/>
+        </p:nvSpPr>
+        <p:spPr>
+          <a:xfrm rot="5400000">
+            <a:off x="9791906" y="2735455"/>
+            <a:ext cx="288758" cy="27432"/>
+          </a:xfrm>
+          <a:prstGeom prst="rect">
+            <a:avLst/>
+          </a:prstGeom>
+          <a:solidFill>
+            <a:srgbClr val="00B0F0"/>
+          </a:solidFill>
+          <a:ln>
+            <a:solidFill>
+              <a:schemeClr val="tx1"/>
+            </a:solidFill>
+          </a:ln>
+        </p:spPr>
+        <p:style>
+          <a:lnRef idx="2">
+            <a:schemeClr val="accent1">
+              <a:shade val="50000"/>
+            </a:schemeClr>
+          </a:lnRef>
+          <a:fillRef idx="1">
+            <a:schemeClr val="accent1"/>
+          </a:fillRef>
+          <a:effectRef idx="0">
+            <a:schemeClr val="accent1"/>
+          </a:effectRef>
+          <a:fontRef idx="minor">
+            <a:schemeClr val="lt1"/>
+          </a:fontRef>
+        </p:style>
+        <p:txBody>
+          <a:bodyPr rtlCol="0" anchor="ctr"/>
+          <a:lstStyle/>
+          <a:p>
+            <a:pPr algn="ctr"/>
+            <a:endParaRPr lang="en-US"/>
+          </a:p>
+        </p:txBody>
+      </p:sp>
+      <p:sp>
+        <p:nvSpPr>
+          <p:cNvPr id="72" name="Rectangle 71">
+            <a:extLst>
+              <a:ext uri="{FF2B5EF4-FFF2-40B4-BE49-F238E27FC236}">
+                <a16:creationId xmlns:a16="http://schemas.microsoft.com/office/drawing/2014/main" id="{D49EE48B-809C-4022-8A93-0300F2CFFC33}"/>
+              </a:ext>
+            </a:extLst>
+          </p:cNvPr>
+          <p:cNvSpPr/>
+          <p:nvPr/>
+        </p:nvSpPr>
+        <p:spPr>
+          <a:xfrm rot="4466416">
+            <a:off x="9178371" y="3877979"/>
+            <a:ext cx="2077891" cy="27432"/>
+          </a:xfrm>
+          <a:prstGeom prst="rect">
+            <a:avLst/>
+          </a:prstGeom>
+          <a:solidFill>
+            <a:srgbClr val="00B0F0"/>
+          </a:solidFill>
+          <a:ln>
+            <a:solidFill>
+              <a:schemeClr val="tx1"/>
+            </a:solidFill>
+          </a:ln>
+        </p:spPr>
+        <p:style>
+          <a:lnRef idx="2">
+            <a:schemeClr val="accent1">
+              <a:shade val="50000"/>
+            </a:schemeClr>
+          </a:lnRef>
+          <a:fillRef idx="1">
+            <a:schemeClr val="accent1"/>
+          </a:fillRef>
+          <a:effectRef idx="0">
+            <a:schemeClr val="accent1"/>
+          </a:effectRef>
+          <a:fontRef idx="minor">
+            <a:schemeClr val="lt1"/>
+          </a:fontRef>
+        </p:style>
+        <p:txBody>
+          <a:bodyPr rtlCol="0" anchor="ctr"/>
+          <a:lstStyle/>
+          <a:p>
+            <a:pPr algn="ctr"/>
+            <a:endParaRPr lang="en-US"/>
+          </a:p>
+        </p:txBody>
+      </p:sp>
+      <p:sp>
+        <p:nvSpPr>
+          <p:cNvPr id="73" name="Rectangle 72">
+            <a:extLst>
+              <a:ext uri="{FF2B5EF4-FFF2-40B4-BE49-F238E27FC236}">
+                <a16:creationId xmlns:a16="http://schemas.microsoft.com/office/drawing/2014/main" id="{4811DBD5-B0A8-409D-94F7-890B0082D7BE}"/>
+              </a:ext>
+            </a:extLst>
+          </p:cNvPr>
+          <p:cNvSpPr/>
+          <p:nvPr/>
+        </p:nvSpPr>
+        <p:spPr>
+          <a:xfrm rot="5340000">
+            <a:off x="10085813" y="5291243"/>
+            <a:ext cx="822960" cy="27432"/>
+          </a:xfrm>
+          <a:prstGeom prst="rect">
+            <a:avLst/>
+          </a:prstGeom>
+          <a:solidFill>
+            <a:srgbClr val="00B0F0"/>
+          </a:solidFill>
+          <a:ln>
+            <a:solidFill>
+              <a:schemeClr val="tx1"/>
+            </a:solidFill>
+          </a:ln>
+        </p:spPr>
+        <p:style>
+          <a:lnRef idx="2">
+            <a:schemeClr val="accent1">
+              <a:shade val="50000"/>
+            </a:schemeClr>
+          </a:lnRef>
+          <a:fillRef idx="1">
+            <a:schemeClr val="accent1"/>
+          </a:fillRef>
+          <a:effectRef idx="0">
+            <a:schemeClr val="accent1"/>
+          </a:effectRef>
+          <a:fontRef idx="minor">
+            <a:schemeClr val="lt1"/>
+          </a:fontRef>
+        </p:style>
+        <p:txBody>
+          <a:bodyPr rtlCol="0" anchor="ctr"/>
+          <a:lstStyle/>
+          <a:p>
+            <a:pPr algn="ctr"/>
+            <a:endParaRPr lang="en-US"/>
+          </a:p>
+        </p:txBody>
+      </p:sp>
+      <p:sp>
+        <p:nvSpPr>
+          <p:cNvPr id="58" name="Oval 57">
+            <a:extLst>
+              <a:ext uri="{FF2B5EF4-FFF2-40B4-BE49-F238E27FC236}">
+                <a16:creationId xmlns:a16="http://schemas.microsoft.com/office/drawing/2014/main" id="{F924471A-2662-4AD1-AE64-B68EB9837B09}"/>
+              </a:ext>
+            </a:extLst>
+          </p:cNvPr>
+          <p:cNvSpPr/>
+          <p:nvPr/>
+        </p:nvSpPr>
+        <p:spPr>
+          <a:xfrm>
+            <a:off x="10482369" y="5694909"/>
+            <a:ext cx="54186" cy="46399"/>
+          </a:xfrm>
+          <a:prstGeom prst="ellipse">
+            <a:avLst/>
+          </a:prstGeom>
+          <a:solidFill>
+            <a:srgbClr val="00B0F0"/>
+          </a:solidFill>
+          <a:ln>
+            <a:solidFill>
+              <a:schemeClr val="tx1"/>
+            </a:solidFill>
+          </a:ln>
+        </p:spPr>
+        <p:style>
+          <a:lnRef idx="2">
+            <a:schemeClr val="accent1">
+              <a:shade val="50000"/>
+            </a:schemeClr>
+          </a:lnRef>
+          <a:fillRef idx="1">
+            <a:schemeClr val="accent1"/>
+          </a:fillRef>
+          <a:effectRef idx="0">
+            <a:schemeClr val="accent1"/>
+          </a:effectRef>
+          <a:fontRef idx="minor">
+            <a:schemeClr val="lt1"/>
+          </a:fontRef>
+        </p:style>
+        <p:txBody>
+          <a:bodyPr rtlCol="0" anchor="ctr"/>
+          <a:lstStyle/>
+          <a:p>
+            <a:pPr algn="ctr"/>
+            <a:endParaRPr lang="en-US"/>
+          </a:p>
+        </p:txBody>
+      </p:sp>
+      <p:sp>
+        <p:nvSpPr>
+          <p:cNvPr id="76" name="Rectangle 75">
+            <a:extLst>
+              <a:ext uri="{FF2B5EF4-FFF2-40B4-BE49-F238E27FC236}">
+                <a16:creationId xmlns:a16="http://schemas.microsoft.com/office/drawing/2014/main" id="{4F469AEE-F40E-49C6-BB79-D07E78F2588A}"/>
+              </a:ext>
+            </a:extLst>
+          </p:cNvPr>
+          <p:cNvSpPr/>
+          <p:nvPr/>
+        </p:nvSpPr>
+        <p:spPr>
+          <a:xfrm rot="4447114">
+            <a:off x="9027820" y="3486930"/>
+            <a:ext cx="2011680" cy="27432"/>
+          </a:xfrm>
+          <a:prstGeom prst="rect">
+            <a:avLst/>
+          </a:prstGeom>
+          <a:solidFill>
+            <a:schemeClr val="accent4">
+              <a:lumMod val="60000"/>
+              <a:lumOff val="40000"/>
+            </a:schemeClr>
+          </a:solidFill>
+          <a:ln>
+            <a:solidFill>
+              <a:schemeClr val="tx1"/>
+            </a:solidFill>
+          </a:ln>
+        </p:spPr>
+        <p:style>
+          <a:lnRef idx="2">
+            <a:schemeClr val="accent1">
+              <a:shade val="50000"/>
+            </a:schemeClr>
+          </a:lnRef>
+          <a:fillRef idx="1">
+            <a:schemeClr val="accent1"/>
+          </a:fillRef>
+          <a:effectRef idx="0">
+            <a:schemeClr val="accent1"/>
+          </a:effectRef>
+          <a:fontRef idx="minor">
+            <a:schemeClr val="lt1"/>
+          </a:fontRef>
+        </p:style>
+        <p:txBody>
+          <a:bodyPr rtlCol="0" anchor="ctr"/>
+          <a:lstStyle/>
+          <a:p>
+            <a:pPr algn="ctr"/>
+            <a:endParaRPr lang="en-US"/>
+          </a:p>
+        </p:txBody>
+      </p:sp>
+      <p:sp>
+        <p:nvSpPr>
+          <p:cNvPr id="77" name="Rectangle 76">
+            <a:extLst>
+              <a:ext uri="{FF2B5EF4-FFF2-40B4-BE49-F238E27FC236}">
+                <a16:creationId xmlns:a16="http://schemas.microsoft.com/office/drawing/2014/main" id="{80057571-BD9A-416E-BE75-1E87664C1AB4}"/>
+              </a:ext>
+            </a:extLst>
+          </p:cNvPr>
+          <p:cNvSpPr/>
+          <p:nvPr/>
+        </p:nvSpPr>
+        <p:spPr>
+          <a:xfrm rot="3840000">
+            <a:off x="9362072" y="5034899"/>
+            <a:ext cx="877824" cy="27432"/>
+          </a:xfrm>
+          <a:prstGeom prst="rect">
+            <a:avLst/>
+          </a:prstGeom>
+          <a:solidFill>
+            <a:schemeClr val="accent4">
+              <a:lumMod val="60000"/>
+              <a:lumOff val="40000"/>
+            </a:schemeClr>
+          </a:solidFill>
+          <a:ln>
+            <a:solidFill>
+              <a:schemeClr val="tx1"/>
+            </a:solidFill>
+          </a:ln>
+        </p:spPr>
+        <p:style>
+          <a:lnRef idx="2">
+            <a:schemeClr val="accent1">
+              <a:shade val="50000"/>
+            </a:schemeClr>
+          </a:lnRef>
+          <a:fillRef idx="1">
+            <a:schemeClr val="accent1"/>
+          </a:fillRef>
+          <a:effectRef idx="0">
+            <a:schemeClr val="accent1"/>
+          </a:effectRef>
+          <a:fontRef idx="minor">
+            <a:schemeClr val="lt1"/>
+          </a:fontRef>
+        </p:style>
+        <p:txBody>
+          <a:bodyPr rtlCol="0" anchor="ctr"/>
+          <a:lstStyle/>
+          <a:p>
+            <a:pPr algn="ctr"/>
+            <a:endParaRPr lang="en-US"/>
+          </a:p>
+        </p:txBody>
+      </p:sp>
+      <p:sp>
+        <p:nvSpPr>
+          <p:cNvPr id="57" name="Oval 56">
+            <a:extLst>
+              <a:ext uri="{FF2B5EF4-FFF2-40B4-BE49-F238E27FC236}">
+                <a16:creationId xmlns:a16="http://schemas.microsoft.com/office/drawing/2014/main" id="{1B115DB7-8A47-4148-9B5E-43BEEC54CB17}"/>
+              </a:ext>
+            </a:extLst>
+          </p:cNvPr>
+          <p:cNvSpPr/>
+          <p:nvPr/>
+        </p:nvSpPr>
+        <p:spPr>
+          <a:xfrm>
+            <a:off x="9947891" y="5396292"/>
+            <a:ext cx="54186" cy="46399"/>
+          </a:xfrm>
+          <a:prstGeom prst="ellipse">
+            <a:avLst/>
+          </a:prstGeom>
+          <a:solidFill>
+            <a:schemeClr val="accent4">
+              <a:lumMod val="60000"/>
+              <a:lumOff val="40000"/>
+            </a:schemeClr>
+          </a:solidFill>
+          <a:ln>
+            <a:solidFill>
+              <a:schemeClr val="tx1"/>
+            </a:solidFill>
+          </a:ln>
+        </p:spPr>
+        <p:style>
+          <a:lnRef idx="2">
+            <a:schemeClr val="accent1">
+              <a:shade val="50000"/>
+            </a:schemeClr>
+          </a:lnRef>
+          <a:fillRef idx="1">
+            <a:schemeClr val="accent1"/>
+          </a:fillRef>
+          <a:effectRef idx="0">
+            <a:schemeClr val="accent1"/>
+          </a:effectRef>
+          <a:fontRef idx="minor">
+            <a:schemeClr val="lt1"/>
+          </a:fontRef>
+        </p:style>
+        <p:txBody>
+          <a:bodyPr rtlCol="0" anchor="ctr"/>
+          <a:lstStyle/>
+          <a:p>
+            <a:pPr algn="ctr"/>
+            <a:endParaRPr lang="en-US"/>
+          </a:p>
+        </p:txBody>
+      </p:sp>
+      <p:sp>
+        <p:nvSpPr>
+          <p:cNvPr id="68" name="Rectangle 67">
+            <a:extLst>
+              <a:ext uri="{FF2B5EF4-FFF2-40B4-BE49-F238E27FC236}">
+                <a16:creationId xmlns:a16="http://schemas.microsoft.com/office/drawing/2014/main" id="{2F715723-D5C7-4528-8CC3-74C45A3A957A}"/>
+              </a:ext>
+            </a:extLst>
+          </p:cNvPr>
+          <p:cNvSpPr/>
+          <p:nvPr/>
+        </p:nvSpPr>
+        <p:spPr>
+          <a:xfrm>
+            <a:off x="9735777" y="2515329"/>
+            <a:ext cx="288758" cy="27432"/>
+          </a:xfrm>
+          <a:prstGeom prst="rect">
+            <a:avLst/>
+          </a:prstGeom>
+          <a:solidFill>
+            <a:schemeClr val="accent4">
+              <a:lumMod val="60000"/>
+              <a:lumOff val="40000"/>
+            </a:schemeClr>
+          </a:solidFill>
+          <a:ln>
+            <a:solidFill>
+              <a:schemeClr val="tx1"/>
+            </a:solidFill>
+          </a:ln>
+        </p:spPr>
+        <p:style>
+          <a:lnRef idx="2">
+            <a:schemeClr val="accent1">
+              <a:shade val="50000"/>
+            </a:schemeClr>
+          </a:lnRef>
+          <a:fillRef idx="1">
+            <a:schemeClr val="accent1"/>
+          </a:fillRef>
+          <a:effectRef idx="0">
+            <a:schemeClr val="accent1"/>
+          </a:effectRef>
+          <a:fontRef idx="minor">
+            <a:schemeClr val="lt1"/>
+          </a:fontRef>
+        </p:style>
+        <p:txBody>
+          <a:bodyPr rtlCol="0" anchor="ctr"/>
+          <a:lstStyle/>
+          <a:p>
+            <a:pPr algn="ctr"/>
+            <a:endParaRPr lang="en-US"/>
+          </a:p>
+        </p:txBody>
+      </p:sp>
     </p:spTree>
     <p:extLst>
       <p:ext uri="{BB962C8B-B14F-4D97-AF65-F5344CB8AC3E}">

--- a/FOOF_RBG_Wiring.pptx
+++ b/FOOF_RBG_Wiring.pptx
@@ -272,7 +272,7 @@
           <a:p>
             <a:fld id="{02AC24A9-CCB6-4F8D-B8DB-C2F3692CFA5A}" type="datetimeFigureOut">
               <a:rPr lang="en-US" smtClean="0"/>
-              <a:t>3/21/2020</a:t>
+              <a:t>3/22/2020</a:t>
             </a:fld>
             <a:endParaRPr lang="en-US" dirty="0"/>
           </a:p>
@@ -642,7 +642,7 @@
           <a:p>
             <a:fld id="{02AC24A9-CCB6-4F8D-B8DB-C2F3692CFA5A}" type="datetimeFigureOut">
               <a:rPr lang="en-US" smtClean="0"/>
-              <a:t>3/21/2020</a:t>
+              <a:t>3/22/2020</a:t>
             </a:fld>
             <a:endParaRPr lang="en-US"/>
           </a:p>
@@ -851,7 +851,7 @@
           <a:p>
             <a:fld id="{02AC24A9-CCB6-4F8D-B8DB-C2F3692CFA5A}" type="datetimeFigureOut">
               <a:rPr lang="en-US" smtClean="0"/>
-              <a:t>3/21/2020</a:t>
+              <a:t>3/22/2020</a:t>
             </a:fld>
             <a:endParaRPr lang="en-US"/>
           </a:p>
@@ -1321,7 +1321,7 @@
           <a:p>
             <a:fld id="{02AC24A9-CCB6-4F8D-B8DB-C2F3692CFA5A}" type="datetimeFigureOut">
               <a:rPr lang="en-US" smtClean="0"/>
-              <a:t>3/21/2020</a:t>
+              <a:t>3/22/2020</a:t>
             </a:fld>
             <a:endParaRPr lang="en-US"/>
           </a:p>
@@ -1775,7 +1775,7 @@
           <a:p>
             <a:fld id="{02AC24A9-CCB6-4F8D-B8DB-C2F3692CFA5A}" type="datetimeFigureOut">
               <a:rPr lang="en-US" smtClean="0"/>
-              <a:t>3/21/2020</a:t>
+              <a:t>3/22/2020</a:t>
             </a:fld>
             <a:endParaRPr lang="en-US"/>
           </a:p>
@@ -2307,7 +2307,7 @@
           <a:p>
             <a:fld id="{02AC24A9-CCB6-4F8D-B8DB-C2F3692CFA5A}" type="datetimeFigureOut">
               <a:rPr lang="en-US" smtClean="0"/>
-              <a:t>3/21/2020</a:t>
+              <a:t>3/22/2020</a:t>
             </a:fld>
             <a:endParaRPr lang="en-US"/>
           </a:p>
@@ -3006,7 +3006,7 @@
           <a:p>
             <a:fld id="{02AC24A9-CCB6-4F8D-B8DB-C2F3692CFA5A}" type="datetimeFigureOut">
               <a:rPr lang="en-US" smtClean="0"/>
-              <a:t>3/21/2020</a:t>
+              <a:t>3/22/2020</a:t>
             </a:fld>
             <a:endParaRPr lang="en-US"/>
           </a:p>
@@ -3335,7 +3335,7 @@
           <a:p>
             <a:fld id="{02AC24A9-CCB6-4F8D-B8DB-C2F3692CFA5A}" type="datetimeFigureOut">
               <a:rPr lang="en-US" smtClean="0"/>
-              <a:t>3/21/2020</a:t>
+              <a:t>3/22/2020</a:t>
             </a:fld>
             <a:endParaRPr lang="en-US"/>
           </a:p>
@@ -3448,7 +3448,7 @@
           <a:p>
             <a:fld id="{02AC24A9-CCB6-4F8D-B8DB-C2F3692CFA5A}" type="datetimeFigureOut">
               <a:rPr lang="en-US" smtClean="0"/>
-              <a:t>3/21/2020</a:t>
+              <a:t>3/22/2020</a:t>
             </a:fld>
             <a:endParaRPr lang="en-US"/>
           </a:p>
@@ -3943,7 +3943,7 @@
           <a:p>
             <a:fld id="{02AC24A9-CCB6-4F8D-B8DB-C2F3692CFA5A}" type="datetimeFigureOut">
               <a:rPr lang="en-US" smtClean="0"/>
-              <a:t>3/21/2020</a:t>
+              <a:t>3/22/2020</a:t>
             </a:fld>
             <a:endParaRPr lang="en-US" dirty="0"/>
           </a:p>
@@ -4420,7 +4420,7 @@
           <a:p>
             <a:fld id="{02AC24A9-CCB6-4F8D-B8DB-C2F3692CFA5A}" type="datetimeFigureOut">
               <a:rPr lang="en-US" smtClean="0"/>
-              <a:t>3/21/2020</a:t>
+              <a:t>3/22/2020</a:t>
             </a:fld>
             <a:endParaRPr lang="en-US"/>
           </a:p>
@@ -4663,7 +4663,7 @@
           <a:p>
             <a:fld id="{02AC24A9-CCB6-4F8D-B8DB-C2F3692CFA5A}" type="datetimeFigureOut">
               <a:rPr lang="en-US" smtClean="0"/>
-              <a:t>3/21/2020</a:t>
+              <a:t>3/22/2020</a:t>
             </a:fld>
             <a:endParaRPr lang="en-US"/>
           </a:p>
@@ -5335,8 +5335,8 @@
         </p:nvSpPr>
         <p:spPr>
           <a:xfrm>
-            <a:off x="4410734" y="718009"/>
-            <a:ext cx="2228641" cy="1185353"/>
+            <a:off x="725635" y="615288"/>
+            <a:ext cx="2228641" cy="369336"/>
           </a:xfrm>
         </p:spPr>
         <p:txBody>

--- a/FOOF_RBG_Wiring.pptx
+++ b/FOOF_RBG_Wiring.pptx
@@ -272,7 +272,7 @@
           <a:p>
             <a:fld id="{02AC24A9-CCB6-4F8D-B8DB-C2F3692CFA5A}" type="datetimeFigureOut">
               <a:rPr lang="en-US" smtClean="0"/>
-              <a:t>3/22/2020</a:t>
+              <a:t>7/18/2020</a:t>
             </a:fld>
             <a:endParaRPr lang="en-US" dirty="0"/>
           </a:p>
@@ -642,7 +642,7 @@
           <a:p>
             <a:fld id="{02AC24A9-CCB6-4F8D-B8DB-C2F3692CFA5A}" type="datetimeFigureOut">
               <a:rPr lang="en-US" smtClean="0"/>
-              <a:t>3/22/2020</a:t>
+              <a:t>7/18/2020</a:t>
             </a:fld>
             <a:endParaRPr lang="en-US"/>
           </a:p>
@@ -851,7 +851,7 @@
           <a:p>
             <a:fld id="{02AC24A9-CCB6-4F8D-B8DB-C2F3692CFA5A}" type="datetimeFigureOut">
               <a:rPr lang="en-US" smtClean="0"/>
-              <a:t>3/22/2020</a:t>
+              <a:t>7/18/2020</a:t>
             </a:fld>
             <a:endParaRPr lang="en-US"/>
           </a:p>
@@ -1321,7 +1321,7 @@
           <a:p>
             <a:fld id="{02AC24A9-CCB6-4F8D-B8DB-C2F3692CFA5A}" type="datetimeFigureOut">
               <a:rPr lang="en-US" smtClean="0"/>
-              <a:t>3/22/2020</a:t>
+              <a:t>7/18/2020</a:t>
             </a:fld>
             <a:endParaRPr lang="en-US"/>
           </a:p>
@@ -1775,7 +1775,7 @@
           <a:p>
             <a:fld id="{02AC24A9-CCB6-4F8D-B8DB-C2F3692CFA5A}" type="datetimeFigureOut">
               <a:rPr lang="en-US" smtClean="0"/>
-              <a:t>3/22/2020</a:t>
+              <a:t>7/18/2020</a:t>
             </a:fld>
             <a:endParaRPr lang="en-US"/>
           </a:p>
@@ -2307,7 +2307,7 @@
           <a:p>
             <a:fld id="{02AC24A9-CCB6-4F8D-B8DB-C2F3692CFA5A}" type="datetimeFigureOut">
               <a:rPr lang="en-US" smtClean="0"/>
-              <a:t>3/22/2020</a:t>
+              <a:t>7/18/2020</a:t>
             </a:fld>
             <a:endParaRPr lang="en-US"/>
           </a:p>
@@ -3006,7 +3006,7 @@
           <a:p>
             <a:fld id="{02AC24A9-CCB6-4F8D-B8DB-C2F3692CFA5A}" type="datetimeFigureOut">
               <a:rPr lang="en-US" smtClean="0"/>
-              <a:t>3/22/2020</a:t>
+              <a:t>7/18/2020</a:t>
             </a:fld>
             <a:endParaRPr lang="en-US"/>
           </a:p>
@@ -3335,7 +3335,7 @@
           <a:p>
             <a:fld id="{02AC24A9-CCB6-4F8D-B8DB-C2F3692CFA5A}" type="datetimeFigureOut">
               <a:rPr lang="en-US" smtClean="0"/>
-              <a:t>3/22/2020</a:t>
+              <a:t>7/18/2020</a:t>
             </a:fld>
             <a:endParaRPr lang="en-US"/>
           </a:p>
@@ -3448,7 +3448,7 @@
           <a:p>
             <a:fld id="{02AC24A9-CCB6-4F8D-B8DB-C2F3692CFA5A}" type="datetimeFigureOut">
               <a:rPr lang="en-US" smtClean="0"/>
-              <a:t>3/22/2020</a:t>
+              <a:t>7/18/2020</a:t>
             </a:fld>
             <a:endParaRPr lang="en-US"/>
           </a:p>
@@ -3943,7 +3943,7 @@
           <a:p>
             <a:fld id="{02AC24A9-CCB6-4F8D-B8DB-C2F3692CFA5A}" type="datetimeFigureOut">
               <a:rPr lang="en-US" smtClean="0"/>
-              <a:t>3/22/2020</a:t>
+              <a:t>7/18/2020</a:t>
             </a:fld>
             <a:endParaRPr lang="en-US" dirty="0"/>
           </a:p>
@@ -4420,7 +4420,7 @@
           <a:p>
             <a:fld id="{02AC24A9-CCB6-4F8D-B8DB-C2F3692CFA5A}" type="datetimeFigureOut">
               <a:rPr lang="en-US" smtClean="0"/>
-              <a:t>3/22/2020</a:t>
+              <a:t>7/18/2020</a:t>
             </a:fld>
             <a:endParaRPr lang="en-US"/>
           </a:p>
@@ -4663,7 +4663,7 @@
           <a:p>
             <a:fld id="{02AC24A9-CCB6-4F8D-B8DB-C2F3692CFA5A}" type="datetimeFigureOut">
               <a:rPr lang="en-US" smtClean="0"/>
-              <a:t>3/22/2020</a:t>
+              <a:t>7/18/2020</a:t>
             </a:fld>
             <a:endParaRPr lang="en-US"/>
           </a:p>
@@ -14263,14 +14263,14 @@
           </p:cNvPr>
           <p:cNvCxnSpPr>
             <a:cxnSpLocks/>
-            <a:stCxn id="58" idx="7"/>
+            <a:stCxn id="57" idx="7"/>
           </p:cNvCxnSpPr>
           <p:nvPr/>
         </p:nvCxnSpPr>
         <p:spPr>
           <a:xfrm flipV="1">
-            <a:off x="10528620" y="5201324"/>
-            <a:ext cx="132607" cy="500380"/>
+            <a:off x="9994142" y="5201325"/>
+            <a:ext cx="667085" cy="201762"/>
           </a:xfrm>
           <a:prstGeom prst="line">
             <a:avLst/>

--- a/FOOF_RBG_Wiring.pptx
+++ b/FOOF_RBG_Wiring.pptx
@@ -5296,13 +5296,13 @@
         </p:nvSpPr>
         <p:spPr>
           <a:xfrm>
-            <a:off x="856210" y="718010"/>
-            <a:ext cx="3212386" cy="1185353"/>
+            <a:off x="1031851" y="1036848"/>
+            <a:ext cx="3212386" cy="369337"/>
           </a:xfrm>
         </p:spPr>
         <p:txBody>
           <a:bodyPr anchor="ctr">
-            <a:normAutofit/>
+            <a:normAutofit fontScale="90000"/>
           </a:bodyPr>
           <a:lstStyle/>
           <a:p>
@@ -5314,6 +5314,11 @@
               </a:rPr>
               <a:t>FOOF RBG Wiring</a:t>
             </a:r>
+            <a:endParaRPr lang="en-US" sz="1200" dirty="0">
+              <a:solidFill>
+                <a:schemeClr val="bg1"/>
+              </a:solidFill>
+            </a:endParaRPr>
           </a:p>
         </p:txBody>
       </p:sp>
@@ -5579,6 +5584,45 @@
           </a:prstGeom>
         </p:spPr>
       </p:pic>
+      <p:sp>
+        <p:nvSpPr>
+          <p:cNvPr id="5" name="Rectangle 4">
+            <a:extLst>
+              <a:ext uri="{FF2B5EF4-FFF2-40B4-BE49-F238E27FC236}">
+                <a16:creationId xmlns:a16="http://schemas.microsoft.com/office/drawing/2014/main" id="{CBA7B938-A5D8-47C9-897C-E5DE0F640297}"/>
+              </a:ext>
+            </a:extLst>
+          </p:cNvPr>
+          <p:cNvSpPr/>
+          <p:nvPr/>
+        </p:nvSpPr>
+        <p:spPr>
+          <a:xfrm>
+            <a:off x="2693486" y="1402444"/>
+            <a:ext cx="1002197" cy="276999"/>
+          </a:xfrm>
+          <a:prstGeom prst="rect">
+            <a:avLst/>
+          </a:prstGeom>
+        </p:spPr>
+        <p:txBody>
+          <a:bodyPr wrap="none">
+            <a:spAutoFit/>
+          </a:bodyPr>
+          <a:lstStyle/>
+          <a:p>
+            <a:r>
+              <a:rPr lang="en-US" sz="1200" dirty="0">
+                <a:solidFill>
+                  <a:schemeClr val="bg1"/>
+                </a:solidFill>
+              </a:rPr>
+              <a:t>2020-07-18</a:t>
+            </a:r>
+            <a:endParaRPr lang="en-US" sz="1200" dirty="0"/>
+          </a:p>
+        </p:txBody>
+      </p:sp>
     </p:spTree>
     <p:extLst>
       <p:ext uri="{BB962C8B-B14F-4D97-AF65-F5344CB8AC3E}">
@@ -8895,7 +8939,7 @@
             <a:pPr lvl="0"/>
             <a:r>
               <a:rPr lang="en-US" sz="1400" dirty="0"/>
-              <a:t>USB 7.4V</a:t>
+              <a:t>USB 8.3V</a:t>
             </a:r>
           </a:p>
           <a:p>
@@ -9389,7 +9433,7 @@
             <a:pPr lvl="0" algn="r"/>
             <a:r>
               <a:rPr lang="en-US" sz="1400" dirty="0"/>
-              <a:t>Battery 7.4V</a:t>
+              <a:t>Battery 8.3V</a:t>
             </a:r>
           </a:p>
         </p:txBody>
@@ -9460,7 +9504,7 @@
           <a:p>
             <a:r>
               <a:rPr lang="en-US" sz="2400" dirty="0"/>
-              <a:t>Battery 7.4V: 1 connection:</a:t>
+              <a:t>Battery 8.3V: 1 connection:</a:t>
             </a:r>
           </a:p>
           <a:p>
@@ -9472,7 +9516,7 @@
           <a:p>
             <a:r>
               <a:rPr lang="en-US" sz="2400" dirty="0"/>
-              <a:t>USB 7.4V: 3 connections:</a:t>
+              <a:t>USB 8.3V: 3 connections:</a:t>
             </a:r>
           </a:p>
           <a:p>
@@ -11978,7 +12022,7 @@
         <p:spPr>
           <a:xfrm>
             <a:off x="737854" y="2077059"/>
-            <a:ext cx="5328361" cy="3416320"/>
+            <a:ext cx="5328361" cy="3046988"/>
           </a:xfrm>
           <a:prstGeom prst="rect">
             <a:avLst/>
@@ -12030,12 +12074,6 @@
             <a:r>
               <a:rPr lang="en-US" sz="2400" dirty="0"/>
               <a:t>   - SN74HCT125N pin “07”</a:t>
-            </a:r>
-          </a:p>
-          <a:p>
-            <a:r>
-              <a:rPr lang="en-US" sz="2400" dirty="0"/>
-              <a:t>   - SN74HCT125N pin “10”</a:t>
             </a:r>
           </a:p>
           <a:p>
@@ -12624,104 +12662,6 @@
           </a:fontRef>
         </p:style>
       </p:cxnSp>
-      <p:cxnSp>
-        <p:nvCxnSpPr>
-          <p:cNvPr id="80" name="Straight Connector 79">
-            <a:extLst>
-              <a:ext uri="{FF2B5EF4-FFF2-40B4-BE49-F238E27FC236}">
-                <a16:creationId xmlns:a16="http://schemas.microsoft.com/office/drawing/2014/main" id="{2238BA98-F9FA-45E8-89B2-1D1A5EF2AF6C}"/>
-              </a:ext>
-            </a:extLst>
-          </p:cNvPr>
-          <p:cNvCxnSpPr>
-            <a:cxnSpLocks/>
-            <a:endCxn id="52" idx="0"/>
-          </p:cNvCxnSpPr>
-          <p:nvPr/>
-        </p:nvCxnSpPr>
-        <p:spPr>
-          <a:xfrm flipV="1">
-            <a:off x="9544937" y="2791714"/>
-            <a:ext cx="299632" cy="635732"/>
-          </a:xfrm>
-          <a:prstGeom prst="line">
-            <a:avLst/>
-          </a:prstGeom>
-          <a:ln w="15875">
-            <a:solidFill>
-              <a:schemeClr val="tx1"/>
-            </a:solidFill>
-          </a:ln>
-        </p:spPr>
-        <p:style>
-          <a:lnRef idx="3">
-            <a:schemeClr val="accent2"/>
-          </a:lnRef>
-          <a:fillRef idx="0">
-            <a:schemeClr val="accent2"/>
-          </a:fillRef>
-          <a:effectRef idx="2">
-            <a:schemeClr val="accent2"/>
-          </a:effectRef>
-          <a:fontRef idx="minor">
-            <a:schemeClr val="tx1"/>
-          </a:fontRef>
-        </p:style>
-      </p:cxnSp>
-      <p:sp>
-        <p:nvSpPr>
-          <p:cNvPr id="67" name="Oval 66">
-            <a:extLst>
-              <a:ext uri="{FF2B5EF4-FFF2-40B4-BE49-F238E27FC236}">
-                <a16:creationId xmlns:a16="http://schemas.microsoft.com/office/drawing/2014/main" id="{6D26B1B9-CD57-4FAE-81FC-69AAFC20F132}"/>
-              </a:ext>
-            </a:extLst>
-          </p:cNvPr>
-          <p:cNvSpPr/>
-          <p:nvPr/>
-        </p:nvSpPr>
-        <p:spPr>
-          <a:xfrm>
-            <a:off x="9524970" y="3414635"/>
-            <a:ext cx="54186" cy="46399"/>
-          </a:xfrm>
-          <a:prstGeom prst="ellipse">
-            <a:avLst/>
-          </a:prstGeom>
-          <a:solidFill>
-            <a:schemeClr val="tx1"/>
-          </a:solidFill>
-          <a:ln>
-            <a:solidFill>
-              <a:schemeClr val="tx1"/>
-            </a:solidFill>
-          </a:ln>
-        </p:spPr>
-        <p:style>
-          <a:lnRef idx="2">
-            <a:schemeClr val="accent1">
-              <a:shade val="50000"/>
-            </a:schemeClr>
-          </a:lnRef>
-          <a:fillRef idx="1">
-            <a:schemeClr val="accent1"/>
-          </a:fillRef>
-          <a:effectRef idx="0">
-            <a:schemeClr val="accent1"/>
-          </a:effectRef>
-          <a:fontRef idx="minor">
-            <a:schemeClr val="lt1"/>
-          </a:fontRef>
-        </p:style>
-        <p:txBody>
-          <a:bodyPr rtlCol="0" anchor="ctr"/>
-          <a:lstStyle/>
-          <a:p>
-            <a:pPr algn="ctr"/>
-            <a:endParaRPr lang="en-US"/>
-          </a:p>
-        </p:txBody>
-      </p:sp>
       <p:sp>
         <p:nvSpPr>
           <p:cNvPr id="85" name="TextBox 84">

--- a/FOOF_RBG_Wiring.pptx
+++ b/FOOF_RBG_Wiring.pptx
@@ -272,7 +272,7 @@
           <a:p>
             <a:fld id="{02AC24A9-CCB6-4F8D-B8DB-C2F3692CFA5A}" type="datetimeFigureOut">
               <a:rPr lang="en-US" smtClean="0"/>
-              <a:t>7/18/2020</a:t>
+              <a:t>9/10/2020</a:t>
             </a:fld>
             <a:endParaRPr lang="en-US" dirty="0"/>
           </a:p>
@@ -642,7 +642,7 @@
           <a:p>
             <a:fld id="{02AC24A9-CCB6-4F8D-B8DB-C2F3692CFA5A}" type="datetimeFigureOut">
               <a:rPr lang="en-US" smtClean="0"/>
-              <a:t>7/18/2020</a:t>
+              <a:t>9/10/2020</a:t>
             </a:fld>
             <a:endParaRPr lang="en-US"/>
           </a:p>
@@ -851,7 +851,7 @@
           <a:p>
             <a:fld id="{02AC24A9-CCB6-4F8D-B8DB-C2F3692CFA5A}" type="datetimeFigureOut">
               <a:rPr lang="en-US" smtClean="0"/>
-              <a:t>7/18/2020</a:t>
+              <a:t>9/10/2020</a:t>
             </a:fld>
             <a:endParaRPr lang="en-US"/>
           </a:p>
@@ -1321,7 +1321,7 @@
           <a:p>
             <a:fld id="{02AC24A9-CCB6-4F8D-B8DB-C2F3692CFA5A}" type="datetimeFigureOut">
               <a:rPr lang="en-US" smtClean="0"/>
-              <a:t>7/18/2020</a:t>
+              <a:t>9/10/2020</a:t>
             </a:fld>
             <a:endParaRPr lang="en-US"/>
           </a:p>
@@ -1775,7 +1775,7 @@
           <a:p>
             <a:fld id="{02AC24A9-CCB6-4F8D-B8DB-C2F3692CFA5A}" type="datetimeFigureOut">
               <a:rPr lang="en-US" smtClean="0"/>
-              <a:t>7/18/2020</a:t>
+              <a:t>9/10/2020</a:t>
             </a:fld>
             <a:endParaRPr lang="en-US"/>
           </a:p>
@@ -2307,7 +2307,7 @@
           <a:p>
             <a:fld id="{02AC24A9-CCB6-4F8D-B8DB-C2F3692CFA5A}" type="datetimeFigureOut">
               <a:rPr lang="en-US" smtClean="0"/>
-              <a:t>7/18/2020</a:t>
+              <a:t>9/10/2020</a:t>
             </a:fld>
             <a:endParaRPr lang="en-US"/>
           </a:p>
@@ -3006,7 +3006,7 @@
           <a:p>
             <a:fld id="{02AC24A9-CCB6-4F8D-B8DB-C2F3692CFA5A}" type="datetimeFigureOut">
               <a:rPr lang="en-US" smtClean="0"/>
-              <a:t>7/18/2020</a:t>
+              <a:t>9/10/2020</a:t>
             </a:fld>
             <a:endParaRPr lang="en-US"/>
           </a:p>
@@ -3335,7 +3335,7 @@
           <a:p>
             <a:fld id="{02AC24A9-CCB6-4F8D-B8DB-C2F3692CFA5A}" type="datetimeFigureOut">
               <a:rPr lang="en-US" smtClean="0"/>
-              <a:t>7/18/2020</a:t>
+              <a:t>9/10/2020</a:t>
             </a:fld>
             <a:endParaRPr lang="en-US"/>
           </a:p>
@@ -3448,7 +3448,7 @@
           <a:p>
             <a:fld id="{02AC24A9-CCB6-4F8D-B8DB-C2F3692CFA5A}" type="datetimeFigureOut">
               <a:rPr lang="en-US" smtClean="0"/>
-              <a:t>7/18/2020</a:t>
+              <a:t>9/10/2020</a:t>
             </a:fld>
             <a:endParaRPr lang="en-US"/>
           </a:p>
@@ -3943,7 +3943,7 @@
           <a:p>
             <a:fld id="{02AC24A9-CCB6-4F8D-B8DB-C2F3692CFA5A}" type="datetimeFigureOut">
               <a:rPr lang="en-US" smtClean="0"/>
-              <a:t>7/18/2020</a:t>
+              <a:t>9/10/2020</a:t>
             </a:fld>
             <a:endParaRPr lang="en-US" dirty="0"/>
           </a:p>
@@ -4420,7 +4420,7 @@
           <a:p>
             <a:fld id="{02AC24A9-CCB6-4F8D-B8DB-C2F3692CFA5A}" type="datetimeFigureOut">
               <a:rPr lang="en-US" smtClean="0"/>
-              <a:t>7/18/2020</a:t>
+              <a:t>9/10/2020</a:t>
             </a:fld>
             <a:endParaRPr lang="en-US"/>
           </a:p>
@@ -4663,7 +4663,7 @@
           <a:p>
             <a:fld id="{02AC24A9-CCB6-4F8D-B8DB-C2F3692CFA5A}" type="datetimeFigureOut">
               <a:rPr lang="en-US" smtClean="0"/>
-              <a:t>7/18/2020</a:t>
+              <a:t>9/10/2020</a:t>
             </a:fld>
             <a:endParaRPr lang="en-US"/>
           </a:p>
@@ -5296,8 +5296,8 @@
         </p:nvSpPr>
         <p:spPr>
           <a:xfrm>
-            <a:off x="1031851" y="1036848"/>
-            <a:ext cx="3212386" cy="369337"/>
+            <a:off x="558792" y="1202002"/>
+            <a:ext cx="3790143" cy="653903"/>
           </a:xfrm>
         </p:spPr>
         <p:txBody>
@@ -5314,11 +5314,28 @@
               </a:rPr>
               <a:t>FOOF RBG Wiring</a:t>
             </a:r>
-            <a:endParaRPr lang="en-US" sz="1200" dirty="0">
-              <a:solidFill>
-                <a:schemeClr val="bg1"/>
-              </a:solidFill>
-            </a:endParaRPr>
+            <a:br>
+              <a:rPr lang="en-US" sz="2600" dirty="0">
+                <a:solidFill>
+                  <a:schemeClr val="bg1"/>
+                </a:solidFill>
+              </a:rPr>
+            </a:br>
+            <a:br>
+              <a:rPr lang="en-US" sz="1300" dirty="0">
+                <a:solidFill>
+                  <a:schemeClr val="bg1"/>
+                </a:solidFill>
+              </a:rPr>
+            </a:br>
+            <a:r>
+              <a:rPr lang="en-US" sz="1300" dirty="0">
+                <a:solidFill>
+                  <a:schemeClr val="bg1"/>
+                </a:solidFill>
+              </a:rPr>
+              <a:t>https://github.com/Mark-MDO47/RubberBandGun</a:t>
+            </a:r>
           </a:p>
         </p:txBody>
       </p:sp>
@@ -5598,7 +5615,7 @@
         </p:nvSpPr>
         <p:spPr>
           <a:xfrm>
-            <a:off x="2693486" y="1402444"/>
+            <a:off x="5336519" y="845236"/>
             <a:ext cx="1002197" cy="276999"/>
           </a:xfrm>
           <a:prstGeom prst="rect">
@@ -5617,7 +5634,7 @@
                   <a:schemeClr val="bg1"/>
                 </a:solidFill>
               </a:rPr>
-              <a:t>2020-07-18</a:t>
+              <a:t>2020-09-10</a:t>
             </a:r>
             <a:endParaRPr lang="en-US" sz="1200" dirty="0"/>
           </a:p>
@@ -7636,12 +7653,72 @@
           </p:txBody>
         </p:sp>
       </p:grpSp>
+      <p:sp>
+        <p:nvSpPr>
+          <p:cNvPr id="55" name="Oval 54">
+            <a:extLst>
+              <a:ext uri="{FF2B5EF4-FFF2-40B4-BE49-F238E27FC236}">
+                <a16:creationId xmlns:a16="http://schemas.microsoft.com/office/drawing/2014/main" id="{1661AF7E-0E7E-490C-8F69-FF5445D43E40}"/>
+              </a:ext>
+            </a:extLst>
+          </p:cNvPr>
+          <p:cNvSpPr/>
+          <p:nvPr/>
+        </p:nvSpPr>
+        <p:spPr>
+          <a:xfrm>
+            <a:off x="9862758" y="3220117"/>
+            <a:ext cx="54186" cy="46399"/>
+          </a:xfrm>
+          <a:prstGeom prst="ellipse">
+            <a:avLst/>
+          </a:prstGeom>
+          <a:solidFill>
+            <a:schemeClr val="accent3">
+              <a:lumMod val="40000"/>
+              <a:lumOff val="60000"/>
+            </a:schemeClr>
+          </a:solidFill>
+          <a:ln>
+            <a:solidFill>
+              <a:schemeClr val="accent3">
+                <a:lumMod val="40000"/>
+                <a:lumOff val="60000"/>
+              </a:schemeClr>
+            </a:solidFill>
+          </a:ln>
+        </p:spPr>
+        <p:style>
+          <a:lnRef idx="2">
+            <a:schemeClr val="accent1">
+              <a:shade val="50000"/>
+            </a:schemeClr>
+          </a:lnRef>
+          <a:fillRef idx="1">
+            <a:schemeClr val="accent1"/>
+          </a:fillRef>
+          <a:effectRef idx="0">
+            <a:schemeClr val="accent1"/>
+          </a:effectRef>
+          <a:fontRef idx="minor">
+            <a:schemeClr val="lt1"/>
+          </a:fontRef>
+        </p:style>
+        <p:txBody>
+          <a:bodyPr rtlCol="0" anchor="ctr"/>
+          <a:lstStyle/>
+          <a:p>
+            <a:pPr algn="ctr"/>
+            <a:endParaRPr lang="en-US"/>
+          </a:p>
+        </p:txBody>
+      </p:sp>
       <p:grpSp>
         <p:nvGrpSpPr>
-          <p:cNvPr id="4" name="Group 3">
-            <a:extLst>
-              <a:ext uri="{FF2B5EF4-FFF2-40B4-BE49-F238E27FC236}">
-                <a16:creationId xmlns:a16="http://schemas.microsoft.com/office/drawing/2014/main" id="{CBDBB551-5861-46A6-B8A6-FCC2E117A75F}"/>
+          <p:cNvPr id="58" name="Group 57">
+            <a:extLst>
+              <a:ext uri="{FF2B5EF4-FFF2-40B4-BE49-F238E27FC236}">
+                <a16:creationId xmlns:a16="http://schemas.microsoft.com/office/drawing/2014/main" id="{C5D75D48-FE4E-4296-B94F-55C5E3BEF85F}"/>
               </a:ext>
             </a:extLst>
           </p:cNvPr>
@@ -7649,19 +7726,19 @@
           <p:nvPr/>
         </p:nvGrpSpPr>
         <p:grpSpPr>
-          <a:xfrm>
-            <a:off x="9382567" y="3220117"/>
-            <a:ext cx="534377" cy="189534"/>
-            <a:chOff x="9382567" y="3220117"/>
-            <a:chExt cx="534377" cy="189534"/>
+          <a:xfrm rot="16002238">
+            <a:off x="9188428" y="4405355"/>
+            <a:ext cx="625119" cy="196822"/>
+            <a:chOff x="9291825" y="3220117"/>
+            <a:chExt cx="625119" cy="196822"/>
           </a:xfrm>
         </p:grpSpPr>
         <p:sp>
           <p:nvSpPr>
-            <p:cNvPr id="44" name="Rectangle 43">
+            <p:cNvPr id="59" name="Rectangle 58">
               <a:extLst>
                 <a:ext uri="{FF2B5EF4-FFF2-40B4-BE49-F238E27FC236}">
-                  <a16:creationId xmlns:a16="http://schemas.microsoft.com/office/drawing/2014/main" id="{C1528BA4-BD45-4A51-829E-55B07D3A29FD}"/>
+                  <a16:creationId xmlns:a16="http://schemas.microsoft.com/office/drawing/2014/main" id="{3980B1EE-E8B0-4D41-A3D2-71B26BBB26EE}"/>
                 </a:ext>
               </a:extLst>
             </p:cNvPr>
@@ -7669,8 +7746,8 @@
             <p:nvPr/>
           </p:nvSpPr>
           <p:spPr>
-            <a:xfrm rot="20675816">
-              <a:off x="9382567" y="3230531"/>
+            <a:xfrm rot="20733217">
+              <a:off x="9291825" y="3237819"/>
               <a:ext cx="517241" cy="179120"/>
             </a:xfrm>
             <a:prstGeom prst="rect">
@@ -7707,10 +7784,10 @@
         </p:sp>
         <p:sp>
           <p:nvSpPr>
-            <p:cNvPr id="55" name="Oval 54">
+            <p:cNvPr id="60" name="Oval 59">
               <a:extLst>
                 <a:ext uri="{FF2B5EF4-FFF2-40B4-BE49-F238E27FC236}">
-                  <a16:creationId xmlns:a16="http://schemas.microsoft.com/office/drawing/2014/main" id="{1661AF7E-0E7E-490C-8F69-FF5445D43E40}"/>
+                  <a16:creationId xmlns:a16="http://schemas.microsoft.com/office/drawing/2014/main" id="{B2156A48-020A-4ECF-AE55-3D60499D193E}"/>
                 </a:ext>
               </a:extLst>
             </p:cNvPr>
@@ -7854,6 +7931,136 @@
           </a:p>
         </p:txBody>
       </p:sp>
+      <p:grpSp>
+        <p:nvGrpSpPr>
+          <p:cNvPr id="61" name="Group 60">
+            <a:extLst>
+              <a:ext uri="{FF2B5EF4-FFF2-40B4-BE49-F238E27FC236}">
+                <a16:creationId xmlns:a16="http://schemas.microsoft.com/office/drawing/2014/main" id="{01F7A40B-672C-44FE-B5BD-04FE512DDEDC}"/>
+              </a:ext>
+            </a:extLst>
+          </p:cNvPr>
+          <p:cNvGrpSpPr/>
+          <p:nvPr/>
+        </p:nvGrpSpPr>
+        <p:grpSpPr>
+          <a:xfrm rot="16019730">
+            <a:off x="9454507" y="5131573"/>
+            <a:ext cx="534377" cy="189534"/>
+            <a:chOff x="9382567" y="3220117"/>
+            <a:chExt cx="534377" cy="189534"/>
+          </a:xfrm>
+        </p:grpSpPr>
+        <p:sp>
+          <p:nvSpPr>
+            <p:cNvPr id="84" name="Rectangle 83">
+              <a:extLst>
+                <a:ext uri="{FF2B5EF4-FFF2-40B4-BE49-F238E27FC236}">
+                  <a16:creationId xmlns:a16="http://schemas.microsoft.com/office/drawing/2014/main" id="{84E54759-56FB-4066-A8FF-A578D86F8AAD}"/>
+                </a:ext>
+              </a:extLst>
+            </p:cNvPr>
+            <p:cNvSpPr/>
+            <p:nvPr/>
+          </p:nvSpPr>
+          <p:spPr>
+            <a:xfrm rot="20746898">
+              <a:off x="9382567" y="3230531"/>
+              <a:ext cx="517241" cy="179120"/>
+            </a:xfrm>
+            <a:prstGeom prst="rect">
+              <a:avLst/>
+            </a:prstGeom>
+          </p:spPr>
+          <p:style>
+            <a:lnRef idx="2">
+              <a:schemeClr val="accent1">
+                <a:shade val="50000"/>
+              </a:schemeClr>
+            </a:lnRef>
+            <a:fillRef idx="1">
+              <a:schemeClr val="accent1"/>
+            </a:fillRef>
+            <a:effectRef idx="0">
+              <a:schemeClr val="accent1"/>
+            </a:effectRef>
+            <a:fontRef idx="minor">
+              <a:schemeClr val="lt1"/>
+            </a:fontRef>
+          </p:style>
+          <p:txBody>
+            <a:bodyPr rtlCol="0" anchor="ctr"/>
+            <a:lstStyle/>
+            <a:p>
+              <a:pPr algn="ctr"/>
+              <a:r>
+                <a:rPr lang="en-US" sz="1200" dirty="0"/>
+                <a:t>KCX</a:t>
+              </a:r>
+            </a:p>
+          </p:txBody>
+        </p:sp>
+        <p:sp>
+          <p:nvSpPr>
+            <p:cNvPr id="85" name="Oval 84">
+              <a:extLst>
+                <a:ext uri="{FF2B5EF4-FFF2-40B4-BE49-F238E27FC236}">
+                  <a16:creationId xmlns:a16="http://schemas.microsoft.com/office/drawing/2014/main" id="{606C11CD-BF6E-43DB-9B08-06883F07AE72}"/>
+                </a:ext>
+              </a:extLst>
+            </p:cNvPr>
+            <p:cNvSpPr/>
+            <p:nvPr/>
+          </p:nvSpPr>
+          <p:spPr>
+            <a:xfrm>
+              <a:off x="9862758" y="3220117"/>
+              <a:ext cx="54186" cy="46399"/>
+            </a:xfrm>
+            <a:prstGeom prst="ellipse">
+              <a:avLst/>
+            </a:prstGeom>
+            <a:solidFill>
+              <a:schemeClr val="accent3">
+                <a:lumMod val="40000"/>
+                <a:lumOff val="60000"/>
+              </a:schemeClr>
+            </a:solidFill>
+            <a:ln>
+              <a:solidFill>
+                <a:schemeClr val="accent3">
+                  <a:lumMod val="40000"/>
+                  <a:lumOff val="60000"/>
+                </a:schemeClr>
+              </a:solidFill>
+            </a:ln>
+          </p:spPr>
+          <p:style>
+            <a:lnRef idx="2">
+              <a:schemeClr val="accent1">
+                <a:shade val="50000"/>
+              </a:schemeClr>
+            </a:lnRef>
+            <a:fillRef idx="1">
+              <a:schemeClr val="accent1"/>
+            </a:fillRef>
+            <a:effectRef idx="0">
+              <a:schemeClr val="accent1"/>
+            </a:effectRef>
+            <a:fontRef idx="minor">
+              <a:schemeClr val="lt1"/>
+            </a:fontRef>
+          </p:style>
+          <p:txBody>
+            <a:bodyPr rtlCol="0" anchor="ctr"/>
+            <a:lstStyle/>
+            <a:p>
+              <a:pPr algn="ctr"/>
+              <a:endParaRPr lang="en-US" sz="1200"/>
+            </a:p>
+          </p:txBody>
+        </p:sp>
+      </p:grpSp>
     </p:spTree>
     <p:extLst>
       <p:ext uri="{BB962C8B-B14F-4D97-AF65-F5344CB8AC3E}">
@@ -9489,7 +9696,7 @@
         <p:spPr>
           <a:xfrm>
             <a:off x="737854" y="2077059"/>
-            <a:ext cx="5328361" cy="4524315"/>
+            <a:ext cx="5328361" cy="4493538"/>
           </a:xfrm>
           <a:prstGeom prst="rect">
             <a:avLst/>
@@ -9503,74 +9710,80 @@
           <a:lstStyle/>
           <a:p>
             <a:r>
-              <a:rPr lang="en-US" sz="2400" dirty="0"/>
+              <a:rPr lang="en-US" sz="2200" dirty="0"/>
               <a:t>Battery 8.3V: 1 connection:</a:t>
             </a:r>
           </a:p>
           <a:p>
             <a:r>
-              <a:rPr lang="en-US" sz="2400" dirty="0"/>
+              <a:rPr lang="en-US" sz="2200" dirty="0"/>
               <a:t>   - on/off switch</a:t>
             </a:r>
           </a:p>
           <a:p>
             <a:r>
-              <a:rPr lang="en-US" sz="2400" dirty="0"/>
+              <a:rPr lang="en-US" sz="2200" dirty="0"/>
               <a:t>USB 8.3V: 3 connections:</a:t>
             </a:r>
           </a:p>
           <a:p>
             <a:r>
-              <a:rPr lang="en-US" sz="2400" dirty="0"/>
+              <a:rPr lang="en-US" sz="2200" dirty="0"/>
               <a:t>   - on/off switch</a:t>
             </a:r>
           </a:p>
           <a:p>
             <a:r>
-              <a:rPr lang="en-US" sz="2400" dirty="0"/>
+              <a:rPr lang="en-US" sz="2200" dirty="0"/>
               <a:t>   - USB White Wire</a:t>
             </a:r>
           </a:p>
           <a:p>
             <a:r>
-              <a:rPr lang="en-US" sz="2400" dirty="0"/>
+              <a:rPr lang="en-US" sz="2200" dirty="0"/>
               <a:t>   - UBEC +V Input</a:t>
             </a:r>
           </a:p>
           <a:p>
             <a:r>
-              <a:rPr lang="en-US" sz="2400" dirty="0"/>
-              <a:t>LEDs 5V 20 AWG:  5 connections:</a:t>
+              <a:rPr lang="en-US" sz="2200" dirty="0"/>
+              <a:t>LEDs 5V 20 AWG:  6 connections:</a:t>
             </a:r>
           </a:p>
           <a:p>
             <a:r>
-              <a:rPr lang="en-US" sz="2400" dirty="0"/>
+              <a:rPr lang="en-US" sz="2200" dirty="0"/>
               <a:t>   - YX5200 pin “01”</a:t>
             </a:r>
           </a:p>
           <a:p>
             <a:r>
-              <a:rPr lang="en-US" sz="2400" dirty="0"/>
+              <a:rPr lang="en-US" sz="2200" dirty="0"/>
               <a:t>   - Arduino pin “5V”</a:t>
             </a:r>
           </a:p>
           <a:p>
             <a:r>
-              <a:rPr lang="en-US" sz="2400" dirty="0"/>
+              <a:rPr lang="en-US" sz="2200" dirty="0"/>
               <a:t>   - UBEC 5V output</a:t>
             </a:r>
           </a:p>
           <a:p>
             <a:r>
-              <a:rPr lang="en-US" sz="2400" dirty="0"/>
+              <a:rPr lang="en-US" sz="2200" dirty="0"/>
               <a:t>   - SN74HCT125N pin “14”</a:t>
             </a:r>
           </a:p>
           <a:p>
             <a:r>
-              <a:rPr lang="en-US" sz="2400" dirty="0"/>
+              <a:rPr lang="en-US" sz="2200" dirty="0"/>
               <a:t>   - 10K Ohm SIP pin “??”</a:t>
+            </a:r>
+          </a:p>
+          <a:p>
+            <a:r>
+              <a:rPr lang="en-US" sz="2200" dirty="0"/>
+              <a:t>   - KCX_BT_EMITTER pin “+5V”</a:t>
             </a:r>
           </a:p>
         </p:txBody>
@@ -10226,12 +10439,98 @@
           </a:p>
         </p:txBody>
       </p:sp>
+      <p:cxnSp>
+        <p:nvCxnSpPr>
+          <p:cNvPr id="96" name="Straight Connector 95">
+            <a:extLst>
+              <a:ext uri="{FF2B5EF4-FFF2-40B4-BE49-F238E27FC236}">
+                <a16:creationId xmlns:a16="http://schemas.microsoft.com/office/drawing/2014/main" id="{BC3B30C3-E321-4E79-983E-D3564C586F46}"/>
+              </a:ext>
+            </a:extLst>
+          </p:cNvPr>
+          <p:cNvCxnSpPr>
+            <a:cxnSpLocks/>
+          </p:cNvCxnSpPr>
+          <p:nvPr/>
+        </p:nvCxnSpPr>
+        <p:spPr>
+          <a:xfrm flipH="1" flipV="1">
+            <a:off x="9413241" y="2488824"/>
+            <a:ext cx="133840" cy="1854576"/>
+          </a:xfrm>
+          <a:prstGeom prst="line">
+            <a:avLst/>
+          </a:prstGeom>
+          <a:ln w="15875">
+            <a:solidFill>
+              <a:srgbClr val="FF0000"/>
+            </a:solidFill>
+          </a:ln>
+        </p:spPr>
+        <p:style>
+          <a:lnRef idx="3">
+            <a:schemeClr val="accent2"/>
+          </a:lnRef>
+          <a:fillRef idx="0">
+            <a:schemeClr val="accent2"/>
+          </a:fillRef>
+          <a:effectRef idx="2">
+            <a:schemeClr val="accent2"/>
+          </a:effectRef>
+          <a:fontRef idx="minor">
+            <a:schemeClr val="tx1"/>
+          </a:fontRef>
+        </p:style>
+      </p:cxnSp>
+      <p:cxnSp>
+        <p:nvCxnSpPr>
+          <p:cNvPr id="79" name="Straight Connector 78">
+            <a:extLst>
+              <a:ext uri="{FF2B5EF4-FFF2-40B4-BE49-F238E27FC236}">
+                <a16:creationId xmlns:a16="http://schemas.microsoft.com/office/drawing/2014/main" id="{BE73EA01-D2F6-4D19-80C3-42354585A6BC}"/>
+              </a:ext>
+            </a:extLst>
+          </p:cNvPr>
+          <p:cNvCxnSpPr>
+            <a:cxnSpLocks/>
+          </p:cNvCxnSpPr>
+          <p:nvPr/>
+        </p:nvCxnSpPr>
+        <p:spPr>
+          <a:xfrm>
+            <a:off x="9188726" y="2488824"/>
+            <a:ext cx="646616" cy="1096134"/>
+          </a:xfrm>
+          <a:prstGeom prst="line">
+            <a:avLst/>
+          </a:prstGeom>
+          <a:ln w="15875">
+            <a:solidFill>
+              <a:srgbClr val="FF0000"/>
+            </a:solidFill>
+          </a:ln>
+        </p:spPr>
+        <p:style>
+          <a:lnRef idx="3">
+            <a:schemeClr val="accent2"/>
+          </a:lnRef>
+          <a:fillRef idx="0">
+            <a:schemeClr val="accent2"/>
+          </a:fillRef>
+          <a:effectRef idx="2">
+            <a:schemeClr val="accent2"/>
+          </a:effectRef>
+          <a:fontRef idx="minor">
+            <a:schemeClr val="tx1"/>
+          </a:fontRef>
+        </p:style>
+      </p:cxnSp>
       <p:grpSp>
         <p:nvGrpSpPr>
-          <p:cNvPr id="128" name="Group 127">
-            <a:extLst>
-              <a:ext uri="{FF2B5EF4-FFF2-40B4-BE49-F238E27FC236}">
-                <a16:creationId xmlns:a16="http://schemas.microsoft.com/office/drawing/2014/main" id="{36181D37-5C45-4365-9AF2-9489B11AB44A}"/>
+          <p:cNvPr id="63" name="Group 62">
+            <a:extLst>
+              <a:ext uri="{FF2B5EF4-FFF2-40B4-BE49-F238E27FC236}">
+                <a16:creationId xmlns:a16="http://schemas.microsoft.com/office/drawing/2014/main" id="{1B2A9B91-7B3A-4564-83C9-C2DEF44AC176}"/>
               </a:ext>
             </a:extLst>
           </p:cNvPr>
@@ -10239,149 +10538,68 @@
           <p:nvPr/>
         </p:nvGrpSpPr>
         <p:grpSpPr>
-          <a:xfrm>
-            <a:off x="9382567" y="3220117"/>
-            <a:ext cx="534377" cy="189534"/>
-            <a:chOff x="9382567" y="3220117"/>
-            <a:chExt cx="534377" cy="189534"/>
+          <a:xfrm rot="16002238">
+            <a:off x="9188428" y="4405355"/>
+            <a:ext cx="625119" cy="196822"/>
+            <a:chOff x="9291825" y="3220117"/>
+            <a:chExt cx="625119" cy="196822"/>
           </a:xfrm>
         </p:grpSpPr>
-        <p:grpSp>
-          <p:nvGrpSpPr>
-            <p:cNvPr id="70" name="Group 69">
+        <p:sp>
+          <p:nvSpPr>
+            <p:cNvPr id="64" name="Rectangle 63">
               <a:extLst>
                 <a:ext uri="{FF2B5EF4-FFF2-40B4-BE49-F238E27FC236}">
-                  <a16:creationId xmlns:a16="http://schemas.microsoft.com/office/drawing/2014/main" id="{F06CD937-02EB-48E9-87C0-5F60B4EBC174}"/>
+                  <a16:creationId xmlns:a16="http://schemas.microsoft.com/office/drawing/2014/main" id="{4FF6628F-3E39-4937-BC13-05BEFA3367C3}"/>
                 </a:ext>
               </a:extLst>
             </p:cNvPr>
-            <p:cNvGrpSpPr/>
+            <p:cNvSpPr/>
             <p:nvPr/>
-          </p:nvGrpSpPr>
-          <p:grpSpPr>
-            <a:xfrm>
-              <a:off x="9382567" y="3220117"/>
-              <a:ext cx="534377" cy="189534"/>
-              <a:chOff x="9382567" y="3220117"/>
-              <a:chExt cx="534377" cy="189534"/>
+          </p:nvSpPr>
+          <p:spPr>
+            <a:xfrm rot="20733217">
+              <a:off x="9291825" y="3237819"/>
+              <a:ext cx="517241" cy="179120"/>
             </a:xfrm>
-          </p:grpSpPr>
-          <p:sp>
-            <p:nvSpPr>
-              <p:cNvPr id="101" name="Oval 100">
-                <a:extLst>
-                  <a:ext uri="{FF2B5EF4-FFF2-40B4-BE49-F238E27FC236}">
-                    <a16:creationId xmlns:a16="http://schemas.microsoft.com/office/drawing/2014/main" id="{15243F06-F997-4BEC-A390-C78D967A43C5}"/>
-                  </a:ext>
-                </a:extLst>
-              </p:cNvPr>
-              <p:cNvSpPr/>
-              <p:nvPr/>
-            </p:nvSpPr>
-            <p:spPr>
-              <a:xfrm>
-                <a:off x="9862758" y="3220117"/>
-                <a:ext cx="54186" cy="46399"/>
-              </a:xfrm>
-              <a:prstGeom prst="ellipse">
-                <a:avLst/>
-              </a:prstGeom>
-              <a:solidFill>
-                <a:schemeClr val="accent3">
-                  <a:lumMod val="40000"/>
-                  <a:lumOff val="60000"/>
-                </a:schemeClr>
-              </a:solidFill>
-              <a:ln>
-                <a:solidFill>
-                  <a:schemeClr val="accent3">
-                    <a:lumMod val="40000"/>
-                    <a:lumOff val="60000"/>
-                  </a:schemeClr>
-                </a:solidFill>
-              </a:ln>
-            </p:spPr>
-            <p:style>
-              <a:lnRef idx="2">
-                <a:schemeClr val="accent1">
-                  <a:shade val="50000"/>
-                </a:schemeClr>
-              </a:lnRef>
-              <a:fillRef idx="1">
-                <a:schemeClr val="accent1"/>
-              </a:fillRef>
-              <a:effectRef idx="0">
-                <a:schemeClr val="accent1"/>
-              </a:effectRef>
-              <a:fontRef idx="minor">
-                <a:schemeClr val="lt1"/>
-              </a:fontRef>
-            </p:style>
-            <p:txBody>
-              <a:bodyPr rtlCol="0" anchor="ctr"/>
-              <a:lstStyle/>
-              <a:p>
-                <a:pPr algn="ctr"/>
-                <a:endParaRPr lang="en-US"/>
-              </a:p>
-            </p:txBody>
-          </p:sp>
-          <p:sp>
-            <p:nvSpPr>
-              <p:cNvPr id="113" name="Rectangle 112">
-                <a:extLst>
-                  <a:ext uri="{FF2B5EF4-FFF2-40B4-BE49-F238E27FC236}">
-                    <a16:creationId xmlns:a16="http://schemas.microsoft.com/office/drawing/2014/main" id="{E3A07422-CD46-43FD-947E-45B14D31CB7F}"/>
-                  </a:ext>
-                </a:extLst>
-              </p:cNvPr>
-              <p:cNvSpPr/>
-              <p:nvPr/>
-            </p:nvSpPr>
-            <p:spPr>
-              <a:xfrm rot="20675816">
-                <a:off x="9382567" y="3230531"/>
-                <a:ext cx="517241" cy="179120"/>
-              </a:xfrm>
-              <a:prstGeom prst="rect">
-                <a:avLst/>
-              </a:prstGeom>
-            </p:spPr>
-            <p:style>
-              <a:lnRef idx="2">
-                <a:schemeClr val="accent1">
-                  <a:shade val="50000"/>
-                </a:schemeClr>
-              </a:lnRef>
-              <a:fillRef idx="1">
-                <a:schemeClr val="accent1"/>
-              </a:fillRef>
-              <a:effectRef idx="0">
-                <a:schemeClr val="accent1"/>
-              </a:effectRef>
-              <a:fontRef idx="minor">
-                <a:schemeClr val="lt1"/>
-              </a:fontRef>
-            </p:style>
-            <p:txBody>
-              <a:bodyPr rtlCol="0" anchor="ctr"/>
-              <a:lstStyle/>
-              <a:p>
-                <a:pPr algn="ctr"/>
-                <a:r>
-                  <a:rPr lang="en-US" sz="1400" dirty="0"/>
-                  <a:t>125</a:t>
-                </a:r>
-              </a:p>
-            </p:txBody>
-          </p:sp>
-        </p:grpSp>
+            <a:prstGeom prst="rect">
+              <a:avLst/>
+            </a:prstGeom>
+          </p:spPr>
+          <p:style>
+            <a:lnRef idx="2">
+              <a:schemeClr val="accent1">
+                <a:shade val="50000"/>
+              </a:schemeClr>
+            </a:lnRef>
+            <a:fillRef idx="1">
+              <a:schemeClr val="accent1"/>
+            </a:fillRef>
+            <a:effectRef idx="0">
+              <a:schemeClr val="accent1"/>
+            </a:effectRef>
+            <a:fontRef idx="minor">
+              <a:schemeClr val="lt1"/>
+            </a:fontRef>
+          </p:style>
+          <p:txBody>
+            <a:bodyPr rtlCol="0" anchor="ctr"/>
+            <a:lstStyle/>
+            <a:p>
+              <a:pPr algn="ctr"/>
+              <a:r>
+                <a:rPr lang="en-US" sz="1400" dirty="0"/>
+                <a:t>125</a:t>
+              </a:r>
+            </a:p>
+          </p:txBody>
+        </p:sp>
         <p:sp>
           <p:nvSpPr>
-            <p:cNvPr id="127" name="Oval 126">
+            <p:cNvPr id="65" name="Oval 64">
               <a:extLst>
                 <a:ext uri="{FF2B5EF4-FFF2-40B4-BE49-F238E27FC236}">
-                  <a16:creationId xmlns:a16="http://schemas.microsoft.com/office/drawing/2014/main" id="{A87618F0-2CE6-4276-B28E-D070D75B0E40}"/>
+                  <a16:creationId xmlns:a16="http://schemas.microsoft.com/office/drawing/2014/main" id="{5250AB79-9FFB-4D5D-8842-3CAAB18C5474}"/>
                 </a:ext>
               </a:extLst>
             </p:cNvPr>
@@ -10390,7 +10608,7 @@
           </p:nvSpPr>
           <p:spPr>
             <a:xfrm>
-              <a:off x="9858747" y="3222118"/>
+              <a:off x="9862758" y="3220117"/>
               <a:ext cx="54186" cy="46399"/>
             </a:xfrm>
             <a:prstGeom prst="ellipse">
@@ -10437,12 +10655,142 @@
           </p:txBody>
         </p:sp>
       </p:grpSp>
+      <p:grpSp>
+        <p:nvGrpSpPr>
+          <p:cNvPr id="66" name="Group 65">
+            <a:extLst>
+              <a:ext uri="{FF2B5EF4-FFF2-40B4-BE49-F238E27FC236}">
+                <a16:creationId xmlns:a16="http://schemas.microsoft.com/office/drawing/2014/main" id="{ED08633F-E278-4CC2-B690-2461C1E3B82C}"/>
+              </a:ext>
+            </a:extLst>
+          </p:cNvPr>
+          <p:cNvGrpSpPr/>
+          <p:nvPr/>
+        </p:nvGrpSpPr>
+        <p:grpSpPr>
+          <a:xfrm rot="16019730">
+            <a:off x="9454507" y="5131573"/>
+            <a:ext cx="534377" cy="189534"/>
+            <a:chOff x="9382567" y="3220117"/>
+            <a:chExt cx="534377" cy="189534"/>
+          </a:xfrm>
+        </p:grpSpPr>
+        <p:sp>
+          <p:nvSpPr>
+            <p:cNvPr id="68" name="Rectangle 67">
+              <a:extLst>
+                <a:ext uri="{FF2B5EF4-FFF2-40B4-BE49-F238E27FC236}">
+                  <a16:creationId xmlns:a16="http://schemas.microsoft.com/office/drawing/2014/main" id="{7B48A933-DE38-4D8A-A50C-2D2763CB6E12}"/>
+                </a:ext>
+              </a:extLst>
+            </p:cNvPr>
+            <p:cNvSpPr/>
+            <p:nvPr/>
+          </p:nvSpPr>
+          <p:spPr>
+            <a:xfrm rot="20746898">
+              <a:off x="9382567" y="3230531"/>
+              <a:ext cx="517241" cy="179120"/>
+            </a:xfrm>
+            <a:prstGeom prst="rect">
+              <a:avLst/>
+            </a:prstGeom>
+          </p:spPr>
+          <p:style>
+            <a:lnRef idx="2">
+              <a:schemeClr val="accent1">
+                <a:shade val="50000"/>
+              </a:schemeClr>
+            </a:lnRef>
+            <a:fillRef idx="1">
+              <a:schemeClr val="accent1"/>
+            </a:fillRef>
+            <a:effectRef idx="0">
+              <a:schemeClr val="accent1"/>
+            </a:effectRef>
+            <a:fontRef idx="minor">
+              <a:schemeClr val="lt1"/>
+            </a:fontRef>
+          </p:style>
+          <p:txBody>
+            <a:bodyPr rtlCol="0" anchor="ctr"/>
+            <a:lstStyle/>
+            <a:p>
+              <a:pPr algn="ctr"/>
+              <a:r>
+                <a:rPr lang="en-US" sz="1200" dirty="0"/>
+                <a:t>KCX</a:t>
+              </a:r>
+            </a:p>
+          </p:txBody>
+        </p:sp>
+        <p:sp>
+          <p:nvSpPr>
+            <p:cNvPr id="71" name="Oval 70">
+              <a:extLst>
+                <a:ext uri="{FF2B5EF4-FFF2-40B4-BE49-F238E27FC236}">
+                  <a16:creationId xmlns:a16="http://schemas.microsoft.com/office/drawing/2014/main" id="{60601B54-C720-4193-AF71-E87C515E7DA4}"/>
+                </a:ext>
+              </a:extLst>
+            </p:cNvPr>
+            <p:cNvSpPr/>
+            <p:nvPr/>
+          </p:nvSpPr>
+          <p:spPr>
+            <a:xfrm>
+              <a:off x="9862758" y="3220117"/>
+              <a:ext cx="54186" cy="46399"/>
+            </a:xfrm>
+            <a:prstGeom prst="ellipse">
+              <a:avLst/>
+            </a:prstGeom>
+            <a:solidFill>
+              <a:schemeClr val="accent3">
+                <a:lumMod val="40000"/>
+                <a:lumOff val="60000"/>
+              </a:schemeClr>
+            </a:solidFill>
+            <a:ln>
+              <a:solidFill>
+                <a:schemeClr val="accent3">
+                  <a:lumMod val="40000"/>
+                  <a:lumOff val="60000"/>
+                </a:schemeClr>
+              </a:solidFill>
+            </a:ln>
+          </p:spPr>
+          <p:style>
+            <a:lnRef idx="2">
+              <a:schemeClr val="accent1">
+                <a:shade val="50000"/>
+              </a:schemeClr>
+            </a:lnRef>
+            <a:fillRef idx="1">
+              <a:schemeClr val="accent1"/>
+            </a:fillRef>
+            <a:effectRef idx="0">
+              <a:schemeClr val="accent1"/>
+            </a:effectRef>
+            <a:fontRef idx="minor">
+              <a:schemeClr val="lt1"/>
+            </a:fontRef>
+          </p:style>
+          <p:txBody>
+            <a:bodyPr rtlCol="0" anchor="ctr"/>
+            <a:lstStyle/>
+            <a:p>
+              <a:pPr algn="ctr"/>
+              <a:endParaRPr lang="en-US" sz="1200"/>
+            </a:p>
+          </p:txBody>
+        </p:sp>
+      </p:grpSp>
       <p:cxnSp>
         <p:nvCxnSpPr>
-          <p:cNvPr id="96" name="Straight Connector 95">
-            <a:extLst>
-              <a:ext uri="{FF2B5EF4-FFF2-40B4-BE49-F238E27FC236}">
-                <a16:creationId xmlns:a16="http://schemas.microsoft.com/office/drawing/2014/main" id="{BC3B30C3-E321-4E79-983E-D3564C586F46}"/>
+          <p:cNvPr id="72" name="Straight Connector 71">
+            <a:extLst>
+              <a:ext uri="{FF2B5EF4-FFF2-40B4-BE49-F238E27FC236}">
+                <a16:creationId xmlns:a16="http://schemas.microsoft.com/office/drawing/2014/main" id="{A5AF7F1B-C8CE-4E98-83A3-9F25A74F41C9}"/>
               </a:ext>
             </a:extLst>
           </p:cNvPr>
@@ -10453,51 +10801,8 @@
         </p:nvCxnSpPr>
         <p:spPr>
           <a:xfrm flipH="1" flipV="1">
-            <a:off x="9267871" y="2490081"/>
-            <a:ext cx="596096" cy="850201"/>
-          </a:xfrm>
-          <a:prstGeom prst="line">
-            <a:avLst/>
-          </a:prstGeom>
-          <a:ln w="15875">
-            <a:solidFill>
-              <a:srgbClr val="FF0000"/>
-            </a:solidFill>
-          </a:ln>
-        </p:spPr>
-        <p:style>
-          <a:lnRef idx="3">
-            <a:schemeClr val="accent2"/>
-          </a:lnRef>
-          <a:fillRef idx="0">
-            <a:schemeClr val="accent2"/>
-          </a:fillRef>
-          <a:effectRef idx="2">
-            <a:schemeClr val="accent2"/>
-          </a:effectRef>
-          <a:fontRef idx="minor">
-            <a:schemeClr val="tx1"/>
-          </a:fontRef>
-        </p:style>
-      </p:cxnSp>
-      <p:cxnSp>
-        <p:nvCxnSpPr>
-          <p:cNvPr id="79" name="Straight Connector 78">
-            <a:extLst>
-              <a:ext uri="{FF2B5EF4-FFF2-40B4-BE49-F238E27FC236}">
-                <a16:creationId xmlns:a16="http://schemas.microsoft.com/office/drawing/2014/main" id="{BE73EA01-D2F6-4D19-80C3-42354585A6BC}"/>
-              </a:ext>
-            </a:extLst>
-          </p:cNvPr>
-          <p:cNvCxnSpPr>
-            <a:cxnSpLocks/>
-          </p:cNvCxnSpPr>
-          <p:nvPr/>
-        </p:nvCxnSpPr>
-        <p:spPr>
-          <a:xfrm>
-            <a:off x="9188726" y="2488824"/>
-            <a:ext cx="646616" cy="1096134"/>
+            <a:off x="9413241" y="2488824"/>
+            <a:ext cx="349160" cy="2529774"/>
           </a:xfrm>
           <a:prstGeom prst="line">
             <a:avLst/>
@@ -10525,10 +10830,10 @@
       </p:cxnSp>
       <p:sp>
         <p:nvSpPr>
-          <p:cNvPr id="104" name="Oval 103">
-            <a:extLst>
-              <a:ext uri="{FF2B5EF4-FFF2-40B4-BE49-F238E27FC236}">
-                <a16:creationId xmlns:a16="http://schemas.microsoft.com/office/drawing/2014/main" id="{FCE2FBDE-8F34-43F8-AB66-6F35940061CF}"/>
+          <p:cNvPr id="32" name="Oval 31">
+            <a:extLst>
+              <a:ext uri="{FF2B5EF4-FFF2-40B4-BE49-F238E27FC236}">
+                <a16:creationId xmlns:a16="http://schemas.microsoft.com/office/drawing/2014/main" id="{68A5400F-9DDB-46CF-87AE-3EAF40B29F13}"/>
               </a:ext>
             </a:extLst>
           </p:cNvPr>
@@ -10537,7 +10842,61 @@
         </p:nvSpPr>
         <p:spPr>
           <a:xfrm>
-            <a:off x="9840520" y="3317475"/>
+            <a:off x="9529700" y="4324112"/>
+            <a:ext cx="54186" cy="46399"/>
+          </a:xfrm>
+          <a:prstGeom prst="ellipse">
+            <a:avLst/>
+          </a:prstGeom>
+          <a:solidFill>
+            <a:srgbClr val="FF0000"/>
+          </a:solidFill>
+          <a:ln>
+            <a:solidFill>
+              <a:srgbClr val="FF0000"/>
+            </a:solidFill>
+          </a:ln>
+        </p:spPr>
+        <p:style>
+          <a:lnRef idx="2">
+            <a:schemeClr val="accent1">
+              <a:shade val="50000"/>
+            </a:schemeClr>
+          </a:lnRef>
+          <a:fillRef idx="1">
+            <a:schemeClr val="accent1"/>
+          </a:fillRef>
+          <a:effectRef idx="0">
+            <a:schemeClr val="accent1"/>
+          </a:effectRef>
+          <a:fontRef idx="minor">
+            <a:schemeClr val="lt1"/>
+          </a:fontRef>
+        </p:style>
+        <p:txBody>
+          <a:bodyPr rtlCol="0" anchor="ctr"/>
+          <a:lstStyle/>
+          <a:p>
+            <a:pPr algn="ctr"/>
+            <a:endParaRPr lang="en-US"/>
+          </a:p>
+        </p:txBody>
+      </p:sp>
+      <p:sp>
+        <p:nvSpPr>
+          <p:cNvPr id="104" name="Oval 103">
+            <a:extLst>
+              <a:ext uri="{FF2B5EF4-FFF2-40B4-BE49-F238E27FC236}">
+                <a16:creationId xmlns:a16="http://schemas.microsoft.com/office/drawing/2014/main" id="{FCE2FBDE-8F34-43F8-AB66-6F35940061CF}"/>
+              </a:ext>
+            </a:extLst>
+          </p:cNvPr>
+          <p:cNvSpPr/>
+          <p:nvPr/>
+        </p:nvSpPr>
+        <p:spPr>
+          <a:xfrm>
+            <a:off x="9732235" y="5013932"/>
             <a:ext cx="54186" cy="46399"/>
           </a:xfrm>
           <a:prstGeom prst="ellipse">
@@ -12022,7 +12381,7 @@
         <p:spPr>
           <a:xfrm>
             <a:off x="737854" y="2077059"/>
-            <a:ext cx="5328361" cy="3046988"/>
+            <a:ext cx="5328361" cy="3416320"/>
           </a:xfrm>
           <a:prstGeom prst="rect">
             <a:avLst/>
@@ -12043,7 +12402,7 @@
           <a:p>
             <a:r>
               <a:rPr lang="en-US" sz="2400" dirty="0"/>
-              <a:t>LED GND 20 AWG :  7 connections:</a:t>
+              <a:t>LED GND 20 AWG :  8 connections:</a:t>
             </a:r>
           </a:p>
           <a:p>
@@ -12080,6 +12439,12 @@
             <a:r>
               <a:rPr lang="en-US" sz="2400" dirty="0"/>
               <a:t>   - USB Black Wire</a:t>
+            </a:r>
+          </a:p>
+          <a:p>
+            <a:r>
+              <a:rPr lang="en-US" sz="2400" dirty="0"/>
+              <a:t>   - KCX_BT_EMITTER pin “GND”</a:t>
             </a:r>
           </a:p>
         </p:txBody>
@@ -12231,55 +12596,6 @@
       </p:grpSp>
       <p:sp>
         <p:nvSpPr>
-          <p:cNvPr id="42" name="Rectangle 41">
-            <a:extLst>
-              <a:ext uri="{FF2B5EF4-FFF2-40B4-BE49-F238E27FC236}">
-                <a16:creationId xmlns:a16="http://schemas.microsoft.com/office/drawing/2014/main" id="{95B1F208-D013-42DF-AE24-1631720140E9}"/>
-              </a:ext>
-            </a:extLst>
-          </p:cNvPr>
-          <p:cNvSpPr/>
-          <p:nvPr/>
-        </p:nvSpPr>
-        <p:spPr>
-          <a:xfrm rot="20675816">
-            <a:off x="9382567" y="3230531"/>
-            <a:ext cx="517241" cy="179120"/>
-          </a:xfrm>
-          <a:prstGeom prst="rect">
-            <a:avLst/>
-          </a:prstGeom>
-        </p:spPr>
-        <p:style>
-          <a:lnRef idx="2">
-            <a:schemeClr val="accent1">
-              <a:shade val="50000"/>
-            </a:schemeClr>
-          </a:lnRef>
-          <a:fillRef idx="1">
-            <a:schemeClr val="accent1"/>
-          </a:fillRef>
-          <a:effectRef idx="0">
-            <a:schemeClr val="accent1"/>
-          </a:effectRef>
-          <a:fontRef idx="minor">
-            <a:schemeClr val="lt1"/>
-          </a:fontRef>
-        </p:style>
-        <p:txBody>
-          <a:bodyPr rtlCol="0" anchor="ctr"/>
-          <a:lstStyle/>
-          <a:p>
-            <a:pPr algn="ctr"/>
-            <a:r>
-              <a:rPr lang="en-US" sz="1400" dirty="0"/>
-              <a:t>125</a:t>
-            </a:r>
-          </a:p>
-        </p:txBody>
-      </p:sp>
-      <p:sp>
-        <p:nvSpPr>
           <p:cNvPr id="75" name="Oval 74">
             <a:extLst>
               <a:ext uri="{FF2B5EF4-FFF2-40B4-BE49-F238E27FC236}">
@@ -12578,7 +12894,7 @@
         </p:nvSpPr>
         <p:spPr>
           <a:xfrm>
-            <a:off x="9381056" y="3261660"/>
+            <a:off x="9537465" y="4332474"/>
             <a:ext cx="54186" cy="46399"/>
           </a:xfrm>
           <a:prstGeom prst="ellipse">
@@ -12635,8 +12951,8 @@
         </p:nvCxnSpPr>
         <p:spPr>
           <a:xfrm flipV="1">
-            <a:off x="9401023" y="2831318"/>
-            <a:ext cx="424388" cy="449170"/>
+            <a:off x="9565127" y="2831318"/>
+            <a:ext cx="260284" cy="1524114"/>
           </a:xfrm>
           <a:prstGeom prst="line">
             <a:avLst/>
@@ -12745,6 +13061,364 @@
           </a:fontRef>
         </p:style>
       </p:cxnSp>
+      <p:grpSp>
+        <p:nvGrpSpPr>
+          <p:cNvPr id="50" name="Group 49">
+            <a:extLst>
+              <a:ext uri="{FF2B5EF4-FFF2-40B4-BE49-F238E27FC236}">
+                <a16:creationId xmlns:a16="http://schemas.microsoft.com/office/drawing/2014/main" id="{B04DBA88-A8AD-49F3-AD35-FD47FF57E973}"/>
+              </a:ext>
+            </a:extLst>
+          </p:cNvPr>
+          <p:cNvGrpSpPr/>
+          <p:nvPr/>
+        </p:nvGrpSpPr>
+        <p:grpSpPr>
+          <a:xfrm rot="16002238">
+            <a:off x="9188428" y="4405355"/>
+            <a:ext cx="625119" cy="196822"/>
+            <a:chOff x="9291825" y="3220117"/>
+            <a:chExt cx="625119" cy="196822"/>
+          </a:xfrm>
+        </p:grpSpPr>
+        <p:sp>
+          <p:nvSpPr>
+            <p:cNvPr id="53" name="Rectangle 52">
+              <a:extLst>
+                <a:ext uri="{FF2B5EF4-FFF2-40B4-BE49-F238E27FC236}">
+                  <a16:creationId xmlns:a16="http://schemas.microsoft.com/office/drawing/2014/main" id="{4142AD62-3ECD-4649-A27C-5A98B14DD078}"/>
+                </a:ext>
+              </a:extLst>
+            </p:cNvPr>
+            <p:cNvSpPr/>
+            <p:nvPr/>
+          </p:nvSpPr>
+          <p:spPr>
+            <a:xfrm rot="20733217">
+              <a:off x="9291825" y="3237819"/>
+              <a:ext cx="517241" cy="179120"/>
+            </a:xfrm>
+            <a:prstGeom prst="rect">
+              <a:avLst/>
+            </a:prstGeom>
+          </p:spPr>
+          <p:style>
+            <a:lnRef idx="2">
+              <a:schemeClr val="accent1">
+                <a:shade val="50000"/>
+              </a:schemeClr>
+            </a:lnRef>
+            <a:fillRef idx="1">
+              <a:schemeClr val="accent1"/>
+            </a:fillRef>
+            <a:effectRef idx="0">
+              <a:schemeClr val="accent1"/>
+            </a:effectRef>
+            <a:fontRef idx="minor">
+              <a:schemeClr val="lt1"/>
+            </a:fontRef>
+          </p:style>
+          <p:txBody>
+            <a:bodyPr rtlCol="0" anchor="ctr"/>
+            <a:lstStyle/>
+            <a:p>
+              <a:pPr algn="ctr"/>
+              <a:r>
+                <a:rPr lang="en-US" sz="1400" dirty="0"/>
+                <a:t>125</a:t>
+              </a:r>
+            </a:p>
+          </p:txBody>
+        </p:sp>
+        <p:sp>
+          <p:nvSpPr>
+            <p:cNvPr id="54" name="Oval 53">
+              <a:extLst>
+                <a:ext uri="{FF2B5EF4-FFF2-40B4-BE49-F238E27FC236}">
+                  <a16:creationId xmlns:a16="http://schemas.microsoft.com/office/drawing/2014/main" id="{7C4429C9-D445-4547-AA17-EBF101B12EAF}"/>
+                </a:ext>
+              </a:extLst>
+            </p:cNvPr>
+            <p:cNvSpPr/>
+            <p:nvPr/>
+          </p:nvSpPr>
+          <p:spPr>
+            <a:xfrm>
+              <a:off x="9862758" y="3220117"/>
+              <a:ext cx="54186" cy="46399"/>
+            </a:xfrm>
+            <a:prstGeom prst="ellipse">
+              <a:avLst/>
+            </a:prstGeom>
+            <a:solidFill>
+              <a:schemeClr val="accent3">
+                <a:lumMod val="40000"/>
+                <a:lumOff val="60000"/>
+              </a:schemeClr>
+            </a:solidFill>
+            <a:ln>
+              <a:solidFill>
+                <a:schemeClr val="accent3">
+                  <a:lumMod val="40000"/>
+                  <a:lumOff val="60000"/>
+                </a:schemeClr>
+              </a:solidFill>
+            </a:ln>
+          </p:spPr>
+          <p:style>
+            <a:lnRef idx="2">
+              <a:schemeClr val="accent1">
+                <a:shade val="50000"/>
+              </a:schemeClr>
+            </a:lnRef>
+            <a:fillRef idx="1">
+              <a:schemeClr val="accent1"/>
+            </a:fillRef>
+            <a:effectRef idx="0">
+              <a:schemeClr val="accent1"/>
+            </a:effectRef>
+            <a:fontRef idx="minor">
+              <a:schemeClr val="lt1"/>
+            </a:fontRef>
+          </p:style>
+          <p:txBody>
+            <a:bodyPr rtlCol="0" anchor="ctr"/>
+            <a:lstStyle/>
+            <a:p>
+              <a:pPr algn="ctr"/>
+              <a:endParaRPr lang="en-US"/>
+            </a:p>
+          </p:txBody>
+        </p:sp>
+      </p:grpSp>
+      <p:grpSp>
+        <p:nvGrpSpPr>
+          <p:cNvPr id="56" name="Group 55">
+            <a:extLst>
+              <a:ext uri="{FF2B5EF4-FFF2-40B4-BE49-F238E27FC236}">
+                <a16:creationId xmlns:a16="http://schemas.microsoft.com/office/drawing/2014/main" id="{E1AF638D-735F-4536-B73B-F32E832A28DF}"/>
+              </a:ext>
+            </a:extLst>
+          </p:cNvPr>
+          <p:cNvGrpSpPr/>
+          <p:nvPr/>
+        </p:nvGrpSpPr>
+        <p:grpSpPr>
+          <a:xfrm rot="16019730">
+            <a:off x="9454507" y="5131573"/>
+            <a:ext cx="534377" cy="189534"/>
+            <a:chOff x="9382567" y="3220117"/>
+            <a:chExt cx="534377" cy="189534"/>
+          </a:xfrm>
+        </p:grpSpPr>
+        <p:sp>
+          <p:nvSpPr>
+            <p:cNvPr id="62" name="Rectangle 61">
+              <a:extLst>
+                <a:ext uri="{FF2B5EF4-FFF2-40B4-BE49-F238E27FC236}">
+                  <a16:creationId xmlns:a16="http://schemas.microsoft.com/office/drawing/2014/main" id="{56735BF1-CF31-4710-84EE-6F1A55C9FF1C}"/>
+                </a:ext>
+              </a:extLst>
+            </p:cNvPr>
+            <p:cNvSpPr/>
+            <p:nvPr/>
+          </p:nvSpPr>
+          <p:spPr>
+            <a:xfrm rot="20746898">
+              <a:off x="9382567" y="3230531"/>
+              <a:ext cx="517241" cy="179120"/>
+            </a:xfrm>
+            <a:prstGeom prst="rect">
+              <a:avLst/>
+            </a:prstGeom>
+          </p:spPr>
+          <p:style>
+            <a:lnRef idx="2">
+              <a:schemeClr val="accent1">
+                <a:shade val="50000"/>
+              </a:schemeClr>
+            </a:lnRef>
+            <a:fillRef idx="1">
+              <a:schemeClr val="accent1"/>
+            </a:fillRef>
+            <a:effectRef idx="0">
+              <a:schemeClr val="accent1"/>
+            </a:effectRef>
+            <a:fontRef idx="minor">
+              <a:schemeClr val="lt1"/>
+            </a:fontRef>
+          </p:style>
+          <p:txBody>
+            <a:bodyPr rtlCol="0" anchor="ctr"/>
+            <a:lstStyle/>
+            <a:p>
+              <a:pPr algn="ctr"/>
+              <a:r>
+                <a:rPr lang="en-US" sz="1200" dirty="0"/>
+                <a:t>KCX</a:t>
+              </a:r>
+            </a:p>
+          </p:txBody>
+        </p:sp>
+        <p:sp>
+          <p:nvSpPr>
+            <p:cNvPr id="67" name="Oval 66">
+              <a:extLst>
+                <a:ext uri="{FF2B5EF4-FFF2-40B4-BE49-F238E27FC236}">
+                  <a16:creationId xmlns:a16="http://schemas.microsoft.com/office/drawing/2014/main" id="{95D5D68C-932B-4EC0-BF88-A597B0846764}"/>
+                </a:ext>
+              </a:extLst>
+            </p:cNvPr>
+            <p:cNvSpPr/>
+            <p:nvPr/>
+          </p:nvSpPr>
+          <p:spPr>
+            <a:xfrm>
+              <a:off x="9862758" y="3220117"/>
+              <a:ext cx="54186" cy="46399"/>
+            </a:xfrm>
+            <a:prstGeom prst="ellipse">
+              <a:avLst/>
+            </a:prstGeom>
+            <a:solidFill>
+              <a:schemeClr val="accent3">
+                <a:lumMod val="40000"/>
+                <a:lumOff val="60000"/>
+              </a:schemeClr>
+            </a:solidFill>
+            <a:ln>
+              <a:solidFill>
+                <a:schemeClr val="accent3">
+                  <a:lumMod val="40000"/>
+                  <a:lumOff val="60000"/>
+                </a:schemeClr>
+              </a:solidFill>
+            </a:ln>
+          </p:spPr>
+          <p:style>
+            <a:lnRef idx="2">
+              <a:schemeClr val="accent1">
+                <a:shade val="50000"/>
+              </a:schemeClr>
+            </a:lnRef>
+            <a:fillRef idx="1">
+              <a:schemeClr val="accent1"/>
+            </a:fillRef>
+            <a:effectRef idx="0">
+              <a:schemeClr val="accent1"/>
+            </a:effectRef>
+            <a:fontRef idx="minor">
+              <a:schemeClr val="lt1"/>
+            </a:fontRef>
+          </p:style>
+          <p:txBody>
+            <a:bodyPr rtlCol="0" anchor="ctr"/>
+            <a:lstStyle/>
+            <a:p>
+              <a:pPr algn="ctr"/>
+              <a:endParaRPr lang="en-US" sz="1200"/>
+            </a:p>
+          </p:txBody>
+        </p:sp>
+      </p:grpSp>
+      <p:cxnSp>
+        <p:nvCxnSpPr>
+          <p:cNvPr id="68" name="Straight Connector 67">
+            <a:extLst>
+              <a:ext uri="{FF2B5EF4-FFF2-40B4-BE49-F238E27FC236}">
+                <a16:creationId xmlns:a16="http://schemas.microsoft.com/office/drawing/2014/main" id="{592A5585-44FF-421D-B21D-91F2D6750263}"/>
+              </a:ext>
+            </a:extLst>
+          </p:cNvPr>
+          <p:cNvCxnSpPr>
+            <a:cxnSpLocks/>
+            <a:endCxn id="52" idx="1"/>
+          </p:cNvCxnSpPr>
+          <p:nvPr/>
+        </p:nvCxnSpPr>
+        <p:spPr>
+          <a:xfrm flipH="1" flipV="1">
+            <a:off x="9825411" y="2798509"/>
+            <a:ext cx="37347" cy="2579607"/>
+          </a:xfrm>
+          <a:prstGeom prst="line">
+            <a:avLst/>
+          </a:prstGeom>
+          <a:ln w="15875">
+            <a:solidFill>
+              <a:schemeClr val="tx1"/>
+            </a:solidFill>
+          </a:ln>
+        </p:spPr>
+        <p:style>
+          <a:lnRef idx="3">
+            <a:schemeClr val="accent2"/>
+          </a:lnRef>
+          <a:fillRef idx="0">
+            <a:schemeClr val="accent2"/>
+          </a:fillRef>
+          <a:effectRef idx="2">
+            <a:schemeClr val="accent2"/>
+          </a:effectRef>
+          <a:fontRef idx="minor">
+            <a:schemeClr val="tx1"/>
+          </a:fontRef>
+        </p:style>
+      </p:cxnSp>
+      <p:sp>
+        <p:nvSpPr>
+          <p:cNvPr id="8" name="Oval 7">
+            <a:extLst>
+              <a:ext uri="{FF2B5EF4-FFF2-40B4-BE49-F238E27FC236}">
+                <a16:creationId xmlns:a16="http://schemas.microsoft.com/office/drawing/2014/main" id="{9C327828-4F9E-4BCA-A24F-DAF8872F1608}"/>
+              </a:ext>
+            </a:extLst>
+          </p:cNvPr>
+          <p:cNvSpPr/>
+          <p:nvPr/>
+        </p:nvSpPr>
+        <p:spPr>
+          <a:xfrm>
+            <a:off x="9834683" y="5327657"/>
+            <a:ext cx="54186" cy="46399"/>
+          </a:xfrm>
+          <a:prstGeom prst="ellipse">
+            <a:avLst/>
+          </a:prstGeom>
+          <a:solidFill>
+            <a:schemeClr val="tx1"/>
+          </a:solidFill>
+          <a:ln>
+            <a:solidFill>
+              <a:schemeClr val="tx1"/>
+            </a:solidFill>
+          </a:ln>
+        </p:spPr>
+        <p:style>
+          <a:lnRef idx="2">
+            <a:schemeClr val="accent1">
+              <a:shade val="50000"/>
+            </a:schemeClr>
+          </a:lnRef>
+          <a:fillRef idx="1">
+            <a:schemeClr val="accent1"/>
+          </a:fillRef>
+          <a:effectRef idx="0">
+            <a:schemeClr val="accent1"/>
+          </a:effectRef>
+          <a:fontRef idx="minor">
+            <a:schemeClr val="lt1"/>
+          </a:fontRef>
+        </p:style>
+        <p:txBody>
+          <a:bodyPr rtlCol="0" anchor="ctr"/>
+          <a:lstStyle/>
+          <a:p>
+            <a:pPr algn="ctr"/>
+            <a:endParaRPr lang="en-US"/>
+          </a:p>
+        </p:txBody>
+      </p:sp>
     </p:spTree>
     <p:extLst>
       <p:ext uri="{BB962C8B-B14F-4D97-AF65-F5344CB8AC3E}">
@@ -12789,7 +13463,7 @@
         </p:nvSpPr>
         <p:spPr>
           <a:xfrm>
-            <a:off x="7754351" y="2267953"/>
+            <a:off x="7754351" y="2277478"/>
             <a:ext cx="3459278" cy="4120813"/>
           </a:xfrm>
           <a:prstGeom prst="rect">
@@ -13974,12 +14648,699 @@
           </p:txBody>
         </p:sp>
       </p:grpSp>
+      <p:sp>
+        <p:nvSpPr>
+          <p:cNvPr id="55" name="Rectangle: Rounded Corners 54">
+            <a:extLst>
+              <a:ext uri="{FF2B5EF4-FFF2-40B4-BE49-F238E27FC236}">
+                <a16:creationId xmlns:a16="http://schemas.microsoft.com/office/drawing/2014/main" id="{B306E072-EBFC-4FBC-9F87-8608F41518B1}"/>
+              </a:ext>
+            </a:extLst>
+          </p:cNvPr>
+          <p:cNvSpPr/>
+          <p:nvPr/>
+        </p:nvSpPr>
+        <p:spPr>
+          <a:xfrm rot="20538065">
+            <a:off x="9943038" y="4757349"/>
+            <a:ext cx="134315" cy="180926"/>
+          </a:xfrm>
+          <a:prstGeom prst="roundRect">
+            <a:avLst/>
+          </a:prstGeom>
+          <a:solidFill>
+            <a:schemeClr val="bg1"/>
+          </a:solidFill>
+        </p:spPr>
+        <p:style>
+          <a:lnRef idx="2">
+            <a:schemeClr val="accent1">
+              <a:shade val="50000"/>
+            </a:schemeClr>
+          </a:lnRef>
+          <a:fillRef idx="1">
+            <a:schemeClr val="accent1"/>
+          </a:fillRef>
+          <a:effectRef idx="0">
+            <a:schemeClr val="accent1"/>
+          </a:effectRef>
+          <a:fontRef idx="minor">
+            <a:schemeClr val="lt1"/>
+          </a:fontRef>
+        </p:style>
+        <p:txBody>
+          <a:bodyPr rtlCol="0" anchor="ctr"/>
+          <a:lstStyle/>
+          <a:p>
+            <a:pPr algn="ctr"/>
+            <a:endParaRPr lang="en-US"/>
+          </a:p>
+        </p:txBody>
+      </p:sp>
+      <p:sp>
+        <p:nvSpPr>
+          <p:cNvPr id="56" name="TextBox 55">
+            <a:extLst>
+              <a:ext uri="{FF2B5EF4-FFF2-40B4-BE49-F238E27FC236}">
+                <a16:creationId xmlns:a16="http://schemas.microsoft.com/office/drawing/2014/main" id="{B53D8B39-2588-4EA9-93AD-6404F13A465A}"/>
+              </a:ext>
+            </a:extLst>
+          </p:cNvPr>
+          <p:cNvSpPr txBox="1"/>
+          <p:nvPr/>
+        </p:nvSpPr>
+        <p:spPr>
+          <a:xfrm rot="20266484">
+            <a:off x="9895418" y="4241706"/>
+            <a:ext cx="290464" cy="215444"/>
+          </a:xfrm>
+          <a:prstGeom prst="rect">
+            <a:avLst/>
+          </a:prstGeom>
+          <a:noFill/>
+        </p:spPr>
+        <p:txBody>
+          <a:bodyPr wrap="none" rtlCol="0">
+            <a:spAutoFit/>
+          </a:bodyPr>
+          <a:lstStyle/>
+          <a:p>
+            <a:r>
+              <a:rPr lang="en-US" sz="800" dirty="0">
+                <a:solidFill>
+                  <a:schemeClr val="bg1"/>
+                </a:solidFill>
+              </a:rPr>
+              <a:t>IN</a:t>
+            </a:r>
+          </a:p>
+        </p:txBody>
+      </p:sp>
+      <p:cxnSp>
+        <p:nvCxnSpPr>
+          <p:cNvPr id="62" name="Straight Connector 61">
+            <a:extLst>
+              <a:ext uri="{FF2B5EF4-FFF2-40B4-BE49-F238E27FC236}">
+                <a16:creationId xmlns:a16="http://schemas.microsoft.com/office/drawing/2014/main" id="{1F631310-DCD5-417A-9847-541A5181DE6A}"/>
+              </a:ext>
+            </a:extLst>
+          </p:cNvPr>
+          <p:cNvCxnSpPr>
+            <a:cxnSpLocks/>
+            <a:stCxn id="57" idx="7"/>
+          </p:cNvCxnSpPr>
+          <p:nvPr/>
+        </p:nvCxnSpPr>
+        <p:spPr>
+          <a:xfrm flipV="1">
+            <a:off x="9994142" y="5201325"/>
+            <a:ext cx="667085" cy="201762"/>
+          </a:xfrm>
+          <a:prstGeom prst="line">
+            <a:avLst/>
+          </a:prstGeom>
+          <a:ln w="15875">
+            <a:solidFill>
+              <a:schemeClr val="tx1"/>
+            </a:solidFill>
+          </a:ln>
+        </p:spPr>
+        <p:style>
+          <a:lnRef idx="3">
+            <a:schemeClr val="accent2"/>
+          </a:lnRef>
+          <a:fillRef idx="0">
+            <a:schemeClr val="accent2"/>
+          </a:fillRef>
+          <a:effectRef idx="2">
+            <a:schemeClr val="accent2"/>
+          </a:effectRef>
+          <a:fontRef idx="minor">
+            <a:schemeClr val="tx1"/>
+          </a:fontRef>
+        </p:style>
+      </p:cxnSp>
+      <p:sp>
+        <p:nvSpPr>
+          <p:cNvPr id="69" name="Rectangle 68">
+            <a:extLst>
+              <a:ext uri="{FF2B5EF4-FFF2-40B4-BE49-F238E27FC236}">
+                <a16:creationId xmlns:a16="http://schemas.microsoft.com/office/drawing/2014/main" id="{51135268-9437-4242-A479-B27805A6C787}"/>
+              </a:ext>
+            </a:extLst>
+          </p:cNvPr>
+          <p:cNvSpPr/>
+          <p:nvPr/>
+        </p:nvSpPr>
+        <p:spPr>
+          <a:xfrm>
+            <a:off x="9922269" y="2576357"/>
+            <a:ext cx="91440" cy="27432"/>
+          </a:xfrm>
+          <a:prstGeom prst="rect">
+            <a:avLst/>
+          </a:prstGeom>
+          <a:solidFill>
+            <a:srgbClr val="00B0F0"/>
+          </a:solidFill>
+          <a:ln>
+            <a:solidFill>
+              <a:schemeClr val="tx1"/>
+            </a:solidFill>
+          </a:ln>
+        </p:spPr>
+        <p:style>
+          <a:lnRef idx="2">
+            <a:schemeClr val="accent1">
+              <a:shade val="50000"/>
+            </a:schemeClr>
+          </a:lnRef>
+          <a:fillRef idx="1">
+            <a:schemeClr val="accent1"/>
+          </a:fillRef>
+          <a:effectRef idx="0">
+            <a:schemeClr val="accent1"/>
+          </a:effectRef>
+          <a:fontRef idx="minor">
+            <a:schemeClr val="lt1"/>
+          </a:fontRef>
+        </p:style>
+        <p:txBody>
+          <a:bodyPr rtlCol="0" anchor="ctr"/>
+          <a:lstStyle/>
+          <a:p>
+            <a:pPr algn="ctr"/>
+            <a:endParaRPr lang="en-US"/>
+          </a:p>
+        </p:txBody>
+      </p:sp>
+      <p:sp>
+        <p:nvSpPr>
+          <p:cNvPr id="70" name="Rectangle 69">
+            <a:extLst>
+              <a:ext uri="{FF2B5EF4-FFF2-40B4-BE49-F238E27FC236}">
+                <a16:creationId xmlns:a16="http://schemas.microsoft.com/office/drawing/2014/main" id="{AF569026-DEE6-43BD-875A-BFDA0E292F15}"/>
+              </a:ext>
+            </a:extLst>
+          </p:cNvPr>
+          <p:cNvSpPr/>
+          <p:nvPr/>
+        </p:nvSpPr>
+        <p:spPr>
+          <a:xfrm rot="20609329">
+            <a:off x="9760213" y="4494658"/>
+            <a:ext cx="557060" cy="45719"/>
+          </a:xfrm>
+          <a:prstGeom prst="rect">
+            <a:avLst/>
+          </a:prstGeom>
+          <a:solidFill>
+            <a:schemeClr val="accent4">
+              <a:lumMod val="60000"/>
+              <a:lumOff val="40000"/>
+            </a:schemeClr>
+          </a:solidFill>
+          <a:ln>
+            <a:solidFill>
+              <a:schemeClr val="tx1"/>
+            </a:solidFill>
+          </a:ln>
+        </p:spPr>
+        <p:style>
+          <a:lnRef idx="2">
+            <a:schemeClr val="accent1">
+              <a:shade val="50000"/>
+            </a:schemeClr>
+          </a:lnRef>
+          <a:fillRef idx="1">
+            <a:schemeClr val="accent1"/>
+          </a:fillRef>
+          <a:effectRef idx="0">
+            <a:schemeClr val="accent1"/>
+          </a:effectRef>
+          <a:fontRef idx="minor">
+            <a:schemeClr val="lt1"/>
+          </a:fontRef>
+        </p:style>
+        <p:txBody>
+          <a:bodyPr rtlCol="0" anchor="ctr"/>
+          <a:lstStyle/>
+          <a:p>
+            <a:pPr algn="ctr"/>
+            <a:endParaRPr lang="en-US"/>
+          </a:p>
+        </p:txBody>
+      </p:sp>
+      <p:sp>
+        <p:nvSpPr>
+          <p:cNvPr id="71" name="Rectangle 70">
+            <a:extLst>
+              <a:ext uri="{FF2B5EF4-FFF2-40B4-BE49-F238E27FC236}">
+                <a16:creationId xmlns:a16="http://schemas.microsoft.com/office/drawing/2014/main" id="{8BCBB731-20A8-4AE9-BF61-F32467863BCA}"/>
+              </a:ext>
+            </a:extLst>
+          </p:cNvPr>
+          <p:cNvSpPr/>
+          <p:nvPr/>
+        </p:nvSpPr>
+        <p:spPr>
+          <a:xfrm rot="5400000">
+            <a:off x="9791906" y="2735455"/>
+            <a:ext cx="288758" cy="27432"/>
+          </a:xfrm>
+          <a:prstGeom prst="rect">
+            <a:avLst/>
+          </a:prstGeom>
+          <a:solidFill>
+            <a:srgbClr val="00B0F0"/>
+          </a:solidFill>
+          <a:ln>
+            <a:solidFill>
+              <a:schemeClr val="tx1"/>
+            </a:solidFill>
+          </a:ln>
+        </p:spPr>
+        <p:style>
+          <a:lnRef idx="2">
+            <a:schemeClr val="accent1">
+              <a:shade val="50000"/>
+            </a:schemeClr>
+          </a:lnRef>
+          <a:fillRef idx="1">
+            <a:schemeClr val="accent1"/>
+          </a:fillRef>
+          <a:effectRef idx="0">
+            <a:schemeClr val="accent1"/>
+          </a:effectRef>
+          <a:fontRef idx="minor">
+            <a:schemeClr val="lt1"/>
+          </a:fontRef>
+        </p:style>
+        <p:txBody>
+          <a:bodyPr rtlCol="0" anchor="ctr"/>
+          <a:lstStyle/>
+          <a:p>
+            <a:pPr algn="ctr"/>
+            <a:endParaRPr lang="en-US"/>
+          </a:p>
+        </p:txBody>
+      </p:sp>
+      <p:sp>
+        <p:nvSpPr>
+          <p:cNvPr id="72" name="Rectangle 71">
+            <a:extLst>
+              <a:ext uri="{FF2B5EF4-FFF2-40B4-BE49-F238E27FC236}">
+                <a16:creationId xmlns:a16="http://schemas.microsoft.com/office/drawing/2014/main" id="{D49EE48B-809C-4022-8A93-0300F2CFFC33}"/>
+              </a:ext>
+            </a:extLst>
+          </p:cNvPr>
+          <p:cNvSpPr/>
+          <p:nvPr/>
+        </p:nvSpPr>
+        <p:spPr>
+          <a:xfrm rot="4466416">
+            <a:off x="9178371" y="3877979"/>
+            <a:ext cx="2077891" cy="27432"/>
+          </a:xfrm>
+          <a:prstGeom prst="rect">
+            <a:avLst/>
+          </a:prstGeom>
+          <a:solidFill>
+            <a:srgbClr val="00B0F0"/>
+          </a:solidFill>
+          <a:ln>
+            <a:solidFill>
+              <a:schemeClr val="tx1"/>
+            </a:solidFill>
+          </a:ln>
+        </p:spPr>
+        <p:style>
+          <a:lnRef idx="2">
+            <a:schemeClr val="accent1">
+              <a:shade val="50000"/>
+            </a:schemeClr>
+          </a:lnRef>
+          <a:fillRef idx="1">
+            <a:schemeClr val="accent1"/>
+          </a:fillRef>
+          <a:effectRef idx="0">
+            <a:schemeClr val="accent1"/>
+          </a:effectRef>
+          <a:fontRef idx="minor">
+            <a:schemeClr val="lt1"/>
+          </a:fontRef>
+        </p:style>
+        <p:txBody>
+          <a:bodyPr rtlCol="0" anchor="ctr"/>
+          <a:lstStyle/>
+          <a:p>
+            <a:pPr algn="ctr"/>
+            <a:endParaRPr lang="en-US"/>
+          </a:p>
+        </p:txBody>
+      </p:sp>
+      <p:sp>
+        <p:nvSpPr>
+          <p:cNvPr id="73" name="Rectangle 72">
+            <a:extLst>
+              <a:ext uri="{FF2B5EF4-FFF2-40B4-BE49-F238E27FC236}">
+                <a16:creationId xmlns:a16="http://schemas.microsoft.com/office/drawing/2014/main" id="{4811DBD5-B0A8-409D-94F7-890B0082D7BE}"/>
+              </a:ext>
+            </a:extLst>
+          </p:cNvPr>
+          <p:cNvSpPr/>
+          <p:nvPr/>
+        </p:nvSpPr>
+        <p:spPr>
+          <a:xfrm rot="5340000">
+            <a:off x="10085813" y="5291243"/>
+            <a:ext cx="822960" cy="27432"/>
+          </a:xfrm>
+          <a:prstGeom prst="rect">
+            <a:avLst/>
+          </a:prstGeom>
+          <a:solidFill>
+            <a:srgbClr val="00B0F0"/>
+          </a:solidFill>
+          <a:ln>
+            <a:solidFill>
+              <a:schemeClr val="tx1"/>
+            </a:solidFill>
+          </a:ln>
+        </p:spPr>
+        <p:style>
+          <a:lnRef idx="2">
+            <a:schemeClr val="accent1">
+              <a:shade val="50000"/>
+            </a:schemeClr>
+          </a:lnRef>
+          <a:fillRef idx="1">
+            <a:schemeClr val="accent1"/>
+          </a:fillRef>
+          <a:effectRef idx="0">
+            <a:schemeClr val="accent1"/>
+          </a:effectRef>
+          <a:fontRef idx="minor">
+            <a:schemeClr val="lt1"/>
+          </a:fontRef>
+        </p:style>
+        <p:txBody>
+          <a:bodyPr rtlCol="0" anchor="ctr"/>
+          <a:lstStyle/>
+          <a:p>
+            <a:pPr algn="ctr"/>
+            <a:endParaRPr lang="en-US"/>
+          </a:p>
+        </p:txBody>
+      </p:sp>
+      <p:sp>
+        <p:nvSpPr>
+          <p:cNvPr id="58" name="Oval 57">
+            <a:extLst>
+              <a:ext uri="{FF2B5EF4-FFF2-40B4-BE49-F238E27FC236}">
+                <a16:creationId xmlns:a16="http://schemas.microsoft.com/office/drawing/2014/main" id="{F924471A-2662-4AD1-AE64-B68EB9837B09}"/>
+              </a:ext>
+            </a:extLst>
+          </p:cNvPr>
+          <p:cNvSpPr/>
+          <p:nvPr/>
+        </p:nvSpPr>
+        <p:spPr>
+          <a:xfrm>
+            <a:off x="10482369" y="5694909"/>
+            <a:ext cx="54186" cy="46399"/>
+          </a:xfrm>
+          <a:prstGeom prst="ellipse">
+            <a:avLst/>
+          </a:prstGeom>
+          <a:solidFill>
+            <a:srgbClr val="00B0F0"/>
+          </a:solidFill>
+          <a:ln>
+            <a:solidFill>
+              <a:schemeClr val="tx1"/>
+            </a:solidFill>
+          </a:ln>
+        </p:spPr>
+        <p:style>
+          <a:lnRef idx="2">
+            <a:schemeClr val="accent1">
+              <a:shade val="50000"/>
+            </a:schemeClr>
+          </a:lnRef>
+          <a:fillRef idx="1">
+            <a:schemeClr val="accent1"/>
+          </a:fillRef>
+          <a:effectRef idx="0">
+            <a:schemeClr val="accent1"/>
+          </a:effectRef>
+          <a:fontRef idx="minor">
+            <a:schemeClr val="lt1"/>
+          </a:fontRef>
+        </p:style>
+        <p:txBody>
+          <a:bodyPr rtlCol="0" anchor="ctr"/>
+          <a:lstStyle/>
+          <a:p>
+            <a:pPr algn="ctr"/>
+            <a:endParaRPr lang="en-US"/>
+          </a:p>
+        </p:txBody>
+      </p:sp>
+      <p:sp>
+        <p:nvSpPr>
+          <p:cNvPr id="76" name="Rectangle 75">
+            <a:extLst>
+              <a:ext uri="{FF2B5EF4-FFF2-40B4-BE49-F238E27FC236}">
+                <a16:creationId xmlns:a16="http://schemas.microsoft.com/office/drawing/2014/main" id="{4F469AEE-F40E-49C6-BB79-D07E78F2588A}"/>
+              </a:ext>
+            </a:extLst>
+          </p:cNvPr>
+          <p:cNvSpPr/>
+          <p:nvPr/>
+        </p:nvSpPr>
+        <p:spPr>
+          <a:xfrm rot="4447114">
+            <a:off x="9027820" y="3486930"/>
+            <a:ext cx="2011680" cy="27432"/>
+          </a:xfrm>
+          <a:prstGeom prst="rect">
+            <a:avLst/>
+          </a:prstGeom>
+          <a:solidFill>
+            <a:schemeClr val="accent4">
+              <a:lumMod val="60000"/>
+              <a:lumOff val="40000"/>
+            </a:schemeClr>
+          </a:solidFill>
+          <a:ln>
+            <a:solidFill>
+              <a:schemeClr val="tx1"/>
+            </a:solidFill>
+          </a:ln>
+        </p:spPr>
+        <p:style>
+          <a:lnRef idx="2">
+            <a:schemeClr val="accent1">
+              <a:shade val="50000"/>
+            </a:schemeClr>
+          </a:lnRef>
+          <a:fillRef idx="1">
+            <a:schemeClr val="accent1"/>
+          </a:fillRef>
+          <a:effectRef idx="0">
+            <a:schemeClr val="accent1"/>
+          </a:effectRef>
+          <a:fontRef idx="minor">
+            <a:schemeClr val="lt1"/>
+          </a:fontRef>
+        </p:style>
+        <p:txBody>
+          <a:bodyPr rtlCol="0" anchor="ctr"/>
+          <a:lstStyle/>
+          <a:p>
+            <a:pPr algn="ctr"/>
+            <a:endParaRPr lang="en-US"/>
+          </a:p>
+        </p:txBody>
+      </p:sp>
+      <p:sp>
+        <p:nvSpPr>
+          <p:cNvPr id="77" name="Rectangle 76">
+            <a:extLst>
+              <a:ext uri="{FF2B5EF4-FFF2-40B4-BE49-F238E27FC236}">
+                <a16:creationId xmlns:a16="http://schemas.microsoft.com/office/drawing/2014/main" id="{80057571-BD9A-416E-BE75-1E87664C1AB4}"/>
+              </a:ext>
+            </a:extLst>
+          </p:cNvPr>
+          <p:cNvSpPr/>
+          <p:nvPr/>
+        </p:nvSpPr>
+        <p:spPr>
+          <a:xfrm rot="4629049">
+            <a:off x="9459339" y="4977150"/>
+            <a:ext cx="841763" cy="45719"/>
+          </a:xfrm>
+          <a:prstGeom prst="rect">
+            <a:avLst/>
+          </a:prstGeom>
+          <a:solidFill>
+            <a:schemeClr val="accent4">
+              <a:lumMod val="60000"/>
+              <a:lumOff val="40000"/>
+            </a:schemeClr>
+          </a:solidFill>
+          <a:ln>
+            <a:solidFill>
+              <a:schemeClr val="tx1"/>
+            </a:solidFill>
+          </a:ln>
+        </p:spPr>
+        <p:style>
+          <a:lnRef idx="2">
+            <a:schemeClr val="accent1">
+              <a:shade val="50000"/>
+            </a:schemeClr>
+          </a:lnRef>
+          <a:fillRef idx="1">
+            <a:schemeClr val="accent1"/>
+          </a:fillRef>
+          <a:effectRef idx="0">
+            <a:schemeClr val="accent1"/>
+          </a:effectRef>
+          <a:fontRef idx="minor">
+            <a:schemeClr val="lt1"/>
+          </a:fontRef>
+        </p:style>
+        <p:txBody>
+          <a:bodyPr rtlCol="0" anchor="ctr"/>
+          <a:lstStyle/>
+          <a:p>
+            <a:pPr algn="ctr"/>
+            <a:endParaRPr lang="en-US"/>
+          </a:p>
+        </p:txBody>
+      </p:sp>
+      <p:sp>
+        <p:nvSpPr>
+          <p:cNvPr id="57" name="Oval 56">
+            <a:extLst>
+              <a:ext uri="{FF2B5EF4-FFF2-40B4-BE49-F238E27FC236}">
+                <a16:creationId xmlns:a16="http://schemas.microsoft.com/office/drawing/2014/main" id="{1B115DB7-8A47-4148-9B5E-43BEEC54CB17}"/>
+              </a:ext>
+            </a:extLst>
+          </p:cNvPr>
+          <p:cNvSpPr/>
+          <p:nvPr/>
+        </p:nvSpPr>
+        <p:spPr>
+          <a:xfrm>
+            <a:off x="9947891" y="5396292"/>
+            <a:ext cx="54186" cy="46399"/>
+          </a:xfrm>
+          <a:prstGeom prst="ellipse">
+            <a:avLst/>
+          </a:prstGeom>
+          <a:solidFill>
+            <a:schemeClr val="accent4">
+              <a:lumMod val="60000"/>
+              <a:lumOff val="40000"/>
+            </a:schemeClr>
+          </a:solidFill>
+          <a:ln>
+            <a:solidFill>
+              <a:schemeClr val="tx1"/>
+            </a:solidFill>
+          </a:ln>
+        </p:spPr>
+        <p:style>
+          <a:lnRef idx="2">
+            <a:schemeClr val="accent1">
+              <a:shade val="50000"/>
+            </a:schemeClr>
+          </a:lnRef>
+          <a:fillRef idx="1">
+            <a:schemeClr val="accent1"/>
+          </a:fillRef>
+          <a:effectRef idx="0">
+            <a:schemeClr val="accent1"/>
+          </a:effectRef>
+          <a:fontRef idx="minor">
+            <a:schemeClr val="lt1"/>
+          </a:fontRef>
+        </p:style>
+        <p:txBody>
+          <a:bodyPr rtlCol="0" anchor="ctr"/>
+          <a:lstStyle/>
+          <a:p>
+            <a:pPr algn="ctr"/>
+            <a:endParaRPr lang="en-US"/>
+          </a:p>
+        </p:txBody>
+      </p:sp>
+      <p:sp>
+        <p:nvSpPr>
+          <p:cNvPr id="68" name="Rectangle 67">
+            <a:extLst>
+              <a:ext uri="{FF2B5EF4-FFF2-40B4-BE49-F238E27FC236}">
+                <a16:creationId xmlns:a16="http://schemas.microsoft.com/office/drawing/2014/main" id="{2F715723-D5C7-4528-8CC3-74C45A3A957A}"/>
+              </a:ext>
+            </a:extLst>
+          </p:cNvPr>
+          <p:cNvSpPr/>
+          <p:nvPr/>
+        </p:nvSpPr>
+        <p:spPr>
+          <a:xfrm>
+            <a:off x="9735777" y="2515329"/>
+            <a:ext cx="288758" cy="27432"/>
+          </a:xfrm>
+          <a:prstGeom prst="rect">
+            <a:avLst/>
+          </a:prstGeom>
+          <a:solidFill>
+            <a:schemeClr val="accent4">
+              <a:lumMod val="60000"/>
+              <a:lumOff val="40000"/>
+            </a:schemeClr>
+          </a:solidFill>
+          <a:ln>
+            <a:solidFill>
+              <a:schemeClr val="tx1"/>
+            </a:solidFill>
+          </a:ln>
+        </p:spPr>
+        <p:style>
+          <a:lnRef idx="2">
+            <a:schemeClr val="accent1">
+              <a:shade val="50000"/>
+            </a:schemeClr>
+          </a:lnRef>
+          <a:fillRef idx="1">
+            <a:schemeClr val="accent1"/>
+          </a:fillRef>
+          <a:effectRef idx="0">
+            <a:schemeClr val="accent1"/>
+          </a:effectRef>
+          <a:fontRef idx="minor">
+            <a:schemeClr val="lt1"/>
+          </a:fontRef>
+        </p:style>
+        <p:txBody>
+          <a:bodyPr rtlCol="0" anchor="ctr"/>
+          <a:lstStyle/>
+          <a:p>
+            <a:pPr algn="ctr"/>
+            <a:endParaRPr lang="en-US"/>
+          </a:p>
+        </p:txBody>
+      </p:sp>
       <p:grpSp>
         <p:nvGrpSpPr>
-          <p:cNvPr id="5" name="Group 4">
-            <a:extLst>
-              <a:ext uri="{FF2B5EF4-FFF2-40B4-BE49-F238E27FC236}">
-                <a16:creationId xmlns:a16="http://schemas.microsoft.com/office/drawing/2014/main" id="{5FB56CF7-699C-453D-9F45-FAD74CB8B4A5}"/>
+          <p:cNvPr id="49" name="Group 48">
+            <a:extLst>
+              <a:ext uri="{FF2B5EF4-FFF2-40B4-BE49-F238E27FC236}">
+                <a16:creationId xmlns:a16="http://schemas.microsoft.com/office/drawing/2014/main" id="{CE64B8D9-C060-4531-9BAC-0B2BDD0E2E78}"/>
               </a:ext>
             </a:extLst>
           </p:cNvPr>
@@ -13987,19 +15348,19 @@
           <p:nvPr/>
         </p:nvGrpSpPr>
         <p:grpSpPr>
-          <a:xfrm>
-            <a:off x="9382567" y="3220117"/>
-            <a:ext cx="534377" cy="189534"/>
-            <a:chOff x="9382567" y="3220117"/>
-            <a:chExt cx="534377" cy="189534"/>
+          <a:xfrm rot="16002238">
+            <a:off x="9188428" y="4405355"/>
+            <a:ext cx="625119" cy="196822"/>
+            <a:chOff x="9291825" y="3220117"/>
+            <a:chExt cx="625119" cy="196822"/>
           </a:xfrm>
         </p:grpSpPr>
         <p:sp>
           <p:nvSpPr>
-            <p:cNvPr id="42" name="Rectangle 41">
+            <p:cNvPr id="53" name="Rectangle 52">
               <a:extLst>
                 <a:ext uri="{FF2B5EF4-FFF2-40B4-BE49-F238E27FC236}">
-                  <a16:creationId xmlns:a16="http://schemas.microsoft.com/office/drawing/2014/main" id="{3E6C5A6E-736E-42A4-B5CE-F447F5C45F51}"/>
+                  <a16:creationId xmlns:a16="http://schemas.microsoft.com/office/drawing/2014/main" id="{A24448ED-8FC3-493B-8557-AD22ECB50EE0}"/>
                 </a:ext>
               </a:extLst>
             </p:cNvPr>
@@ -14007,8 +15368,8 @@
             <p:nvPr/>
           </p:nvSpPr>
           <p:spPr>
-            <a:xfrm rot="20675816">
-              <a:off x="9382567" y="3230531"/>
+            <a:xfrm rot="20733217">
+              <a:off x="9291825" y="3237819"/>
               <a:ext cx="517241" cy="179120"/>
             </a:xfrm>
             <a:prstGeom prst="rect">
@@ -14045,10 +15406,10 @@
         </p:sp>
         <p:sp>
           <p:nvSpPr>
-            <p:cNvPr id="52" name="Oval 51">
+            <p:cNvPr id="54" name="Oval 53">
               <a:extLst>
                 <a:ext uri="{FF2B5EF4-FFF2-40B4-BE49-F238E27FC236}">
-                  <a16:creationId xmlns:a16="http://schemas.microsoft.com/office/drawing/2014/main" id="{89D51F2C-7C36-4F60-9EC5-A788FAC285F7}"/>
+                  <a16:creationId xmlns:a16="http://schemas.microsoft.com/office/drawing/2014/main" id="{5400185D-899B-42CD-9008-E591B8B8F1B3}"/>
                 </a:ext>
               </a:extLst>
             </p:cNvPr>
@@ -14104,693 +15465,136 @@
           </p:txBody>
         </p:sp>
       </p:grpSp>
-      <p:sp>
-        <p:nvSpPr>
-          <p:cNvPr id="55" name="Rectangle: Rounded Corners 54">
-            <a:extLst>
-              <a:ext uri="{FF2B5EF4-FFF2-40B4-BE49-F238E27FC236}">
-                <a16:creationId xmlns:a16="http://schemas.microsoft.com/office/drawing/2014/main" id="{B306E072-EBFC-4FBC-9F87-8608F41518B1}"/>
-              </a:ext>
-            </a:extLst>
-          </p:cNvPr>
-          <p:cNvSpPr/>
+      <p:grpSp>
+        <p:nvGrpSpPr>
+          <p:cNvPr id="59" name="Group 58">
+            <a:extLst>
+              <a:ext uri="{FF2B5EF4-FFF2-40B4-BE49-F238E27FC236}">
+                <a16:creationId xmlns:a16="http://schemas.microsoft.com/office/drawing/2014/main" id="{BF046024-DEB6-499F-949F-508B22D80153}"/>
+              </a:ext>
+            </a:extLst>
+          </p:cNvPr>
+          <p:cNvGrpSpPr/>
           <p:nvPr/>
-        </p:nvSpPr>
-        <p:spPr>
-          <a:xfrm rot="20538065">
-            <a:off x="9943038" y="4757349"/>
-            <a:ext cx="134315" cy="180926"/>
-          </a:xfrm>
-          <a:prstGeom prst="roundRect">
-            <a:avLst/>
-          </a:prstGeom>
-          <a:solidFill>
-            <a:schemeClr val="bg1"/>
-          </a:solidFill>
-        </p:spPr>
-        <p:style>
-          <a:lnRef idx="2">
-            <a:schemeClr val="accent1">
-              <a:shade val="50000"/>
-            </a:schemeClr>
-          </a:lnRef>
-          <a:fillRef idx="1">
-            <a:schemeClr val="accent1"/>
-          </a:fillRef>
-          <a:effectRef idx="0">
-            <a:schemeClr val="accent1"/>
-          </a:effectRef>
-          <a:fontRef idx="minor">
-            <a:schemeClr val="lt1"/>
-          </a:fontRef>
-        </p:style>
-        <p:txBody>
-          <a:bodyPr rtlCol="0" anchor="ctr"/>
-          <a:lstStyle/>
-          <a:p>
-            <a:pPr algn="ctr"/>
-            <a:endParaRPr lang="en-US"/>
-          </a:p>
-        </p:txBody>
-      </p:sp>
-      <p:sp>
-        <p:nvSpPr>
-          <p:cNvPr id="56" name="TextBox 55">
-            <a:extLst>
-              <a:ext uri="{FF2B5EF4-FFF2-40B4-BE49-F238E27FC236}">
-                <a16:creationId xmlns:a16="http://schemas.microsoft.com/office/drawing/2014/main" id="{B53D8B39-2588-4EA9-93AD-6404F13A465A}"/>
-              </a:ext>
-            </a:extLst>
-          </p:cNvPr>
-          <p:cNvSpPr txBox="1"/>
-          <p:nvPr/>
-        </p:nvSpPr>
-        <p:spPr>
-          <a:xfrm rot="20266484">
-            <a:off x="9895418" y="4241706"/>
-            <a:ext cx="290464" cy="215444"/>
-          </a:xfrm>
-          <a:prstGeom prst="rect">
-            <a:avLst/>
-          </a:prstGeom>
-          <a:noFill/>
-        </p:spPr>
-        <p:txBody>
-          <a:bodyPr wrap="none" rtlCol="0">
-            <a:spAutoFit/>
-          </a:bodyPr>
-          <a:lstStyle/>
-          <a:p>
-            <a:r>
-              <a:rPr lang="en-US" sz="800" dirty="0">
-                <a:solidFill>
-                  <a:schemeClr val="bg1"/>
-                </a:solidFill>
-              </a:rPr>
-              <a:t>IN</a:t>
-            </a:r>
-          </a:p>
-        </p:txBody>
-      </p:sp>
-      <p:cxnSp>
-        <p:nvCxnSpPr>
-          <p:cNvPr id="62" name="Straight Connector 61">
-            <a:extLst>
-              <a:ext uri="{FF2B5EF4-FFF2-40B4-BE49-F238E27FC236}">
-                <a16:creationId xmlns:a16="http://schemas.microsoft.com/office/drawing/2014/main" id="{1F631310-DCD5-417A-9847-541A5181DE6A}"/>
-              </a:ext>
-            </a:extLst>
-          </p:cNvPr>
-          <p:cNvCxnSpPr>
-            <a:cxnSpLocks/>
-            <a:stCxn id="57" idx="7"/>
-          </p:cNvCxnSpPr>
-          <p:nvPr/>
-        </p:nvCxnSpPr>
-        <p:spPr>
-          <a:xfrm flipV="1">
-            <a:off x="9994142" y="5201325"/>
-            <a:ext cx="667085" cy="201762"/>
-          </a:xfrm>
-          <a:prstGeom prst="line">
-            <a:avLst/>
-          </a:prstGeom>
-          <a:ln w="15875">
+        </p:nvGrpSpPr>
+        <p:grpSpPr>
+          <a:xfrm rot="16019730">
+            <a:off x="9454507" y="5131573"/>
+            <a:ext cx="534377" cy="189534"/>
+            <a:chOff x="9382567" y="3220117"/>
+            <a:chExt cx="534377" cy="189534"/>
+          </a:xfrm>
+        </p:grpSpPr>
+        <p:sp>
+          <p:nvSpPr>
+            <p:cNvPr id="60" name="Rectangle 59">
+              <a:extLst>
+                <a:ext uri="{FF2B5EF4-FFF2-40B4-BE49-F238E27FC236}">
+                  <a16:creationId xmlns:a16="http://schemas.microsoft.com/office/drawing/2014/main" id="{6890A3CD-188A-44CB-9B96-4E6CF9A659B7}"/>
+                </a:ext>
+              </a:extLst>
+            </p:cNvPr>
+            <p:cNvSpPr/>
+            <p:nvPr/>
+          </p:nvSpPr>
+          <p:spPr>
+            <a:xfrm rot="20746898">
+              <a:off x="9382567" y="3230531"/>
+              <a:ext cx="517241" cy="179120"/>
+            </a:xfrm>
+            <a:prstGeom prst="rect">
+              <a:avLst/>
+            </a:prstGeom>
+          </p:spPr>
+          <p:style>
+            <a:lnRef idx="2">
+              <a:schemeClr val="accent1">
+                <a:shade val="50000"/>
+              </a:schemeClr>
+            </a:lnRef>
+            <a:fillRef idx="1">
+              <a:schemeClr val="accent1"/>
+            </a:fillRef>
+            <a:effectRef idx="0">
+              <a:schemeClr val="accent1"/>
+            </a:effectRef>
+            <a:fontRef idx="minor">
+              <a:schemeClr val="lt1"/>
+            </a:fontRef>
+          </p:style>
+          <p:txBody>
+            <a:bodyPr rtlCol="0" anchor="ctr"/>
+            <a:lstStyle/>
+            <a:p>
+              <a:pPr algn="ctr"/>
+              <a:r>
+                <a:rPr lang="en-US" sz="1200" dirty="0"/>
+                <a:t>KCX</a:t>
+              </a:r>
+            </a:p>
+          </p:txBody>
+        </p:sp>
+        <p:sp>
+          <p:nvSpPr>
+            <p:cNvPr id="61" name="Oval 60">
+              <a:extLst>
+                <a:ext uri="{FF2B5EF4-FFF2-40B4-BE49-F238E27FC236}">
+                  <a16:creationId xmlns:a16="http://schemas.microsoft.com/office/drawing/2014/main" id="{90E6C6BE-BD5E-476D-B277-713C27D09B29}"/>
+                </a:ext>
+              </a:extLst>
+            </p:cNvPr>
+            <p:cNvSpPr/>
+            <p:nvPr/>
+          </p:nvSpPr>
+          <p:spPr>
+            <a:xfrm>
+              <a:off x="9862758" y="3220117"/>
+              <a:ext cx="54186" cy="46399"/>
+            </a:xfrm>
+            <a:prstGeom prst="ellipse">
+              <a:avLst/>
+            </a:prstGeom>
             <a:solidFill>
-              <a:schemeClr val="tx1"/>
+              <a:schemeClr val="accent3">
+                <a:lumMod val="40000"/>
+                <a:lumOff val="60000"/>
+              </a:schemeClr>
             </a:solidFill>
-          </a:ln>
-        </p:spPr>
-        <p:style>
-          <a:lnRef idx="3">
-            <a:schemeClr val="accent2"/>
-          </a:lnRef>
-          <a:fillRef idx="0">
-            <a:schemeClr val="accent2"/>
-          </a:fillRef>
-          <a:effectRef idx="2">
-            <a:schemeClr val="accent2"/>
-          </a:effectRef>
-          <a:fontRef idx="minor">
-            <a:schemeClr val="tx1"/>
-          </a:fontRef>
-        </p:style>
-      </p:cxnSp>
-      <p:sp>
-        <p:nvSpPr>
-          <p:cNvPr id="69" name="Rectangle 68">
-            <a:extLst>
-              <a:ext uri="{FF2B5EF4-FFF2-40B4-BE49-F238E27FC236}">
-                <a16:creationId xmlns:a16="http://schemas.microsoft.com/office/drawing/2014/main" id="{51135268-9437-4242-A479-B27805A6C787}"/>
-              </a:ext>
-            </a:extLst>
-          </p:cNvPr>
-          <p:cNvSpPr/>
-          <p:nvPr/>
-        </p:nvSpPr>
-        <p:spPr>
-          <a:xfrm>
-            <a:off x="9922269" y="2576357"/>
-            <a:ext cx="91440" cy="27432"/>
-          </a:xfrm>
-          <a:prstGeom prst="rect">
-            <a:avLst/>
-          </a:prstGeom>
-          <a:solidFill>
-            <a:srgbClr val="00B0F0"/>
-          </a:solidFill>
-          <a:ln>
-            <a:solidFill>
-              <a:schemeClr val="tx1"/>
-            </a:solidFill>
-          </a:ln>
-        </p:spPr>
-        <p:style>
-          <a:lnRef idx="2">
-            <a:schemeClr val="accent1">
-              <a:shade val="50000"/>
-            </a:schemeClr>
-          </a:lnRef>
-          <a:fillRef idx="1">
-            <a:schemeClr val="accent1"/>
-          </a:fillRef>
-          <a:effectRef idx="0">
-            <a:schemeClr val="accent1"/>
-          </a:effectRef>
-          <a:fontRef idx="minor">
-            <a:schemeClr val="lt1"/>
-          </a:fontRef>
-        </p:style>
-        <p:txBody>
-          <a:bodyPr rtlCol="0" anchor="ctr"/>
-          <a:lstStyle/>
-          <a:p>
-            <a:pPr algn="ctr"/>
-            <a:endParaRPr lang="en-US"/>
-          </a:p>
-        </p:txBody>
-      </p:sp>
-      <p:sp>
-        <p:nvSpPr>
-          <p:cNvPr id="70" name="Rectangle 69">
-            <a:extLst>
-              <a:ext uri="{FF2B5EF4-FFF2-40B4-BE49-F238E27FC236}">
-                <a16:creationId xmlns:a16="http://schemas.microsoft.com/office/drawing/2014/main" id="{AF569026-DEE6-43BD-875A-BFDA0E292F15}"/>
-              </a:ext>
-            </a:extLst>
-          </p:cNvPr>
-          <p:cNvSpPr/>
-          <p:nvPr/>
-        </p:nvSpPr>
-        <p:spPr>
-          <a:xfrm rot="20609329">
-            <a:off x="9591949" y="4537359"/>
-            <a:ext cx="731520" cy="27432"/>
-          </a:xfrm>
-          <a:prstGeom prst="rect">
-            <a:avLst/>
-          </a:prstGeom>
-          <a:solidFill>
-            <a:schemeClr val="accent4">
-              <a:lumMod val="60000"/>
-              <a:lumOff val="40000"/>
-            </a:schemeClr>
-          </a:solidFill>
-          <a:ln>
-            <a:solidFill>
-              <a:schemeClr val="tx1"/>
-            </a:solidFill>
-          </a:ln>
-        </p:spPr>
-        <p:style>
-          <a:lnRef idx="2">
-            <a:schemeClr val="accent1">
-              <a:shade val="50000"/>
-            </a:schemeClr>
-          </a:lnRef>
-          <a:fillRef idx="1">
-            <a:schemeClr val="accent1"/>
-          </a:fillRef>
-          <a:effectRef idx="0">
-            <a:schemeClr val="accent1"/>
-          </a:effectRef>
-          <a:fontRef idx="minor">
-            <a:schemeClr val="lt1"/>
-          </a:fontRef>
-        </p:style>
-        <p:txBody>
-          <a:bodyPr rtlCol="0" anchor="ctr"/>
-          <a:lstStyle/>
-          <a:p>
-            <a:pPr algn="ctr"/>
-            <a:endParaRPr lang="en-US"/>
-          </a:p>
-        </p:txBody>
-      </p:sp>
-      <p:sp>
-        <p:nvSpPr>
-          <p:cNvPr id="71" name="Rectangle 70">
-            <a:extLst>
-              <a:ext uri="{FF2B5EF4-FFF2-40B4-BE49-F238E27FC236}">
-                <a16:creationId xmlns:a16="http://schemas.microsoft.com/office/drawing/2014/main" id="{8BCBB731-20A8-4AE9-BF61-F32467863BCA}"/>
-              </a:ext>
-            </a:extLst>
-          </p:cNvPr>
-          <p:cNvSpPr/>
-          <p:nvPr/>
-        </p:nvSpPr>
-        <p:spPr>
-          <a:xfrm rot="5400000">
-            <a:off x="9791906" y="2735455"/>
-            <a:ext cx="288758" cy="27432"/>
-          </a:xfrm>
-          <a:prstGeom prst="rect">
-            <a:avLst/>
-          </a:prstGeom>
-          <a:solidFill>
-            <a:srgbClr val="00B0F0"/>
-          </a:solidFill>
-          <a:ln>
-            <a:solidFill>
-              <a:schemeClr val="tx1"/>
-            </a:solidFill>
-          </a:ln>
-        </p:spPr>
-        <p:style>
-          <a:lnRef idx="2">
-            <a:schemeClr val="accent1">
-              <a:shade val="50000"/>
-            </a:schemeClr>
-          </a:lnRef>
-          <a:fillRef idx="1">
-            <a:schemeClr val="accent1"/>
-          </a:fillRef>
-          <a:effectRef idx="0">
-            <a:schemeClr val="accent1"/>
-          </a:effectRef>
-          <a:fontRef idx="minor">
-            <a:schemeClr val="lt1"/>
-          </a:fontRef>
-        </p:style>
-        <p:txBody>
-          <a:bodyPr rtlCol="0" anchor="ctr"/>
-          <a:lstStyle/>
-          <a:p>
-            <a:pPr algn="ctr"/>
-            <a:endParaRPr lang="en-US"/>
-          </a:p>
-        </p:txBody>
-      </p:sp>
-      <p:sp>
-        <p:nvSpPr>
-          <p:cNvPr id="72" name="Rectangle 71">
-            <a:extLst>
-              <a:ext uri="{FF2B5EF4-FFF2-40B4-BE49-F238E27FC236}">
-                <a16:creationId xmlns:a16="http://schemas.microsoft.com/office/drawing/2014/main" id="{D49EE48B-809C-4022-8A93-0300F2CFFC33}"/>
-              </a:ext>
-            </a:extLst>
-          </p:cNvPr>
-          <p:cNvSpPr/>
-          <p:nvPr/>
-        </p:nvSpPr>
-        <p:spPr>
-          <a:xfrm rot="4466416">
-            <a:off x="9178371" y="3877979"/>
-            <a:ext cx="2077891" cy="27432"/>
-          </a:xfrm>
-          <a:prstGeom prst="rect">
-            <a:avLst/>
-          </a:prstGeom>
-          <a:solidFill>
-            <a:srgbClr val="00B0F0"/>
-          </a:solidFill>
-          <a:ln>
-            <a:solidFill>
-              <a:schemeClr val="tx1"/>
-            </a:solidFill>
-          </a:ln>
-        </p:spPr>
-        <p:style>
-          <a:lnRef idx="2">
-            <a:schemeClr val="accent1">
-              <a:shade val="50000"/>
-            </a:schemeClr>
-          </a:lnRef>
-          <a:fillRef idx="1">
-            <a:schemeClr val="accent1"/>
-          </a:fillRef>
-          <a:effectRef idx="0">
-            <a:schemeClr val="accent1"/>
-          </a:effectRef>
-          <a:fontRef idx="minor">
-            <a:schemeClr val="lt1"/>
-          </a:fontRef>
-        </p:style>
-        <p:txBody>
-          <a:bodyPr rtlCol="0" anchor="ctr"/>
-          <a:lstStyle/>
-          <a:p>
-            <a:pPr algn="ctr"/>
-            <a:endParaRPr lang="en-US"/>
-          </a:p>
-        </p:txBody>
-      </p:sp>
-      <p:sp>
-        <p:nvSpPr>
-          <p:cNvPr id="73" name="Rectangle 72">
-            <a:extLst>
-              <a:ext uri="{FF2B5EF4-FFF2-40B4-BE49-F238E27FC236}">
-                <a16:creationId xmlns:a16="http://schemas.microsoft.com/office/drawing/2014/main" id="{4811DBD5-B0A8-409D-94F7-890B0082D7BE}"/>
-              </a:ext>
-            </a:extLst>
-          </p:cNvPr>
-          <p:cNvSpPr/>
-          <p:nvPr/>
-        </p:nvSpPr>
-        <p:spPr>
-          <a:xfrm rot="5340000">
-            <a:off x="10085813" y="5291243"/>
-            <a:ext cx="822960" cy="27432"/>
-          </a:xfrm>
-          <a:prstGeom prst="rect">
-            <a:avLst/>
-          </a:prstGeom>
-          <a:solidFill>
-            <a:srgbClr val="00B0F0"/>
-          </a:solidFill>
-          <a:ln>
-            <a:solidFill>
-              <a:schemeClr val="tx1"/>
-            </a:solidFill>
-          </a:ln>
-        </p:spPr>
-        <p:style>
-          <a:lnRef idx="2">
-            <a:schemeClr val="accent1">
-              <a:shade val="50000"/>
-            </a:schemeClr>
-          </a:lnRef>
-          <a:fillRef idx="1">
-            <a:schemeClr val="accent1"/>
-          </a:fillRef>
-          <a:effectRef idx="0">
-            <a:schemeClr val="accent1"/>
-          </a:effectRef>
-          <a:fontRef idx="minor">
-            <a:schemeClr val="lt1"/>
-          </a:fontRef>
-        </p:style>
-        <p:txBody>
-          <a:bodyPr rtlCol="0" anchor="ctr"/>
-          <a:lstStyle/>
-          <a:p>
-            <a:pPr algn="ctr"/>
-            <a:endParaRPr lang="en-US"/>
-          </a:p>
-        </p:txBody>
-      </p:sp>
-      <p:sp>
-        <p:nvSpPr>
-          <p:cNvPr id="58" name="Oval 57">
-            <a:extLst>
-              <a:ext uri="{FF2B5EF4-FFF2-40B4-BE49-F238E27FC236}">
-                <a16:creationId xmlns:a16="http://schemas.microsoft.com/office/drawing/2014/main" id="{F924471A-2662-4AD1-AE64-B68EB9837B09}"/>
-              </a:ext>
-            </a:extLst>
-          </p:cNvPr>
-          <p:cNvSpPr/>
-          <p:nvPr/>
-        </p:nvSpPr>
-        <p:spPr>
-          <a:xfrm>
-            <a:off x="10482369" y="5694909"/>
-            <a:ext cx="54186" cy="46399"/>
-          </a:xfrm>
-          <a:prstGeom prst="ellipse">
-            <a:avLst/>
-          </a:prstGeom>
-          <a:solidFill>
-            <a:srgbClr val="00B0F0"/>
-          </a:solidFill>
-          <a:ln>
-            <a:solidFill>
-              <a:schemeClr val="tx1"/>
-            </a:solidFill>
-          </a:ln>
-        </p:spPr>
-        <p:style>
-          <a:lnRef idx="2">
-            <a:schemeClr val="accent1">
-              <a:shade val="50000"/>
-            </a:schemeClr>
-          </a:lnRef>
-          <a:fillRef idx="1">
-            <a:schemeClr val="accent1"/>
-          </a:fillRef>
-          <a:effectRef idx="0">
-            <a:schemeClr val="accent1"/>
-          </a:effectRef>
-          <a:fontRef idx="minor">
-            <a:schemeClr val="lt1"/>
-          </a:fontRef>
-        </p:style>
-        <p:txBody>
-          <a:bodyPr rtlCol="0" anchor="ctr"/>
-          <a:lstStyle/>
-          <a:p>
-            <a:pPr algn="ctr"/>
-            <a:endParaRPr lang="en-US"/>
-          </a:p>
-        </p:txBody>
-      </p:sp>
-      <p:sp>
-        <p:nvSpPr>
-          <p:cNvPr id="76" name="Rectangle 75">
-            <a:extLst>
-              <a:ext uri="{FF2B5EF4-FFF2-40B4-BE49-F238E27FC236}">
-                <a16:creationId xmlns:a16="http://schemas.microsoft.com/office/drawing/2014/main" id="{4F469AEE-F40E-49C6-BB79-D07E78F2588A}"/>
-              </a:ext>
-            </a:extLst>
-          </p:cNvPr>
-          <p:cNvSpPr/>
-          <p:nvPr/>
-        </p:nvSpPr>
-        <p:spPr>
-          <a:xfrm rot="4447114">
-            <a:off x="9027820" y="3486930"/>
-            <a:ext cx="2011680" cy="27432"/>
-          </a:xfrm>
-          <a:prstGeom prst="rect">
-            <a:avLst/>
-          </a:prstGeom>
-          <a:solidFill>
-            <a:schemeClr val="accent4">
-              <a:lumMod val="60000"/>
-              <a:lumOff val="40000"/>
-            </a:schemeClr>
-          </a:solidFill>
-          <a:ln>
-            <a:solidFill>
-              <a:schemeClr val="tx1"/>
-            </a:solidFill>
-          </a:ln>
-        </p:spPr>
-        <p:style>
-          <a:lnRef idx="2">
-            <a:schemeClr val="accent1">
-              <a:shade val="50000"/>
-            </a:schemeClr>
-          </a:lnRef>
-          <a:fillRef idx="1">
-            <a:schemeClr val="accent1"/>
-          </a:fillRef>
-          <a:effectRef idx="0">
-            <a:schemeClr val="accent1"/>
-          </a:effectRef>
-          <a:fontRef idx="minor">
-            <a:schemeClr val="lt1"/>
-          </a:fontRef>
-        </p:style>
-        <p:txBody>
-          <a:bodyPr rtlCol="0" anchor="ctr"/>
-          <a:lstStyle/>
-          <a:p>
-            <a:pPr algn="ctr"/>
-            <a:endParaRPr lang="en-US"/>
-          </a:p>
-        </p:txBody>
-      </p:sp>
-      <p:sp>
-        <p:nvSpPr>
-          <p:cNvPr id="77" name="Rectangle 76">
-            <a:extLst>
-              <a:ext uri="{FF2B5EF4-FFF2-40B4-BE49-F238E27FC236}">
-                <a16:creationId xmlns:a16="http://schemas.microsoft.com/office/drawing/2014/main" id="{80057571-BD9A-416E-BE75-1E87664C1AB4}"/>
-              </a:ext>
-            </a:extLst>
-          </p:cNvPr>
-          <p:cNvSpPr/>
-          <p:nvPr/>
-        </p:nvSpPr>
-        <p:spPr>
-          <a:xfrm rot="3840000">
-            <a:off x="9362072" y="5034899"/>
-            <a:ext cx="877824" cy="27432"/>
-          </a:xfrm>
-          <a:prstGeom prst="rect">
-            <a:avLst/>
-          </a:prstGeom>
-          <a:solidFill>
-            <a:schemeClr val="accent4">
-              <a:lumMod val="60000"/>
-              <a:lumOff val="40000"/>
-            </a:schemeClr>
-          </a:solidFill>
-          <a:ln>
-            <a:solidFill>
-              <a:schemeClr val="tx1"/>
-            </a:solidFill>
-          </a:ln>
-        </p:spPr>
-        <p:style>
-          <a:lnRef idx="2">
-            <a:schemeClr val="accent1">
-              <a:shade val="50000"/>
-            </a:schemeClr>
-          </a:lnRef>
-          <a:fillRef idx="1">
-            <a:schemeClr val="accent1"/>
-          </a:fillRef>
-          <a:effectRef idx="0">
-            <a:schemeClr val="accent1"/>
-          </a:effectRef>
-          <a:fontRef idx="minor">
-            <a:schemeClr val="lt1"/>
-          </a:fontRef>
-        </p:style>
-        <p:txBody>
-          <a:bodyPr rtlCol="0" anchor="ctr"/>
-          <a:lstStyle/>
-          <a:p>
-            <a:pPr algn="ctr"/>
-            <a:endParaRPr lang="en-US"/>
-          </a:p>
-        </p:txBody>
-      </p:sp>
-      <p:sp>
-        <p:nvSpPr>
-          <p:cNvPr id="57" name="Oval 56">
-            <a:extLst>
-              <a:ext uri="{FF2B5EF4-FFF2-40B4-BE49-F238E27FC236}">
-                <a16:creationId xmlns:a16="http://schemas.microsoft.com/office/drawing/2014/main" id="{1B115DB7-8A47-4148-9B5E-43BEEC54CB17}"/>
-              </a:ext>
-            </a:extLst>
-          </p:cNvPr>
-          <p:cNvSpPr/>
-          <p:nvPr/>
-        </p:nvSpPr>
-        <p:spPr>
-          <a:xfrm>
-            <a:off x="9947891" y="5396292"/>
-            <a:ext cx="54186" cy="46399"/>
-          </a:xfrm>
-          <a:prstGeom prst="ellipse">
-            <a:avLst/>
-          </a:prstGeom>
-          <a:solidFill>
-            <a:schemeClr val="accent4">
-              <a:lumMod val="60000"/>
-              <a:lumOff val="40000"/>
-            </a:schemeClr>
-          </a:solidFill>
-          <a:ln>
-            <a:solidFill>
-              <a:schemeClr val="tx1"/>
-            </a:solidFill>
-          </a:ln>
-        </p:spPr>
-        <p:style>
-          <a:lnRef idx="2">
-            <a:schemeClr val="accent1">
-              <a:shade val="50000"/>
-            </a:schemeClr>
-          </a:lnRef>
-          <a:fillRef idx="1">
-            <a:schemeClr val="accent1"/>
-          </a:fillRef>
-          <a:effectRef idx="0">
-            <a:schemeClr val="accent1"/>
-          </a:effectRef>
-          <a:fontRef idx="minor">
-            <a:schemeClr val="lt1"/>
-          </a:fontRef>
-        </p:style>
-        <p:txBody>
-          <a:bodyPr rtlCol="0" anchor="ctr"/>
-          <a:lstStyle/>
-          <a:p>
-            <a:pPr algn="ctr"/>
-            <a:endParaRPr lang="en-US"/>
-          </a:p>
-        </p:txBody>
-      </p:sp>
-      <p:sp>
-        <p:nvSpPr>
-          <p:cNvPr id="68" name="Rectangle 67">
-            <a:extLst>
-              <a:ext uri="{FF2B5EF4-FFF2-40B4-BE49-F238E27FC236}">
-                <a16:creationId xmlns:a16="http://schemas.microsoft.com/office/drawing/2014/main" id="{2F715723-D5C7-4528-8CC3-74C45A3A957A}"/>
-              </a:ext>
-            </a:extLst>
-          </p:cNvPr>
-          <p:cNvSpPr/>
-          <p:nvPr/>
-        </p:nvSpPr>
-        <p:spPr>
-          <a:xfrm>
-            <a:off x="9735777" y="2515329"/>
-            <a:ext cx="288758" cy="27432"/>
-          </a:xfrm>
-          <a:prstGeom prst="rect">
-            <a:avLst/>
-          </a:prstGeom>
-          <a:solidFill>
-            <a:schemeClr val="accent4">
-              <a:lumMod val="60000"/>
-              <a:lumOff val="40000"/>
-            </a:schemeClr>
-          </a:solidFill>
-          <a:ln>
-            <a:solidFill>
-              <a:schemeClr val="tx1"/>
-            </a:solidFill>
-          </a:ln>
-        </p:spPr>
-        <p:style>
-          <a:lnRef idx="2">
-            <a:schemeClr val="accent1">
-              <a:shade val="50000"/>
-            </a:schemeClr>
-          </a:lnRef>
-          <a:fillRef idx="1">
-            <a:schemeClr val="accent1"/>
-          </a:fillRef>
-          <a:effectRef idx="0">
-            <a:schemeClr val="accent1"/>
-          </a:effectRef>
-          <a:fontRef idx="minor">
-            <a:schemeClr val="lt1"/>
-          </a:fontRef>
-        </p:style>
-        <p:txBody>
-          <a:bodyPr rtlCol="0" anchor="ctr"/>
-          <a:lstStyle/>
-          <a:p>
-            <a:pPr algn="ctr"/>
-            <a:endParaRPr lang="en-US"/>
-          </a:p>
-        </p:txBody>
-      </p:sp>
+            <a:ln>
+              <a:solidFill>
+                <a:schemeClr val="accent3">
+                  <a:lumMod val="40000"/>
+                  <a:lumOff val="60000"/>
+                </a:schemeClr>
+              </a:solidFill>
+            </a:ln>
+          </p:spPr>
+          <p:style>
+            <a:lnRef idx="2">
+              <a:schemeClr val="accent1">
+                <a:shade val="50000"/>
+              </a:schemeClr>
+            </a:lnRef>
+            <a:fillRef idx="1">
+              <a:schemeClr val="accent1"/>
+            </a:fillRef>
+            <a:effectRef idx="0">
+              <a:schemeClr val="accent1"/>
+            </a:effectRef>
+            <a:fontRef idx="minor">
+              <a:schemeClr val="lt1"/>
+            </a:fontRef>
+          </p:style>
+          <p:txBody>
+            <a:bodyPr rtlCol="0" anchor="ctr"/>
+            <a:lstStyle/>
+            <a:p>
+              <a:pPr algn="ctr"/>
+              <a:endParaRPr lang="en-US" sz="1200"/>
+            </a:p>
+          </p:txBody>
+        </p:sp>
+      </p:grpSp>
     </p:spTree>
     <p:extLst>
       <p:ext uri="{BB962C8B-B14F-4D97-AF65-F5344CB8AC3E}">
